--- a/CustomVisualsForPowerBI.pptx
+++ b/CustomVisualsForPowerBI.pptx
@@ -5,10 +5,10 @@
     <p:sldMasterId id="2147483648" r:id="rId5"/>
   </p:sldMasterIdLst>
   <p:notesMasterIdLst>
-    <p:notesMasterId r:id="rId38"/>
+    <p:notesMasterId r:id="rId41"/>
   </p:notesMasterIdLst>
   <p:handoutMasterIdLst>
-    <p:handoutMasterId r:id="rId39"/>
+    <p:handoutMasterId r:id="rId42"/>
   </p:handoutMasterIdLst>
   <p:sldIdLst>
     <p:sldId id="279" r:id="rId6"/>
@@ -35,14 +35,17 @@
     <p:sldId id="355" r:id="rId27"/>
     <p:sldId id="350" r:id="rId28"/>
     <p:sldId id="351" r:id="rId29"/>
-    <p:sldId id="352" r:id="rId30"/>
-    <p:sldId id="353" r:id="rId31"/>
-    <p:sldId id="359" r:id="rId32"/>
-    <p:sldId id="358" r:id="rId33"/>
-    <p:sldId id="357" r:id="rId34"/>
-    <p:sldId id="356" r:id="rId35"/>
-    <p:sldId id="354" r:id="rId36"/>
-    <p:sldId id="349" r:id="rId37"/>
+    <p:sldId id="360" r:id="rId30"/>
+    <p:sldId id="357" r:id="rId31"/>
+    <p:sldId id="361" r:id="rId32"/>
+    <p:sldId id="356" r:id="rId33"/>
+    <p:sldId id="358" r:id="rId34"/>
+    <p:sldId id="362" r:id="rId35"/>
+    <p:sldId id="359" r:id="rId36"/>
+    <p:sldId id="352" r:id="rId37"/>
+    <p:sldId id="353" r:id="rId38"/>
+    <p:sldId id="354" r:id="rId39"/>
+    <p:sldId id="349" r:id="rId40"/>
   </p:sldIdLst>
   <p:sldSz cx="9144000" cy="6858000" type="screen4x3"/>
   <p:notesSz cx="7315200" cy="9601200"/>
@@ -4974,6 +4977,1574 @@
       </p:grpSpPr>
       <p:sp>
         <p:nvSpPr>
+          <p:cNvPr id="2" name="Title 1"/>
+          <p:cNvSpPr>
+            <a:spLocks noGrp="1"/>
+          </p:cNvSpPr>
+          <p:nvPr>
+            <p:ph type="title"/>
+          </p:nvPr>
+        </p:nvSpPr>
+        <p:spPr/>
+        <p:txBody>
+          <a:bodyPr/>
+          <a:lstStyle/>
+          <a:p>
+            <a:r>
+              <a:rPr lang="en-US" dirty="0"/>
+              <a:t>Creating a New Custom Visual Project</a:t>
+            </a:r>
+          </a:p>
+        </p:txBody>
+      </p:sp>
+      <p:sp>
+        <p:nvSpPr>
+          <p:cNvPr id="4" name="Content Placeholder 3"/>
+          <p:cNvSpPr>
+            <a:spLocks noGrp="1"/>
+          </p:cNvSpPr>
+          <p:nvPr>
+            <p:ph idx="1"/>
+          </p:nvPr>
+        </p:nvSpPr>
+        <p:spPr/>
+        <p:txBody>
+          <a:bodyPr>
+            <a:normAutofit/>
+          </a:bodyPr>
+          <a:lstStyle/>
+          <a:p>
+            <a:r>
+              <a:rPr lang="en-US" sz="2400" dirty="0"/>
+              <a:t>Creating a new project</a:t>
+            </a:r>
+          </a:p>
+          <a:p>
+            <a:pPr marL="679450" lvl="2" indent="0">
+              <a:buNone/>
+            </a:pPr>
+            <a:r>
+              <a:rPr lang="en-US" sz="1800" b="1" dirty="0" err="1">
+                <a:solidFill>
+                  <a:schemeClr val="accent1">
+                    <a:lumMod val="50000"/>
+                  </a:schemeClr>
+                </a:solidFill>
+                <a:latin typeface="Lucida Console" panose="020B0609040504020204" pitchFamily="49" charset="0"/>
+              </a:rPr>
+              <a:t>pbiviz</a:t>
+            </a:r>
+            <a:r>
+              <a:rPr lang="en-US" sz="1800" b="1" dirty="0">
+                <a:solidFill>
+                  <a:schemeClr val="accent1">
+                    <a:lumMod val="50000"/>
+                  </a:schemeClr>
+                </a:solidFill>
+                <a:latin typeface="Lucida Console" panose="020B0609040504020204" pitchFamily="49" charset="0"/>
+              </a:rPr>
+              <a:t> new &lt;</a:t>
+            </a:r>
+            <a:r>
+              <a:rPr lang="en-US" sz="1800" b="1" dirty="0" err="1">
+                <a:solidFill>
+                  <a:schemeClr val="accent1">
+                    <a:lumMod val="50000"/>
+                  </a:schemeClr>
+                </a:solidFill>
+                <a:latin typeface="Lucida Console" panose="020B0609040504020204" pitchFamily="49" charset="0"/>
+              </a:rPr>
+              <a:t>ProjectName</a:t>
+            </a:r>
+            <a:r>
+              <a:rPr lang="en-US" sz="1800" b="1" dirty="0">
+                <a:solidFill>
+                  <a:schemeClr val="accent1">
+                    <a:lumMod val="50000"/>
+                  </a:schemeClr>
+                </a:solidFill>
+                <a:latin typeface="Lucida Console" panose="020B0609040504020204" pitchFamily="49" charset="0"/>
+              </a:rPr>
+              <a:t>&gt;</a:t>
+            </a:r>
+          </a:p>
+          <a:p>
+            <a:r>
+              <a:rPr lang="en-US" sz="2400" dirty="0"/>
+              <a:t>Open the Project with Visual Studio Code</a:t>
+            </a:r>
+          </a:p>
+          <a:p>
+            <a:pPr marL="679450" lvl="2" indent="0">
+              <a:buNone/>
+            </a:pPr>
+            <a:r>
+              <a:rPr lang="en-US" sz="1800" dirty="0">
+                <a:solidFill>
+                  <a:schemeClr val="accent1">
+                    <a:lumMod val="50000"/>
+                  </a:schemeClr>
+                </a:solidFill>
+                <a:latin typeface="Lucida Console" panose="020B0609040504020204" pitchFamily="49" charset="0"/>
+              </a:rPr>
+              <a:t>code .</a:t>
+            </a:r>
+          </a:p>
+        </p:txBody>
+      </p:sp>
+      <p:pic>
+        <p:nvPicPr>
+          <p:cNvPr id="3" name="Picture 2"/>
+          <p:cNvPicPr>
+            <a:picLocks noChangeAspect="1"/>
+          </p:cNvPicPr>
+          <p:nvPr/>
+        </p:nvPicPr>
+        <p:blipFill rotWithShape="1">
+          <a:blip r:embed="rId2"/>
+          <a:srcRect r="45159" b="50302"/>
+          <a:stretch/>
+        </p:blipFill>
+        <p:spPr>
+          <a:xfrm>
+            <a:off x="533400" y="3224212"/>
+            <a:ext cx="5715000" cy="3000375"/>
+          </a:xfrm>
+          <a:prstGeom prst="rect">
+            <a:avLst/>
+          </a:prstGeom>
+        </p:spPr>
+      </p:pic>
+      <p:grpSp>
+        <p:nvGrpSpPr>
+          <p:cNvPr id="7" name="Group 6"/>
+          <p:cNvGrpSpPr/>
+          <p:nvPr/>
+        </p:nvGrpSpPr>
+        <p:grpSpPr>
+          <a:xfrm>
+            <a:off x="2921726" y="3429000"/>
+            <a:ext cx="6069058" cy="3230880"/>
+            <a:chOff x="2921726" y="3429000"/>
+            <a:chExt cx="6069058" cy="3230880"/>
+          </a:xfrm>
+        </p:grpSpPr>
+        <p:pic>
+          <p:nvPicPr>
+            <p:cNvPr id="5" name="Picture 4"/>
+            <p:cNvPicPr>
+              <a:picLocks noChangeAspect="1"/>
+            </p:cNvPicPr>
+            <p:nvPr/>
+          </p:nvPicPr>
+          <p:blipFill>
+            <a:blip r:embed="rId3"/>
+            <a:stretch>
+              <a:fillRect/>
+            </a:stretch>
+          </p:blipFill>
+          <p:spPr>
+            <a:xfrm>
+              <a:off x="3976342" y="3429000"/>
+              <a:ext cx="5014442" cy="3230880"/>
+            </a:xfrm>
+            <a:prstGeom prst="rect">
+              <a:avLst/>
+            </a:prstGeom>
+          </p:spPr>
+        </p:pic>
+        <p:sp>
+          <p:nvSpPr>
+            <p:cNvPr id="6" name="Right Arrow 5"/>
+            <p:cNvSpPr/>
+            <p:nvPr/>
+          </p:nvSpPr>
+          <p:spPr>
+            <a:xfrm>
+              <a:off x="2921726" y="4846320"/>
+              <a:ext cx="762000" cy="320040"/>
+            </a:xfrm>
+            <a:prstGeom prst="rightArrow">
+              <a:avLst/>
+            </a:prstGeom>
+            <a:solidFill>
+              <a:schemeClr val="accent2"/>
+            </a:solidFill>
+            <a:ln>
+              <a:solidFill>
+                <a:schemeClr val="accent1">
+                  <a:lumMod val="50000"/>
+                </a:schemeClr>
+              </a:solidFill>
+            </a:ln>
+          </p:spPr>
+          <p:style>
+            <a:lnRef idx="2">
+              <a:schemeClr val="accent1">
+                <a:shade val="50000"/>
+              </a:schemeClr>
+            </a:lnRef>
+            <a:fillRef idx="1">
+              <a:schemeClr val="accent1"/>
+            </a:fillRef>
+            <a:effectRef idx="0">
+              <a:schemeClr val="accent1"/>
+            </a:effectRef>
+            <a:fontRef idx="minor">
+              <a:schemeClr val="lt1"/>
+            </a:fontRef>
+          </p:style>
+          <p:txBody>
+            <a:bodyPr rtlCol="0" anchor="ctr"/>
+            <a:lstStyle/>
+            <a:p>
+              <a:pPr algn="ctr"/>
+              <a:endParaRPr lang="en-US"/>
+            </a:p>
+          </p:txBody>
+        </p:sp>
+      </p:grpSp>
+    </p:spTree>
+    <p:extLst>
+      <p:ext uri="{BB962C8B-B14F-4D97-AF65-F5344CB8AC3E}">
+        <p14:creationId xmlns:p14="http://schemas.microsoft.com/office/powerpoint/2010/main" val="1317821016"/>
+      </p:ext>
+    </p:extLst>
+  </p:cSld>
+  <p:clrMapOvr>
+    <a:masterClrMapping/>
+  </p:clrMapOvr>
+  <p:timing>
+    <p:tnLst>
+      <p:par>
+        <p:cTn id="1" dur="indefinite" restart="never" nodeType="tmRoot">
+          <p:childTnLst>
+            <p:seq concurrent="1" nextAc="seek">
+              <p:cTn id="2" dur="indefinite" nodeType="mainSeq">
+                <p:childTnLst>
+                  <p:par>
+                    <p:cTn id="3" fill="hold">
+                      <p:stCondLst>
+                        <p:cond delay="indefinite"/>
+                      </p:stCondLst>
+                      <p:childTnLst>
+                        <p:par>
+                          <p:cTn id="4" fill="hold">
+                            <p:stCondLst>
+                              <p:cond delay="0"/>
+                            </p:stCondLst>
+                            <p:childTnLst>
+                              <p:par>
+                                <p:cTn id="5" presetID="22" presetClass="entr" presetSubtype="8" fill="hold" nodeType="clickEffect">
+                                  <p:stCondLst>
+                                    <p:cond delay="0"/>
+                                  </p:stCondLst>
+                                  <p:childTnLst>
+                                    <p:set>
+                                      <p:cBhvr>
+                                        <p:cTn id="6" dur="1" fill="hold">
+                                          <p:stCondLst>
+                                            <p:cond delay="0"/>
+                                          </p:stCondLst>
+                                        </p:cTn>
+                                        <p:tgtEl>
+                                          <p:spTgt spid="7"/>
+                                        </p:tgtEl>
+                                        <p:attrNameLst>
+                                          <p:attrName>style.visibility</p:attrName>
+                                        </p:attrNameLst>
+                                      </p:cBhvr>
+                                      <p:to>
+                                        <p:strVal val="visible"/>
+                                      </p:to>
+                                    </p:set>
+                                    <p:animEffect transition="in" filter="wipe(left)">
+                                      <p:cBhvr>
+                                        <p:cTn id="7" dur="500"/>
+                                        <p:tgtEl>
+                                          <p:spTgt spid="7"/>
+                                        </p:tgtEl>
+                                      </p:cBhvr>
+                                    </p:animEffect>
+                                  </p:childTnLst>
+                                </p:cTn>
+                              </p:par>
+                            </p:childTnLst>
+                          </p:cTn>
+                        </p:par>
+                      </p:childTnLst>
+                    </p:cTn>
+                  </p:par>
+                </p:childTnLst>
+              </p:cTn>
+              <p:prevCondLst>
+                <p:cond evt="onPrev" delay="0">
+                  <p:tgtEl>
+                    <p:sldTgt/>
+                  </p:tgtEl>
+                </p:cond>
+              </p:prevCondLst>
+              <p:nextCondLst>
+                <p:cond evt="onNext" delay="0">
+                  <p:tgtEl>
+                    <p:sldTgt/>
+                  </p:tgtEl>
+                </p:cond>
+              </p:nextCondLst>
+            </p:seq>
+          </p:childTnLst>
+        </p:cTn>
+      </p:par>
+    </p:tnLst>
+  </p:timing>
+</p:sld>
+</file>
+
+<file path=ppt/slides/slide26.xml><?xml version="1.0" encoding="utf-8"?>
+<p:sld xmlns:a="http://schemas.openxmlformats.org/drawingml/2006/main" xmlns:r="http://schemas.openxmlformats.org/officeDocument/2006/relationships" xmlns:p="http://schemas.openxmlformats.org/presentationml/2006/main">
+  <p:cSld>
+    <p:spTree>
+      <p:nvGrpSpPr>
+        <p:cNvPr id="1" name=""/>
+        <p:cNvGrpSpPr/>
+        <p:nvPr/>
+      </p:nvGrpSpPr>
+      <p:grpSpPr>
+        <a:xfrm>
+          <a:off x="0" y="0"/>
+          <a:ext cx="0" cy="0"/>
+          <a:chOff x="0" y="0"/>
+          <a:chExt cx="0" cy="0"/>
+        </a:xfrm>
+      </p:grpSpPr>
+      <p:sp>
+        <p:nvSpPr>
+          <p:cNvPr id="2" name="Title 1"/>
+          <p:cNvSpPr>
+            <a:spLocks noGrp="1"/>
+          </p:cNvSpPr>
+          <p:nvPr>
+            <p:ph type="title"/>
+          </p:nvPr>
+        </p:nvSpPr>
+        <p:spPr/>
+        <p:txBody>
+          <a:bodyPr/>
+          <a:lstStyle/>
+          <a:p>
+            <a:r>
+              <a:rPr lang="en-US" dirty="0"/>
+              <a:t>Files in the new project</a:t>
+            </a:r>
+          </a:p>
+        </p:txBody>
+      </p:sp>
+      <p:sp>
+        <p:nvSpPr>
+          <p:cNvPr id="3" name="Content Placeholder 2"/>
+          <p:cNvSpPr>
+            <a:spLocks noGrp="1"/>
+          </p:cNvSpPr>
+          <p:nvPr>
+            <p:ph idx="1"/>
+          </p:nvPr>
+        </p:nvSpPr>
+        <p:spPr/>
+        <p:txBody>
+          <a:bodyPr>
+            <a:normAutofit fontScale="92500" lnSpcReduction="10000"/>
+          </a:bodyPr>
+          <a:lstStyle/>
+          <a:p>
+            <a:r>
+              <a:rPr lang="en-US" dirty="0" err="1"/>
+              <a:t>gitignore</a:t>
+            </a:r>
+            <a:endParaRPr lang="en-US" dirty="0"/>
+          </a:p>
+          <a:p>
+            <a:pPr lvl="1"/>
+            <a:r>
+              <a:rPr lang="en-US" dirty="0"/>
+              <a:t>tells </a:t>
+            </a:r>
+            <a:r>
+              <a:rPr lang="en-US" dirty="0" err="1"/>
+              <a:t>git</a:t>
+            </a:r>
+            <a:r>
+              <a:rPr lang="en-US" dirty="0"/>
+              <a:t> to ignore files that shouldn't be tracked in the repository</a:t>
+            </a:r>
+          </a:p>
+          <a:p>
+            <a:r>
+              <a:rPr lang="en-US" dirty="0" err="1"/>
+              <a:t>capabilities.json</a:t>
+            </a:r>
+            <a:endParaRPr lang="en-US" dirty="0"/>
+          </a:p>
+          <a:p>
+            <a:pPr lvl="1"/>
+            <a:r>
+              <a:rPr lang="en-US" dirty="0"/>
+              <a:t>used to define the capabilities of your visual learn more about visual capabilities</a:t>
+            </a:r>
+          </a:p>
+          <a:p>
+            <a:r>
+              <a:rPr lang="en-US" dirty="0" err="1"/>
+              <a:t>package.json</a:t>
+            </a:r>
+            <a:endParaRPr lang="en-US" dirty="0"/>
+          </a:p>
+          <a:p>
+            <a:pPr lvl="1"/>
+            <a:r>
+              <a:rPr lang="en-US" dirty="0"/>
+              <a:t>Used by </a:t>
+            </a:r>
+            <a:r>
+              <a:rPr lang="en-US" dirty="0" err="1"/>
+              <a:t>npm</a:t>
+            </a:r>
+            <a:r>
+              <a:rPr lang="en-US" dirty="0"/>
+              <a:t> to manage modules learn more about </a:t>
+            </a:r>
+            <a:r>
+              <a:rPr lang="en-US" dirty="0" err="1"/>
+              <a:t>npm</a:t>
+            </a:r>
+            <a:endParaRPr lang="en-US" dirty="0"/>
+          </a:p>
+          <a:p>
+            <a:r>
+              <a:rPr lang="en-US" dirty="0" err="1"/>
+              <a:t>pbiviz.json</a:t>
+            </a:r>
+            <a:endParaRPr lang="en-US" dirty="0"/>
+          </a:p>
+          <a:p>
+            <a:pPr lvl="1"/>
+            <a:r>
+              <a:rPr lang="en-US" dirty="0"/>
+              <a:t>Main configuration file for your visual</a:t>
+            </a:r>
+          </a:p>
+          <a:p>
+            <a:r>
+              <a:rPr lang="en-US" dirty="0" err="1"/>
+              <a:t>tsconfig.json</a:t>
+            </a:r>
+            <a:endParaRPr lang="en-US" dirty="0"/>
+          </a:p>
+          <a:p>
+            <a:pPr lvl="1"/>
+            <a:r>
+              <a:rPr lang="en-US" dirty="0"/>
+              <a:t>Typescript compiler settings learn more about </a:t>
+            </a:r>
+            <a:r>
+              <a:rPr lang="en-US" dirty="0" err="1"/>
+              <a:t>tsconfig</a:t>
+            </a:r>
+            <a:endParaRPr lang="en-US" dirty="0"/>
+          </a:p>
+        </p:txBody>
+      </p:sp>
+    </p:spTree>
+    <p:extLst>
+      <p:ext uri="{BB962C8B-B14F-4D97-AF65-F5344CB8AC3E}">
+        <p14:creationId xmlns:p14="http://schemas.microsoft.com/office/powerpoint/2010/main" val="3834822213"/>
+      </p:ext>
+    </p:extLst>
+  </p:cSld>
+  <p:clrMapOvr>
+    <a:masterClrMapping/>
+  </p:clrMapOvr>
+</p:sld>
+</file>
+
+<file path=ppt/slides/slide27.xml><?xml version="1.0" encoding="utf-8"?>
+<p:sld xmlns:a="http://schemas.openxmlformats.org/drawingml/2006/main" xmlns:r="http://schemas.openxmlformats.org/officeDocument/2006/relationships" xmlns:p="http://schemas.openxmlformats.org/presentationml/2006/main">
+  <p:cSld>
+    <p:spTree>
+      <p:nvGrpSpPr>
+        <p:cNvPr id="1" name=""/>
+        <p:cNvGrpSpPr/>
+        <p:nvPr/>
+      </p:nvGrpSpPr>
+      <p:grpSpPr>
+        <a:xfrm>
+          <a:off x="0" y="0"/>
+          <a:ext cx="0" cy="0"/>
+          <a:chOff x="0" y="0"/>
+          <a:chExt cx="0" cy="0"/>
+        </a:xfrm>
+      </p:grpSpPr>
+      <p:sp>
+        <p:nvSpPr>
+          <p:cNvPr id="2" name="Title 1"/>
+          <p:cNvSpPr>
+            <a:spLocks noGrp="1"/>
+          </p:cNvSpPr>
+          <p:nvPr>
+            <p:ph type="title"/>
+          </p:nvPr>
+        </p:nvSpPr>
+        <p:spPr/>
+        <p:txBody>
+          <a:bodyPr/>
+          <a:lstStyle/>
+          <a:p>
+            <a:r>
+              <a:rPr lang="en-US" dirty="0"/>
+              <a:t>The </a:t>
+            </a:r>
+            <a:r>
+              <a:rPr lang="en-US" dirty="0" err="1"/>
+              <a:t>pbiviz.json</a:t>
+            </a:r>
+            <a:r>
+              <a:rPr lang="en-US" dirty="0"/>
+              <a:t> File</a:t>
+            </a:r>
+          </a:p>
+        </p:txBody>
+      </p:sp>
+      <p:pic>
+        <p:nvPicPr>
+          <p:cNvPr id="3" name="Picture 2"/>
+          <p:cNvPicPr>
+            <a:picLocks noChangeAspect="1"/>
+          </p:cNvPicPr>
+          <p:nvPr/>
+        </p:nvPicPr>
+        <p:blipFill>
+          <a:blip r:embed="rId2"/>
+          <a:stretch>
+            <a:fillRect/>
+          </a:stretch>
+        </p:blipFill>
+        <p:spPr>
+          <a:xfrm>
+            <a:off x="457200" y="1676400"/>
+            <a:ext cx="7472363" cy="4237708"/>
+          </a:xfrm>
+          <a:prstGeom prst="rect">
+            <a:avLst/>
+          </a:prstGeom>
+          <a:ln>
+            <a:solidFill>
+              <a:schemeClr val="tx1"/>
+            </a:solidFill>
+          </a:ln>
+        </p:spPr>
+      </p:pic>
+    </p:spTree>
+    <p:extLst>
+      <p:ext uri="{BB962C8B-B14F-4D97-AF65-F5344CB8AC3E}">
+        <p14:creationId xmlns:p14="http://schemas.microsoft.com/office/powerpoint/2010/main" val="4018350027"/>
+      </p:ext>
+    </p:extLst>
+  </p:cSld>
+  <p:clrMapOvr>
+    <a:masterClrMapping/>
+  </p:clrMapOvr>
+</p:sld>
+</file>
+
+<file path=ppt/slides/slide28.xml><?xml version="1.0" encoding="utf-8"?>
+<p:sld xmlns:a="http://schemas.openxmlformats.org/drawingml/2006/main" xmlns:r="http://schemas.openxmlformats.org/officeDocument/2006/relationships" xmlns:p="http://schemas.openxmlformats.org/presentationml/2006/main">
+  <p:cSld>
+    <p:spTree>
+      <p:nvGrpSpPr>
+        <p:cNvPr id="1" name=""/>
+        <p:cNvGrpSpPr/>
+        <p:nvPr/>
+      </p:nvGrpSpPr>
+      <p:grpSpPr>
+        <a:xfrm>
+          <a:off x="0" y="0"/>
+          <a:ext cx="0" cy="0"/>
+          <a:chOff x="0" y="0"/>
+          <a:chExt cx="0" cy="0"/>
+        </a:xfrm>
+      </p:grpSpPr>
+      <p:sp>
+        <p:nvSpPr>
+          <p:cNvPr id="2" name="Title 1"/>
+          <p:cNvSpPr>
+            <a:spLocks noGrp="1"/>
+          </p:cNvSpPr>
+          <p:nvPr>
+            <p:ph type="title"/>
+          </p:nvPr>
+        </p:nvSpPr>
+        <p:spPr/>
+        <p:txBody>
+          <a:bodyPr/>
+          <a:lstStyle/>
+          <a:p>
+            <a:r>
+              <a:rPr lang="en-US" dirty="0"/>
+              <a:t>Folders in the new project</a:t>
+            </a:r>
+          </a:p>
+        </p:txBody>
+      </p:sp>
+      <p:sp>
+        <p:nvSpPr>
+          <p:cNvPr id="3" name="Content Placeholder 2"/>
+          <p:cNvSpPr>
+            <a:spLocks noGrp="1"/>
+          </p:cNvSpPr>
+          <p:nvPr>
+            <p:ph idx="1"/>
+          </p:nvPr>
+        </p:nvSpPr>
+        <p:spPr/>
+        <p:txBody>
+          <a:bodyPr>
+            <a:normAutofit/>
+          </a:bodyPr>
+          <a:lstStyle/>
+          <a:p>
+            <a:r>
+              <a:rPr lang="en-US" dirty="0"/>
+              <a:t>assets/</a:t>
+            </a:r>
+          </a:p>
+          <a:p>
+            <a:pPr lvl="1"/>
+            <a:r>
+              <a:rPr lang="en-US" dirty="0"/>
+              <a:t>Used to store visual assets (icon, screenshots, </a:t>
+            </a:r>
+            <a:r>
+              <a:rPr lang="en-US" dirty="0" err="1"/>
+              <a:t>etc</a:t>
+            </a:r>
+            <a:r>
+              <a:rPr lang="en-US" dirty="0"/>
+              <a:t>)</a:t>
+            </a:r>
+          </a:p>
+          <a:p>
+            <a:r>
+              <a:rPr lang="en-US" dirty="0" err="1"/>
+              <a:t>dist</a:t>
+            </a:r>
+            <a:r>
+              <a:rPr lang="en-US" dirty="0"/>
+              <a:t>/</a:t>
+            </a:r>
+          </a:p>
+          <a:p>
+            <a:pPr lvl="1"/>
+            <a:r>
+              <a:rPr lang="en-US" dirty="0"/>
+              <a:t>when you run </a:t>
+            </a:r>
+            <a:r>
+              <a:rPr lang="en-US" dirty="0" err="1"/>
+              <a:t>pbiviz</a:t>
+            </a:r>
+            <a:r>
+              <a:rPr lang="en-US" dirty="0"/>
+              <a:t> package the </a:t>
+            </a:r>
+            <a:r>
+              <a:rPr lang="en-US" dirty="0" err="1"/>
+              <a:t>pbiviz</a:t>
+            </a:r>
+            <a:r>
+              <a:rPr lang="en-US" dirty="0"/>
+              <a:t> file will be generated here</a:t>
+            </a:r>
+          </a:p>
+          <a:p>
+            <a:r>
+              <a:rPr lang="en-US" dirty="0" err="1"/>
+              <a:t>src</a:t>
+            </a:r>
+            <a:r>
+              <a:rPr lang="en-US" dirty="0"/>
+              <a:t>/</a:t>
+            </a:r>
+          </a:p>
+          <a:p>
+            <a:pPr lvl="1"/>
+            <a:r>
+              <a:rPr lang="en-US" dirty="0"/>
+              <a:t>Typescript code for your visual goes here</a:t>
+            </a:r>
+          </a:p>
+          <a:p>
+            <a:r>
+              <a:rPr lang="en-US" dirty="0"/>
+              <a:t>style/</a:t>
+            </a:r>
+          </a:p>
+          <a:p>
+            <a:pPr lvl="1"/>
+            <a:r>
+              <a:rPr lang="en-US" dirty="0"/>
+              <a:t>Less styles for your visual go here</a:t>
+            </a:r>
+          </a:p>
+        </p:txBody>
+      </p:sp>
+    </p:spTree>
+    <p:extLst>
+      <p:ext uri="{BB962C8B-B14F-4D97-AF65-F5344CB8AC3E}">
+        <p14:creationId xmlns:p14="http://schemas.microsoft.com/office/powerpoint/2010/main" val="2804769379"/>
+      </p:ext>
+    </p:extLst>
+  </p:cSld>
+  <p:clrMapOvr>
+    <a:masterClrMapping/>
+  </p:clrMapOvr>
+</p:sld>
+</file>
+
+<file path=ppt/slides/slide29.xml><?xml version="1.0" encoding="utf-8"?>
+<p:sld xmlns:a="http://schemas.openxmlformats.org/drawingml/2006/main" xmlns:r="http://schemas.openxmlformats.org/officeDocument/2006/relationships" xmlns:p="http://schemas.openxmlformats.org/presentationml/2006/main">
+  <p:cSld>
+    <p:spTree>
+      <p:nvGrpSpPr>
+        <p:cNvPr id="1" name=""/>
+        <p:cNvGrpSpPr/>
+        <p:nvPr/>
+      </p:nvGrpSpPr>
+      <p:grpSpPr>
+        <a:xfrm>
+          <a:off x="0" y="0"/>
+          <a:ext cx="0" cy="0"/>
+          <a:chOff x="0" y="0"/>
+          <a:chExt cx="0" cy="0"/>
+        </a:xfrm>
+      </p:grpSpPr>
+      <p:sp>
+        <p:nvSpPr>
+          <p:cNvPr id="2" name="Title 1"/>
+          <p:cNvSpPr>
+            <a:spLocks noGrp="1"/>
+          </p:cNvSpPr>
+          <p:nvPr>
+            <p:ph type="title"/>
+          </p:nvPr>
+        </p:nvSpPr>
+        <p:spPr/>
+        <p:txBody>
+          <a:bodyPr/>
+          <a:lstStyle/>
+          <a:p>
+            <a:r>
+              <a:rPr lang="en-US" dirty="0"/>
+              <a:t>Installing Typings for D3 using </a:t>
+            </a:r>
+            <a:r>
+              <a:rPr lang="en-US" dirty="0" err="1"/>
+              <a:t>npm</a:t>
+            </a:r>
+            <a:endParaRPr lang="en-US" dirty="0"/>
+          </a:p>
+        </p:txBody>
+      </p:sp>
+      <p:sp>
+        <p:nvSpPr>
+          <p:cNvPr id="3" name="Content Placeholder 2"/>
+          <p:cNvSpPr>
+            <a:spLocks noGrp="1"/>
+          </p:cNvSpPr>
+          <p:nvPr>
+            <p:ph idx="1"/>
+          </p:nvPr>
+        </p:nvSpPr>
+        <p:spPr/>
+        <p:txBody>
+          <a:bodyPr>
+            <a:normAutofit/>
+          </a:bodyPr>
+          <a:lstStyle/>
+          <a:p>
+            <a:r>
+              <a:rPr lang="en-US" sz="2400" dirty="0"/>
+              <a:t>Installing </a:t>
+            </a:r>
+            <a:r>
+              <a:rPr lang="en-US" sz="2400" dirty="0" err="1"/>
+              <a:t>typings</a:t>
+            </a:r>
+            <a:r>
+              <a:rPr lang="en-US" sz="2400" dirty="0"/>
+              <a:t> support using Node Package Manage</a:t>
+            </a:r>
+          </a:p>
+          <a:p>
+            <a:pPr lvl="1"/>
+            <a:r>
+              <a:rPr lang="en-US" sz="2000" dirty="0"/>
+              <a:t>Start by installing global support for </a:t>
+            </a:r>
+            <a:r>
+              <a:rPr lang="en-US" sz="2000" dirty="0" err="1"/>
+              <a:t>typings</a:t>
+            </a:r>
+            <a:endParaRPr lang="en-US" sz="2000" dirty="0"/>
+          </a:p>
+          <a:p>
+            <a:pPr marL="679450" lvl="2" indent="0">
+              <a:buNone/>
+            </a:pPr>
+            <a:r>
+              <a:rPr lang="en-US" sz="1800" b="1" dirty="0" err="1">
+                <a:solidFill>
+                  <a:schemeClr val="accent1">
+                    <a:lumMod val="50000"/>
+                  </a:schemeClr>
+                </a:solidFill>
+              </a:rPr>
+              <a:t>npm</a:t>
+            </a:r>
+            <a:r>
+              <a:rPr lang="en-US" sz="1800" b="1" dirty="0">
+                <a:solidFill>
+                  <a:schemeClr val="accent1">
+                    <a:lumMod val="50000"/>
+                  </a:schemeClr>
+                </a:solidFill>
+              </a:rPr>
+              <a:t> install </a:t>
+            </a:r>
+            <a:r>
+              <a:rPr lang="en-US" sz="1800" b="1" dirty="0" err="1">
+                <a:solidFill>
+                  <a:schemeClr val="accent1">
+                    <a:lumMod val="50000"/>
+                  </a:schemeClr>
+                </a:solidFill>
+              </a:rPr>
+              <a:t>typings</a:t>
+            </a:r>
+            <a:r>
+              <a:rPr lang="en-US" sz="1800" b="1" dirty="0">
+                <a:solidFill>
+                  <a:schemeClr val="accent1">
+                    <a:lumMod val="50000"/>
+                  </a:schemeClr>
+                </a:solidFill>
+              </a:rPr>
+              <a:t> –g</a:t>
+            </a:r>
+          </a:p>
+          <a:p>
+            <a:pPr lvl="1"/>
+            <a:r>
+              <a:rPr lang="en-US" sz="2000" dirty="0"/>
+              <a:t>Install </a:t>
+            </a:r>
+            <a:r>
+              <a:rPr lang="en-US" sz="2000" dirty="0" err="1"/>
+              <a:t>typings</a:t>
+            </a:r>
+            <a:r>
+              <a:rPr lang="en-US" sz="2000" dirty="0"/>
+              <a:t> for specific JavaScript libraries</a:t>
+            </a:r>
+          </a:p>
+          <a:p>
+            <a:pPr marL="679450" lvl="2" indent="0">
+              <a:buNone/>
+            </a:pPr>
+            <a:r>
+              <a:rPr lang="en-US" sz="1800" b="1" dirty="0" err="1">
+                <a:solidFill>
+                  <a:schemeClr val="accent1">
+                    <a:lumMod val="50000"/>
+                  </a:schemeClr>
+                </a:solidFill>
+              </a:rPr>
+              <a:t>typings</a:t>
+            </a:r>
+            <a:r>
+              <a:rPr lang="en-US" sz="1800" b="1" dirty="0">
+                <a:solidFill>
+                  <a:schemeClr val="accent1">
+                    <a:lumMod val="50000"/>
+                  </a:schemeClr>
+                </a:solidFill>
+              </a:rPr>
+              <a:t> install --save --global </a:t>
+            </a:r>
+            <a:r>
+              <a:rPr lang="en-US" sz="1800" b="1" dirty="0" err="1">
+                <a:solidFill>
+                  <a:schemeClr val="accent1">
+                    <a:lumMod val="50000"/>
+                  </a:schemeClr>
+                </a:solidFill>
+              </a:rPr>
+              <a:t>dt~jquery</a:t>
+            </a:r>
+            <a:endParaRPr lang="en-US" sz="1800" b="1" dirty="0">
+              <a:solidFill>
+                <a:schemeClr val="accent1">
+                  <a:lumMod val="50000"/>
+                </a:schemeClr>
+              </a:solidFill>
+            </a:endParaRPr>
+          </a:p>
+          <a:p>
+            <a:pPr marL="679450" lvl="2" indent="0">
+              <a:buNone/>
+            </a:pPr>
+            <a:r>
+              <a:rPr lang="en-US" sz="1800" b="1" dirty="0" err="1">
+                <a:solidFill>
+                  <a:schemeClr val="accent1">
+                    <a:lumMod val="50000"/>
+                  </a:schemeClr>
+                </a:solidFill>
+              </a:rPr>
+              <a:t>typings</a:t>
+            </a:r>
+            <a:r>
+              <a:rPr lang="en-US" sz="1800" b="1" dirty="0">
+                <a:solidFill>
+                  <a:schemeClr val="accent1">
+                    <a:lumMod val="50000"/>
+                  </a:schemeClr>
+                </a:solidFill>
+              </a:rPr>
+              <a:t> install --save --global dt~d3</a:t>
+            </a:r>
+          </a:p>
+        </p:txBody>
+      </p:sp>
+      <p:pic>
+        <p:nvPicPr>
+          <p:cNvPr id="4" name="Picture 3"/>
+          <p:cNvPicPr>
+            <a:picLocks noChangeAspect="1"/>
+          </p:cNvPicPr>
+          <p:nvPr/>
+        </p:nvPicPr>
+        <p:blipFill rotWithShape="1">
+          <a:blip r:embed="rId2"/>
+          <a:srcRect r="38638" b="52224"/>
+          <a:stretch/>
+        </p:blipFill>
+        <p:spPr>
+          <a:xfrm>
+            <a:off x="1143000" y="3810000"/>
+            <a:ext cx="5912746" cy="2667000"/>
+          </a:xfrm>
+          <a:prstGeom prst="rect">
+            <a:avLst/>
+          </a:prstGeom>
+        </p:spPr>
+      </p:pic>
+    </p:spTree>
+    <p:extLst>
+      <p:ext uri="{BB962C8B-B14F-4D97-AF65-F5344CB8AC3E}">
+        <p14:creationId xmlns:p14="http://schemas.microsoft.com/office/powerpoint/2010/main" val="2493262635"/>
+      </p:ext>
+    </p:extLst>
+  </p:cSld>
+  <p:clrMapOvr>
+    <a:masterClrMapping/>
+  </p:clrMapOvr>
+</p:sld>
+</file>
+
+<file path=ppt/slides/slide3.xml><?xml version="1.0" encoding="utf-8"?>
+<p:sld xmlns:a="http://schemas.openxmlformats.org/drawingml/2006/main" xmlns:r="http://schemas.openxmlformats.org/officeDocument/2006/relationships" xmlns:p="http://schemas.openxmlformats.org/presentationml/2006/main">
+  <p:cSld>
+    <p:spTree>
+      <p:nvGrpSpPr>
+        <p:cNvPr id="1" name=""/>
+        <p:cNvGrpSpPr/>
+        <p:nvPr/>
+      </p:nvGrpSpPr>
+      <p:grpSpPr>
+        <a:xfrm>
+          <a:off x="0" y="0"/>
+          <a:ext cx="0" cy="0"/>
+          <a:chOff x="0" y="0"/>
+          <a:chExt cx="0" cy="0"/>
+        </a:xfrm>
+      </p:grpSpPr>
+      <p:sp>
+        <p:nvSpPr>
+          <p:cNvPr id="2" name="Title 1"/>
+          <p:cNvSpPr>
+            <a:spLocks noGrp="1"/>
+          </p:cNvSpPr>
+          <p:nvPr>
+            <p:ph type="title"/>
+          </p:nvPr>
+        </p:nvSpPr>
+        <p:spPr/>
+        <p:txBody>
+          <a:bodyPr/>
+          <a:lstStyle/>
+          <a:p>
+            <a:r>
+              <a:rPr lang="en-US" dirty="0"/>
+              <a:t>Built-in Visualization Types</a:t>
+            </a:r>
+          </a:p>
+        </p:txBody>
+      </p:sp>
+      <p:sp>
+        <p:nvSpPr>
+          <p:cNvPr id="3" name="Content Placeholder 2"/>
+          <p:cNvSpPr>
+            <a:spLocks noGrp="1"/>
+          </p:cNvSpPr>
+          <p:nvPr>
+            <p:ph idx="1"/>
+          </p:nvPr>
+        </p:nvSpPr>
+        <p:spPr>
+          <a:xfrm>
+            <a:off x="533400" y="1295400"/>
+            <a:ext cx="4114800" cy="5257801"/>
+          </a:xfrm>
+        </p:spPr>
+        <p:txBody>
+          <a:bodyPr>
+            <a:noAutofit/>
+          </a:bodyPr>
+          <a:lstStyle/>
+          <a:p>
+            <a:pPr marL="182880">
+              <a:spcBef>
+                <a:spcPts val="200"/>
+              </a:spcBef>
+            </a:pPr>
+            <a:r>
+              <a:rPr lang="en-US" sz="2000" dirty="0"/>
+              <a:t>Table and Matrix</a:t>
+            </a:r>
+          </a:p>
+          <a:p>
+            <a:pPr marL="182880">
+              <a:spcBef>
+                <a:spcPts val="200"/>
+              </a:spcBef>
+            </a:pPr>
+            <a:r>
+              <a:rPr lang="en-US" sz="2000" dirty="0"/>
+              <a:t>Bar charts and Column charts</a:t>
+            </a:r>
+          </a:p>
+          <a:p>
+            <a:pPr marL="182880">
+              <a:spcBef>
+                <a:spcPts val="200"/>
+              </a:spcBef>
+            </a:pPr>
+            <a:r>
+              <a:rPr lang="en-US" sz="2000" dirty="0"/>
+              <a:t>Pie charts and Doughnut chart</a:t>
+            </a:r>
+          </a:p>
+          <a:p>
+            <a:pPr marL="182880">
+              <a:spcBef>
+                <a:spcPts val="200"/>
+              </a:spcBef>
+            </a:pPr>
+            <a:r>
+              <a:rPr lang="en-US" sz="2000" dirty="0"/>
+              <a:t>Line chart and Area chart</a:t>
+            </a:r>
+          </a:p>
+          <a:p>
+            <a:pPr marL="182880">
+              <a:spcBef>
+                <a:spcPts val="200"/>
+              </a:spcBef>
+            </a:pPr>
+            <a:r>
+              <a:rPr lang="en-US" sz="2000" dirty="0"/>
+              <a:t>Scatter chart and Combo charts</a:t>
+            </a:r>
+          </a:p>
+          <a:p>
+            <a:pPr marL="182880">
+              <a:spcBef>
+                <a:spcPts val="200"/>
+              </a:spcBef>
+            </a:pPr>
+            <a:r>
+              <a:rPr lang="en-US" sz="2000" dirty="0"/>
+              <a:t>Card and Multi-row Card</a:t>
+            </a:r>
+          </a:p>
+          <a:p>
+            <a:pPr marL="182880">
+              <a:spcBef>
+                <a:spcPts val="200"/>
+              </a:spcBef>
+            </a:pPr>
+            <a:r>
+              <a:rPr lang="en-US" sz="2000" dirty="0" err="1"/>
+              <a:t>Treemap</a:t>
+            </a:r>
+            <a:endParaRPr lang="en-US" sz="2000" dirty="0"/>
+          </a:p>
+          <a:p>
+            <a:pPr marL="182880">
+              <a:spcBef>
+                <a:spcPts val="200"/>
+              </a:spcBef>
+            </a:pPr>
+            <a:r>
+              <a:rPr lang="en-US" sz="2000" dirty="0"/>
+              <a:t>Waterfall charts</a:t>
+            </a:r>
+          </a:p>
+          <a:p>
+            <a:pPr marL="182880">
+              <a:spcBef>
+                <a:spcPts val="200"/>
+              </a:spcBef>
+            </a:pPr>
+            <a:r>
+              <a:rPr lang="en-US" sz="2000" dirty="0"/>
+              <a:t>Funnel charts</a:t>
+            </a:r>
+          </a:p>
+          <a:p>
+            <a:pPr marL="182880">
+              <a:spcBef>
+                <a:spcPts val="200"/>
+              </a:spcBef>
+            </a:pPr>
+            <a:r>
+              <a:rPr lang="en-US" sz="2000" dirty="0"/>
+              <a:t>Gauge charts</a:t>
+            </a:r>
+          </a:p>
+          <a:p>
+            <a:pPr marL="182880">
+              <a:spcBef>
+                <a:spcPts val="200"/>
+              </a:spcBef>
+            </a:pPr>
+            <a:r>
+              <a:rPr lang="en-US" sz="2000" dirty="0"/>
+              <a:t>Map and Filled Map</a:t>
+            </a:r>
+          </a:p>
+          <a:p>
+            <a:pPr marL="182880">
+              <a:spcBef>
+                <a:spcPts val="200"/>
+              </a:spcBef>
+            </a:pPr>
+            <a:r>
+              <a:rPr lang="en-US" sz="2000" dirty="0"/>
+              <a:t>Slicer</a:t>
+            </a:r>
+          </a:p>
+          <a:p>
+            <a:pPr marL="182880">
+              <a:spcBef>
+                <a:spcPts val="200"/>
+              </a:spcBef>
+            </a:pPr>
+            <a:r>
+              <a:rPr lang="en-US" sz="2000" dirty="0"/>
+              <a:t>R script visual</a:t>
+            </a:r>
+          </a:p>
+          <a:p>
+            <a:pPr marL="182880">
+              <a:spcBef>
+                <a:spcPts val="200"/>
+              </a:spcBef>
+            </a:pPr>
+            <a:r>
+              <a:rPr lang="en-US" sz="2000" dirty="0"/>
+              <a:t>Shape map (in preview)</a:t>
+            </a:r>
+          </a:p>
+        </p:txBody>
+      </p:sp>
+      <p:pic>
+        <p:nvPicPr>
+          <p:cNvPr id="4" name="Picture 3"/>
+          <p:cNvPicPr>
+            <a:picLocks noChangeAspect="1"/>
+          </p:cNvPicPr>
+          <p:nvPr/>
+        </p:nvPicPr>
+        <p:blipFill>
+          <a:blip r:embed="rId2"/>
+          <a:stretch>
+            <a:fillRect/>
+          </a:stretch>
+        </p:blipFill>
+        <p:spPr>
+          <a:xfrm>
+            <a:off x="5029200" y="1295400"/>
+            <a:ext cx="3581400" cy="3540235"/>
+          </a:xfrm>
+          <a:prstGeom prst="rect">
+            <a:avLst/>
+          </a:prstGeom>
+          <a:ln w="38100">
+            <a:solidFill>
+              <a:schemeClr val="tx1"/>
+            </a:solidFill>
+          </a:ln>
+        </p:spPr>
+      </p:pic>
+    </p:spTree>
+    <p:extLst>
+      <p:ext uri="{BB962C8B-B14F-4D97-AF65-F5344CB8AC3E}">
+        <p14:creationId xmlns:p14="http://schemas.microsoft.com/office/powerpoint/2010/main" val="2865928254"/>
+      </p:ext>
+    </p:extLst>
+  </p:cSld>
+  <p:clrMapOvr>
+    <a:masterClrMapping/>
+  </p:clrMapOvr>
+</p:sld>
+</file>
+
+<file path=ppt/slides/slide30.xml><?xml version="1.0" encoding="utf-8"?>
+<p:sld xmlns:a="http://schemas.openxmlformats.org/drawingml/2006/main" xmlns:r="http://schemas.openxmlformats.org/officeDocument/2006/relationships" xmlns:p="http://schemas.openxmlformats.org/presentationml/2006/main">
+  <p:cSld>
+    <p:spTree>
+      <p:nvGrpSpPr>
+        <p:cNvPr id="1" name=""/>
+        <p:cNvGrpSpPr/>
+        <p:nvPr/>
+      </p:nvGrpSpPr>
+      <p:grpSpPr>
+        <a:xfrm>
+          <a:off x="0" y="0"/>
+          <a:ext cx="0" cy="0"/>
+          <a:chOff x="0" y="0"/>
+          <a:chExt cx="0" cy="0"/>
+        </a:xfrm>
+      </p:grpSpPr>
+      <p:sp>
+        <p:nvSpPr>
+          <p:cNvPr id="2" name="Title 1"/>
+          <p:cNvSpPr>
+            <a:spLocks noGrp="1"/>
+          </p:cNvSpPr>
+          <p:nvPr>
+            <p:ph type="title"/>
+          </p:nvPr>
+        </p:nvSpPr>
+        <p:spPr/>
+        <p:txBody>
+          <a:bodyPr/>
+          <a:lstStyle/>
+          <a:p>
+            <a:r>
+              <a:rPr lang="en-US" dirty="0"/>
+              <a:t>The </a:t>
+            </a:r>
+            <a:r>
+              <a:rPr lang="en-US" dirty="0" err="1"/>
+              <a:t>tsconfig.json</a:t>
+            </a:r>
+            <a:r>
+              <a:rPr lang="en-US" dirty="0"/>
+              <a:t> File </a:t>
+            </a:r>
+          </a:p>
+        </p:txBody>
+      </p:sp>
+      <p:sp>
+        <p:nvSpPr>
+          <p:cNvPr id="6" name="Content Placeholder 5"/>
+          <p:cNvSpPr>
+            <a:spLocks noGrp="1"/>
+          </p:cNvSpPr>
+          <p:nvPr>
+            <p:ph idx="1"/>
+          </p:nvPr>
+        </p:nvSpPr>
+        <p:spPr/>
+        <p:txBody>
+          <a:bodyPr>
+            <a:normAutofit/>
+          </a:bodyPr>
+          <a:lstStyle/>
+          <a:p>
+            <a:r>
+              <a:rPr lang="en-US" sz="2400" dirty="0"/>
+              <a:t>Used to add references to </a:t>
+            </a:r>
+            <a:r>
+              <a:rPr lang="en-US" sz="2400" dirty="0" err="1"/>
+              <a:t>typings</a:t>
+            </a:r>
+            <a:r>
+              <a:rPr lang="en-US" sz="2400" dirty="0"/>
+              <a:t> files</a:t>
+            </a:r>
+          </a:p>
+          <a:p>
+            <a:pPr lvl="1"/>
+            <a:r>
+              <a:rPr lang="en-US" sz="2000" dirty="0"/>
+              <a:t>This is what enables </a:t>
+            </a:r>
+            <a:r>
+              <a:rPr lang="en-US" sz="2000" dirty="0" err="1"/>
+              <a:t>Intellisense</a:t>
+            </a:r>
+            <a:endParaRPr lang="en-US" sz="2000" dirty="0"/>
+          </a:p>
+        </p:txBody>
+      </p:sp>
+      <p:pic>
+        <p:nvPicPr>
+          <p:cNvPr id="5" name="Picture 4"/>
+          <p:cNvPicPr>
+            <a:picLocks noChangeAspect="1"/>
+          </p:cNvPicPr>
+          <p:nvPr/>
+        </p:nvPicPr>
+        <p:blipFill rotWithShape="1">
+          <a:blip r:embed="rId2"/>
+          <a:srcRect r="32614" b="8136"/>
+          <a:stretch/>
+        </p:blipFill>
+        <p:spPr>
+          <a:xfrm>
+            <a:off x="990600" y="2364861"/>
+            <a:ext cx="4953001" cy="4264539"/>
+          </a:xfrm>
+          <a:prstGeom prst="rect">
+            <a:avLst/>
+          </a:prstGeom>
+        </p:spPr>
+      </p:pic>
+      <p:sp>
+        <p:nvSpPr>
+          <p:cNvPr id="4" name="Left Arrow 3"/>
+          <p:cNvSpPr/>
+          <p:nvPr/>
+        </p:nvSpPr>
+        <p:spPr>
+          <a:xfrm>
+            <a:off x="5301343" y="4297680"/>
+            <a:ext cx="2286000" cy="304800"/>
+          </a:xfrm>
+          <a:prstGeom prst="leftArrow">
+            <a:avLst>
+              <a:gd name="adj1" fmla="val 100000"/>
+              <a:gd name="adj2" fmla="val 50000"/>
+            </a:avLst>
+          </a:prstGeom>
+          <a:solidFill>
+            <a:schemeClr val="accent2"/>
+          </a:solidFill>
+          <a:ln>
+            <a:solidFill>
+              <a:schemeClr val="tx1"/>
+            </a:solidFill>
+          </a:ln>
+        </p:spPr>
+        <p:style>
+          <a:lnRef idx="2">
+            <a:schemeClr val="accent1">
+              <a:shade val="50000"/>
+            </a:schemeClr>
+          </a:lnRef>
+          <a:fillRef idx="1">
+            <a:schemeClr val="accent1"/>
+          </a:fillRef>
+          <a:effectRef idx="0">
+            <a:schemeClr val="accent1"/>
+          </a:effectRef>
+          <a:fontRef idx="minor">
+            <a:schemeClr val="lt1"/>
+          </a:fontRef>
+        </p:style>
+        <p:txBody>
+          <a:bodyPr rtlCol="0" anchor="ctr"/>
+          <a:lstStyle/>
+          <a:p>
+            <a:pPr algn="ctr"/>
+            <a:r>
+              <a:rPr lang="en-US" sz="1400" dirty="0">
+                <a:solidFill>
+                  <a:schemeClr val="accent1">
+                    <a:lumMod val="50000"/>
+                  </a:schemeClr>
+                </a:solidFill>
+              </a:rPr>
+              <a:t>Typings file reference</a:t>
+            </a:r>
+          </a:p>
+        </p:txBody>
+      </p:sp>
+    </p:spTree>
+    <p:extLst>
+      <p:ext uri="{BB962C8B-B14F-4D97-AF65-F5344CB8AC3E}">
+        <p14:creationId xmlns:p14="http://schemas.microsoft.com/office/powerpoint/2010/main" val="1288110123"/>
+      </p:ext>
+    </p:extLst>
+  </p:cSld>
+  <p:clrMapOvr>
+    <a:masterClrMapping/>
+  </p:clrMapOvr>
+</p:sld>
+</file>
+
+<file path=ppt/slides/slide31.xml><?xml version="1.0" encoding="utf-8"?>
+<p:sld xmlns:a="http://schemas.openxmlformats.org/drawingml/2006/main" xmlns:r="http://schemas.openxmlformats.org/officeDocument/2006/relationships" xmlns:p="http://schemas.openxmlformats.org/presentationml/2006/main">
+  <p:cSld>
+    <p:spTree>
+      <p:nvGrpSpPr>
+        <p:cNvPr id="1" name=""/>
+        <p:cNvGrpSpPr/>
+        <p:nvPr/>
+      </p:nvGrpSpPr>
+      <p:grpSpPr>
+        <a:xfrm>
+          <a:off x="0" y="0"/>
+          <a:ext cx="0" cy="0"/>
+          <a:chOff x="0" y="0"/>
+          <a:chExt cx="0" cy="0"/>
+        </a:xfrm>
+      </p:grpSpPr>
+      <p:sp>
+        <p:nvSpPr>
+          <p:cNvPr id="2" name="Title 1"/>
+          <p:cNvSpPr>
+            <a:spLocks noGrp="1"/>
+          </p:cNvSpPr>
+          <p:nvPr>
+            <p:ph type="title"/>
+          </p:nvPr>
+        </p:nvSpPr>
+        <p:spPr/>
+        <p:txBody>
+          <a:bodyPr/>
+          <a:lstStyle/>
+          <a:p>
+            <a:r>
+              <a:rPr lang="en-US" dirty="0"/>
+              <a:t>Developing a Custom Visual?</a:t>
+            </a:r>
+          </a:p>
+        </p:txBody>
+      </p:sp>
+      <p:sp>
+        <p:nvSpPr>
+          <p:cNvPr id="3" name="Content Placeholder 2"/>
+          <p:cNvSpPr>
+            <a:spLocks noGrp="1"/>
+          </p:cNvSpPr>
+          <p:nvPr>
+            <p:ph idx="1"/>
+          </p:nvPr>
+        </p:nvSpPr>
+        <p:spPr/>
+        <p:txBody>
+          <a:bodyPr/>
+          <a:lstStyle/>
+          <a:p>
+            <a:r>
+              <a:rPr lang="en-US" dirty="0"/>
+              <a:t>Create a class that implements </a:t>
+            </a:r>
+            <a:r>
+              <a:rPr lang="en-US" dirty="0" err="1"/>
+              <a:t>IVisual</a:t>
+            </a:r>
+            <a:endParaRPr lang="en-US" dirty="0"/>
+          </a:p>
+          <a:p>
+            <a:pPr lvl="1"/>
+            <a:r>
+              <a:rPr lang="en-US" dirty="0"/>
+              <a:t>Class wrapped in module with namespace to APIs</a:t>
+            </a:r>
+          </a:p>
+          <a:p>
+            <a:pPr lvl="1"/>
+            <a:r>
+              <a:rPr lang="en-US" dirty="0"/>
+              <a:t>You code can program again PBI APIs types</a:t>
+            </a:r>
+          </a:p>
+          <a:p>
+            <a:endParaRPr lang="en-US" dirty="0"/>
+          </a:p>
+        </p:txBody>
+      </p:sp>
+      <p:pic>
+        <p:nvPicPr>
+          <p:cNvPr id="6" name="Picture 5"/>
+          <p:cNvPicPr>
+            <a:picLocks noChangeAspect="1"/>
+          </p:cNvPicPr>
+          <p:nvPr/>
+        </p:nvPicPr>
+        <p:blipFill>
+          <a:blip r:embed="rId2"/>
+          <a:stretch>
+            <a:fillRect/>
+          </a:stretch>
+        </p:blipFill>
+        <p:spPr>
+          <a:xfrm>
+            <a:off x="1295400" y="3200400"/>
+            <a:ext cx="3707674" cy="2724516"/>
+          </a:xfrm>
+          <a:prstGeom prst="rect">
+            <a:avLst/>
+          </a:prstGeom>
+        </p:spPr>
+      </p:pic>
+    </p:spTree>
+    <p:extLst>
+      <p:ext uri="{BB962C8B-B14F-4D97-AF65-F5344CB8AC3E}">
+        <p14:creationId xmlns:p14="http://schemas.microsoft.com/office/powerpoint/2010/main" val="3644345533"/>
+      </p:ext>
+    </p:extLst>
+  </p:cSld>
+  <p:clrMapOvr>
+    <a:masterClrMapping/>
+  </p:clrMapOvr>
+</p:sld>
+</file>
+
+<file path=ppt/slides/slide32.xml><?xml version="1.0" encoding="utf-8"?>
+<p:sld xmlns:a="http://schemas.openxmlformats.org/drawingml/2006/main" xmlns:r="http://schemas.openxmlformats.org/officeDocument/2006/relationships" xmlns:p="http://schemas.openxmlformats.org/presentationml/2006/main">
+  <p:cSld>
+    <p:spTree>
+      <p:nvGrpSpPr>
+        <p:cNvPr id="1" name=""/>
+        <p:cNvGrpSpPr/>
+        <p:nvPr/>
+      </p:nvGrpSpPr>
+      <p:grpSpPr>
+        <a:xfrm>
+          <a:off x="0" y="0"/>
+          <a:ext cx="0" cy="0"/>
+          <a:chOff x="0" y="0"/>
+          <a:chExt cx="0" cy="0"/>
+        </a:xfrm>
+      </p:grpSpPr>
+      <p:sp>
+        <p:nvSpPr>
           <p:cNvPr id="48130" name="Title 1"/>
           <p:cNvSpPr>
             <a:spLocks noGrp="1"/>
@@ -5061,7 +6632,7 @@
 </p:sld>
 </file>
 
-<file path=ppt/slides/slide26.xml><?xml version="1.0" encoding="utf-8"?>
+<file path=ppt/slides/slide33.xml><?xml version="1.0" encoding="utf-8"?>
 <p:sld xmlns:a="http://schemas.openxmlformats.org/drawingml/2006/main" xmlns:r="http://schemas.openxmlformats.org/officeDocument/2006/relationships" xmlns:p="http://schemas.openxmlformats.org/presentationml/2006/main">
   <p:cSld>
     <p:spTree>
@@ -5167,839 +6738,7 @@
 </p:sld>
 </file>
 
-<file path=ppt/slides/slide27.xml><?xml version="1.0" encoding="utf-8"?>
-<p:sld xmlns:a="http://schemas.openxmlformats.org/drawingml/2006/main" xmlns:r="http://schemas.openxmlformats.org/officeDocument/2006/relationships" xmlns:p="http://schemas.openxmlformats.org/presentationml/2006/main">
-  <p:cSld>
-    <p:spTree>
-      <p:nvGrpSpPr>
-        <p:cNvPr id="1" name=""/>
-        <p:cNvGrpSpPr/>
-        <p:nvPr/>
-      </p:nvGrpSpPr>
-      <p:grpSpPr>
-        <a:xfrm>
-          <a:off x="0" y="0"/>
-          <a:ext cx="0" cy="0"/>
-          <a:chOff x="0" y="0"/>
-          <a:chExt cx="0" cy="0"/>
-        </a:xfrm>
-      </p:grpSpPr>
-      <p:sp>
-        <p:nvSpPr>
-          <p:cNvPr id="2" name="Title 1"/>
-          <p:cNvSpPr>
-            <a:spLocks noGrp="1"/>
-          </p:cNvSpPr>
-          <p:nvPr>
-            <p:ph type="title"/>
-          </p:nvPr>
-        </p:nvSpPr>
-        <p:spPr/>
-        <p:txBody>
-          <a:bodyPr/>
-          <a:lstStyle/>
-          <a:p>
-            <a:r>
-              <a:rPr lang="en-US" dirty="0"/>
-              <a:t>What is a Custom Visual?</a:t>
-            </a:r>
-          </a:p>
-        </p:txBody>
-      </p:sp>
-      <p:sp>
-        <p:nvSpPr>
-          <p:cNvPr id="3" name="Content Placeholder 2"/>
-          <p:cNvSpPr>
-            <a:spLocks noGrp="1"/>
-          </p:cNvSpPr>
-          <p:nvPr>
-            <p:ph idx="1"/>
-          </p:nvPr>
-        </p:nvSpPr>
-        <p:spPr/>
-        <p:txBody>
-          <a:bodyPr/>
-          <a:lstStyle/>
-          <a:p>
-            <a:r>
-              <a:rPr lang="en-US" dirty="0"/>
-              <a:t>Defined inside </a:t>
-            </a:r>
-            <a:r>
-              <a:rPr lang="en-US" dirty="0" err="1"/>
-              <a:t>pbiviz.json</a:t>
-            </a:r>
-            <a:r>
-              <a:rPr lang="en-US" dirty="0"/>
-              <a:t> file</a:t>
-            </a:r>
-          </a:p>
-          <a:p>
-            <a:r>
-              <a:rPr lang="en-US" dirty="0"/>
-              <a:t>class that implements </a:t>
-            </a:r>
-            <a:r>
-              <a:rPr lang="en-US" dirty="0" err="1"/>
-              <a:t>IVisual</a:t>
-            </a:r>
-            <a:endParaRPr lang="en-US" dirty="0"/>
-          </a:p>
-          <a:p>
-            <a:r>
-              <a:rPr lang="en-US" dirty="0"/>
-              <a:t>wrapped in module with namespace to APIs interfaces</a:t>
-            </a:r>
-          </a:p>
-          <a:p>
-            <a:endParaRPr lang="en-US" dirty="0"/>
-          </a:p>
-        </p:txBody>
-      </p:sp>
-      <p:pic>
-        <p:nvPicPr>
-          <p:cNvPr id="6" name="Picture 5"/>
-          <p:cNvPicPr>
-            <a:picLocks noChangeAspect="1"/>
-          </p:cNvPicPr>
-          <p:nvPr/>
-        </p:nvPicPr>
-        <p:blipFill>
-          <a:blip r:embed="rId2"/>
-          <a:stretch>
-            <a:fillRect/>
-          </a:stretch>
-        </p:blipFill>
-        <p:spPr>
-          <a:xfrm>
-            <a:off x="4465320" y="3048000"/>
-            <a:ext cx="3707674" cy="2724516"/>
-          </a:xfrm>
-          <a:prstGeom prst="rect">
-            <a:avLst/>
-          </a:prstGeom>
-        </p:spPr>
-      </p:pic>
-      <p:pic>
-        <p:nvPicPr>
-          <p:cNvPr id="7" name="Picture 6"/>
-          <p:cNvPicPr>
-            <a:picLocks noChangeAspect="1"/>
-          </p:cNvPicPr>
-          <p:nvPr/>
-        </p:nvPicPr>
-        <p:blipFill>
-          <a:blip r:embed="rId3"/>
-          <a:stretch>
-            <a:fillRect/>
-          </a:stretch>
-        </p:blipFill>
-        <p:spPr>
-          <a:xfrm>
-            <a:off x="217714" y="3048000"/>
-            <a:ext cx="3657600" cy="3387948"/>
-          </a:xfrm>
-          <a:prstGeom prst="rect">
-            <a:avLst/>
-          </a:prstGeom>
-        </p:spPr>
-      </p:pic>
-    </p:spTree>
-    <p:extLst>
-      <p:ext uri="{BB962C8B-B14F-4D97-AF65-F5344CB8AC3E}">
-        <p14:creationId xmlns:p14="http://schemas.microsoft.com/office/powerpoint/2010/main" val="3644345533"/>
-      </p:ext>
-    </p:extLst>
-  </p:cSld>
-  <p:clrMapOvr>
-    <a:masterClrMapping/>
-  </p:clrMapOvr>
-</p:sld>
-</file>
-
-<file path=ppt/slides/slide28.xml><?xml version="1.0" encoding="utf-8"?>
-<p:sld xmlns:a="http://schemas.openxmlformats.org/drawingml/2006/main" xmlns:r="http://schemas.openxmlformats.org/officeDocument/2006/relationships" xmlns:p="http://schemas.openxmlformats.org/presentationml/2006/main">
-  <p:cSld>
-    <p:spTree>
-      <p:nvGrpSpPr>
-        <p:cNvPr id="1" name=""/>
-        <p:cNvGrpSpPr/>
-        <p:nvPr/>
-      </p:nvGrpSpPr>
-      <p:grpSpPr>
-        <a:xfrm>
-          <a:off x="0" y="0"/>
-          <a:ext cx="0" cy="0"/>
-          <a:chOff x="0" y="0"/>
-          <a:chExt cx="0" cy="0"/>
-        </a:xfrm>
-      </p:grpSpPr>
-      <p:sp>
-        <p:nvSpPr>
-          <p:cNvPr id="2" name="Title 1"/>
-          <p:cNvSpPr>
-            <a:spLocks noGrp="1"/>
-          </p:cNvSpPr>
-          <p:nvPr>
-            <p:ph type="title"/>
-          </p:nvPr>
-        </p:nvSpPr>
-        <p:spPr/>
-        <p:txBody>
-          <a:bodyPr/>
-          <a:lstStyle/>
-          <a:p>
-            <a:r>
-              <a:rPr lang="en-US" dirty="0"/>
-              <a:t>Install Typings for D3</a:t>
-            </a:r>
-          </a:p>
-        </p:txBody>
-      </p:sp>
-      <p:sp>
-        <p:nvSpPr>
-          <p:cNvPr id="3" name="Content Placeholder 2"/>
-          <p:cNvSpPr>
-            <a:spLocks noGrp="1"/>
-          </p:cNvSpPr>
-          <p:nvPr>
-            <p:ph idx="1"/>
-          </p:nvPr>
-        </p:nvSpPr>
-        <p:spPr/>
-        <p:txBody>
-          <a:bodyPr/>
-          <a:lstStyle/>
-          <a:p>
-            <a:r>
-              <a:rPr lang="en-US" dirty="0"/>
-              <a:t>Install global Typings support</a:t>
-            </a:r>
-          </a:p>
-          <a:p>
-            <a:pPr lvl="1"/>
-            <a:r>
-              <a:rPr lang="en-US" dirty="0" err="1"/>
-              <a:t>npm</a:t>
-            </a:r>
-            <a:r>
-              <a:rPr lang="en-US" dirty="0"/>
-              <a:t> install </a:t>
-            </a:r>
-            <a:r>
-              <a:rPr lang="en-US" dirty="0" err="1"/>
-              <a:t>typings</a:t>
-            </a:r>
-            <a:r>
-              <a:rPr lang="en-US" dirty="0"/>
-              <a:t> –g</a:t>
-            </a:r>
-          </a:p>
-          <a:p>
-            <a:pPr lvl="1"/>
-            <a:endParaRPr lang="en-US" dirty="0"/>
-          </a:p>
-          <a:p>
-            <a:r>
-              <a:rPr lang="en-US" dirty="0"/>
-              <a:t>Install d3 for specific project</a:t>
-            </a:r>
-          </a:p>
-        </p:txBody>
-      </p:sp>
-    </p:spTree>
-    <p:extLst>
-      <p:ext uri="{BB962C8B-B14F-4D97-AF65-F5344CB8AC3E}">
-        <p14:creationId xmlns:p14="http://schemas.microsoft.com/office/powerpoint/2010/main" val="2493262635"/>
-      </p:ext>
-    </p:extLst>
-  </p:cSld>
-  <p:clrMapOvr>
-    <a:masterClrMapping/>
-  </p:clrMapOvr>
-</p:sld>
-</file>
-
-<file path=ppt/slides/slide29.xml><?xml version="1.0" encoding="utf-8"?>
-<p:sld xmlns:a="http://schemas.openxmlformats.org/drawingml/2006/main" xmlns:r="http://schemas.openxmlformats.org/officeDocument/2006/relationships" xmlns:p="http://schemas.openxmlformats.org/presentationml/2006/main">
-  <p:cSld>
-    <p:spTree>
-      <p:nvGrpSpPr>
-        <p:cNvPr id="1" name=""/>
-        <p:cNvGrpSpPr/>
-        <p:nvPr/>
-      </p:nvGrpSpPr>
-      <p:grpSpPr>
-        <a:xfrm>
-          <a:off x="0" y="0"/>
-          <a:ext cx="0" cy="0"/>
-          <a:chOff x="0" y="0"/>
-          <a:chExt cx="0" cy="0"/>
-        </a:xfrm>
-      </p:grpSpPr>
-      <p:sp>
-        <p:nvSpPr>
-          <p:cNvPr id="2" name="Title 1"/>
-          <p:cNvSpPr>
-            <a:spLocks noGrp="1"/>
-          </p:cNvSpPr>
-          <p:nvPr>
-            <p:ph type="title"/>
-          </p:nvPr>
-        </p:nvSpPr>
-        <p:spPr/>
-        <p:txBody>
-          <a:bodyPr/>
-          <a:lstStyle/>
-          <a:p>
-            <a:r>
-              <a:rPr lang="en-US" dirty="0"/>
-              <a:t>Files in the new project</a:t>
-            </a:r>
-          </a:p>
-        </p:txBody>
-      </p:sp>
-      <p:sp>
-        <p:nvSpPr>
-          <p:cNvPr id="3" name="Content Placeholder 2"/>
-          <p:cNvSpPr>
-            <a:spLocks noGrp="1"/>
-          </p:cNvSpPr>
-          <p:nvPr>
-            <p:ph idx="1"/>
-          </p:nvPr>
-        </p:nvSpPr>
-        <p:spPr/>
-        <p:txBody>
-          <a:bodyPr>
-            <a:normAutofit fontScale="92500" lnSpcReduction="10000"/>
-          </a:bodyPr>
-          <a:lstStyle/>
-          <a:p>
-            <a:r>
-              <a:rPr lang="en-US" dirty="0" err="1"/>
-              <a:t>gitignore</a:t>
-            </a:r>
-            <a:endParaRPr lang="en-US" dirty="0"/>
-          </a:p>
-          <a:p>
-            <a:pPr lvl="1"/>
-            <a:r>
-              <a:rPr lang="en-US" dirty="0"/>
-              <a:t>tells </a:t>
-            </a:r>
-            <a:r>
-              <a:rPr lang="en-US" dirty="0" err="1"/>
-              <a:t>git</a:t>
-            </a:r>
-            <a:r>
-              <a:rPr lang="en-US" dirty="0"/>
-              <a:t> to ignore files that shouldn't be tracked in the repository</a:t>
-            </a:r>
-          </a:p>
-          <a:p>
-            <a:r>
-              <a:rPr lang="en-US" dirty="0" err="1"/>
-              <a:t>capabilities.json</a:t>
-            </a:r>
-            <a:endParaRPr lang="en-US" dirty="0"/>
-          </a:p>
-          <a:p>
-            <a:pPr lvl="1"/>
-            <a:r>
-              <a:rPr lang="en-US" dirty="0"/>
-              <a:t>used to define the capabilities of your visual learn more about visual capabilities</a:t>
-            </a:r>
-          </a:p>
-          <a:p>
-            <a:r>
-              <a:rPr lang="en-US" dirty="0" err="1"/>
-              <a:t>package.json</a:t>
-            </a:r>
-            <a:endParaRPr lang="en-US" dirty="0"/>
-          </a:p>
-          <a:p>
-            <a:pPr lvl="1"/>
-            <a:r>
-              <a:rPr lang="en-US" dirty="0"/>
-              <a:t>Used by </a:t>
-            </a:r>
-            <a:r>
-              <a:rPr lang="en-US" dirty="0" err="1"/>
-              <a:t>npm</a:t>
-            </a:r>
-            <a:r>
-              <a:rPr lang="en-US" dirty="0"/>
-              <a:t> to manage modules learn more about </a:t>
-            </a:r>
-            <a:r>
-              <a:rPr lang="en-US" dirty="0" err="1"/>
-              <a:t>npm</a:t>
-            </a:r>
-            <a:endParaRPr lang="en-US" dirty="0"/>
-          </a:p>
-          <a:p>
-            <a:r>
-              <a:rPr lang="en-US" dirty="0" err="1"/>
-              <a:t>pbiviz.json</a:t>
-            </a:r>
-            <a:endParaRPr lang="en-US" dirty="0"/>
-          </a:p>
-          <a:p>
-            <a:pPr lvl="1"/>
-            <a:r>
-              <a:rPr lang="en-US" dirty="0"/>
-              <a:t>Main configuration file for your visual</a:t>
-            </a:r>
-          </a:p>
-          <a:p>
-            <a:r>
-              <a:rPr lang="en-US" dirty="0" err="1"/>
-              <a:t>tsconfig.json</a:t>
-            </a:r>
-            <a:endParaRPr lang="en-US" dirty="0"/>
-          </a:p>
-          <a:p>
-            <a:pPr lvl="1"/>
-            <a:r>
-              <a:rPr lang="en-US" dirty="0"/>
-              <a:t>Typescript compiler settings learn more about </a:t>
-            </a:r>
-            <a:r>
-              <a:rPr lang="en-US" dirty="0" err="1"/>
-              <a:t>tsconfig</a:t>
-            </a:r>
-            <a:endParaRPr lang="en-US" dirty="0"/>
-          </a:p>
-        </p:txBody>
-      </p:sp>
-    </p:spTree>
-    <p:extLst>
-      <p:ext uri="{BB962C8B-B14F-4D97-AF65-F5344CB8AC3E}">
-        <p14:creationId xmlns:p14="http://schemas.microsoft.com/office/powerpoint/2010/main" val="3834822213"/>
-      </p:ext>
-    </p:extLst>
-  </p:cSld>
-  <p:clrMapOvr>
-    <a:masterClrMapping/>
-  </p:clrMapOvr>
-</p:sld>
-</file>
-
-<file path=ppt/slides/slide3.xml><?xml version="1.0" encoding="utf-8"?>
-<p:sld xmlns:a="http://schemas.openxmlformats.org/drawingml/2006/main" xmlns:r="http://schemas.openxmlformats.org/officeDocument/2006/relationships" xmlns:p="http://schemas.openxmlformats.org/presentationml/2006/main">
-  <p:cSld>
-    <p:spTree>
-      <p:nvGrpSpPr>
-        <p:cNvPr id="1" name=""/>
-        <p:cNvGrpSpPr/>
-        <p:nvPr/>
-      </p:nvGrpSpPr>
-      <p:grpSpPr>
-        <a:xfrm>
-          <a:off x="0" y="0"/>
-          <a:ext cx="0" cy="0"/>
-          <a:chOff x="0" y="0"/>
-          <a:chExt cx="0" cy="0"/>
-        </a:xfrm>
-      </p:grpSpPr>
-      <p:sp>
-        <p:nvSpPr>
-          <p:cNvPr id="2" name="Title 1"/>
-          <p:cNvSpPr>
-            <a:spLocks noGrp="1"/>
-          </p:cNvSpPr>
-          <p:nvPr>
-            <p:ph type="title"/>
-          </p:nvPr>
-        </p:nvSpPr>
-        <p:spPr/>
-        <p:txBody>
-          <a:bodyPr/>
-          <a:lstStyle/>
-          <a:p>
-            <a:r>
-              <a:rPr lang="en-US" dirty="0"/>
-              <a:t>Built-in Visualization Types</a:t>
-            </a:r>
-          </a:p>
-        </p:txBody>
-      </p:sp>
-      <p:sp>
-        <p:nvSpPr>
-          <p:cNvPr id="3" name="Content Placeholder 2"/>
-          <p:cNvSpPr>
-            <a:spLocks noGrp="1"/>
-          </p:cNvSpPr>
-          <p:nvPr>
-            <p:ph idx="1"/>
-          </p:nvPr>
-        </p:nvSpPr>
-        <p:spPr>
-          <a:xfrm>
-            <a:off x="533400" y="1295400"/>
-            <a:ext cx="4114800" cy="5257801"/>
-          </a:xfrm>
-        </p:spPr>
-        <p:txBody>
-          <a:bodyPr>
-            <a:noAutofit/>
-          </a:bodyPr>
-          <a:lstStyle/>
-          <a:p>
-            <a:pPr marL="182880">
-              <a:spcBef>
-                <a:spcPts val="200"/>
-              </a:spcBef>
-            </a:pPr>
-            <a:r>
-              <a:rPr lang="en-US" sz="2000" dirty="0"/>
-              <a:t>Table and Matrix</a:t>
-            </a:r>
-          </a:p>
-          <a:p>
-            <a:pPr marL="182880">
-              <a:spcBef>
-                <a:spcPts val="200"/>
-              </a:spcBef>
-            </a:pPr>
-            <a:r>
-              <a:rPr lang="en-US" sz="2000" dirty="0"/>
-              <a:t>Bar charts and Column charts</a:t>
-            </a:r>
-          </a:p>
-          <a:p>
-            <a:pPr marL="182880">
-              <a:spcBef>
-                <a:spcPts val="200"/>
-              </a:spcBef>
-            </a:pPr>
-            <a:r>
-              <a:rPr lang="en-US" sz="2000" dirty="0"/>
-              <a:t>Pie charts and Doughnut chart</a:t>
-            </a:r>
-          </a:p>
-          <a:p>
-            <a:pPr marL="182880">
-              <a:spcBef>
-                <a:spcPts val="200"/>
-              </a:spcBef>
-            </a:pPr>
-            <a:r>
-              <a:rPr lang="en-US" sz="2000" dirty="0"/>
-              <a:t>Line chart and Area chart</a:t>
-            </a:r>
-          </a:p>
-          <a:p>
-            <a:pPr marL="182880">
-              <a:spcBef>
-                <a:spcPts val="200"/>
-              </a:spcBef>
-            </a:pPr>
-            <a:r>
-              <a:rPr lang="en-US" sz="2000" dirty="0"/>
-              <a:t>Scatter chart and Combo charts</a:t>
-            </a:r>
-          </a:p>
-          <a:p>
-            <a:pPr marL="182880">
-              <a:spcBef>
-                <a:spcPts val="200"/>
-              </a:spcBef>
-            </a:pPr>
-            <a:r>
-              <a:rPr lang="en-US" sz="2000" dirty="0"/>
-              <a:t>Card and Multi-row Card</a:t>
-            </a:r>
-          </a:p>
-          <a:p>
-            <a:pPr marL="182880">
-              <a:spcBef>
-                <a:spcPts val="200"/>
-              </a:spcBef>
-            </a:pPr>
-            <a:r>
-              <a:rPr lang="en-US" sz="2000" dirty="0" err="1"/>
-              <a:t>Treemap</a:t>
-            </a:r>
-            <a:endParaRPr lang="en-US" sz="2000" dirty="0"/>
-          </a:p>
-          <a:p>
-            <a:pPr marL="182880">
-              <a:spcBef>
-                <a:spcPts val="200"/>
-              </a:spcBef>
-            </a:pPr>
-            <a:r>
-              <a:rPr lang="en-US" sz="2000" dirty="0"/>
-              <a:t>Waterfall charts</a:t>
-            </a:r>
-          </a:p>
-          <a:p>
-            <a:pPr marL="182880">
-              <a:spcBef>
-                <a:spcPts val="200"/>
-              </a:spcBef>
-            </a:pPr>
-            <a:r>
-              <a:rPr lang="en-US" sz="2000" dirty="0"/>
-              <a:t>Funnel charts</a:t>
-            </a:r>
-          </a:p>
-          <a:p>
-            <a:pPr marL="182880">
-              <a:spcBef>
-                <a:spcPts val="200"/>
-              </a:spcBef>
-            </a:pPr>
-            <a:r>
-              <a:rPr lang="en-US" sz="2000" dirty="0"/>
-              <a:t>Gauge charts</a:t>
-            </a:r>
-          </a:p>
-          <a:p>
-            <a:pPr marL="182880">
-              <a:spcBef>
-                <a:spcPts val="200"/>
-              </a:spcBef>
-            </a:pPr>
-            <a:r>
-              <a:rPr lang="en-US" sz="2000" dirty="0"/>
-              <a:t>Map and Filled Map</a:t>
-            </a:r>
-          </a:p>
-          <a:p>
-            <a:pPr marL="182880">
-              <a:spcBef>
-                <a:spcPts val="200"/>
-              </a:spcBef>
-            </a:pPr>
-            <a:r>
-              <a:rPr lang="en-US" sz="2000" dirty="0"/>
-              <a:t>Slicer</a:t>
-            </a:r>
-          </a:p>
-          <a:p>
-            <a:pPr marL="182880">
-              <a:spcBef>
-                <a:spcPts val="200"/>
-              </a:spcBef>
-            </a:pPr>
-            <a:r>
-              <a:rPr lang="en-US" sz="2000" dirty="0"/>
-              <a:t>R script visual</a:t>
-            </a:r>
-          </a:p>
-          <a:p>
-            <a:pPr marL="182880">
-              <a:spcBef>
-                <a:spcPts val="200"/>
-              </a:spcBef>
-            </a:pPr>
-            <a:r>
-              <a:rPr lang="en-US" sz="2000" dirty="0"/>
-              <a:t>Shape map (in preview)</a:t>
-            </a:r>
-          </a:p>
-        </p:txBody>
-      </p:sp>
-      <p:pic>
-        <p:nvPicPr>
-          <p:cNvPr id="4" name="Picture 3"/>
-          <p:cNvPicPr>
-            <a:picLocks noChangeAspect="1"/>
-          </p:cNvPicPr>
-          <p:nvPr/>
-        </p:nvPicPr>
-        <p:blipFill>
-          <a:blip r:embed="rId2"/>
-          <a:stretch>
-            <a:fillRect/>
-          </a:stretch>
-        </p:blipFill>
-        <p:spPr>
-          <a:xfrm>
-            <a:off x="5029200" y="1295400"/>
-            <a:ext cx="3581400" cy="3540235"/>
-          </a:xfrm>
-          <a:prstGeom prst="rect">
-            <a:avLst/>
-          </a:prstGeom>
-          <a:ln w="38100">
-            <a:solidFill>
-              <a:schemeClr val="tx1"/>
-            </a:solidFill>
-          </a:ln>
-        </p:spPr>
-      </p:pic>
-    </p:spTree>
-    <p:extLst>
-      <p:ext uri="{BB962C8B-B14F-4D97-AF65-F5344CB8AC3E}">
-        <p14:creationId xmlns:p14="http://schemas.microsoft.com/office/powerpoint/2010/main" val="2865928254"/>
-      </p:ext>
-    </p:extLst>
-  </p:cSld>
-  <p:clrMapOvr>
-    <a:masterClrMapping/>
-  </p:clrMapOvr>
-</p:sld>
-</file>
-
-<file path=ppt/slides/slide30.xml><?xml version="1.0" encoding="utf-8"?>
-<p:sld xmlns:a="http://schemas.openxmlformats.org/drawingml/2006/main" xmlns:r="http://schemas.openxmlformats.org/officeDocument/2006/relationships" xmlns:p="http://schemas.openxmlformats.org/presentationml/2006/main">
-  <p:cSld>
-    <p:spTree>
-      <p:nvGrpSpPr>
-        <p:cNvPr id="1" name=""/>
-        <p:cNvGrpSpPr/>
-        <p:nvPr/>
-      </p:nvGrpSpPr>
-      <p:grpSpPr>
-        <a:xfrm>
-          <a:off x="0" y="0"/>
-          <a:ext cx="0" cy="0"/>
-          <a:chOff x="0" y="0"/>
-          <a:chExt cx="0" cy="0"/>
-        </a:xfrm>
-      </p:grpSpPr>
-      <p:sp>
-        <p:nvSpPr>
-          <p:cNvPr id="2" name="Title 1"/>
-          <p:cNvSpPr>
-            <a:spLocks noGrp="1"/>
-          </p:cNvSpPr>
-          <p:nvPr>
-            <p:ph type="title"/>
-          </p:nvPr>
-        </p:nvSpPr>
-        <p:spPr/>
-        <p:txBody>
-          <a:bodyPr/>
-          <a:lstStyle/>
-          <a:p>
-            <a:r>
-              <a:rPr lang="en-US" dirty="0"/>
-              <a:t>Folders in the new project</a:t>
-            </a:r>
-          </a:p>
-        </p:txBody>
-      </p:sp>
-      <p:sp>
-        <p:nvSpPr>
-          <p:cNvPr id="3" name="Content Placeholder 2"/>
-          <p:cNvSpPr>
-            <a:spLocks noGrp="1"/>
-          </p:cNvSpPr>
-          <p:nvPr>
-            <p:ph idx="1"/>
-          </p:nvPr>
-        </p:nvSpPr>
-        <p:spPr/>
-        <p:txBody>
-          <a:bodyPr>
-            <a:normAutofit/>
-          </a:bodyPr>
-          <a:lstStyle/>
-          <a:p>
-            <a:r>
-              <a:rPr lang="en-US" dirty="0"/>
-              <a:t>assets/</a:t>
-            </a:r>
-          </a:p>
-          <a:p>
-            <a:pPr lvl="1"/>
-            <a:r>
-              <a:rPr lang="en-US" dirty="0"/>
-              <a:t>Used to store visual assets (icon, screenshots, </a:t>
-            </a:r>
-            <a:r>
-              <a:rPr lang="en-US" dirty="0" err="1"/>
-              <a:t>etc</a:t>
-            </a:r>
-            <a:r>
-              <a:rPr lang="en-US" dirty="0"/>
-              <a:t>)</a:t>
-            </a:r>
-          </a:p>
-          <a:p>
-            <a:r>
-              <a:rPr lang="en-US" dirty="0" err="1"/>
-              <a:t>dist</a:t>
-            </a:r>
-            <a:r>
-              <a:rPr lang="en-US" dirty="0"/>
-              <a:t>/</a:t>
-            </a:r>
-          </a:p>
-          <a:p>
-            <a:pPr lvl="1"/>
-            <a:r>
-              <a:rPr lang="en-US" dirty="0"/>
-              <a:t>when you run </a:t>
-            </a:r>
-            <a:r>
-              <a:rPr lang="en-US" dirty="0" err="1"/>
-              <a:t>pbiviz</a:t>
-            </a:r>
-            <a:r>
-              <a:rPr lang="en-US" dirty="0"/>
-              <a:t> package the </a:t>
-            </a:r>
-            <a:r>
-              <a:rPr lang="en-US" dirty="0" err="1"/>
-              <a:t>pbiviz</a:t>
-            </a:r>
-            <a:r>
-              <a:rPr lang="en-US" dirty="0"/>
-              <a:t> file will be generated here</a:t>
-            </a:r>
-          </a:p>
-          <a:p>
-            <a:r>
-              <a:rPr lang="en-US" dirty="0" err="1"/>
-              <a:t>src</a:t>
-            </a:r>
-            <a:r>
-              <a:rPr lang="en-US" dirty="0"/>
-              <a:t>/</a:t>
-            </a:r>
-          </a:p>
-          <a:p>
-            <a:pPr lvl="1"/>
-            <a:r>
-              <a:rPr lang="en-US" dirty="0"/>
-              <a:t>Typescript code for your visual goes here</a:t>
-            </a:r>
-          </a:p>
-          <a:p>
-            <a:r>
-              <a:rPr lang="en-US" dirty="0"/>
-              <a:t>style/</a:t>
-            </a:r>
-          </a:p>
-          <a:p>
-            <a:pPr lvl="1"/>
-            <a:r>
-              <a:rPr lang="en-US" dirty="0"/>
-              <a:t>Less styles for your visual go here</a:t>
-            </a:r>
-          </a:p>
-        </p:txBody>
-      </p:sp>
-    </p:spTree>
-    <p:extLst>
-      <p:ext uri="{BB962C8B-B14F-4D97-AF65-F5344CB8AC3E}">
-        <p14:creationId xmlns:p14="http://schemas.microsoft.com/office/powerpoint/2010/main" val="2804769379"/>
-      </p:ext>
-    </p:extLst>
-  </p:cSld>
-  <p:clrMapOvr>
-    <a:masterClrMapping/>
-  </p:clrMapOvr>
-</p:sld>
-</file>
-
-<file path=ppt/slides/slide31.xml><?xml version="1.0" encoding="utf-8"?>
+<file path=ppt/slides/slide34.xml><?xml version="1.0" encoding="utf-8"?>
 <p:sld xmlns:a="http://schemas.openxmlformats.org/drawingml/2006/main" xmlns:r="http://schemas.openxmlformats.org/officeDocument/2006/relationships" xmlns:p="http://schemas.openxmlformats.org/presentationml/2006/main">
   <p:cSld>
     <p:spTree>
@@ -6295,7 +7034,7 @@
 </p:sld>
 </file>
 
-<file path=ppt/slides/slide32.xml><?xml version="1.0" encoding="utf-8"?>
+<file path=ppt/slides/slide35.xml><?xml version="1.0" encoding="utf-8"?>
 <p:sld xmlns:a="http://schemas.openxmlformats.org/drawingml/2006/main" xmlns:r="http://schemas.openxmlformats.org/officeDocument/2006/relationships" xmlns:p="http://schemas.openxmlformats.org/presentationml/2006/main">
   <p:cSld>
     <p:spTree>
@@ -8258,21 +8997,6 @@
 </file>
 
 <file path=customXml/item2.xml><?xml version="1.0" encoding="utf-8"?>
-<?mso-contentType ?>
-<FormTemplates xmlns="http://schemas.microsoft.com/sharepoint/v3/contenttype/forms">
-  <Display>DocumentLibraryForm</Display>
-  <Edit>DocumentLibraryForm</Edit>
-  <New>DocumentLibraryForm</New>
-</FormTemplates>
-</file>
-
-<file path=customXml/item3.xml><?xml version="1.0" encoding="utf-8"?>
-<p:properties xmlns:p="http://schemas.microsoft.com/office/2006/metadata/properties" xmlns:xsi="http://www.w3.org/2001/XMLSchema-instance">
-  <documentManagement/>
-</p:properties>
-</file>
-
-<file path=customXml/item4.xml><?xml version="1.0" encoding="utf-8"?>
 <outs:outSpaceData xmlns:outs="http://schemas.microsoft.com/office/2009/outspace/metadata">
   <outs:relatedDates>
     <outs:relatedDate>
@@ -8422,6 +9146,21 @@
 </outs:outSpaceData>
 </file>
 
+<file path=customXml/item3.xml><?xml version="1.0" encoding="utf-8"?>
+<p:properties xmlns:p="http://schemas.microsoft.com/office/2006/metadata/properties" xmlns:xsi="http://www.w3.org/2001/XMLSchema-instance">
+  <documentManagement/>
+</p:properties>
+</file>
+
+<file path=customXml/item4.xml><?xml version="1.0" encoding="utf-8"?>
+<?mso-contentType ?>
+<FormTemplates xmlns="http://schemas.microsoft.com/sharepoint/v3/contenttype/forms">
+  <Display>DocumentLibraryForm</Display>
+  <Edit>DocumentLibraryForm</Edit>
+  <New>DocumentLibraryForm</New>
+</FormTemplates>
+</file>
+
 <file path=customXml/itemProps1.xml><?xml version="1.0" encoding="utf-8"?>
 <ds:datastoreItem xmlns:ds="http://schemas.openxmlformats.org/officeDocument/2006/customXml" ds:itemID="{63F8C001-70B3-4AE4-BEC2-202AE4E30C7A}">
   <ds:schemaRefs>
@@ -8439,9 +9178,9 @@
 </file>
 
 <file path=customXml/itemProps2.xml><?xml version="1.0" encoding="utf-8"?>
-<ds:datastoreItem xmlns:ds="http://schemas.openxmlformats.org/officeDocument/2006/customXml" ds:itemID="{6034B84F-8F8E-48B7-9EFF-C7DE1A66BD73}">
+<ds:datastoreItem xmlns:ds="http://schemas.openxmlformats.org/officeDocument/2006/customXml" ds:itemID="{8865FC99-B6BD-4E98-8312-F4F432C217EA}">
   <ds:schemaRefs>
-    <ds:schemaRef ds:uri="http://schemas.microsoft.com/sharepoint/v3/contenttype/forms"/>
+    <ds:schemaRef ds:uri="http://schemas.microsoft.com/office/2009/outspace/metadata"/>
   </ds:schemaRefs>
 </ds:datastoreItem>
 </file>
@@ -8462,9 +9201,9 @@
 </file>
 
 <file path=customXml/itemProps4.xml><?xml version="1.0" encoding="utf-8"?>
-<ds:datastoreItem xmlns:ds="http://schemas.openxmlformats.org/officeDocument/2006/customXml" ds:itemID="{8865FC99-B6BD-4E98-8312-F4F432C217EA}">
+<ds:datastoreItem xmlns:ds="http://schemas.openxmlformats.org/officeDocument/2006/customXml" ds:itemID="{6034B84F-8F8E-48B7-9EFF-C7DE1A66BD73}">
   <ds:schemaRefs>
-    <ds:schemaRef ds:uri="http://schemas.microsoft.com/office/2009/outspace/metadata"/>
+    <ds:schemaRef ds:uri="http://schemas.microsoft.com/sharepoint/v3/contenttype/forms"/>
   </ds:schemaRefs>
 </ds:datastoreItem>
 </file>
--- a/CustomVisualsForPowerBI.pptx
+++ b/CustomVisualsForPowerBI.pptx
@@ -5,10 +5,10 @@
     <p:sldMasterId id="2147483648" r:id="rId5"/>
   </p:sldMasterIdLst>
   <p:notesMasterIdLst>
-    <p:notesMasterId r:id="rId41"/>
+    <p:notesMasterId r:id="rId44"/>
   </p:notesMasterIdLst>
   <p:handoutMasterIdLst>
-    <p:handoutMasterId r:id="rId42"/>
+    <p:handoutMasterId r:id="rId45"/>
   </p:handoutMasterIdLst>
   <p:sldIdLst>
     <p:sldId id="279" r:id="rId6"/>
@@ -32,20 +32,23 @@
     <p:sldId id="311" r:id="rId24"/>
     <p:sldId id="347" r:id="rId25"/>
     <p:sldId id="348" r:id="rId26"/>
-    <p:sldId id="355" r:id="rId27"/>
-    <p:sldId id="350" r:id="rId28"/>
-    <p:sldId id="351" r:id="rId29"/>
-    <p:sldId id="360" r:id="rId30"/>
-    <p:sldId id="357" r:id="rId31"/>
-    <p:sldId id="361" r:id="rId32"/>
-    <p:sldId id="356" r:id="rId33"/>
-    <p:sldId id="358" r:id="rId34"/>
-    <p:sldId id="362" r:id="rId35"/>
-    <p:sldId id="359" r:id="rId36"/>
-    <p:sldId id="352" r:id="rId37"/>
-    <p:sldId id="353" r:id="rId38"/>
-    <p:sldId id="354" r:id="rId39"/>
-    <p:sldId id="349" r:id="rId40"/>
+    <p:sldId id="365" r:id="rId27"/>
+    <p:sldId id="355" r:id="rId28"/>
+    <p:sldId id="363" r:id="rId29"/>
+    <p:sldId id="364" r:id="rId30"/>
+    <p:sldId id="350" r:id="rId31"/>
+    <p:sldId id="351" r:id="rId32"/>
+    <p:sldId id="360" r:id="rId33"/>
+    <p:sldId id="357" r:id="rId34"/>
+    <p:sldId id="361" r:id="rId35"/>
+    <p:sldId id="356" r:id="rId36"/>
+    <p:sldId id="358" r:id="rId37"/>
+    <p:sldId id="362" r:id="rId38"/>
+    <p:sldId id="359" r:id="rId39"/>
+    <p:sldId id="352" r:id="rId40"/>
+    <p:sldId id="353" r:id="rId41"/>
+    <p:sldId id="354" r:id="rId42"/>
+    <p:sldId id="349" r:id="rId43"/>
   </p:sldIdLst>
   <p:sldSz cx="9144000" cy="6858000" type="screen4x3"/>
   <p:notesSz cx="7315200" cy="9601200"/>
@@ -4609,7 +4612,7 @@
           <a:p>
             <a:r>
               <a:rPr lang="en-US" dirty="0"/>
-              <a:t>Install the Power BI Developer Toolchain</a:t>
+              <a:t>GitHub Repo for Custom Visuals</a:t>
             </a:r>
           </a:p>
         </p:txBody>
@@ -4630,103 +4633,51 @@
           <a:lstStyle/>
           <a:p>
             <a:r>
-              <a:rPr lang="en-US" dirty="0"/>
-              <a:t>Install Node.JS</a:t>
-            </a:r>
-          </a:p>
-          <a:p>
-            <a:pPr lvl="1"/>
-            <a:r>
-              <a:rPr lang="en-US" dirty="0"/>
-              <a:t>Version 5.0 recommended - 4.0+ minimum</a:t>
-            </a:r>
-          </a:p>
-          <a:p>
-            <a:pPr lvl="1"/>
-            <a:r>
-              <a:rPr lang="en-US" dirty="0"/>
-              <a:t>Installs Node Package Manage (</a:t>
-            </a:r>
-            <a:r>
-              <a:rPr lang="en-US" dirty="0" err="1"/>
-              <a:t>npm</a:t>
-            </a:r>
-            <a:r>
-              <a:rPr lang="en-US" dirty="0"/>
-              <a:t>) </a:t>
-            </a:r>
-          </a:p>
-          <a:p>
-            <a:r>
-              <a:rPr lang="en-US" dirty="0"/>
-              <a:t>Install Power BI visuals CLI tool (</a:t>
-            </a:r>
-            <a:r>
-              <a:rPr lang="en-US" dirty="0" err="1"/>
-              <a:t>pbiviz</a:t>
-            </a:r>
-            <a:r>
-              <a:rPr lang="en-US" dirty="0"/>
-              <a:t>)</a:t>
-            </a:r>
-          </a:p>
-          <a:p>
-            <a:pPr lvl="1"/>
-            <a:r>
-              <a:rPr lang="en-US" dirty="0"/>
-              <a:t>Install using Node Package Manager (</a:t>
-            </a:r>
-            <a:r>
-              <a:rPr lang="en-US" dirty="0" err="1"/>
-              <a:t>npm</a:t>
-            </a:r>
-            <a:r>
-              <a:rPr lang="en-US" dirty="0"/>
-              <a:t>)</a:t>
-            </a:r>
-          </a:p>
-          <a:p>
-            <a:pPr lvl="1"/>
-            <a:r>
-              <a:rPr lang="en-US" dirty="0" err="1"/>
-              <a:t>npm</a:t>
-            </a:r>
-            <a:r>
-              <a:rPr lang="en-US" dirty="0"/>
-              <a:t> install -g </a:t>
-            </a:r>
-            <a:r>
-              <a:rPr lang="en-US" dirty="0" err="1"/>
-              <a:t>powerbi</a:t>
-            </a:r>
-            <a:r>
-              <a:rPr lang="en-US" dirty="0"/>
-              <a:t>-visuals-tools</a:t>
-            </a:r>
-          </a:p>
-          <a:p>
-            <a:r>
-              <a:rPr lang="en-US" dirty="0"/>
-              <a:t>Install Local self-signed certificate</a:t>
-            </a:r>
-          </a:p>
-          <a:p>
-            <a:pPr lvl="1"/>
-            <a:r>
-              <a:rPr lang="en-US" dirty="0" err="1"/>
-              <a:t>pbiviz</a:t>
-            </a:r>
-            <a:r>
-              <a:rPr lang="en-US" dirty="0"/>
-              <a:t> --install-cert</a:t>
-            </a:r>
-          </a:p>
-        </p:txBody>
-      </p:sp>
+              <a:rPr lang="en-US" dirty="0">
+                <a:hlinkClick r:id="rId2"/>
+              </a:rPr>
+              <a:t>https://github.com/Microsoft/PowerBI-visuals</a:t>
+            </a:r>
+            <a:endParaRPr lang="en-US" dirty="0"/>
+          </a:p>
+          <a:p>
+            <a:endParaRPr lang="en-US" dirty="0"/>
+          </a:p>
+        </p:txBody>
+      </p:sp>
+      <p:pic>
+        <p:nvPicPr>
+          <p:cNvPr id="5" name="Picture 4"/>
+          <p:cNvPicPr>
+            <a:picLocks noChangeAspect="1"/>
+          </p:cNvPicPr>
+          <p:nvPr/>
+        </p:nvPicPr>
+        <p:blipFill>
+          <a:blip r:embed="rId3"/>
+          <a:stretch>
+            <a:fillRect/>
+          </a:stretch>
+        </p:blipFill>
+        <p:spPr>
+          <a:xfrm>
+            <a:off x="750093" y="2064240"/>
+            <a:ext cx="7643813" cy="4565160"/>
+          </a:xfrm>
+          <a:prstGeom prst="rect">
+            <a:avLst/>
+          </a:prstGeom>
+          <a:ln>
+            <a:solidFill>
+              <a:schemeClr val="tx1"/>
+            </a:solidFill>
+          </a:ln>
+        </p:spPr>
+      </p:pic>
     </p:spTree>
     <p:extLst>
       <p:ext uri="{BB962C8B-B14F-4D97-AF65-F5344CB8AC3E}">
-        <p14:creationId xmlns:p14="http://schemas.microsoft.com/office/powerpoint/2010/main" val="1976287602"/>
+        <p14:creationId xmlns:p14="http://schemas.microsoft.com/office/powerpoint/2010/main" val="2150991198"/>
       </p:ext>
     </p:extLst>
   </p:cSld>
@@ -4755,7 +4706,7 @@
       </p:grpSpPr>
       <p:sp>
         <p:nvSpPr>
-          <p:cNvPr id="46082" name="Title 1"/>
+          <p:cNvPr id="2" name="Title 1"/>
           <p:cNvSpPr>
             <a:spLocks noGrp="1"/>
           </p:cNvSpPr>
@@ -4769,16 +4720,15 @@
           <a:lstStyle/>
           <a:p>
             <a:r>
-              <a:rPr lang="en-US" altLang="en-US"/>
-              <a:t>Power BI Custom Visual Tool</a:t>
-            </a:r>
-            <a:endParaRPr lang="en-US" altLang="en-US" dirty="0"/>
-          </a:p>
-        </p:txBody>
-      </p:sp>
-      <p:sp>
-        <p:nvSpPr>
-          <p:cNvPr id="2" name="Content Placeholder 1"/>
+              <a:rPr lang="en-US" dirty="0"/>
+              <a:t>Install the Power BI Developer Toolchain</a:t>
+            </a:r>
+          </a:p>
+        </p:txBody>
+      </p:sp>
+      <p:sp>
+        <p:nvSpPr>
+          <p:cNvPr id="3" name="Content Placeholder 2"/>
           <p:cNvSpPr>
             <a:spLocks noGrp="1"/>
           </p:cNvSpPr>
@@ -4788,61 +4738,103 @@
         </p:nvSpPr>
         <p:spPr/>
         <p:txBody>
-          <a:bodyPr/>
+          <a:bodyPr>
+            <a:noAutofit/>
+          </a:bodyPr>
           <a:lstStyle/>
           <a:p>
             <a:r>
-              <a:rPr lang="en-US"/>
-              <a:t>What is the Power BI Custom Visual Tool?</a:t>
+              <a:rPr lang="en-US" sz="2400" dirty="0"/>
+              <a:t>Install Node.JS</a:t>
             </a:r>
           </a:p>
           <a:p>
             <a:pPr lvl="1"/>
             <a:r>
-              <a:rPr lang="en-US"/>
-              <a:t>Command-line utility for cross-platform dev</a:t>
+              <a:rPr lang="en-US" sz="2000" dirty="0"/>
+              <a:t>Version 5.0 recommended - 4.0+ minimum</a:t>
             </a:r>
           </a:p>
           <a:p>
             <a:pPr lvl="1"/>
             <a:r>
-              <a:rPr lang="en-US"/>
-              <a:t>Use it with Visual Studio or Visual Studio Code</a:t>
+              <a:rPr lang="en-US" sz="2000" dirty="0"/>
+              <a:t>Installs Node Package Manage (</a:t>
+            </a:r>
+            <a:r>
+              <a:rPr lang="en-US" sz="2000" dirty="0" err="1"/>
+              <a:t>npm</a:t>
+            </a:r>
+            <a:r>
+              <a:rPr lang="en-US" sz="2000" dirty="0"/>
+              <a:t>) </a:t>
+            </a:r>
+          </a:p>
+          <a:p>
+            <a:r>
+              <a:rPr lang="en-US" sz="2400" dirty="0"/>
+              <a:t>Install Visual Studio Code</a:t>
             </a:r>
           </a:p>
           <a:p>
             <a:pPr lvl="1"/>
             <a:r>
-              <a:rPr lang="en-US"/>
-              <a:t>Requires that you first install node.js</a:t>
-            </a:r>
-          </a:p>
-          <a:p>
-            <a:endParaRPr lang="en-US"/>
-          </a:p>
-          <a:p>
-            <a:r>
-              <a:rPr lang="en-US"/>
-              <a:t>Where can you get it?</a:t>
+              <a:rPr lang="en-US" sz="2000" dirty="0"/>
+              <a:t>Better environment for Development with Node.js</a:t>
+            </a:r>
+          </a:p>
+          <a:p>
+            <a:r>
+              <a:rPr lang="en-US" sz="2400" dirty="0"/>
+              <a:t>Install Power BI visuals CLI tool (</a:t>
+            </a:r>
+            <a:r>
+              <a:rPr lang="en-US" sz="2400" dirty="0" err="1"/>
+              <a:t>pbiviz</a:t>
+            </a:r>
+            <a:r>
+              <a:rPr lang="en-US" sz="2400" dirty="0"/>
+              <a:t>)</a:t>
             </a:r>
           </a:p>
           <a:p>
             <a:pPr lvl="1"/>
             <a:r>
-              <a:rPr lang="en-US" altLang="en-US"/>
-              <a:t>https://github.com/Microsoft/PowerBI-Visuals/ </a:t>
-            </a:r>
-            <a:endParaRPr lang="en-US"/>
-          </a:p>
-          <a:p>
-            <a:endParaRPr lang="en-US" dirty="0"/>
+              <a:rPr lang="en-US" sz="2000" dirty="0"/>
+              <a:t>Install using Node Package Manager (</a:t>
+            </a:r>
+            <a:r>
+              <a:rPr lang="en-US" sz="2000" dirty="0" err="1"/>
+              <a:t>npm</a:t>
+            </a:r>
+            <a:r>
+              <a:rPr lang="en-US" sz="2000" dirty="0"/>
+              <a:t>)</a:t>
+            </a:r>
+          </a:p>
+          <a:p>
+            <a:r>
+              <a:rPr lang="en-US" sz="2400" dirty="0"/>
+              <a:t>Install Local self-signed certificate</a:t>
+            </a:r>
+          </a:p>
+          <a:p>
+            <a:pPr lvl="1"/>
+            <a:r>
+              <a:rPr lang="en-US" sz="2000" dirty="0" err="1"/>
+              <a:t>pbiviz</a:t>
+            </a:r>
+            <a:r>
+              <a:rPr lang="en-US" sz="2000" dirty="0"/>
+              <a:t> --install-cert</a:t>
+            </a:r>
           </a:p>
         </p:txBody>
       </p:sp>
     </p:spTree>
     <p:extLst>
       <p:ext uri="{BB962C8B-B14F-4D97-AF65-F5344CB8AC3E}">
-        <p14:creationId xmlns:p14="http://schemas.microsoft.com/office/powerpoint/2010/main" val="1424927992"/>
+        <p14:creationId xmlns:p14="http://schemas.microsoft.com/office/powerpoint/2010/main" val="1976287602"/>
       </p:ext>
     </p:extLst>
   </p:cSld>
@@ -4871,6 +4863,808 @@
       </p:grpSpPr>
       <p:sp>
         <p:nvSpPr>
+          <p:cNvPr id="2" name="Title 1"/>
+          <p:cNvSpPr>
+            <a:spLocks noGrp="1"/>
+          </p:cNvSpPr>
+          <p:nvPr>
+            <p:ph type="title"/>
+          </p:nvPr>
+        </p:nvSpPr>
+        <p:spPr/>
+        <p:txBody>
+          <a:bodyPr/>
+          <a:lstStyle/>
+          <a:p>
+            <a:r>
+              <a:rPr lang="en-US" dirty="0"/>
+              <a:t>Installing node.js</a:t>
+            </a:r>
+          </a:p>
+        </p:txBody>
+      </p:sp>
+      <p:sp>
+        <p:nvSpPr>
+          <p:cNvPr id="3" name="Content Placeholder 2"/>
+          <p:cNvSpPr>
+            <a:spLocks noGrp="1"/>
+          </p:cNvSpPr>
+          <p:nvPr>
+            <p:ph idx="1"/>
+          </p:nvPr>
+        </p:nvSpPr>
+        <p:spPr/>
+        <p:txBody>
+          <a:bodyPr/>
+          <a:lstStyle/>
+          <a:p>
+            <a:r>
+              <a:rPr lang="en-US" dirty="0">
+                <a:hlinkClick r:id="rId2"/>
+              </a:rPr>
+              <a:t>https://nodejs.org/en/download/</a:t>
+            </a:r>
+            <a:endParaRPr lang="en-US" dirty="0"/>
+          </a:p>
+          <a:p>
+            <a:endParaRPr lang="en-US" dirty="0"/>
+          </a:p>
+        </p:txBody>
+      </p:sp>
+      <p:pic>
+        <p:nvPicPr>
+          <p:cNvPr id="4" name="Picture 3"/>
+          <p:cNvPicPr>
+            <a:picLocks noChangeAspect="1"/>
+          </p:cNvPicPr>
+          <p:nvPr/>
+        </p:nvPicPr>
+        <p:blipFill>
+          <a:blip r:embed="rId3"/>
+          <a:stretch>
+            <a:fillRect/>
+          </a:stretch>
+        </p:blipFill>
+        <p:spPr>
+          <a:xfrm>
+            <a:off x="810903" y="2105944"/>
+            <a:ext cx="6522771" cy="4371056"/>
+          </a:xfrm>
+          <a:prstGeom prst="rect">
+            <a:avLst/>
+          </a:prstGeom>
+          <a:ln>
+            <a:solidFill>
+              <a:schemeClr val="tx1"/>
+            </a:solidFill>
+          </a:ln>
+        </p:spPr>
+      </p:pic>
+      <p:pic>
+        <p:nvPicPr>
+          <p:cNvPr id="5" name="Picture 4"/>
+          <p:cNvPicPr>
+            <a:picLocks noChangeAspect="1"/>
+          </p:cNvPicPr>
+          <p:nvPr/>
+        </p:nvPicPr>
+        <p:blipFill>
+          <a:blip r:embed="rId4"/>
+          <a:stretch>
+            <a:fillRect/>
+          </a:stretch>
+        </p:blipFill>
+        <p:spPr>
+          <a:xfrm>
+            <a:off x="3997065" y="2896138"/>
+            <a:ext cx="3538790" cy="2766690"/>
+          </a:xfrm>
+          <a:prstGeom prst="rect">
+            <a:avLst/>
+          </a:prstGeom>
+        </p:spPr>
+      </p:pic>
+      <p:pic>
+        <p:nvPicPr>
+          <p:cNvPr id="6" name="Picture 5"/>
+          <p:cNvPicPr>
+            <a:picLocks noChangeAspect="1"/>
+          </p:cNvPicPr>
+          <p:nvPr/>
+        </p:nvPicPr>
+        <p:blipFill>
+          <a:blip r:embed="rId5"/>
+          <a:stretch>
+            <a:fillRect/>
+          </a:stretch>
+        </p:blipFill>
+        <p:spPr>
+          <a:xfrm>
+            <a:off x="4521700" y="3380456"/>
+            <a:ext cx="3538790" cy="2766690"/>
+          </a:xfrm>
+          <a:prstGeom prst="rect">
+            <a:avLst/>
+          </a:prstGeom>
+        </p:spPr>
+      </p:pic>
+      <p:pic>
+        <p:nvPicPr>
+          <p:cNvPr id="8" name="Picture 7"/>
+          <p:cNvPicPr>
+            <a:picLocks noChangeAspect="1"/>
+          </p:cNvPicPr>
+          <p:nvPr/>
+        </p:nvPicPr>
+        <p:blipFill>
+          <a:blip r:embed="rId6"/>
+          <a:stretch>
+            <a:fillRect/>
+          </a:stretch>
+        </p:blipFill>
+        <p:spPr>
+          <a:xfrm>
+            <a:off x="5114729" y="3885855"/>
+            <a:ext cx="3538790" cy="2766690"/>
+          </a:xfrm>
+          <a:prstGeom prst="rect">
+            <a:avLst/>
+          </a:prstGeom>
+        </p:spPr>
+      </p:pic>
+    </p:spTree>
+    <p:extLst>
+      <p:ext uri="{BB962C8B-B14F-4D97-AF65-F5344CB8AC3E}">
+        <p14:creationId xmlns:p14="http://schemas.microsoft.com/office/powerpoint/2010/main" val="2256887647"/>
+      </p:ext>
+    </p:extLst>
+  </p:cSld>
+  <p:clrMapOvr>
+    <a:masterClrMapping/>
+  </p:clrMapOvr>
+  <p:timing>
+    <p:tnLst>
+      <p:par>
+        <p:cTn id="1" dur="indefinite" restart="never" nodeType="tmRoot">
+          <p:childTnLst>
+            <p:seq concurrent="1" nextAc="seek">
+              <p:cTn id="2" dur="indefinite" nodeType="mainSeq">
+                <p:childTnLst>
+                  <p:par>
+                    <p:cTn id="3" fill="hold">
+                      <p:stCondLst>
+                        <p:cond delay="indefinite"/>
+                      </p:stCondLst>
+                      <p:childTnLst>
+                        <p:par>
+                          <p:cTn id="4" fill="hold">
+                            <p:stCondLst>
+                              <p:cond delay="0"/>
+                            </p:stCondLst>
+                            <p:childTnLst>
+                              <p:par>
+                                <p:cTn id="5" presetID="1" presetClass="entr" presetSubtype="0" fill="hold" nodeType="clickEffect">
+                                  <p:stCondLst>
+                                    <p:cond delay="0"/>
+                                  </p:stCondLst>
+                                  <p:childTnLst>
+                                    <p:set>
+                                      <p:cBhvr>
+                                        <p:cTn id="6" dur="1" fill="hold">
+                                          <p:stCondLst>
+                                            <p:cond delay="0"/>
+                                          </p:stCondLst>
+                                        </p:cTn>
+                                        <p:tgtEl>
+                                          <p:spTgt spid="5"/>
+                                        </p:tgtEl>
+                                        <p:attrNameLst>
+                                          <p:attrName>style.visibility</p:attrName>
+                                        </p:attrNameLst>
+                                      </p:cBhvr>
+                                      <p:to>
+                                        <p:strVal val="visible"/>
+                                      </p:to>
+                                    </p:set>
+                                  </p:childTnLst>
+                                </p:cTn>
+                              </p:par>
+                            </p:childTnLst>
+                          </p:cTn>
+                        </p:par>
+                      </p:childTnLst>
+                    </p:cTn>
+                  </p:par>
+                  <p:par>
+                    <p:cTn id="7" fill="hold">
+                      <p:stCondLst>
+                        <p:cond delay="indefinite"/>
+                      </p:stCondLst>
+                      <p:childTnLst>
+                        <p:par>
+                          <p:cTn id="8" fill="hold">
+                            <p:stCondLst>
+                              <p:cond delay="0"/>
+                            </p:stCondLst>
+                            <p:childTnLst>
+                              <p:par>
+                                <p:cTn id="9" presetID="1" presetClass="entr" presetSubtype="0" fill="hold" nodeType="clickEffect">
+                                  <p:stCondLst>
+                                    <p:cond delay="0"/>
+                                  </p:stCondLst>
+                                  <p:childTnLst>
+                                    <p:set>
+                                      <p:cBhvr>
+                                        <p:cTn id="10" dur="1" fill="hold">
+                                          <p:stCondLst>
+                                            <p:cond delay="0"/>
+                                          </p:stCondLst>
+                                        </p:cTn>
+                                        <p:tgtEl>
+                                          <p:spTgt spid="6"/>
+                                        </p:tgtEl>
+                                        <p:attrNameLst>
+                                          <p:attrName>style.visibility</p:attrName>
+                                        </p:attrNameLst>
+                                      </p:cBhvr>
+                                      <p:to>
+                                        <p:strVal val="visible"/>
+                                      </p:to>
+                                    </p:set>
+                                  </p:childTnLst>
+                                </p:cTn>
+                              </p:par>
+                            </p:childTnLst>
+                          </p:cTn>
+                        </p:par>
+                      </p:childTnLst>
+                    </p:cTn>
+                  </p:par>
+                  <p:par>
+                    <p:cTn id="11" fill="hold">
+                      <p:stCondLst>
+                        <p:cond delay="indefinite"/>
+                      </p:stCondLst>
+                      <p:childTnLst>
+                        <p:par>
+                          <p:cTn id="12" fill="hold">
+                            <p:stCondLst>
+                              <p:cond delay="0"/>
+                            </p:stCondLst>
+                            <p:childTnLst>
+                              <p:par>
+                                <p:cTn id="13" presetID="1" presetClass="entr" presetSubtype="0" fill="hold" nodeType="clickEffect">
+                                  <p:stCondLst>
+                                    <p:cond delay="0"/>
+                                  </p:stCondLst>
+                                  <p:childTnLst>
+                                    <p:set>
+                                      <p:cBhvr>
+                                        <p:cTn id="14" dur="1" fill="hold">
+                                          <p:stCondLst>
+                                            <p:cond delay="0"/>
+                                          </p:stCondLst>
+                                        </p:cTn>
+                                        <p:tgtEl>
+                                          <p:spTgt spid="8"/>
+                                        </p:tgtEl>
+                                        <p:attrNameLst>
+                                          <p:attrName>style.visibility</p:attrName>
+                                        </p:attrNameLst>
+                                      </p:cBhvr>
+                                      <p:to>
+                                        <p:strVal val="visible"/>
+                                      </p:to>
+                                    </p:set>
+                                  </p:childTnLst>
+                                </p:cTn>
+                              </p:par>
+                            </p:childTnLst>
+                          </p:cTn>
+                        </p:par>
+                      </p:childTnLst>
+                    </p:cTn>
+                  </p:par>
+                </p:childTnLst>
+              </p:cTn>
+              <p:prevCondLst>
+                <p:cond evt="onPrev" delay="0">
+                  <p:tgtEl>
+                    <p:sldTgt/>
+                  </p:tgtEl>
+                </p:cond>
+              </p:prevCondLst>
+              <p:nextCondLst>
+                <p:cond evt="onNext" delay="0">
+                  <p:tgtEl>
+                    <p:sldTgt/>
+                  </p:tgtEl>
+                </p:cond>
+              </p:nextCondLst>
+            </p:seq>
+          </p:childTnLst>
+        </p:cTn>
+      </p:par>
+    </p:tnLst>
+  </p:timing>
+</p:sld>
+</file>
+
+<file path=ppt/slides/slide25.xml><?xml version="1.0" encoding="utf-8"?>
+<p:sld xmlns:a="http://schemas.openxmlformats.org/drawingml/2006/main" xmlns:r="http://schemas.openxmlformats.org/officeDocument/2006/relationships" xmlns:p="http://schemas.openxmlformats.org/presentationml/2006/main">
+  <p:cSld>
+    <p:spTree>
+      <p:nvGrpSpPr>
+        <p:cNvPr id="1" name=""/>
+        <p:cNvGrpSpPr/>
+        <p:nvPr/>
+      </p:nvGrpSpPr>
+      <p:grpSpPr>
+        <a:xfrm>
+          <a:off x="0" y="0"/>
+          <a:ext cx="0" cy="0"/>
+          <a:chOff x="0" y="0"/>
+          <a:chExt cx="0" cy="0"/>
+        </a:xfrm>
+      </p:grpSpPr>
+      <p:sp>
+        <p:nvSpPr>
+          <p:cNvPr id="2" name="Title 1"/>
+          <p:cNvSpPr>
+            <a:spLocks noGrp="1"/>
+          </p:cNvSpPr>
+          <p:nvPr>
+            <p:ph type="title"/>
+          </p:nvPr>
+        </p:nvSpPr>
+        <p:spPr/>
+        <p:txBody>
+          <a:bodyPr/>
+          <a:lstStyle/>
+          <a:p>
+            <a:r>
+              <a:rPr lang="en-US" dirty="0"/>
+              <a:t>Install Visual Studio Code</a:t>
+            </a:r>
+          </a:p>
+        </p:txBody>
+      </p:sp>
+      <p:sp>
+        <p:nvSpPr>
+          <p:cNvPr id="3" name="Content Placeholder 2"/>
+          <p:cNvSpPr>
+            <a:spLocks noGrp="1"/>
+          </p:cNvSpPr>
+          <p:nvPr>
+            <p:ph idx="1"/>
+          </p:nvPr>
+        </p:nvSpPr>
+        <p:spPr/>
+        <p:txBody>
+          <a:bodyPr/>
+          <a:lstStyle/>
+          <a:p>
+            <a:r>
+              <a:rPr lang="en-US" dirty="0">
+                <a:hlinkClick r:id="rId2"/>
+              </a:rPr>
+              <a:t>http://code.visualstudio.com/</a:t>
+            </a:r>
+            <a:r>
+              <a:rPr lang="en-US" dirty="0"/>
+              <a:t> </a:t>
+            </a:r>
+          </a:p>
+        </p:txBody>
+      </p:sp>
+      <p:pic>
+        <p:nvPicPr>
+          <p:cNvPr id="4" name="Picture 3"/>
+          <p:cNvPicPr>
+            <a:picLocks noChangeAspect="1"/>
+          </p:cNvPicPr>
+          <p:nvPr/>
+        </p:nvPicPr>
+        <p:blipFill>
+          <a:blip r:embed="rId3"/>
+          <a:stretch>
+            <a:fillRect/>
+          </a:stretch>
+        </p:blipFill>
+        <p:spPr>
+          <a:xfrm>
+            <a:off x="838200" y="2070557"/>
+            <a:ext cx="4021427" cy="3118822"/>
+          </a:xfrm>
+          <a:prstGeom prst="rect">
+            <a:avLst/>
+          </a:prstGeom>
+        </p:spPr>
+      </p:pic>
+      <p:pic>
+        <p:nvPicPr>
+          <p:cNvPr id="5" name="Picture 4"/>
+          <p:cNvPicPr>
+            <a:picLocks noChangeAspect="1"/>
+          </p:cNvPicPr>
+          <p:nvPr/>
+        </p:nvPicPr>
+        <p:blipFill>
+          <a:blip r:embed="rId4"/>
+          <a:stretch>
+            <a:fillRect/>
+          </a:stretch>
+        </p:blipFill>
+        <p:spPr>
+          <a:xfrm>
+            <a:off x="2561286" y="2699492"/>
+            <a:ext cx="4021427" cy="3118822"/>
+          </a:xfrm>
+          <a:prstGeom prst="rect">
+            <a:avLst/>
+          </a:prstGeom>
+        </p:spPr>
+      </p:pic>
+      <p:pic>
+        <p:nvPicPr>
+          <p:cNvPr id="6" name="Picture 5"/>
+          <p:cNvPicPr>
+            <a:picLocks noChangeAspect="1"/>
+          </p:cNvPicPr>
+          <p:nvPr/>
+        </p:nvPicPr>
+        <p:blipFill>
+          <a:blip r:embed="rId5"/>
+          <a:stretch>
+            <a:fillRect/>
+          </a:stretch>
+        </p:blipFill>
+        <p:spPr>
+          <a:xfrm>
+            <a:off x="4313204" y="3284149"/>
+            <a:ext cx="4021427" cy="3118822"/>
+          </a:xfrm>
+          <a:prstGeom prst="rect">
+            <a:avLst/>
+          </a:prstGeom>
+        </p:spPr>
+      </p:pic>
+    </p:spTree>
+    <p:extLst>
+      <p:ext uri="{BB962C8B-B14F-4D97-AF65-F5344CB8AC3E}">
+        <p14:creationId xmlns:p14="http://schemas.microsoft.com/office/powerpoint/2010/main" val="562092442"/>
+      </p:ext>
+    </p:extLst>
+  </p:cSld>
+  <p:clrMapOvr>
+    <a:masterClrMapping/>
+  </p:clrMapOvr>
+  <p:timing>
+    <p:tnLst>
+      <p:par>
+        <p:cTn id="1" dur="indefinite" restart="never" nodeType="tmRoot">
+          <p:childTnLst>
+            <p:seq concurrent="1" nextAc="seek">
+              <p:cTn id="2" dur="indefinite" nodeType="mainSeq">
+                <p:childTnLst>
+                  <p:par>
+                    <p:cTn id="3" fill="hold">
+                      <p:stCondLst>
+                        <p:cond delay="indefinite"/>
+                      </p:stCondLst>
+                      <p:childTnLst>
+                        <p:par>
+                          <p:cTn id="4" fill="hold">
+                            <p:stCondLst>
+                              <p:cond delay="0"/>
+                            </p:stCondLst>
+                            <p:childTnLst>
+                              <p:par>
+                                <p:cTn id="5" presetID="1" presetClass="entr" presetSubtype="0" fill="hold" nodeType="clickEffect">
+                                  <p:stCondLst>
+                                    <p:cond delay="0"/>
+                                  </p:stCondLst>
+                                  <p:childTnLst>
+                                    <p:set>
+                                      <p:cBhvr>
+                                        <p:cTn id="6" dur="1" fill="hold">
+                                          <p:stCondLst>
+                                            <p:cond delay="0"/>
+                                          </p:stCondLst>
+                                        </p:cTn>
+                                        <p:tgtEl>
+                                          <p:spTgt spid="5"/>
+                                        </p:tgtEl>
+                                        <p:attrNameLst>
+                                          <p:attrName>style.visibility</p:attrName>
+                                        </p:attrNameLst>
+                                      </p:cBhvr>
+                                      <p:to>
+                                        <p:strVal val="visible"/>
+                                      </p:to>
+                                    </p:set>
+                                  </p:childTnLst>
+                                </p:cTn>
+                              </p:par>
+                            </p:childTnLst>
+                          </p:cTn>
+                        </p:par>
+                      </p:childTnLst>
+                    </p:cTn>
+                  </p:par>
+                  <p:par>
+                    <p:cTn id="7" fill="hold">
+                      <p:stCondLst>
+                        <p:cond delay="indefinite"/>
+                      </p:stCondLst>
+                      <p:childTnLst>
+                        <p:par>
+                          <p:cTn id="8" fill="hold">
+                            <p:stCondLst>
+                              <p:cond delay="0"/>
+                            </p:stCondLst>
+                            <p:childTnLst>
+                              <p:par>
+                                <p:cTn id="9" presetID="1" presetClass="entr" presetSubtype="0" fill="hold" nodeType="clickEffect">
+                                  <p:stCondLst>
+                                    <p:cond delay="0"/>
+                                  </p:stCondLst>
+                                  <p:childTnLst>
+                                    <p:set>
+                                      <p:cBhvr>
+                                        <p:cTn id="10" dur="1" fill="hold">
+                                          <p:stCondLst>
+                                            <p:cond delay="0"/>
+                                          </p:stCondLst>
+                                        </p:cTn>
+                                        <p:tgtEl>
+                                          <p:spTgt spid="6"/>
+                                        </p:tgtEl>
+                                        <p:attrNameLst>
+                                          <p:attrName>style.visibility</p:attrName>
+                                        </p:attrNameLst>
+                                      </p:cBhvr>
+                                      <p:to>
+                                        <p:strVal val="visible"/>
+                                      </p:to>
+                                    </p:set>
+                                  </p:childTnLst>
+                                </p:cTn>
+                              </p:par>
+                            </p:childTnLst>
+                          </p:cTn>
+                        </p:par>
+                      </p:childTnLst>
+                    </p:cTn>
+                  </p:par>
+                </p:childTnLst>
+              </p:cTn>
+              <p:prevCondLst>
+                <p:cond evt="onPrev" delay="0">
+                  <p:tgtEl>
+                    <p:sldTgt/>
+                  </p:tgtEl>
+                </p:cond>
+              </p:prevCondLst>
+              <p:nextCondLst>
+                <p:cond evt="onNext" delay="0">
+                  <p:tgtEl>
+                    <p:sldTgt/>
+                  </p:tgtEl>
+                </p:cond>
+              </p:nextCondLst>
+            </p:seq>
+          </p:childTnLst>
+        </p:cTn>
+      </p:par>
+    </p:tnLst>
+  </p:timing>
+</p:sld>
+</file>
+
+<file path=ppt/slides/slide26.xml><?xml version="1.0" encoding="utf-8"?>
+<p:sld xmlns:a="http://schemas.openxmlformats.org/drawingml/2006/main" xmlns:r="http://schemas.openxmlformats.org/officeDocument/2006/relationships" xmlns:p="http://schemas.openxmlformats.org/presentationml/2006/main">
+  <p:cSld>
+    <p:spTree>
+      <p:nvGrpSpPr>
+        <p:cNvPr id="1" name=""/>
+        <p:cNvGrpSpPr/>
+        <p:nvPr/>
+      </p:nvGrpSpPr>
+      <p:grpSpPr>
+        <a:xfrm>
+          <a:off x="0" y="0"/>
+          <a:ext cx="0" cy="0"/>
+          <a:chOff x="0" y="0"/>
+          <a:chExt cx="0" cy="0"/>
+        </a:xfrm>
+      </p:grpSpPr>
+      <p:sp>
+        <p:nvSpPr>
+          <p:cNvPr id="46082" name="Title 1"/>
+          <p:cNvSpPr>
+            <a:spLocks noGrp="1"/>
+          </p:cNvSpPr>
+          <p:nvPr>
+            <p:ph type="title"/>
+          </p:nvPr>
+        </p:nvSpPr>
+        <p:spPr/>
+        <p:txBody>
+          <a:bodyPr/>
+          <a:lstStyle/>
+          <a:p>
+            <a:r>
+              <a:rPr lang="en-US" altLang="en-US" dirty="0"/>
+              <a:t>Power BI Visual CLI Tool (PBIVIZ)</a:t>
+            </a:r>
+          </a:p>
+        </p:txBody>
+      </p:sp>
+      <p:sp>
+        <p:nvSpPr>
+          <p:cNvPr id="2" name="Content Placeholder 1"/>
+          <p:cNvSpPr>
+            <a:spLocks noGrp="1"/>
+          </p:cNvSpPr>
+          <p:nvPr>
+            <p:ph idx="1"/>
+          </p:nvPr>
+        </p:nvSpPr>
+        <p:spPr/>
+        <p:txBody>
+          <a:bodyPr>
+            <a:normAutofit/>
+          </a:bodyPr>
+          <a:lstStyle/>
+          <a:p>
+            <a:r>
+              <a:rPr lang="en-US" sz="2400" dirty="0"/>
+              <a:t>What is the Power BI Custom Visual Tool?</a:t>
+            </a:r>
+          </a:p>
+          <a:p>
+            <a:pPr lvl="1"/>
+            <a:r>
+              <a:rPr lang="en-US" sz="2000" dirty="0"/>
+              <a:t>Command-line utility for cross-platform dev</a:t>
+            </a:r>
+          </a:p>
+          <a:p>
+            <a:pPr lvl="1"/>
+            <a:r>
+              <a:rPr lang="en-US" sz="2000" dirty="0"/>
+              <a:t>Use it with Visual Studio or Visual Studio Code</a:t>
+            </a:r>
+          </a:p>
+          <a:p>
+            <a:pPr lvl="1"/>
+            <a:r>
+              <a:rPr lang="en-US" sz="2000" dirty="0"/>
+              <a:t>Requires that you first install node.js</a:t>
+            </a:r>
+          </a:p>
+          <a:p>
+            <a:pPr lvl="1"/>
+            <a:r>
+              <a:rPr lang="en-US" sz="2000" dirty="0"/>
+              <a:t>Install by running command from node.js command prompt</a:t>
+            </a:r>
+          </a:p>
+          <a:p>
+            <a:pPr marL="679450" lvl="2" indent="0">
+              <a:buNone/>
+            </a:pPr>
+            <a:r>
+              <a:rPr lang="en-US" sz="1600" b="1" dirty="0" err="1">
+                <a:solidFill>
+                  <a:schemeClr val="accent1">
+                    <a:lumMod val="50000"/>
+                  </a:schemeClr>
+                </a:solidFill>
+                <a:latin typeface="Lucida Console" panose="020B0609040504020204" pitchFamily="49" charset="0"/>
+              </a:rPr>
+              <a:t>npm</a:t>
+            </a:r>
+            <a:r>
+              <a:rPr lang="en-US" sz="1600" b="1" dirty="0">
+                <a:solidFill>
+                  <a:schemeClr val="accent1">
+                    <a:lumMod val="50000"/>
+                  </a:schemeClr>
+                </a:solidFill>
+                <a:latin typeface="Lucida Console" panose="020B0609040504020204" pitchFamily="49" charset="0"/>
+              </a:rPr>
+              <a:t> install -g </a:t>
+            </a:r>
+            <a:r>
+              <a:rPr lang="en-US" sz="1600" b="1" dirty="0" err="1">
+                <a:solidFill>
+                  <a:schemeClr val="accent1">
+                    <a:lumMod val="50000"/>
+                  </a:schemeClr>
+                </a:solidFill>
+                <a:latin typeface="Lucida Console" panose="020B0609040504020204" pitchFamily="49" charset="0"/>
+              </a:rPr>
+              <a:t>powerbi</a:t>
+            </a:r>
+            <a:r>
+              <a:rPr lang="en-US" sz="1600" b="1" dirty="0">
+                <a:solidFill>
+                  <a:schemeClr val="accent1">
+                    <a:lumMod val="50000"/>
+                  </a:schemeClr>
+                </a:solidFill>
+                <a:latin typeface="Lucida Console" panose="020B0609040504020204" pitchFamily="49" charset="0"/>
+              </a:rPr>
+              <a:t>-visuals-tools</a:t>
+            </a:r>
+            <a:endParaRPr lang="en-US" sz="1800" b="1" dirty="0">
+              <a:solidFill>
+                <a:schemeClr val="accent1">
+                  <a:lumMod val="50000"/>
+                </a:schemeClr>
+              </a:solidFill>
+              <a:latin typeface="Lucida Console" panose="020B0609040504020204" pitchFamily="49" charset="0"/>
+            </a:endParaRPr>
+          </a:p>
+        </p:txBody>
+      </p:sp>
+      <p:pic>
+        <p:nvPicPr>
+          <p:cNvPr id="3" name="Picture 2"/>
+          <p:cNvPicPr>
+            <a:picLocks noChangeAspect="1"/>
+          </p:cNvPicPr>
+          <p:nvPr/>
+        </p:nvPicPr>
+        <p:blipFill rotWithShape="1">
+          <a:blip r:embed="rId2"/>
+          <a:srcRect r="31205" b="56250"/>
+          <a:stretch/>
+        </p:blipFill>
+        <p:spPr>
+          <a:xfrm>
+            <a:off x="1104900" y="3886200"/>
+            <a:ext cx="6934200" cy="2306252"/>
+          </a:xfrm>
+          <a:prstGeom prst="rect">
+            <a:avLst/>
+          </a:prstGeom>
+        </p:spPr>
+      </p:pic>
+    </p:spTree>
+    <p:extLst>
+      <p:ext uri="{BB962C8B-B14F-4D97-AF65-F5344CB8AC3E}">
+        <p14:creationId xmlns:p14="http://schemas.microsoft.com/office/powerpoint/2010/main" val="1424927992"/>
+      </p:ext>
+    </p:extLst>
+  </p:cSld>
+  <p:clrMapOvr>
+    <a:masterClrMapping/>
+  </p:clrMapOvr>
+</p:sld>
+</file>
+
+<file path=ppt/slides/slide27.xml><?xml version="1.0" encoding="utf-8"?>
+<p:sld xmlns:a="http://schemas.openxmlformats.org/drawingml/2006/main" xmlns:r="http://schemas.openxmlformats.org/officeDocument/2006/relationships" xmlns:p="http://schemas.openxmlformats.org/presentationml/2006/main">
+  <p:cSld>
+    <p:spTree>
+      <p:nvGrpSpPr>
+        <p:cNvPr id="1" name=""/>
+        <p:cNvGrpSpPr/>
+        <p:nvPr/>
+      </p:nvGrpSpPr>
+      <p:grpSpPr>
+        <a:xfrm>
+          <a:off x="0" y="0"/>
+          <a:ext cx="0" cy="0"/>
+          <a:chOff x="0" y="0"/>
+          <a:chExt cx="0" cy="0"/>
+        </a:xfrm>
+      </p:grpSpPr>
+      <p:sp>
+        <p:nvSpPr>
           <p:cNvPr id="47106" name="Title 1"/>
           <p:cNvSpPr>
             <a:spLocks noGrp="1"/>
@@ -4914,7 +5708,7 @@
         </p:blipFill>
         <p:spPr bwMode="auto">
           <a:xfrm>
-            <a:off x="225425" y="2371726"/>
+            <a:off x="228600" y="1371600"/>
             <a:ext cx="8783638" cy="3509963"/>
           </a:xfrm>
           <a:prstGeom prst="rect">
@@ -4958,7 +5752,7 @@
 </p:sld>
 </file>
 
-<file path=ppt/slides/slide25.xml><?xml version="1.0" encoding="utf-8"?>
+<file path=ppt/slides/slide28.xml><?xml version="1.0" encoding="utf-8"?>
 <p:sld xmlns:a="http://schemas.openxmlformats.org/drawingml/2006/main" xmlns:r="http://schemas.openxmlformats.org/officeDocument/2006/relationships" xmlns:p="http://schemas.openxmlformats.org/presentationml/2006/main">
   <p:cSld>
     <p:spTree>
@@ -5300,415 +6094,6 @@
 </p:sld>
 </file>
 
-<file path=ppt/slides/slide26.xml><?xml version="1.0" encoding="utf-8"?>
-<p:sld xmlns:a="http://schemas.openxmlformats.org/drawingml/2006/main" xmlns:r="http://schemas.openxmlformats.org/officeDocument/2006/relationships" xmlns:p="http://schemas.openxmlformats.org/presentationml/2006/main">
-  <p:cSld>
-    <p:spTree>
-      <p:nvGrpSpPr>
-        <p:cNvPr id="1" name=""/>
-        <p:cNvGrpSpPr/>
-        <p:nvPr/>
-      </p:nvGrpSpPr>
-      <p:grpSpPr>
-        <a:xfrm>
-          <a:off x="0" y="0"/>
-          <a:ext cx="0" cy="0"/>
-          <a:chOff x="0" y="0"/>
-          <a:chExt cx="0" cy="0"/>
-        </a:xfrm>
-      </p:grpSpPr>
-      <p:sp>
-        <p:nvSpPr>
-          <p:cNvPr id="2" name="Title 1"/>
-          <p:cNvSpPr>
-            <a:spLocks noGrp="1"/>
-          </p:cNvSpPr>
-          <p:nvPr>
-            <p:ph type="title"/>
-          </p:nvPr>
-        </p:nvSpPr>
-        <p:spPr/>
-        <p:txBody>
-          <a:bodyPr/>
-          <a:lstStyle/>
-          <a:p>
-            <a:r>
-              <a:rPr lang="en-US" dirty="0"/>
-              <a:t>Files in the new project</a:t>
-            </a:r>
-          </a:p>
-        </p:txBody>
-      </p:sp>
-      <p:sp>
-        <p:nvSpPr>
-          <p:cNvPr id="3" name="Content Placeholder 2"/>
-          <p:cNvSpPr>
-            <a:spLocks noGrp="1"/>
-          </p:cNvSpPr>
-          <p:nvPr>
-            <p:ph idx="1"/>
-          </p:nvPr>
-        </p:nvSpPr>
-        <p:spPr/>
-        <p:txBody>
-          <a:bodyPr>
-            <a:normAutofit fontScale="92500" lnSpcReduction="10000"/>
-          </a:bodyPr>
-          <a:lstStyle/>
-          <a:p>
-            <a:r>
-              <a:rPr lang="en-US" dirty="0" err="1"/>
-              <a:t>gitignore</a:t>
-            </a:r>
-            <a:endParaRPr lang="en-US" dirty="0"/>
-          </a:p>
-          <a:p>
-            <a:pPr lvl="1"/>
-            <a:r>
-              <a:rPr lang="en-US" dirty="0"/>
-              <a:t>tells </a:t>
-            </a:r>
-            <a:r>
-              <a:rPr lang="en-US" dirty="0" err="1"/>
-              <a:t>git</a:t>
-            </a:r>
-            <a:r>
-              <a:rPr lang="en-US" dirty="0"/>
-              <a:t> to ignore files that shouldn't be tracked in the repository</a:t>
-            </a:r>
-          </a:p>
-          <a:p>
-            <a:r>
-              <a:rPr lang="en-US" dirty="0" err="1"/>
-              <a:t>capabilities.json</a:t>
-            </a:r>
-            <a:endParaRPr lang="en-US" dirty="0"/>
-          </a:p>
-          <a:p>
-            <a:pPr lvl="1"/>
-            <a:r>
-              <a:rPr lang="en-US" dirty="0"/>
-              <a:t>used to define the capabilities of your visual learn more about visual capabilities</a:t>
-            </a:r>
-          </a:p>
-          <a:p>
-            <a:r>
-              <a:rPr lang="en-US" dirty="0" err="1"/>
-              <a:t>package.json</a:t>
-            </a:r>
-            <a:endParaRPr lang="en-US" dirty="0"/>
-          </a:p>
-          <a:p>
-            <a:pPr lvl="1"/>
-            <a:r>
-              <a:rPr lang="en-US" dirty="0"/>
-              <a:t>Used by </a:t>
-            </a:r>
-            <a:r>
-              <a:rPr lang="en-US" dirty="0" err="1"/>
-              <a:t>npm</a:t>
-            </a:r>
-            <a:r>
-              <a:rPr lang="en-US" dirty="0"/>
-              <a:t> to manage modules learn more about </a:t>
-            </a:r>
-            <a:r>
-              <a:rPr lang="en-US" dirty="0" err="1"/>
-              <a:t>npm</a:t>
-            </a:r>
-            <a:endParaRPr lang="en-US" dirty="0"/>
-          </a:p>
-          <a:p>
-            <a:r>
-              <a:rPr lang="en-US" dirty="0" err="1"/>
-              <a:t>pbiviz.json</a:t>
-            </a:r>
-            <a:endParaRPr lang="en-US" dirty="0"/>
-          </a:p>
-          <a:p>
-            <a:pPr lvl="1"/>
-            <a:r>
-              <a:rPr lang="en-US" dirty="0"/>
-              <a:t>Main configuration file for your visual</a:t>
-            </a:r>
-          </a:p>
-          <a:p>
-            <a:r>
-              <a:rPr lang="en-US" dirty="0" err="1"/>
-              <a:t>tsconfig.json</a:t>
-            </a:r>
-            <a:endParaRPr lang="en-US" dirty="0"/>
-          </a:p>
-          <a:p>
-            <a:pPr lvl="1"/>
-            <a:r>
-              <a:rPr lang="en-US" dirty="0"/>
-              <a:t>Typescript compiler settings learn more about </a:t>
-            </a:r>
-            <a:r>
-              <a:rPr lang="en-US" dirty="0" err="1"/>
-              <a:t>tsconfig</a:t>
-            </a:r>
-            <a:endParaRPr lang="en-US" dirty="0"/>
-          </a:p>
-        </p:txBody>
-      </p:sp>
-    </p:spTree>
-    <p:extLst>
-      <p:ext uri="{BB962C8B-B14F-4D97-AF65-F5344CB8AC3E}">
-        <p14:creationId xmlns:p14="http://schemas.microsoft.com/office/powerpoint/2010/main" val="3834822213"/>
-      </p:ext>
-    </p:extLst>
-  </p:cSld>
-  <p:clrMapOvr>
-    <a:masterClrMapping/>
-  </p:clrMapOvr>
-</p:sld>
-</file>
-
-<file path=ppt/slides/slide27.xml><?xml version="1.0" encoding="utf-8"?>
-<p:sld xmlns:a="http://schemas.openxmlformats.org/drawingml/2006/main" xmlns:r="http://schemas.openxmlformats.org/officeDocument/2006/relationships" xmlns:p="http://schemas.openxmlformats.org/presentationml/2006/main">
-  <p:cSld>
-    <p:spTree>
-      <p:nvGrpSpPr>
-        <p:cNvPr id="1" name=""/>
-        <p:cNvGrpSpPr/>
-        <p:nvPr/>
-      </p:nvGrpSpPr>
-      <p:grpSpPr>
-        <a:xfrm>
-          <a:off x="0" y="0"/>
-          <a:ext cx="0" cy="0"/>
-          <a:chOff x="0" y="0"/>
-          <a:chExt cx="0" cy="0"/>
-        </a:xfrm>
-      </p:grpSpPr>
-      <p:sp>
-        <p:nvSpPr>
-          <p:cNvPr id="2" name="Title 1"/>
-          <p:cNvSpPr>
-            <a:spLocks noGrp="1"/>
-          </p:cNvSpPr>
-          <p:nvPr>
-            <p:ph type="title"/>
-          </p:nvPr>
-        </p:nvSpPr>
-        <p:spPr/>
-        <p:txBody>
-          <a:bodyPr/>
-          <a:lstStyle/>
-          <a:p>
-            <a:r>
-              <a:rPr lang="en-US" dirty="0"/>
-              <a:t>The </a:t>
-            </a:r>
-            <a:r>
-              <a:rPr lang="en-US" dirty="0" err="1"/>
-              <a:t>pbiviz.json</a:t>
-            </a:r>
-            <a:r>
-              <a:rPr lang="en-US" dirty="0"/>
-              <a:t> File</a:t>
-            </a:r>
-          </a:p>
-        </p:txBody>
-      </p:sp>
-      <p:pic>
-        <p:nvPicPr>
-          <p:cNvPr id="3" name="Picture 2"/>
-          <p:cNvPicPr>
-            <a:picLocks noChangeAspect="1"/>
-          </p:cNvPicPr>
-          <p:nvPr/>
-        </p:nvPicPr>
-        <p:blipFill>
-          <a:blip r:embed="rId2"/>
-          <a:stretch>
-            <a:fillRect/>
-          </a:stretch>
-        </p:blipFill>
-        <p:spPr>
-          <a:xfrm>
-            <a:off x="457200" y="1676400"/>
-            <a:ext cx="7472363" cy="4237708"/>
-          </a:xfrm>
-          <a:prstGeom prst="rect">
-            <a:avLst/>
-          </a:prstGeom>
-          <a:ln>
-            <a:solidFill>
-              <a:schemeClr val="tx1"/>
-            </a:solidFill>
-          </a:ln>
-        </p:spPr>
-      </p:pic>
-    </p:spTree>
-    <p:extLst>
-      <p:ext uri="{BB962C8B-B14F-4D97-AF65-F5344CB8AC3E}">
-        <p14:creationId xmlns:p14="http://schemas.microsoft.com/office/powerpoint/2010/main" val="4018350027"/>
-      </p:ext>
-    </p:extLst>
-  </p:cSld>
-  <p:clrMapOvr>
-    <a:masterClrMapping/>
-  </p:clrMapOvr>
-</p:sld>
-</file>
-
-<file path=ppt/slides/slide28.xml><?xml version="1.0" encoding="utf-8"?>
-<p:sld xmlns:a="http://schemas.openxmlformats.org/drawingml/2006/main" xmlns:r="http://schemas.openxmlformats.org/officeDocument/2006/relationships" xmlns:p="http://schemas.openxmlformats.org/presentationml/2006/main">
-  <p:cSld>
-    <p:spTree>
-      <p:nvGrpSpPr>
-        <p:cNvPr id="1" name=""/>
-        <p:cNvGrpSpPr/>
-        <p:nvPr/>
-      </p:nvGrpSpPr>
-      <p:grpSpPr>
-        <a:xfrm>
-          <a:off x="0" y="0"/>
-          <a:ext cx="0" cy="0"/>
-          <a:chOff x="0" y="0"/>
-          <a:chExt cx="0" cy="0"/>
-        </a:xfrm>
-      </p:grpSpPr>
-      <p:sp>
-        <p:nvSpPr>
-          <p:cNvPr id="2" name="Title 1"/>
-          <p:cNvSpPr>
-            <a:spLocks noGrp="1"/>
-          </p:cNvSpPr>
-          <p:nvPr>
-            <p:ph type="title"/>
-          </p:nvPr>
-        </p:nvSpPr>
-        <p:spPr/>
-        <p:txBody>
-          <a:bodyPr/>
-          <a:lstStyle/>
-          <a:p>
-            <a:r>
-              <a:rPr lang="en-US" dirty="0"/>
-              <a:t>Folders in the new project</a:t>
-            </a:r>
-          </a:p>
-        </p:txBody>
-      </p:sp>
-      <p:sp>
-        <p:nvSpPr>
-          <p:cNvPr id="3" name="Content Placeholder 2"/>
-          <p:cNvSpPr>
-            <a:spLocks noGrp="1"/>
-          </p:cNvSpPr>
-          <p:nvPr>
-            <p:ph idx="1"/>
-          </p:nvPr>
-        </p:nvSpPr>
-        <p:spPr/>
-        <p:txBody>
-          <a:bodyPr>
-            <a:normAutofit/>
-          </a:bodyPr>
-          <a:lstStyle/>
-          <a:p>
-            <a:r>
-              <a:rPr lang="en-US" dirty="0"/>
-              <a:t>assets/</a:t>
-            </a:r>
-          </a:p>
-          <a:p>
-            <a:pPr lvl="1"/>
-            <a:r>
-              <a:rPr lang="en-US" dirty="0"/>
-              <a:t>Used to store visual assets (icon, screenshots, </a:t>
-            </a:r>
-            <a:r>
-              <a:rPr lang="en-US" dirty="0" err="1"/>
-              <a:t>etc</a:t>
-            </a:r>
-            <a:r>
-              <a:rPr lang="en-US" dirty="0"/>
-              <a:t>)</a:t>
-            </a:r>
-          </a:p>
-          <a:p>
-            <a:r>
-              <a:rPr lang="en-US" dirty="0" err="1"/>
-              <a:t>dist</a:t>
-            </a:r>
-            <a:r>
-              <a:rPr lang="en-US" dirty="0"/>
-              <a:t>/</a:t>
-            </a:r>
-          </a:p>
-          <a:p>
-            <a:pPr lvl="1"/>
-            <a:r>
-              <a:rPr lang="en-US" dirty="0"/>
-              <a:t>when you run </a:t>
-            </a:r>
-            <a:r>
-              <a:rPr lang="en-US" dirty="0" err="1"/>
-              <a:t>pbiviz</a:t>
-            </a:r>
-            <a:r>
-              <a:rPr lang="en-US" dirty="0"/>
-              <a:t> package the </a:t>
-            </a:r>
-            <a:r>
-              <a:rPr lang="en-US" dirty="0" err="1"/>
-              <a:t>pbiviz</a:t>
-            </a:r>
-            <a:r>
-              <a:rPr lang="en-US" dirty="0"/>
-              <a:t> file will be generated here</a:t>
-            </a:r>
-          </a:p>
-          <a:p>
-            <a:r>
-              <a:rPr lang="en-US" dirty="0" err="1"/>
-              <a:t>src</a:t>
-            </a:r>
-            <a:r>
-              <a:rPr lang="en-US" dirty="0"/>
-              <a:t>/</a:t>
-            </a:r>
-          </a:p>
-          <a:p>
-            <a:pPr lvl="1"/>
-            <a:r>
-              <a:rPr lang="en-US" dirty="0"/>
-              <a:t>Typescript code for your visual goes here</a:t>
-            </a:r>
-          </a:p>
-          <a:p>
-            <a:r>
-              <a:rPr lang="en-US" dirty="0"/>
-              <a:t>style/</a:t>
-            </a:r>
-          </a:p>
-          <a:p>
-            <a:pPr lvl="1"/>
-            <a:r>
-              <a:rPr lang="en-US" dirty="0"/>
-              <a:t>Less styles for your visual go here</a:t>
-            </a:r>
-          </a:p>
-        </p:txBody>
-      </p:sp>
-    </p:spTree>
-    <p:extLst>
-      <p:ext uri="{BB962C8B-B14F-4D97-AF65-F5344CB8AC3E}">
-        <p14:creationId xmlns:p14="http://schemas.microsoft.com/office/powerpoint/2010/main" val="2804769379"/>
-      </p:ext>
-    </p:extLst>
-  </p:cSld>
-  <p:clrMapOvr>
-    <a:masterClrMapping/>
-  </p:clrMapOvr>
-</p:sld>
-</file>
-
 <file path=ppt/slides/slide29.xml><?xml version="1.0" encoding="utf-8"?>
 <p:sld xmlns:a="http://schemas.openxmlformats.org/drawingml/2006/main" xmlns:r="http://schemas.openxmlformats.org/officeDocument/2006/relationships" xmlns:p="http://schemas.openxmlformats.org/presentationml/2006/main">
   <p:cSld>
@@ -5743,13 +6128,8 @@
           <a:p>
             <a:r>
               <a:rPr lang="en-US" dirty="0"/>
-              <a:t>Installing Typings for D3 using </a:t>
-            </a:r>
-            <a:r>
-              <a:rPr lang="en-US" dirty="0" err="1"/>
-              <a:t>npm</a:t>
-            </a:r>
-            <a:endParaRPr lang="en-US" dirty="0"/>
+              <a:t>Files in the new project</a:t>
+            </a:r>
           </a:p>
         </p:txBody>
       </p:sp>
@@ -5766,191 +6146,111 @@
         <p:spPr/>
         <p:txBody>
           <a:bodyPr>
-            <a:normAutofit/>
+            <a:normAutofit fontScale="92500" lnSpcReduction="10000"/>
           </a:bodyPr>
           <a:lstStyle/>
           <a:p>
             <a:r>
-              <a:rPr lang="en-US" sz="2400" dirty="0"/>
-              <a:t>Installing </a:t>
-            </a:r>
-            <a:r>
-              <a:rPr lang="en-US" sz="2400" dirty="0" err="1"/>
-              <a:t>typings</a:t>
-            </a:r>
-            <a:r>
-              <a:rPr lang="en-US" sz="2400" dirty="0"/>
-              <a:t> support using Node Package Manage</a:t>
-            </a:r>
+              <a:rPr lang="en-US" dirty="0" err="1"/>
+              <a:t>gitignore</a:t>
+            </a:r>
+            <a:endParaRPr lang="en-US" dirty="0"/>
           </a:p>
           <a:p>
             <a:pPr lvl="1"/>
             <a:r>
-              <a:rPr lang="en-US" sz="2000" dirty="0"/>
-              <a:t>Start by installing global support for </a:t>
-            </a:r>
-            <a:r>
-              <a:rPr lang="en-US" sz="2000" dirty="0" err="1"/>
-              <a:t>typings</a:t>
-            </a:r>
-            <a:endParaRPr lang="en-US" sz="2000" dirty="0"/>
-          </a:p>
-          <a:p>
-            <a:pPr marL="679450" lvl="2" indent="0">
-              <a:buNone/>
-            </a:pPr>
-            <a:r>
-              <a:rPr lang="en-US" sz="1800" b="1" dirty="0" err="1">
-                <a:solidFill>
-                  <a:schemeClr val="accent1">
-                    <a:lumMod val="50000"/>
-                  </a:schemeClr>
-                </a:solidFill>
-              </a:rPr>
+              <a:rPr lang="en-US" dirty="0"/>
+              <a:t>tells </a:t>
+            </a:r>
+            <a:r>
+              <a:rPr lang="en-US" dirty="0" err="1"/>
+              <a:t>git</a:t>
+            </a:r>
+            <a:r>
+              <a:rPr lang="en-US" dirty="0"/>
+              <a:t> to ignore files that shouldn't be tracked in the repository</a:t>
+            </a:r>
+          </a:p>
+          <a:p>
+            <a:r>
+              <a:rPr lang="en-US" dirty="0" err="1"/>
+              <a:t>capabilities.json</a:t>
+            </a:r>
+            <a:endParaRPr lang="en-US" dirty="0"/>
+          </a:p>
+          <a:p>
+            <a:pPr lvl="1"/>
+            <a:r>
+              <a:rPr lang="en-US" dirty="0"/>
+              <a:t>used to define the capabilities of your visual learn more about visual capabilities</a:t>
+            </a:r>
+          </a:p>
+          <a:p>
+            <a:r>
+              <a:rPr lang="en-US" dirty="0" err="1"/>
+              <a:t>package.json</a:t>
+            </a:r>
+            <a:endParaRPr lang="en-US" dirty="0"/>
+          </a:p>
+          <a:p>
+            <a:pPr lvl="1"/>
+            <a:r>
+              <a:rPr lang="en-US" dirty="0"/>
+              <a:t>Used by </a:t>
+            </a:r>
+            <a:r>
+              <a:rPr lang="en-US" dirty="0" err="1"/>
               <a:t>npm</a:t>
             </a:r>
             <a:r>
-              <a:rPr lang="en-US" sz="1800" b="1" dirty="0">
-                <a:solidFill>
-                  <a:schemeClr val="accent1">
-                    <a:lumMod val="50000"/>
-                  </a:schemeClr>
-                </a:solidFill>
-              </a:rPr>
-              <a:t> install </a:t>
-            </a:r>
-            <a:r>
-              <a:rPr lang="en-US" sz="1800" b="1" dirty="0" err="1">
-                <a:solidFill>
-                  <a:schemeClr val="accent1">
-                    <a:lumMod val="50000"/>
-                  </a:schemeClr>
-                </a:solidFill>
-              </a:rPr>
-              <a:t>typings</a:t>
-            </a:r>
-            <a:r>
-              <a:rPr lang="en-US" sz="1800" b="1" dirty="0">
-                <a:solidFill>
-                  <a:schemeClr val="accent1">
-                    <a:lumMod val="50000"/>
-                  </a:schemeClr>
-                </a:solidFill>
-              </a:rPr>
-              <a:t> –g</a:t>
-            </a:r>
+              <a:rPr lang="en-US" dirty="0"/>
+              <a:t> to manage modules learn more about </a:t>
+            </a:r>
+            <a:r>
+              <a:rPr lang="en-US" dirty="0" err="1"/>
+              <a:t>npm</a:t>
+            </a:r>
+            <a:endParaRPr lang="en-US" dirty="0"/>
+          </a:p>
+          <a:p>
+            <a:r>
+              <a:rPr lang="en-US" dirty="0" err="1"/>
+              <a:t>pbiviz.json</a:t>
+            </a:r>
+            <a:endParaRPr lang="en-US" dirty="0"/>
           </a:p>
           <a:p>
             <a:pPr lvl="1"/>
             <a:r>
-              <a:rPr lang="en-US" sz="2000" dirty="0"/>
-              <a:t>Install </a:t>
-            </a:r>
-            <a:r>
-              <a:rPr lang="en-US" sz="2000" dirty="0" err="1"/>
-              <a:t>typings</a:t>
-            </a:r>
-            <a:r>
-              <a:rPr lang="en-US" sz="2000" dirty="0"/>
-              <a:t> for specific JavaScript libraries</a:t>
-            </a:r>
-          </a:p>
-          <a:p>
-            <a:pPr marL="679450" lvl="2" indent="0">
-              <a:buNone/>
-            </a:pPr>
-            <a:r>
-              <a:rPr lang="en-US" sz="1800" b="1" dirty="0" err="1">
-                <a:solidFill>
-                  <a:schemeClr val="accent1">
-                    <a:lumMod val="50000"/>
-                  </a:schemeClr>
-                </a:solidFill>
-              </a:rPr>
-              <a:t>typings</a:t>
-            </a:r>
-            <a:r>
-              <a:rPr lang="en-US" sz="1800" b="1" dirty="0">
-                <a:solidFill>
-                  <a:schemeClr val="accent1">
-                    <a:lumMod val="50000"/>
-                  </a:schemeClr>
-                </a:solidFill>
-              </a:rPr>
-              <a:t> install --save --global </a:t>
-            </a:r>
-            <a:r>
-              <a:rPr lang="en-US" sz="1800" b="1" dirty="0" err="1">
-                <a:solidFill>
-                  <a:schemeClr val="accent1">
-                    <a:lumMod val="50000"/>
-                  </a:schemeClr>
-                </a:solidFill>
-              </a:rPr>
-              <a:t>dt~jquery</a:t>
-            </a:r>
-            <a:endParaRPr lang="en-US" sz="1800" b="1" dirty="0">
-              <a:solidFill>
-                <a:schemeClr val="accent1">
-                  <a:lumMod val="50000"/>
-                </a:schemeClr>
-              </a:solidFill>
-            </a:endParaRPr>
-          </a:p>
-          <a:p>
-            <a:pPr marL="679450" lvl="2" indent="0">
-              <a:buNone/>
-            </a:pPr>
-            <a:r>
-              <a:rPr lang="en-US" sz="1800" b="1" dirty="0" err="1">
-                <a:solidFill>
-                  <a:schemeClr val="accent1">
-                    <a:lumMod val="50000"/>
-                  </a:schemeClr>
-                </a:solidFill>
-              </a:rPr>
-              <a:t>typings</a:t>
-            </a:r>
-            <a:r>
-              <a:rPr lang="en-US" sz="1800" b="1" dirty="0">
-                <a:solidFill>
-                  <a:schemeClr val="accent1">
-                    <a:lumMod val="50000"/>
-                  </a:schemeClr>
-                </a:solidFill>
-              </a:rPr>
-              <a:t> install --save --global dt~d3</a:t>
-            </a:r>
-          </a:p>
-        </p:txBody>
-      </p:sp>
-      <p:pic>
-        <p:nvPicPr>
-          <p:cNvPr id="4" name="Picture 3"/>
-          <p:cNvPicPr>
-            <a:picLocks noChangeAspect="1"/>
-          </p:cNvPicPr>
-          <p:nvPr/>
-        </p:nvPicPr>
-        <p:blipFill rotWithShape="1">
-          <a:blip r:embed="rId2"/>
-          <a:srcRect r="38638" b="52224"/>
-          <a:stretch/>
-        </p:blipFill>
-        <p:spPr>
-          <a:xfrm>
-            <a:off x="1143000" y="3810000"/>
-            <a:ext cx="5912746" cy="2667000"/>
-          </a:xfrm>
-          <a:prstGeom prst="rect">
-            <a:avLst/>
-          </a:prstGeom>
-        </p:spPr>
-      </p:pic>
+              <a:rPr lang="en-US" dirty="0"/>
+              <a:t>Main configuration file for your visual</a:t>
+            </a:r>
+          </a:p>
+          <a:p>
+            <a:r>
+              <a:rPr lang="en-US" dirty="0" err="1"/>
+              <a:t>tsconfig.json</a:t>
+            </a:r>
+            <a:endParaRPr lang="en-US" dirty="0"/>
+          </a:p>
+          <a:p>
+            <a:pPr lvl="1"/>
+            <a:r>
+              <a:rPr lang="en-US" dirty="0"/>
+              <a:t>Typescript compiler settings learn more about </a:t>
+            </a:r>
+            <a:r>
+              <a:rPr lang="en-US" dirty="0" err="1"/>
+              <a:t>tsconfig</a:t>
+            </a:r>
+            <a:endParaRPr lang="en-US" dirty="0"/>
+          </a:p>
+        </p:txBody>
+      </p:sp>
     </p:spTree>
     <p:extLst>
       <p:ext uri="{BB962C8B-B14F-4D97-AF65-F5344CB8AC3E}">
-        <p14:creationId xmlns:p14="http://schemas.microsoft.com/office/powerpoint/2010/main" val="2493262635"/>
+        <p14:creationId xmlns:p14="http://schemas.microsoft.com/office/powerpoint/2010/main" val="3834822213"/>
       </p:ext>
     </p:extLst>
   </p:cSld>
@@ -6257,6 +6557,458 @@
             </a:r>
             <a:r>
               <a:rPr lang="en-US" dirty="0" err="1"/>
+              <a:t>pbiviz.json</a:t>
+            </a:r>
+            <a:r>
+              <a:rPr lang="en-US" dirty="0"/>
+              <a:t> File</a:t>
+            </a:r>
+          </a:p>
+        </p:txBody>
+      </p:sp>
+      <p:pic>
+        <p:nvPicPr>
+          <p:cNvPr id="3" name="Picture 2"/>
+          <p:cNvPicPr>
+            <a:picLocks noChangeAspect="1"/>
+          </p:cNvPicPr>
+          <p:nvPr/>
+        </p:nvPicPr>
+        <p:blipFill>
+          <a:blip r:embed="rId2"/>
+          <a:stretch>
+            <a:fillRect/>
+          </a:stretch>
+        </p:blipFill>
+        <p:spPr>
+          <a:xfrm>
+            <a:off x="457200" y="1676400"/>
+            <a:ext cx="7472363" cy="4237708"/>
+          </a:xfrm>
+          <a:prstGeom prst="rect">
+            <a:avLst/>
+          </a:prstGeom>
+          <a:ln>
+            <a:solidFill>
+              <a:schemeClr val="tx1"/>
+            </a:solidFill>
+          </a:ln>
+        </p:spPr>
+      </p:pic>
+    </p:spTree>
+    <p:extLst>
+      <p:ext uri="{BB962C8B-B14F-4D97-AF65-F5344CB8AC3E}">
+        <p14:creationId xmlns:p14="http://schemas.microsoft.com/office/powerpoint/2010/main" val="4018350027"/>
+      </p:ext>
+    </p:extLst>
+  </p:cSld>
+  <p:clrMapOvr>
+    <a:masterClrMapping/>
+  </p:clrMapOvr>
+</p:sld>
+</file>
+
+<file path=ppt/slides/slide31.xml><?xml version="1.0" encoding="utf-8"?>
+<p:sld xmlns:a="http://schemas.openxmlformats.org/drawingml/2006/main" xmlns:r="http://schemas.openxmlformats.org/officeDocument/2006/relationships" xmlns:p="http://schemas.openxmlformats.org/presentationml/2006/main">
+  <p:cSld>
+    <p:spTree>
+      <p:nvGrpSpPr>
+        <p:cNvPr id="1" name=""/>
+        <p:cNvGrpSpPr/>
+        <p:nvPr/>
+      </p:nvGrpSpPr>
+      <p:grpSpPr>
+        <a:xfrm>
+          <a:off x="0" y="0"/>
+          <a:ext cx="0" cy="0"/>
+          <a:chOff x="0" y="0"/>
+          <a:chExt cx="0" cy="0"/>
+        </a:xfrm>
+      </p:grpSpPr>
+      <p:sp>
+        <p:nvSpPr>
+          <p:cNvPr id="2" name="Title 1"/>
+          <p:cNvSpPr>
+            <a:spLocks noGrp="1"/>
+          </p:cNvSpPr>
+          <p:nvPr>
+            <p:ph type="title"/>
+          </p:nvPr>
+        </p:nvSpPr>
+        <p:spPr/>
+        <p:txBody>
+          <a:bodyPr/>
+          <a:lstStyle/>
+          <a:p>
+            <a:r>
+              <a:rPr lang="en-US" dirty="0"/>
+              <a:t>Folders in the new project</a:t>
+            </a:r>
+          </a:p>
+        </p:txBody>
+      </p:sp>
+      <p:sp>
+        <p:nvSpPr>
+          <p:cNvPr id="3" name="Content Placeholder 2"/>
+          <p:cNvSpPr>
+            <a:spLocks noGrp="1"/>
+          </p:cNvSpPr>
+          <p:nvPr>
+            <p:ph idx="1"/>
+          </p:nvPr>
+        </p:nvSpPr>
+        <p:spPr/>
+        <p:txBody>
+          <a:bodyPr>
+            <a:normAutofit/>
+          </a:bodyPr>
+          <a:lstStyle/>
+          <a:p>
+            <a:r>
+              <a:rPr lang="en-US" dirty="0"/>
+              <a:t>assets/</a:t>
+            </a:r>
+          </a:p>
+          <a:p>
+            <a:pPr lvl="1"/>
+            <a:r>
+              <a:rPr lang="en-US" dirty="0"/>
+              <a:t>Used to store visual assets (icon, screenshots, </a:t>
+            </a:r>
+            <a:r>
+              <a:rPr lang="en-US" dirty="0" err="1"/>
+              <a:t>etc</a:t>
+            </a:r>
+            <a:r>
+              <a:rPr lang="en-US" dirty="0"/>
+              <a:t>)</a:t>
+            </a:r>
+          </a:p>
+          <a:p>
+            <a:r>
+              <a:rPr lang="en-US" dirty="0" err="1"/>
+              <a:t>dist</a:t>
+            </a:r>
+            <a:r>
+              <a:rPr lang="en-US" dirty="0"/>
+              <a:t>/</a:t>
+            </a:r>
+          </a:p>
+          <a:p>
+            <a:pPr lvl="1"/>
+            <a:r>
+              <a:rPr lang="en-US" dirty="0"/>
+              <a:t>when you run </a:t>
+            </a:r>
+            <a:r>
+              <a:rPr lang="en-US" dirty="0" err="1"/>
+              <a:t>pbiviz</a:t>
+            </a:r>
+            <a:r>
+              <a:rPr lang="en-US" dirty="0"/>
+              <a:t> package the </a:t>
+            </a:r>
+            <a:r>
+              <a:rPr lang="en-US" dirty="0" err="1"/>
+              <a:t>pbiviz</a:t>
+            </a:r>
+            <a:r>
+              <a:rPr lang="en-US" dirty="0"/>
+              <a:t> file will be generated here</a:t>
+            </a:r>
+          </a:p>
+          <a:p>
+            <a:r>
+              <a:rPr lang="en-US" dirty="0" err="1"/>
+              <a:t>src</a:t>
+            </a:r>
+            <a:r>
+              <a:rPr lang="en-US" dirty="0"/>
+              <a:t>/</a:t>
+            </a:r>
+          </a:p>
+          <a:p>
+            <a:pPr lvl="1"/>
+            <a:r>
+              <a:rPr lang="en-US" dirty="0"/>
+              <a:t>Typescript code for your visual goes here</a:t>
+            </a:r>
+          </a:p>
+          <a:p>
+            <a:r>
+              <a:rPr lang="en-US" dirty="0"/>
+              <a:t>style/</a:t>
+            </a:r>
+          </a:p>
+          <a:p>
+            <a:pPr lvl="1"/>
+            <a:r>
+              <a:rPr lang="en-US" dirty="0"/>
+              <a:t>Less styles for your visual go here</a:t>
+            </a:r>
+          </a:p>
+        </p:txBody>
+      </p:sp>
+    </p:spTree>
+    <p:extLst>
+      <p:ext uri="{BB962C8B-B14F-4D97-AF65-F5344CB8AC3E}">
+        <p14:creationId xmlns:p14="http://schemas.microsoft.com/office/powerpoint/2010/main" val="2804769379"/>
+      </p:ext>
+    </p:extLst>
+  </p:cSld>
+  <p:clrMapOvr>
+    <a:masterClrMapping/>
+  </p:clrMapOvr>
+</p:sld>
+</file>
+
+<file path=ppt/slides/slide32.xml><?xml version="1.0" encoding="utf-8"?>
+<p:sld xmlns:a="http://schemas.openxmlformats.org/drawingml/2006/main" xmlns:r="http://schemas.openxmlformats.org/officeDocument/2006/relationships" xmlns:p="http://schemas.openxmlformats.org/presentationml/2006/main">
+  <p:cSld>
+    <p:spTree>
+      <p:nvGrpSpPr>
+        <p:cNvPr id="1" name=""/>
+        <p:cNvGrpSpPr/>
+        <p:nvPr/>
+      </p:nvGrpSpPr>
+      <p:grpSpPr>
+        <a:xfrm>
+          <a:off x="0" y="0"/>
+          <a:ext cx="0" cy="0"/>
+          <a:chOff x="0" y="0"/>
+          <a:chExt cx="0" cy="0"/>
+        </a:xfrm>
+      </p:grpSpPr>
+      <p:sp>
+        <p:nvSpPr>
+          <p:cNvPr id="2" name="Title 1"/>
+          <p:cNvSpPr>
+            <a:spLocks noGrp="1"/>
+          </p:cNvSpPr>
+          <p:nvPr>
+            <p:ph type="title"/>
+          </p:nvPr>
+        </p:nvSpPr>
+        <p:spPr/>
+        <p:txBody>
+          <a:bodyPr/>
+          <a:lstStyle/>
+          <a:p>
+            <a:r>
+              <a:rPr lang="en-US" dirty="0"/>
+              <a:t>Installing Typings for D3 using </a:t>
+            </a:r>
+            <a:r>
+              <a:rPr lang="en-US" dirty="0" err="1"/>
+              <a:t>npm</a:t>
+            </a:r>
+            <a:endParaRPr lang="en-US" dirty="0"/>
+          </a:p>
+        </p:txBody>
+      </p:sp>
+      <p:sp>
+        <p:nvSpPr>
+          <p:cNvPr id="3" name="Content Placeholder 2"/>
+          <p:cNvSpPr>
+            <a:spLocks noGrp="1"/>
+          </p:cNvSpPr>
+          <p:nvPr>
+            <p:ph idx="1"/>
+          </p:nvPr>
+        </p:nvSpPr>
+        <p:spPr/>
+        <p:txBody>
+          <a:bodyPr>
+            <a:normAutofit/>
+          </a:bodyPr>
+          <a:lstStyle/>
+          <a:p>
+            <a:r>
+              <a:rPr lang="en-US" sz="2400" dirty="0"/>
+              <a:t>Installing </a:t>
+            </a:r>
+            <a:r>
+              <a:rPr lang="en-US" sz="2400" dirty="0" err="1"/>
+              <a:t>typings</a:t>
+            </a:r>
+            <a:r>
+              <a:rPr lang="en-US" sz="2400" dirty="0"/>
+              <a:t> support using Node Package Manage</a:t>
+            </a:r>
+          </a:p>
+          <a:p>
+            <a:pPr lvl="1"/>
+            <a:r>
+              <a:rPr lang="en-US" sz="2000" dirty="0"/>
+              <a:t>Start by installing global support for </a:t>
+            </a:r>
+            <a:r>
+              <a:rPr lang="en-US" sz="2000" dirty="0" err="1"/>
+              <a:t>typings</a:t>
+            </a:r>
+            <a:endParaRPr lang="en-US" sz="2000" dirty="0"/>
+          </a:p>
+          <a:p>
+            <a:pPr marL="679450" lvl="2" indent="0">
+              <a:buNone/>
+            </a:pPr>
+            <a:r>
+              <a:rPr lang="en-US" sz="1800" b="1" dirty="0" err="1">
+                <a:solidFill>
+                  <a:schemeClr val="accent1">
+                    <a:lumMod val="50000"/>
+                  </a:schemeClr>
+                </a:solidFill>
+              </a:rPr>
+              <a:t>npm</a:t>
+            </a:r>
+            <a:r>
+              <a:rPr lang="en-US" sz="1800" b="1" dirty="0">
+                <a:solidFill>
+                  <a:schemeClr val="accent1">
+                    <a:lumMod val="50000"/>
+                  </a:schemeClr>
+                </a:solidFill>
+              </a:rPr>
+              <a:t> install </a:t>
+            </a:r>
+            <a:r>
+              <a:rPr lang="en-US" sz="1800" b="1" dirty="0" err="1">
+                <a:solidFill>
+                  <a:schemeClr val="accent1">
+                    <a:lumMod val="50000"/>
+                  </a:schemeClr>
+                </a:solidFill>
+              </a:rPr>
+              <a:t>typings</a:t>
+            </a:r>
+            <a:r>
+              <a:rPr lang="en-US" sz="1800" b="1" dirty="0">
+                <a:solidFill>
+                  <a:schemeClr val="accent1">
+                    <a:lumMod val="50000"/>
+                  </a:schemeClr>
+                </a:solidFill>
+              </a:rPr>
+              <a:t> –g</a:t>
+            </a:r>
+          </a:p>
+          <a:p>
+            <a:pPr lvl="1"/>
+            <a:r>
+              <a:rPr lang="en-US" sz="2000" dirty="0"/>
+              <a:t>Install </a:t>
+            </a:r>
+            <a:r>
+              <a:rPr lang="en-US" sz="2000" dirty="0" err="1"/>
+              <a:t>typings</a:t>
+            </a:r>
+            <a:r>
+              <a:rPr lang="en-US" sz="2000" dirty="0"/>
+              <a:t> for specific JavaScript libraries</a:t>
+            </a:r>
+          </a:p>
+          <a:p>
+            <a:pPr marL="679450" lvl="2" indent="0">
+              <a:buNone/>
+            </a:pPr>
+            <a:r>
+              <a:rPr lang="en-US" sz="1800" b="1" dirty="0" err="1">
+                <a:solidFill>
+                  <a:schemeClr val="accent1">
+                    <a:lumMod val="50000"/>
+                  </a:schemeClr>
+                </a:solidFill>
+              </a:rPr>
+              <a:t>typings</a:t>
+            </a:r>
+            <a:r>
+              <a:rPr lang="en-US" sz="1800" b="1" dirty="0">
+                <a:solidFill>
+                  <a:schemeClr val="accent1">
+                    <a:lumMod val="50000"/>
+                  </a:schemeClr>
+                </a:solidFill>
+              </a:rPr>
+              <a:t> install --save --global dt~d3</a:t>
+            </a:r>
+          </a:p>
+        </p:txBody>
+      </p:sp>
+      <p:pic>
+        <p:nvPicPr>
+          <p:cNvPr id="4" name="Picture 3"/>
+          <p:cNvPicPr>
+            <a:picLocks noChangeAspect="1"/>
+          </p:cNvPicPr>
+          <p:nvPr/>
+        </p:nvPicPr>
+        <p:blipFill rotWithShape="1">
+          <a:blip r:embed="rId2"/>
+          <a:srcRect r="38638" b="52224"/>
+          <a:stretch/>
+        </p:blipFill>
+        <p:spPr>
+          <a:xfrm>
+            <a:off x="1143000" y="3810000"/>
+            <a:ext cx="5912746" cy="2667000"/>
+          </a:xfrm>
+          <a:prstGeom prst="rect">
+            <a:avLst/>
+          </a:prstGeom>
+        </p:spPr>
+      </p:pic>
+    </p:spTree>
+    <p:extLst>
+      <p:ext uri="{BB962C8B-B14F-4D97-AF65-F5344CB8AC3E}">
+        <p14:creationId xmlns:p14="http://schemas.microsoft.com/office/powerpoint/2010/main" val="2493262635"/>
+      </p:ext>
+    </p:extLst>
+  </p:cSld>
+  <p:clrMapOvr>
+    <a:masterClrMapping/>
+  </p:clrMapOvr>
+</p:sld>
+</file>
+
+<file path=ppt/slides/slide33.xml><?xml version="1.0" encoding="utf-8"?>
+<p:sld xmlns:a="http://schemas.openxmlformats.org/drawingml/2006/main" xmlns:r="http://schemas.openxmlformats.org/officeDocument/2006/relationships" xmlns:p="http://schemas.openxmlformats.org/presentationml/2006/main">
+  <p:cSld>
+    <p:spTree>
+      <p:nvGrpSpPr>
+        <p:cNvPr id="1" name=""/>
+        <p:cNvGrpSpPr/>
+        <p:nvPr/>
+      </p:nvGrpSpPr>
+      <p:grpSpPr>
+        <a:xfrm>
+          <a:off x="0" y="0"/>
+          <a:ext cx="0" cy="0"/>
+          <a:chOff x="0" y="0"/>
+          <a:chExt cx="0" cy="0"/>
+        </a:xfrm>
+      </p:grpSpPr>
+      <p:sp>
+        <p:nvSpPr>
+          <p:cNvPr id="2" name="Title 1"/>
+          <p:cNvSpPr>
+            <a:spLocks noGrp="1"/>
+          </p:cNvSpPr>
+          <p:nvPr>
+            <p:ph type="title"/>
+          </p:nvPr>
+        </p:nvSpPr>
+        <p:spPr/>
+        <p:txBody>
+          <a:bodyPr/>
+          <a:lstStyle/>
+          <a:p>
+            <a:r>
+              <a:rPr lang="en-US" dirty="0"/>
+              <a:t>The </a:t>
+            </a:r>
+            <a:r>
+              <a:rPr lang="en-US" dirty="0" err="1"/>
               <a:t>tsconfig.json</a:t>
             </a:r>
             <a:r>
@@ -6406,7 +7158,7 @@
 </p:sld>
 </file>
 
-<file path=ppt/slides/slide31.xml><?xml version="1.0" encoding="utf-8"?>
+<file path=ppt/slides/slide34.xml><?xml version="1.0" encoding="utf-8"?>
 <p:sld xmlns:a="http://schemas.openxmlformats.org/drawingml/2006/main" xmlns:r="http://schemas.openxmlformats.org/officeDocument/2006/relationships" xmlns:p="http://schemas.openxmlformats.org/presentationml/2006/main">
   <p:cSld>
     <p:spTree>
@@ -6526,7 +7278,7 @@
 </p:sld>
 </file>
 
-<file path=ppt/slides/slide32.xml><?xml version="1.0" encoding="utf-8"?>
+<file path=ppt/slides/slide35.xml><?xml version="1.0" encoding="utf-8"?>
 <p:sld xmlns:a="http://schemas.openxmlformats.org/drawingml/2006/main" xmlns:r="http://schemas.openxmlformats.org/officeDocument/2006/relationships" xmlns:p="http://schemas.openxmlformats.org/presentationml/2006/main">
   <p:cSld>
     <p:spTree>
@@ -6559,8 +7311,8 @@
           <a:lstStyle/>
           <a:p>
             <a:r>
-              <a:rPr lang="en-US" altLang="en-US"/>
-              <a:t>Creating &amp; Starting a Project</a:t>
+              <a:rPr lang="en-US" altLang="en-US" dirty="0"/>
+              <a:t>Running a Custom Visual Project</a:t>
             </a:r>
           </a:p>
         </p:txBody>
@@ -6588,7 +7340,7 @@
         </p:blipFill>
         <p:spPr bwMode="auto">
           <a:xfrm>
-            <a:off x="1811338" y="2443164"/>
+            <a:off x="685800" y="1447800"/>
             <a:ext cx="5365750" cy="3055937"/>
           </a:xfrm>
           <a:prstGeom prst="rect">
@@ -6632,7 +7384,7 @@
 </p:sld>
 </file>
 
-<file path=ppt/slides/slide33.xml><?xml version="1.0" encoding="utf-8"?>
+<file path=ppt/slides/slide36.xml><?xml version="1.0" encoding="utf-8"?>
 <p:sld xmlns:a="http://schemas.openxmlformats.org/drawingml/2006/main" xmlns:r="http://schemas.openxmlformats.org/officeDocument/2006/relationships" xmlns:p="http://schemas.openxmlformats.org/presentationml/2006/main">
   <p:cSld>
     <p:spTree>
@@ -6694,7 +7446,7 @@
         </p:blipFill>
         <p:spPr bwMode="auto">
           <a:xfrm>
-            <a:off x="747713" y="2160588"/>
+            <a:off x="533400" y="1219200"/>
             <a:ext cx="8134350" cy="3771900"/>
           </a:xfrm>
           <a:prstGeom prst="rect">
@@ -6738,7 +7490,7 @@
 </p:sld>
 </file>
 
-<file path=ppt/slides/slide34.xml><?xml version="1.0" encoding="utf-8"?>
+<file path=ppt/slides/slide37.xml><?xml version="1.0" encoding="utf-8"?>
 <p:sld xmlns:a="http://schemas.openxmlformats.org/drawingml/2006/main" xmlns:r="http://schemas.openxmlformats.org/officeDocument/2006/relationships" xmlns:p="http://schemas.openxmlformats.org/presentationml/2006/main">
   <p:cSld>
     <p:spTree>
@@ -6801,7 +7553,7 @@
         </p:blipFill>
         <p:spPr bwMode="auto">
           <a:xfrm>
-            <a:off x="903289" y="2089151"/>
+            <a:off x="869156" y="1524000"/>
             <a:ext cx="7405687" cy="3736975"/>
           </a:xfrm>
           <a:prstGeom prst="rect">
@@ -7034,7 +7786,7 @@
 </p:sld>
 </file>
 
-<file path=ppt/slides/slide35.xml><?xml version="1.0" encoding="utf-8"?>
+<file path=ppt/slides/slide38.xml><?xml version="1.0" encoding="utf-8"?>
 <p:sld xmlns:a="http://schemas.openxmlformats.org/drawingml/2006/main" xmlns:r="http://schemas.openxmlformats.org/officeDocument/2006/relationships" xmlns:p="http://schemas.openxmlformats.org/presentationml/2006/main">
   <p:cSld>
     <p:spTree>
@@ -8997,6 +9749,21 @@
 </file>
 
 <file path=customXml/item2.xml><?xml version="1.0" encoding="utf-8"?>
+<?mso-contentType ?>
+<FormTemplates xmlns="http://schemas.microsoft.com/sharepoint/v3/contenttype/forms">
+  <Display>DocumentLibraryForm</Display>
+  <Edit>DocumentLibraryForm</Edit>
+  <New>DocumentLibraryForm</New>
+</FormTemplates>
+</file>
+
+<file path=customXml/item3.xml><?xml version="1.0" encoding="utf-8"?>
+<p:properties xmlns:p="http://schemas.microsoft.com/office/2006/metadata/properties" xmlns:xsi="http://www.w3.org/2001/XMLSchema-instance">
+  <documentManagement/>
+</p:properties>
+</file>
+
+<file path=customXml/item4.xml><?xml version="1.0" encoding="utf-8"?>
 <outs:outSpaceData xmlns:outs="http://schemas.microsoft.com/office/2009/outspace/metadata">
   <outs:relatedDates>
     <outs:relatedDate>
@@ -9146,21 +9913,6 @@
 </outs:outSpaceData>
 </file>
 
-<file path=customXml/item3.xml><?xml version="1.0" encoding="utf-8"?>
-<p:properties xmlns:p="http://schemas.microsoft.com/office/2006/metadata/properties" xmlns:xsi="http://www.w3.org/2001/XMLSchema-instance">
-  <documentManagement/>
-</p:properties>
-</file>
-
-<file path=customXml/item4.xml><?xml version="1.0" encoding="utf-8"?>
-<?mso-contentType ?>
-<FormTemplates xmlns="http://schemas.microsoft.com/sharepoint/v3/contenttype/forms">
-  <Display>DocumentLibraryForm</Display>
-  <Edit>DocumentLibraryForm</Edit>
-  <New>DocumentLibraryForm</New>
-</FormTemplates>
-</file>
-
 <file path=customXml/itemProps1.xml><?xml version="1.0" encoding="utf-8"?>
 <ds:datastoreItem xmlns:ds="http://schemas.openxmlformats.org/officeDocument/2006/customXml" ds:itemID="{63F8C001-70B3-4AE4-BEC2-202AE4E30C7A}">
   <ds:schemaRefs>
@@ -9178,9 +9930,9 @@
 </file>
 
 <file path=customXml/itemProps2.xml><?xml version="1.0" encoding="utf-8"?>
-<ds:datastoreItem xmlns:ds="http://schemas.openxmlformats.org/officeDocument/2006/customXml" ds:itemID="{8865FC99-B6BD-4E98-8312-F4F432C217EA}">
+<ds:datastoreItem xmlns:ds="http://schemas.openxmlformats.org/officeDocument/2006/customXml" ds:itemID="{6034B84F-8F8E-48B7-9EFF-C7DE1A66BD73}">
   <ds:schemaRefs>
-    <ds:schemaRef ds:uri="http://schemas.microsoft.com/office/2009/outspace/metadata"/>
+    <ds:schemaRef ds:uri="http://schemas.microsoft.com/sharepoint/v3/contenttype/forms"/>
   </ds:schemaRefs>
 </ds:datastoreItem>
 </file>
@@ -9201,9 +9953,9 @@
 </file>
 
 <file path=customXml/itemProps4.xml><?xml version="1.0" encoding="utf-8"?>
-<ds:datastoreItem xmlns:ds="http://schemas.openxmlformats.org/officeDocument/2006/customXml" ds:itemID="{6034B84F-8F8E-48B7-9EFF-C7DE1A66BD73}">
+<ds:datastoreItem xmlns:ds="http://schemas.openxmlformats.org/officeDocument/2006/customXml" ds:itemID="{8865FC99-B6BD-4E98-8312-F4F432C217EA}">
   <ds:schemaRefs>
-    <ds:schemaRef ds:uri="http://schemas.microsoft.com/sharepoint/v3/contenttype/forms"/>
+    <ds:schemaRef ds:uri="http://schemas.microsoft.com/office/2009/outspace/metadata"/>
   </ds:schemaRefs>
 </ds:datastoreItem>
 </file>
--- a/CustomVisualsForPowerBI.pptx
+++ b/CustomVisualsForPowerBI.pptx
@@ -5,50 +5,76 @@
     <p:sldMasterId id="2147483648" r:id="rId5"/>
   </p:sldMasterIdLst>
   <p:notesMasterIdLst>
-    <p:notesMasterId r:id="rId44"/>
+    <p:notesMasterId r:id="rId70"/>
   </p:notesMasterIdLst>
   <p:handoutMasterIdLst>
-    <p:handoutMasterId r:id="rId45"/>
+    <p:handoutMasterId r:id="rId71"/>
   </p:handoutMasterIdLst>
   <p:sldIdLst>
     <p:sldId id="279" r:id="rId6"/>
-    <p:sldId id="278" r:id="rId7"/>
-    <p:sldId id="297" r:id="rId8"/>
-    <p:sldId id="326" r:id="rId9"/>
-    <p:sldId id="320" r:id="rId10"/>
-    <p:sldId id="321" r:id="rId11"/>
-    <p:sldId id="330" r:id="rId12"/>
-    <p:sldId id="325" r:id="rId13"/>
-    <p:sldId id="331" r:id="rId14"/>
-    <p:sldId id="327" r:id="rId15"/>
-    <p:sldId id="324" r:id="rId16"/>
-    <p:sldId id="323" r:id="rId17"/>
-    <p:sldId id="346" r:id="rId18"/>
-    <p:sldId id="312" r:id="rId19"/>
-    <p:sldId id="335" r:id="rId20"/>
-    <p:sldId id="339" r:id="rId21"/>
-    <p:sldId id="334" r:id="rId22"/>
-    <p:sldId id="340" r:id="rId23"/>
-    <p:sldId id="311" r:id="rId24"/>
-    <p:sldId id="347" r:id="rId25"/>
-    <p:sldId id="348" r:id="rId26"/>
-    <p:sldId id="365" r:id="rId27"/>
-    <p:sldId id="355" r:id="rId28"/>
-    <p:sldId id="363" r:id="rId29"/>
-    <p:sldId id="364" r:id="rId30"/>
-    <p:sldId id="350" r:id="rId31"/>
-    <p:sldId id="351" r:id="rId32"/>
-    <p:sldId id="360" r:id="rId33"/>
-    <p:sldId id="357" r:id="rId34"/>
-    <p:sldId id="361" r:id="rId35"/>
-    <p:sldId id="356" r:id="rId36"/>
-    <p:sldId id="358" r:id="rId37"/>
-    <p:sldId id="362" r:id="rId38"/>
-    <p:sldId id="359" r:id="rId39"/>
-    <p:sldId id="352" r:id="rId40"/>
-    <p:sldId id="353" r:id="rId41"/>
-    <p:sldId id="354" r:id="rId42"/>
-    <p:sldId id="349" r:id="rId43"/>
+    <p:sldId id="366" r:id="rId7"/>
+    <p:sldId id="278" r:id="rId8"/>
+    <p:sldId id="408" r:id="rId9"/>
+    <p:sldId id="409" r:id="rId10"/>
+    <p:sldId id="410" r:id="rId11"/>
+    <p:sldId id="411" r:id="rId12"/>
+    <p:sldId id="412" r:id="rId13"/>
+    <p:sldId id="406" r:id="rId14"/>
+    <p:sldId id="413" r:id="rId15"/>
+    <p:sldId id="414" r:id="rId16"/>
+    <p:sldId id="444" r:id="rId17"/>
+    <p:sldId id="415" r:id="rId18"/>
+    <p:sldId id="416" r:id="rId19"/>
+    <p:sldId id="417" r:id="rId20"/>
+    <p:sldId id="418" r:id="rId21"/>
+    <p:sldId id="419" r:id="rId22"/>
+    <p:sldId id="407" r:id="rId23"/>
+    <p:sldId id="420" r:id="rId24"/>
+    <p:sldId id="421" r:id="rId25"/>
+    <p:sldId id="422" r:id="rId26"/>
+    <p:sldId id="423" r:id="rId27"/>
+    <p:sldId id="402" r:id="rId28"/>
+    <p:sldId id="424" r:id="rId29"/>
+    <p:sldId id="425" r:id="rId30"/>
+    <p:sldId id="426" r:id="rId31"/>
+    <p:sldId id="427" r:id="rId32"/>
+    <p:sldId id="428" r:id="rId33"/>
+    <p:sldId id="429" r:id="rId34"/>
+    <p:sldId id="430" r:id="rId35"/>
+    <p:sldId id="431" r:id="rId36"/>
+    <p:sldId id="432" r:id="rId37"/>
+    <p:sldId id="433" r:id="rId38"/>
+    <p:sldId id="434" r:id="rId39"/>
+    <p:sldId id="435" r:id="rId40"/>
+    <p:sldId id="403" r:id="rId41"/>
+    <p:sldId id="437" r:id="rId42"/>
+    <p:sldId id="442" r:id="rId43"/>
+    <p:sldId id="443" r:id="rId44"/>
+    <p:sldId id="438" r:id="rId45"/>
+    <p:sldId id="439" r:id="rId46"/>
+    <p:sldId id="440" r:id="rId47"/>
+    <p:sldId id="441" r:id="rId48"/>
+    <p:sldId id="404" r:id="rId49"/>
+    <p:sldId id="399" r:id="rId50"/>
+    <p:sldId id="370" r:id="rId51"/>
+    <p:sldId id="405" r:id="rId52"/>
+    <p:sldId id="371" r:id="rId53"/>
+    <p:sldId id="355" r:id="rId54"/>
+    <p:sldId id="363" r:id="rId55"/>
+    <p:sldId id="364" r:id="rId56"/>
+    <p:sldId id="350" r:id="rId57"/>
+    <p:sldId id="351" r:id="rId58"/>
+    <p:sldId id="360" r:id="rId59"/>
+    <p:sldId id="357" r:id="rId60"/>
+    <p:sldId id="361" r:id="rId61"/>
+    <p:sldId id="356" r:id="rId62"/>
+    <p:sldId id="358" r:id="rId63"/>
+    <p:sldId id="362" r:id="rId64"/>
+    <p:sldId id="359" r:id="rId65"/>
+    <p:sldId id="352" r:id="rId66"/>
+    <p:sldId id="353" r:id="rId67"/>
+    <p:sldId id="354" r:id="rId68"/>
+    <p:sldId id="349" r:id="rId69"/>
   </p:sldIdLst>
   <p:sldSz cx="9144000" cy="6858000" type="screen4x3"/>
   <p:notesSz cx="7315200" cy="9601200"/>
@@ -645,6 +671,350 @@
 </p:notes>
 </file>
 
+<file path=ppt/notesSlides/notesSlide10.xml><?xml version="1.0" encoding="utf-8"?>
+<p:notes xmlns:a="http://schemas.openxmlformats.org/drawingml/2006/main" xmlns:r="http://schemas.openxmlformats.org/officeDocument/2006/relationships" xmlns:p="http://schemas.openxmlformats.org/presentationml/2006/main">
+  <p:cSld>
+    <p:spTree>
+      <p:nvGrpSpPr>
+        <p:cNvPr id="1" name=""/>
+        <p:cNvGrpSpPr/>
+        <p:nvPr/>
+      </p:nvGrpSpPr>
+      <p:grpSpPr>
+        <a:xfrm>
+          <a:off x="0" y="0"/>
+          <a:ext cx="0" cy="0"/>
+          <a:chOff x="0" y="0"/>
+          <a:chExt cx="0" cy="0"/>
+        </a:xfrm>
+      </p:grpSpPr>
+      <p:sp>
+        <p:nvSpPr>
+          <p:cNvPr id="2" name="Slide Image Placeholder 1"/>
+          <p:cNvSpPr>
+            <a:spLocks noGrp="1" noRot="1" noChangeAspect="1"/>
+          </p:cNvSpPr>
+          <p:nvPr>
+            <p:ph type="sldImg"/>
+          </p:nvPr>
+        </p:nvSpPr>
+        <p:spPr/>
+      </p:sp>
+      <p:sp>
+        <p:nvSpPr>
+          <p:cNvPr id="3" name="Notes Placeholder 2"/>
+          <p:cNvSpPr>
+            <a:spLocks noGrp="1"/>
+          </p:cNvSpPr>
+          <p:nvPr>
+            <p:ph type="body" idx="1"/>
+          </p:nvPr>
+        </p:nvSpPr>
+        <p:spPr/>
+        <p:txBody>
+          <a:bodyPr/>
+          <a:lstStyle/>
+          <a:p>
+            <a:pPr marL="0" marR="0" indent="0" algn="l" defTabSz="914400" rtl="0" eaLnBrk="1" fontAlgn="auto" latinLnBrk="0" hangingPunct="1">
+              <a:lnSpc>
+                <a:spcPct val="100000"/>
+              </a:lnSpc>
+              <a:spcBef>
+                <a:spcPts val="0"/>
+              </a:spcBef>
+              <a:spcAft>
+                <a:spcPts val="0"/>
+              </a:spcAft>
+              <a:buClrTx/>
+              <a:buSzTx/>
+              <a:buFontTx/>
+              <a:buNone/>
+              <a:tabLst/>
+              <a:defRPr/>
+            </a:pPr>
+            <a:endParaRPr lang="en-US" sz="1200" kern="1200" baseline="0" dirty="0">
+              <a:solidFill>
+                <a:schemeClr val="tx1"/>
+              </a:solidFill>
+              <a:effectLst/>
+              <a:latin typeface="+mn-lt"/>
+              <a:ea typeface="+mn-ea"/>
+              <a:cs typeface="+mn-cs"/>
+            </a:endParaRPr>
+          </a:p>
+        </p:txBody>
+      </p:sp>
+    </p:spTree>
+    <p:extLst>
+      <p:ext uri="{BB962C8B-B14F-4D97-AF65-F5344CB8AC3E}">
+        <p14:creationId xmlns:p14="http://schemas.microsoft.com/office/powerpoint/2010/main" val="2857116985"/>
+      </p:ext>
+    </p:extLst>
+  </p:cSld>
+  <p:clrMapOvr>
+    <a:masterClrMapping/>
+  </p:clrMapOvr>
+</p:notes>
+</file>
+
+<file path=ppt/notesSlides/notesSlide11.xml><?xml version="1.0" encoding="utf-8"?>
+<p:notes xmlns:a="http://schemas.openxmlformats.org/drawingml/2006/main" xmlns:r="http://schemas.openxmlformats.org/officeDocument/2006/relationships" xmlns:p="http://schemas.openxmlformats.org/presentationml/2006/main">
+  <p:cSld>
+    <p:spTree>
+      <p:nvGrpSpPr>
+        <p:cNvPr id="1" name=""/>
+        <p:cNvGrpSpPr/>
+        <p:nvPr/>
+      </p:nvGrpSpPr>
+      <p:grpSpPr>
+        <a:xfrm>
+          <a:off x="0" y="0"/>
+          <a:ext cx="0" cy="0"/>
+          <a:chOff x="0" y="0"/>
+          <a:chExt cx="0" cy="0"/>
+        </a:xfrm>
+      </p:grpSpPr>
+      <p:sp>
+        <p:nvSpPr>
+          <p:cNvPr id="2" name="Slide Image Placeholder 1"/>
+          <p:cNvSpPr>
+            <a:spLocks noGrp="1" noRot="1" noChangeAspect="1"/>
+          </p:cNvSpPr>
+          <p:nvPr>
+            <p:ph type="sldImg"/>
+          </p:nvPr>
+        </p:nvSpPr>
+        <p:spPr/>
+      </p:sp>
+      <p:sp>
+        <p:nvSpPr>
+          <p:cNvPr id="3" name="Notes Placeholder 2"/>
+          <p:cNvSpPr>
+            <a:spLocks noGrp="1"/>
+          </p:cNvSpPr>
+          <p:nvPr>
+            <p:ph type="body" idx="1"/>
+          </p:nvPr>
+        </p:nvSpPr>
+        <p:spPr/>
+        <p:txBody>
+          <a:bodyPr/>
+          <a:lstStyle/>
+          <a:p>
+            <a:pPr marL="0" marR="0" indent="0" algn="l" defTabSz="914400" rtl="0" eaLnBrk="1" fontAlgn="auto" latinLnBrk="0" hangingPunct="1">
+              <a:lnSpc>
+                <a:spcPct val="100000"/>
+              </a:lnSpc>
+              <a:spcBef>
+                <a:spcPts val="0"/>
+              </a:spcBef>
+              <a:spcAft>
+                <a:spcPts val="0"/>
+              </a:spcAft>
+              <a:buClrTx/>
+              <a:buSzTx/>
+              <a:buFontTx/>
+              <a:buNone/>
+              <a:tabLst/>
+              <a:defRPr/>
+            </a:pPr>
+            <a:endParaRPr lang="en-US" sz="1200" kern="1200" baseline="0" dirty="0">
+              <a:solidFill>
+                <a:schemeClr val="tx1"/>
+              </a:solidFill>
+              <a:effectLst/>
+              <a:latin typeface="+mn-lt"/>
+              <a:ea typeface="+mn-ea"/>
+              <a:cs typeface="+mn-cs"/>
+            </a:endParaRPr>
+          </a:p>
+        </p:txBody>
+      </p:sp>
+    </p:spTree>
+    <p:extLst>
+      <p:ext uri="{BB962C8B-B14F-4D97-AF65-F5344CB8AC3E}">
+        <p14:creationId xmlns:p14="http://schemas.microsoft.com/office/powerpoint/2010/main" val="2574740950"/>
+      </p:ext>
+    </p:extLst>
+  </p:cSld>
+  <p:clrMapOvr>
+    <a:masterClrMapping/>
+  </p:clrMapOvr>
+</p:notes>
+</file>
+
+<file path=ppt/notesSlides/notesSlide12.xml><?xml version="1.0" encoding="utf-8"?>
+<p:notes xmlns:a="http://schemas.openxmlformats.org/drawingml/2006/main" xmlns:r="http://schemas.openxmlformats.org/officeDocument/2006/relationships" xmlns:p="http://schemas.openxmlformats.org/presentationml/2006/main">
+  <p:cSld>
+    <p:spTree>
+      <p:nvGrpSpPr>
+        <p:cNvPr id="1" name=""/>
+        <p:cNvGrpSpPr/>
+        <p:nvPr/>
+      </p:nvGrpSpPr>
+      <p:grpSpPr>
+        <a:xfrm>
+          <a:off x="0" y="0"/>
+          <a:ext cx="0" cy="0"/>
+          <a:chOff x="0" y="0"/>
+          <a:chExt cx="0" cy="0"/>
+        </a:xfrm>
+      </p:grpSpPr>
+      <p:sp>
+        <p:nvSpPr>
+          <p:cNvPr id="2" name="Slide Image Placeholder 1"/>
+          <p:cNvSpPr>
+            <a:spLocks noGrp="1" noRot="1" noChangeAspect="1"/>
+          </p:cNvSpPr>
+          <p:nvPr>
+            <p:ph type="sldImg"/>
+          </p:nvPr>
+        </p:nvSpPr>
+        <p:spPr/>
+      </p:sp>
+      <p:sp>
+        <p:nvSpPr>
+          <p:cNvPr id="3" name="Notes Placeholder 2"/>
+          <p:cNvSpPr>
+            <a:spLocks noGrp="1"/>
+          </p:cNvSpPr>
+          <p:nvPr>
+            <p:ph type="body" idx="1"/>
+          </p:nvPr>
+        </p:nvSpPr>
+        <p:spPr/>
+        <p:txBody>
+          <a:bodyPr/>
+          <a:lstStyle/>
+          <a:p>
+            <a:pPr marL="0" marR="0" indent="0" algn="l" defTabSz="914400" rtl="0" eaLnBrk="1" fontAlgn="auto" latinLnBrk="0" hangingPunct="1">
+              <a:lnSpc>
+                <a:spcPct val="100000"/>
+              </a:lnSpc>
+              <a:spcBef>
+                <a:spcPts val="0"/>
+              </a:spcBef>
+              <a:spcAft>
+                <a:spcPts val="0"/>
+              </a:spcAft>
+              <a:buClrTx/>
+              <a:buSzTx/>
+              <a:buFontTx/>
+              <a:buNone/>
+              <a:tabLst/>
+              <a:defRPr/>
+            </a:pPr>
+            <a:endParaRPr lang="en-US" sz="1200" kern="1200" baseline="0" dirty="0">
+              <a:solidFill>
+                <a:schemeClr val="tx1"/>
+              </a:solidFill>
+              <a:effectLst/>
+              <a:latin typeface="+mn-lt"/>
+              <a:ea typeface="+mn-ea"/>
+              <a:cs typeface="+mn-cs"/>
+            </a:endParaRPr>
+          </a:p>
+        </p:txBody>
+      </p:sp>
+    </p:spTree>
+    <p:extLst>
+      <p:ext uri="{BB962C8B-B14F-4D97-AF65-F5344CB8AC3E}">
+        <p14:creationId xmlns:p14="http://schemas.microsoft.com/office/powerpoint/2010/main" val="650667853"/>
+      </p:ext>
+    </p:extLst>
+  </p:cSld>
+  <p:clrMapOvr>
+    <a:masterClrMapping/>
+  </p:clrMapOvr>
+</p:notes>
+</file>
+
+<file path=ppt/notesSlides/notesSlide13.xml><?xml version="1.0" encoding="utf-8"?>
+<p:notes xmlns:a="http://schemas.openxmlformats.org/drawingml/2006/main" xmlns:r="http://schemas.openxmlformats.org/officeDocument/2006/relationships" xmlns:p="http://schemas.openxmlformats.org/presentationml/2006/main">
+  <p:cSld>
+    <p:spTree>
+      <p:nvGrpSpPr>
+        <p:cNvPr id="1" name=""/>
+        <p:cNvGrpSpPr/>
+        <p:nvPr/>
+      </p:nvGrpSpPr>
+      <p:grpSpPr>
+        <a:xfrm>
+          <a:off x="0" y="0"/>
+          <a:ext cx="0" cy="0"/>
+          <a:chOff x="0" y="0"/>
+          <a:chExt cx="0" cy="0"/>
+        </a:xfrm>
+      </p:grpSpPr>
+      <p:sp>
+        <p:nvSpPr>
+          <p:cNvPr id="2" name="Slide Image Placeholder 1"/>
+          <p:cNvSpPr>
+            <a:spLocks noGrp="1" noRot="1" noChangeAspect="1"/>
+          </p:cNvSpPr>
+          <p:nvPr>
+            <p:ph type="sldImg"/>
+          </p:nvPr>
+        </p:nvSpPr>
+        <p:spPr/>
+      </p:sp>
+      <p:sp>
+        <p:nvSpPr>
+          <p:cNvPr id="3" name="Notes Placeholder 2"/>
+          <p:cNvSpPr>
+            <a:spLocks noGrp="1"/>
+          </p:cNvSpPr>
+          <p:nvPr>
+            <p:ph type="body" idx="1"/>
+          </p:nvPr>
+        </p:nvSpPr>
+        <p:spPr/>
+        <p:txBody>
+          <a:bodyPr/>
+          <a:lstStyle/>
+          <a:p>
+            <a:pPr marL="0" marR="0" indent="0" algn="l" defTabSz="914400" rtl="0" eaLnBrk="1" fontAlgn="auto" latinLnBrk="0" hangingPunct="1">
+              <a:lnSpc>
+                <a:spcPct val="100000"/>
+              </a:lnSpc>
+              <a:spcBef>
+                <a:spcPts val="0"/>
+              </a:spcBef>
+              <a:spcAft>
+                <a:spcPts val="0"/>
+              </a:spcAft>
+              <a:buClrTx/>
+              <a:buSzTx/>
+              <a:buFontTx/>
+              <a:buNone/>
+              <a:tabLst/>
+              <a:defRPr/>
+            </a:pPr>
+            <a:endParaRPr lang="en-US" sz="1200" kern="1200" baseline="0" dirty="0">
+              <a:solidFill>
+                <a:schemeClr val="tx1"/>
+              </a:solidFill>
+              <a:effectLst/>
+              <a:latin typeface="+mn-lt"/>
+              <a:ea typeface="+mn-ea"/>
+              <a:cs typeface="+mn-cs"/>
+            </a:endParaRPr>
+          </a:p>
+        </p:txBody>
+      </p:sp>
+    </p:spTree>
+    <p:extLst>
+      <p:ext uri="{BB962C8B-B14F-4D97-AF65-F5344CB8AC3E}">
+        <p14:creationId xmlns:p14="http://schemas.microsoft.com/office/powerpoint/2010/main" val="1773309486"/>
+      </p:ext>
+    </p:extLst>
+  </p:cSld>
+  <p:clrMapOvr>
+    <a:masterClrMapping/>
+  </p:clrMapOvr>
+</p:notes>
+</file>
+
 <file path=ppt/notesSlides/notesSlide2.xml><?xml version="1.0" encoding="utf-8"?>
 <p:notes xmlns:a="http://schemas.openxmlformats.org/drawingml/2006/main" xmlns:r="http://schemas.openxmlformats.org/officeDocument/2006/relationships" xmlns:p="http://schemas.openxmlformats.org/presentationml/2006/main">
   <p:cSld>
@@ -775,14 +1145,39 @@
           <a:bodyPr/>
           <a:lstStyle/>
           <a:p>
-            <a:endParaRPr lang="en-US" dirty="0"/>
+            <a:pPr marL="0" marR="0" indent="0" algn="l" defTabSz="914400" rtl="0" eaLnBrk="1" fontAlgn="auto" latinLnBrk="0" hangingPunct="1">
+              <a:lnSpc>
+                <a:spcPct val="100000"/>
+              </a:lnSpc>
+              <a:spcBef>
+                <a:spcPts val="0"/>
+              </a:spcBef>
+              <a:spcAft>
+                <a:spcPts val="0"/>
+              </a:spcAft>
+              <a:buClrTx/>
+              <a:buSzTx/>
+              <a:buFontTx/>
+              <a:buNone/>
+              <a:tabLst/>
+              <a:defRPr/>
+            </a:pPr>
+            <a:endParaRPr lang="en-US" sz="1200" kern="1200" baseline="0" dirty="0">
+              <a:solidFill>
+                <a:schemeClr val="tx1"/>
+              </a:solidFill>
+              <a:effectLst/>
+              <a:latin typeface="+mn-lt"/>
+              <a:ea typeface="+mn-ea"/>
+              <a:cs typeface="+mn-cs"/>
+            </a:endParaRPr>
           </a:p>
         </p:txBody>
       </p:sp>
     </p:spTree>
     <p:extLst>
       <p:ext uri="{BB962C8B-B14F-4D97-AF65-F5344CB8AC3E}">
-        <p14:creationId xmlns:p14="http://schemas.microsoft.com/office/powerpoint/2010/main" val="237558502"/>
+        <p14:creationId xmlns:p14="http://schemas.microsoft.com/office/powerpoint/2010/main" val="2187269180"/>
       </p:ext>
     </p:extLst>
   </p:cSld>
@@ -836,6 +1231,30 @@
           <a:bodyPr/>
           <a:lstStyle/>
           <a:p>
+            <a:r>
+              <a:rPr lang="en-US" sz="2400" dirty="0"/>
+              <a:t>There is</a:t>
+            </a:r>
+            <a:r>
+              <a:rPr lang="en-US" sz="2400" baseline="0" dirty="0"/>
+              <a:t> a g</a:t>
+            </a:r>
+            <a:r>
+              <a:rPr lang="en-US" sz="2400" dirty="0"/>
+              <a:t>etting started tutorial at </a:t>
+            </a:r>
+            <a:r>
+              <a:rPr lang="en-US" sz="2000" dirty="0">
+                <a:hlinkClick r:id="rId3"/>
+              </a:rPr>
+              <a:t>https://www.typescriptlang.org/docs/tutorial.html</a:t>
+            </a:r>
+            <a:r>
+              <a:rPr lang="en-US" sz="2000" dirty="0"/>
+              <a:t> .</a:t>
+            </a:r>
+          </a:p>
+          <a:p>
             <a:endParaRPr lang="en-US" dirty="0"/>
           </a:p>
         </p:txBody>
@@ -843,7 +1262,7 @@
     </p:spTree>
     <p:extLst>
       <p:ext uri="{BB962C8B-B14F-4D97-AF65-F5344CB8AC3E}">
-        <p14:creationId xmlns:p14="http://schemas.microsoft.com/office/powerpoint/2010/main" val="2693411443"/>
+        <p14:creationId xmlns:p14="http://schemas.microsoft.com/office/powerpoint/2010/main" val="516381332"/>
       </p:ext>
     </p:extLst>
   </p:cSld>
@@ -897,6 +1316,67 @@
           <a:bodyPr/>
           <a:lstStyle/>
           <a:p>
+            <a:endParaRPr lang="en-US" dirty="0"/>
+          </a:p>
+        </p:txBody>
+      </p:sp>
+    </p:spTree>
+    <p:extLst>
+      <p:ext uri="{BB962C8B-B14F-4D97-AF65-F5344CB8AC3E}">
+        <p14:creationId xmlns:p14="http://schemas.microsoft.com/office/powerpoint/2010/main" val="3521047083"/>
+      </p:ext>
+    </p:extLst>
+  </p:cSld>
+  <p:clrMapOvr>
+    <a:masterClrMapping/>
+  </p:clrMapOvr>
+</p:notes>
+</file>
+
+<file path=ppt/notesSlides/notesSlide6.xml><?xml version="1.0" encoding="utf-8"?>
+<p:notes xmlns:a="http://schemas.openxmlformats.org/drawingml/2006/main" xmlns:r="http://schemas.openxmlformats.org/officeDocument/2006/relationships" xmlns:p="http://schemas.openxmlformats.org/presentationml/2006/main">
+  <p:cSld>
+    <p:spTree>
+      <p:nvGrpSpPr>
+        <p:cNvPr id="1" name=""/>
+        <p:cNvGrpSpPr/>
+        <p:nvPr/>
+      </p:nvGrpSpPr>
+      <p:grpSpPr>
+        <a:xfrm>
+          <a:off x="0" y="0"/>
+          <a:ext cx="0" cy="0"/>
+          <a:chOff x="0" y="0"/>
+          <a:chExt cx="0" cy="0"/>
+        </a:xfrm>
+      </p:grpSpPr>
+      <p:sp>
+        <p:nvSpPr>
+          <p:cNvPr id="2" name="Slide Image Placeholder 1"/>
+          <p:cNvSpPr>
+            <a:spLocks noGrp="1" noRot="1" noChangeAspect="1"/>
+          </p:cNvSpPr>
+          <p:nvPr>
+            <p:ph type="sldImg"/>
+          </p:nvPr>
+        </p:nvSpPr>
+        <p:spPr/>
+      </p:sp>
+      <p:sp>
+        <p:nvSpPr>
+          <p:cNvPr id="3" name="Notes Placeholder 2"/>
+          <p:cNvSpPr>
+            <a:spLocks noGrp="1"/>
+          </p:cNvSpPr>
+          <p:nvPr>
+            <p:ph type="body" idx="1"/>
+          </p:nvPr>
+        </p:nvSpPr>
+        <p:spPr/>
+        <p:txBody>
+          <a:bodyPr/>
+          <a:lstStyle/>
+          <a:p>
             <a:pPr marL="0" marR="0" indent="0" algn="l" defTabSz="914400" rtl="0" eaLnBrk="1" fontAlgn="auto" latinLnBrk="0" hangingPunct="1">
               <a:lnSpc>
                 <a:spcPct val="100000"/>
@@ -929,7 +1409,7 @@
     </p:spTree>
     <p:extLst>
       <p:ext uri="{BB962C8B-B14F-4D97-AF65-F5344CB8AC3E}">
-        <p14:creationId xmlns:p14="http://schemas.microsoft.com/office/powerpoint/2010/main" val="2772693488"/>
+        <p14:creationId xmlns:p14="http://schemas.microsoft.com/office/powerpoint/2010/main" val="3795995108"/>
       </p:ext>
     </p:extLst>
   </p:cSld>
@@ -939,7 +1419,7 @@
 </p:notes>
 </file>
 
-<file path=ppt/notesSlides/notesSlide6.xml><?xml version="1.0" encoding="utf-8"?>
+<file path=ppt/notesSlides/notesSlide7.xml><?xml version="1.0" encoding="utf-8"?>
 <p:notes xmlns:a="http://schemas.openxmlformats.org/drawingml/2006/main" xmlns:r="http://schemas.openxmlformats.org/officeDocument/2006/relationships" xmlns:p="http://schemas.openxmlformats.org/presentationml/2006/main">
   <p:cSld>
     <p:spTree>
@@ -1015,7 +1495,7 @@
     </p:spTree>
     <p:extLst>
       <p:ext uri="{BB962C8B-B14F-4D97-AF65-F5344CB8AC3E}">
-        <p14:creationId xmlns:p14="http://schemas.microsoft.com/office/powerpoint/2010/main" val="386108434"/>
+        <p14:creationId xmlns:p14="http://schemas.microsoft.com/office/powerpoint/2010/main" val="776756625"/>
       </p:ext>
     </p:extLst>
   </p:cSld>
@@ -1025,7 +1505,7 @@
 </p:notes>
 </file>
 
-<file path=ppt/notesSlides/notesSlide7.xml><?xml version="1.0" encoding="utf-8"?>
+<file path=ppt/notesSlides/notesSlide8.xml><?xml version="1.0" encoding="utf-8"?>
 <p:notes xmlns:a="http://schemas.openxmlformats.org/drawingml/2006/main" xmlns:r="http://schemas.openxmlformats.org/officeDocument/2006/relationships" xmlns:p="http://schemas.openxmlformats.org/presentationml/2006/main">
   <p:cSld>
     <p:spTree>
@@ -1101,7 +1581,7 @@
     </p:spTree>
     <p:extLst>
       <p:ext uri="{BB962C8B-B14F-4D97-AF65-F5344CB8AC3E}">
-        <p14:creationId xmlns:p14="http://schemas.microsoft.com/office/powerpoint/2010/main" val="2291621289"/>
+        <p14:creationId xmlns:p14="http://schemas.microsoft.com/office/powerpoint/2010/main" val="3697946132"/>
       </p:ext>
     </p:extLst>
   </p:cSld>
@@ -1111,7 +1591,7 @@
 </p:notes>
 </file>
 
-<file path=ppt/notesSlides/notesSlide8.xml><?xml version="1.0" encoding="utf-8"?>
+<file path=ppt/notesSlides/notesSlide9.xml><?xml version="1.0" encoding="utf-8"?>
 <p:notes xmlns:a="http://schemas.openxmlformats.org/drawingml/2006/main" xmlns:r="http://schemas.openxmlformats.org/officeDocument/2006/relationships" xmlns:p="http://schemas.openxmlformats.org/presentationml/2006/main">
   <p:cSld>
     <p:spTree>
@@ -1187,7 +1667,7 @@
     </p:spTree>
     <p:extLst>
       <p:ext uri="{BB962C8B-B14F-4D97-AF65-F5344CB8AC3E}">
-        <p14:creationId xmlns:p14="http://schemas.microsoft.com/office/powerpoint/2010/main" val="1773309486"/>
+        <p14:creationId xmlns:p14="http://schemas.microsoft.com/office/powerpoint/2010/main" val="1182855967"/>
       </p:ext>
     </p:extLst>
   </p:cSld>
@@ -3066,10 +3546,9 @@
           <a:lstStyle/>
           <a:p>
             <a:r>
-              <a:rPr lang="en-US" sz="2400" dirty="0"/>
-              <a:t>Custom Visuals for Power BI</a:t>
-            </a:r>
-            <a:endParaRPr lang="en-US" sz="2600" dirty="0"/>
+              <a:rPr lang="en-US" b="1" dirty="0"/>
+              <a:t>Developing Custom Visuals for Power BI</a:t>
+            </a:r>
           </a:p>
         </p:txBody>
       </p:sp>
@@ -3139,14 +3618,14 @@
           <a:p>
             <a:r>
               <a:rPr lang="en-US" dirty="0"/>
-              <a:t>Gauge Visual</a:t>
+              <a:t>What is TypeScript?</a:t>
             </a:r>
           </a:p>
         </p:txBody>
       </p:sp>
       <p:sp>
         <p:nvSpPr>
-          <p:cNvPr id="4" name="Content Placeholder 3"/>
+          <p:cNvPr id="3" name="Content Placeholder 2"/>
           <p:cNvSpPr>
             <a:spLocks noGrp="1"/>
           </p:cNvSpPr>
@@ -3154,12 +3633,7 @@
             <p:ph idx="1"/>
           </p:nvPr>
         </p:nvSpPr>
-        <p:spPr>
-          <a:xfrm>
-            <a:off x="162838" y="1295400"/>
-            <a:ext cx="8763000" cy="5181600"/>
-          </a:xfrm>
-        </p:spPr>
+        <p:spPr/>
         <p:txBody>
           <a:bodyPr>
             <a:normAutofit/>
@@ -3167,40 +3641,307 @@
           <a:lstStyle/>
           <a:p>
             <a:r>
-              <a:rPr lang="en-US" sz="2200" dirty="0"/>
-              <a:t>Visualizes how measured value is tracking against goal or budget</a:t>
-            </a:r>
+              <a:rPr lang="en-US" sz="2000" dirty="0"/>
+              <a:t>A programming language which compiles into plain JavaScript</a:t>
+            </a:r>
+          </a:p>
+          <a:p>
+            <a:r>
+              <a:rPr lang="en-US" sz="2000" dirty="0"/>
+              <a:t>A superset of JavaScript that adds a strongly-typed dimension</a:t>
+            </a:r>
+          </a:p>
+          <a:p>
+            <a:r>
+              <a:rPr lang="en-US" sz="2000" dirty="0"/>
+              <a:t>It can be compiled into ECMAScript3, ECMAScript3 or ECMAScript 6</a:t>
+            </a:r>
+          </a:p>
+          <a:p>
+            <a:r>
+              <a:rPr lang="en-US" sz="2000" dirty="0"/>
+              <a:t>It runs in any browser, in any host and on any OS</a:t>
+            </a:r>
+          </a:p>
+          <a:p>
+            <a:endParaRPr lang="en-US" sz="2000" dirty="0"/>
+          </a:p>
+          <a:p>
+            <a:endParaRPr lang="en-US" sz="2000" dirty="0"/>
+          </a:p>
+          <a:p>
+            <a:endParaRPr lang="en-US" sz="2000" dirty="0"/>
+          </a:p>
+          <a:p>
+            <a:endParaRPr lang="en-US" sz="2000" dirty="0"/>
+          </a:p>
+          <a:p>
+            <a:endParaRPr lang="en-US" sz="2000" dirty="0"/>
           </a:p>
         </p:txBody>
       </p:sp>
-      <p:pic>
-        <p:nvPicPr>
-          <p:cNvPr id="3" name="Picture 2"/>
-          <p:cNvPicPr>
-            <a:picLocks noChangeAspect="1"/>
-          </p:cNvPicPr>
+      <p:grpSp>
+        <p:nvGrpSpPr>
+          <p:cNvPr id="9" name="Group 8"/>
+          <p:cNvGrpSpPr/>
           <p:nvPr/>
-        </p:nvPicPr>
-        <p:blipFill>
-          <a:blip r:embed="rId2"/>
-          <a:stretch>
-            <a:fillRect/>
-          </a:stretch>
-        </p:blipFill>
-        <p:spPr>
+        </p:nvGrpSpPr>
+        <p:grpSpPr>
           <a:xfrm>
-            <a:off x="623710" y="1828800"/>
-            <a:ext cx="8139290" cy="4123984"/>
+            <a:off x="762000" y="3429000"/>
+            <a:ext cx="7527471" cy="2539388"/>
+            <a:chOff x="1219200" y="3352800"/>
+            <a:chExt cx="6324600" cy="2133600"/>
           </a:xfrm>
-          <a:prstGeom prst="rect">
-            <a:avLst/>
-          </a:prstGeom>
-        </p:spPr>
-      </p:pic>
+        </p:grpSpPr>
+        <p:sp>
+          <p:nvSpPr>
+            <p:cNvPr id="4" name="Rectangle 3"/>
+            <p:cNvSpPr/>
+            <p:nvPr/>
+          </p:nvSpPr>
+          <p:spPr>
+            <a:xfrm>
+              <a:off x="1219200" y="3352800"/>
+              <a:ext cx="2057400" cy="2133600"/>
+            </a:xfrm>
+            <a:prstGeom prst="rect">
+              <a:avLst/>
+            </a:prstGeom>
+            <a:solidFill>
+              <a:schemeClr val="bg1">
+                <a:lumMod val="95000"/>
+              </a:schemeClr>
+            </a:solidFill>
+            <a:ln>
+              <a:solidFill>
+                <a:schemeClr val="bg1">
+                  <a:lumMod val="75000"/>
+                </a:schemeClr>
+              </a:solidFill>
+            </a:ln>
+          </p:spPr>
+          <p:style>
+            <a:lnRef idx="2">
+              <a:schemeClr val="accent1">
+                <a:shade val="50000"/>
+              </a:schemeClr>
+            </a:lnRef>
+            <a:fillRef idx="1">
+              <a:schemeClr val="accent1"/>
+            </a:fillRef>
+            <a:effectRef idx="0">
+              <a:schemeClr val="accent1"/>
+            </a:effectRef>
+            <a:fontRef idx="minor">
+              <a:schemeClr val="lt1"/>
+            </a:fontRef>
+          </p:style>
+          <p:txBody>
+            <a:bodyPr rtlCol="0" anchor="b"/>
+            <a:lstStyle/>
+            <a:p>
+              <a:pPr algn="ctr"/>
+              <a:r>
+                <a:rPr lang="en-US" sz="1400" dirty="0">
+                  <a:solidFill>
+                    <a:schemeClr val="tx1">
+                      <a:lumMod val="65000"/>
+                      <a:lumOff val="35000"/>
+                    </a:schemeClr>
+                  </a:solidFill>
+                </a:rPr>
+                <a:t>product.ts</a:t>
+              </a:r>
+            </a:p>
+          </p:txBody>
+        </p:sp>
+        <p:sp>
+          <p:nvSpPr>
+            <p:cNvPr id="5" name="Rectangle 4"/>
+            <p:cNvSpPr/>
+            <p:nvPr/>
+          </p:nvSpPr>
+          <p:spPr>
+            <a:xfrm>
+              <a:off x="4953000" y="3429000"/>
+              <a:ext cx="2590800" cy="2057400"/>
+            </a:xfrm>
+            <a:prstGeom prst="rect">
+              <a:avLst/>
+            </a:prstGeom>
+            <a:solidFill>
+              <a:schemeClr val="bg1">
+                <a:lumMod val="95000"/>
+              </a:schemeClr>
+            </a:solidFill>
+            <a:ln>
+              <a:solidFill>
+                <a:schemeClr val="bg1">
+                  <a:lumMod val="75000"/>
+                </a:schemeClr>
+              </a:solidFill>
+            </a:ln>
+          </p:spPr>
+          <p:style>
+            <a:lnRef idx="2">
+              <a:schemeClr val="accent1">
+                <a:shade val="50000"/>
+              </a:schemeClr>
+            </a:lnRef>
+            <a:fillRef idx="1">
+              <a:schemeClr val="accent1"/>
+            </a:fillRef>
+            <a:effectRef idx="0">
+              <a:schemeClr val="accent1"/>
+            </a:effectRef>
+            <a:fontRef idx="minor">
+              <a:schemeClr val="lt1"/>
+            </a:fontRef>
+          </p:style>
+          <p:txBody>
+            <a:bodyPr rtlCol="0" anchor="b"/>
+            <a:lstStyle/>
+            <a:p>
+              <a:pPr algn="ctr"/>
+              <a:r>
+                <a:rPr lang="en-US" sz="1400" dirty="0">
+                  <a:solidFill>
+                    <a:schemeClr val="tx1">
+                      <a:lumMod val="65000"/>
+                      <a:lumOff val="35000"/>
+                    </a:schemeClr>
+                  </a:solidFill>
+                </a:rPr>
+                <a:t>product.js</a:t>
+              </a:r>
+            </a:p>
+          </p:txBody>
+        </p:sp>
+        <p:sp>
+          <p:nvSpPr>
+            <p:cNvPr id="6" name="Right Arrow 5"/>
+            <p:cNvSpPr/>
+            <p:nvPr/>
+          </p:nvSpPr>
+          <p:spPr>
+            <a:xfrm>
+              <a:off x="3429000" y="3886200"/>
+              <a:ext cx="1447800" cy="838200"/>
+            </a:xfrm>
+            <a:prstGeom prst="rightArrow">
+              <a:avLst>
+                <a:gd name="adj1" fmla="val 57045"/>
+                <a:gd name="adj2" fmla="val 53522"/>
+              </a:avLst>
+            </a:prstGeom>
+          </p:spPr>
+          <p:style>
+            <a:lnRef idx="2">
+              <a:schemeClr val="accent1">
+                <a:shade val="50000"/>
+              </a:schemeClr>
+            </a:lnRef>
+            <a:fillRef idx="1">
+              <a:schemeClr val="accent1"/>
+            </a:fillRef>
+            <a:effectRef idx="0">
+              <a:schemeClr val="accent1"/>
+            </a:effectRef>
+            <a:fontRef idx="minor">
+              <a:schemeClr val="lt1"/>
+            </a:fontRef>
+          </p:style>
+          <p:txBody>
+            <a:bodyPr rtlCol="0" anchor="ctr"/>
+            <a:lstStyle/>
+            <a:p>
+              <a:pPr algn="ctr"/>
+              <a:r>
+                <a:rPr lang="en-US" sz="1100" b="1" dirty="0">
+                  <a:latin typeface="+mj-lt"/>
+                </a:rPr>
+                <a:t>TypeScript</a:t>
+              </a:r>
+            </a:p>
+            <a:p>
+              <a:pPr algn="ctr"/>
+              <a:r>
+                <a:rPr lang="en-US" sz="1100" b="1" dirty="0">
+                  <a:latin typeface="+mj-lt"/>
+                </a:rPr>
+                <a:t>Compiler</a:t>
+              </a:r>
+            </a:p>
+          </p:txBody>
+        </p:sp>
+        <p:pic>
+          <p:nvPicPr>
+            <p:cNvPr id="7" name="Picture 6"/>
+            <p:cNvPicPr>
+              <a:picLocks noChangeAspect="1"/>
+            </p:cNvPicPr>
+            <p:nvPr/>
+          </p:nvPicPr>
+          <p:blipFill>
+            <a:blip r:embed="rId3"/>
+            <a:stretch>
+              <a:fillRect/>
+            </a:stretch>
+          </p:blipFill>
+          <p:spPr>
+            <a:xfrm>
+              <a:off x="1341718" y="3505200"/>
+              <a:ext cx="1812450" cy="1655467"/>
+            </a:xfrm>
+            <a:prstGeom prst="rect">
+              <a:avLst/>
+            </a:prstGeom>
+            <a:ln>
+              <a:solidFill>
+                <a:schemeClr val="bg1">
+                  <a:lumMod val="50000"/>
+                </a:schemeClr>
+              </a:solidFill>
+            </a:ln>
+          </p:spPr>
+        </p:pic>
+        <p:pic>
+          <p:nvPicPr>
+            <p:cNvPr id="8" name="Picture 7"/>
+            <p:cNvPicPr>
+              <a:picLocks noChangeAspect="1"/>
+            </p:cNvPicPr>
+            <p:nvPr/>
+          </p:nvPicPr>
+          <p:blipFill>
+            <a:blip r:embed="rId4"/>
+            <a:stretch>
+              <a:fillRect/>
+            </a:stretch>
+          </p:blipFill>
+          <p:spPr>
+            <a:xfrm>
+              <a:off x="5105400" y="3581400"/>
+              <a:ext cx="2322000" cy="1597267"/>
+            </a:xfrm>
+            <a:prstGeom prst="rect">
+              <a:avLst/>
+            </a:prstGeom>
+            <a:ln>
+              <a:solidFill>
+                <a:schemeClr val="bg1">
+                  <a:lumMod val="50000"/>
+                </a:schemeClr>
+              </a:solidFill>
+            </a:ln>
+          </p:spPr>
+        </p:pic>
+      </p:grpSp>
     </p:spTree>
     <p:extLst>
       <p:ext uri="{BB962C8B-B14F-4D97-AF65-F5344CB8AC3E}">
-        <p14:creationId xmlns:p14="http://schemas.microsoft.com/office/powerpoint/2010/main" val="3824147979"/>
+        <p14:creationId xmlns:p14="http://schemas.microsoft.com/office/powerpoint/2010/main" val="2628275218"/>
       </p:ext>
     </p:extLst>
   </p:cSld>
@@ -3244,14 +3985,14 @@
           <a:p>
             <a:r>
               <a:rPr lang="en-US" dirty="0"/>
-              <a:t>Filled Map</a:t>
+              <a:t>Type Annotation</a:t>
             </a:r>
           </a:p>
         </p:txBody>
       </p:sp>
       <p:sp>
         <p:nvSpPr>
-          <p:cNvPr id="4" name="Content Placeholder 3"/>
+          <p:cNvPr id="3" name="Content Placeholder 2"/>
           <p:cNvSpPr>
             <a:spLocks noGrp="1"/>
           </p:cNvSpPr>
@@ -3259,12 +4000,7 @@
             <p:ph idx="1"/>
           </p:nvPr>
         </p:nvSpPr>
-        <p:spPr>
-          <a:xfrm>
-            <a:off x="266699" y="1266903"/>
-            <a:ext cx="8382000" cy="5181600"/>
-          </a:xfrm>
-        </p:spPr>
+        <p:spPr/>
         <p:txBody>
           <a:bodyPr>
             <a:normAutofit/>
@@ -3273,36 +4009,59 @@
           <a:p>
             <a:r>
               <a:rPr lang="en-US" sz="2400" dirty="0"/>
-              <a:t>Visualizes distribution across states and countries</a:t>
+              <a:t>TypeScript allows you to annotate types</a:t>
+            </a:r>
+          </a:p>
+          <a:p>
+            <a:pPr lvl="1"/>
+            <a:r>
+              <a:rPr lang="en-US" sz="2000" dirty="0"/>
+              <a:t>Provides basis for strongly-typed programming</a:t>
+            </a:r>
+          </a:p>
+          <a:p>
+            <a:pPr lvl="1"/>
+            <a:r>
+              <a:rPr lang="en-US" sz="2000" dirty="0"/>
+              <a:t>Type annotations used by compiler for type checking</a:t>
+            </a:r>
+          </a:p>
+          <a:p>
+            <a:pPr lvl="1"/>
+            <a:r>
+              <a:rPr lang="en-US" sz="2000" dirty="0"/>
+              <a:t>Type annotations are erased at the end of compile time</a:t>
             </a:r>
           </a:p>
         </p:txBody>
       </p:sp>
       <p:pic>
         <p:nvPicPr>
-          <p:cNvPr id="3" name="Picture 2"/>
+          <p:cNvPr id="5" name="Picture 4"/>
           <p:cNvPicPr>
             <a:picLocks noChangeAspect="1"/>
           </p:cNvPicPr>
           <p:nvPr/>
         </p:nvPicPr>
         <p:blipFill>
-          <a:blip r:embed="rId3"/>
+          <a:blip r:embed="rId2"/>
           <a:stretch>
             <a:fillRect/>
           </a:stretch>
         </p:blipFill>
         <p:spPr>
           <a:xfrm>
-            <a:off x="481011" y="1905000"/>
-            <a:ext cx="7953375" cy="4210206"/>
+            <a:off x="1143000" y="3200400"/>
+            <a:ext cx="5715000" cy="3136968"/>
           </a:xfrm>
           <a:prstGeom prst="rect">
             <a:avLst/>
           </a:prstGeom>
           <a:ln>
             <a:solidFill>
-              <a:schemeClr val="tx1"/>
+              <a:schemeClr val="bg1">
+                <a:lumMod val="50000"/>
+              </a:schemeClr>
             </a:solidFill>
           </a:ln>
         </p:spPr>
@@ -3310,7 +4069,7 @@
     </p:spTree>
     <p:extLst>
       <p:ext uri="{BB962C8B-B14F-4D97-AF65-F5344CB8AC3E}">
-        <p14:creationId xmlns:p14="http://schemas.microsoft.com/office/powerpoint/2010/main" val="3088072312"/>
+        <p14:creationId xmlns:p14="http://schemas.microsoft.com/office/powerpoint/2010/main" val="98711415"/>
       </p:ext>
     </p:extLst>
   </p:cSld>
@@ -3354,14 +4113,19 @@
           <a:p>
             <a:r>
               <a:rPr lang="en-US" dirty="0"/>
-              <a:t>Inline Shape Map</a:t>
-            </a:r>
+              <a:t>Casting Between Types in </a:t>
+            </a:r>
+            <a:r>
+              <a:rPr lang="en-US"/>
+              <a:t>TypeScript</a:t>
+            </a:r>
+            <a:endParaRPr lang="en-US" dirty="0"/>
           </a:p>
         </p:txBody>
       </p:sp>
       <p:sp>
         <p:nvSpPr>
-          <p:cNvPr id="4" name="Content Placeholder 3"/>
+          <p:cNvPr id="3" name="Content Placeholder 2"/>
           <p:cNvSpPr>
             <a:spLocks noGrp="1"/>
           </p:cNvSpPr>
@@ -3369,61 +4133,21 @@
             <p:ph idx="1"/>
           </p:nvPr>
         </p:nvSpPr>
-        <p:spPr>
-          <a:xfrm>
-            <a:off x="152400" y="1447800"/>
-            <a:ext cx="8610600" cy="5181600"/>
-          </a:xfrm>
-        </p:spPr>
+        <p:spPr/>
         <p:txBody>
-          <a:bodyPr>
-            <a:normAutofit/>
-          </a:bodyPr>
+          <a:bodyPr/>
           <a:lstStyle/>
           <a:p>
             <a:r>
-              <a:rPr lang="en-US" sz="2400" dirty="0"/>
-              <a:t>Similar to filled map with a few important exceptions</a:t>
-            </a:r>
-          </a:p>
-          <a:p>
-            <a:pPr lvl="1"/>
-            <a:r>
-              <a:rPr lang="en-US" sz="2000" dirty="0"/>
-              <a:t>Based on </a:t>
-            </a:r>
-            <a:r>
-              <a:rPr lang="en-US" sz="1600" b="1" dirty="0" err="1">
-                <a:solidFill>
-                  <a:schemeClr val="accent1"/>
-                </a:solidFill>
-              </a:rPr>
-              <a:t>TopoJSON</a:t>
-            </a:r>
-            <a:r>
-              <a:rPr lang="en-US" sz="2000" dirty="0"/>
-              <a:t> map format created by ESRI</a:t>
-            </a:r>
-          </a:p>
-          <a:p>
-            <a:pPr lvl="1"/>
-            <a:r>
-              <a:rPr lang="en-US" sz="2000" dirty="0"/>
-              <a:t>Allows for creation of custom maps using JSON</a:t>
-            </a:r>
-          </a:p>
-          <a:p>
-            <a:pPr lvl="1"/>
-            <a:r>
-              <a:rPr lang="en-US" sz="2000" dirty="0"/>
-              <a:t>Create maps for geography, seating arrangements, floor plans, etc.</a:t>
+              <a:rPr lang="en-US" dirty="0"/>
+              <a:t>xxx</a:t>
             </a:r>
           </a:p>
         </p:txBody>
       </p:sp>
       <p:pic>
         <p:nvPicPr>
-          <p:cNvPr id="3" name="Picture 2"/>
+          <p:cNvPr id="4" name="Picture 3"/>
           <p:cNvPicPr>
             <a:picLocks noChangeAspect="1"/>
           </p:cNvPicPr>
@@ -3437,8 +4161,8 @@
         </p:blipFill>
         <p:spPr>
           <a:xfrm>
-            <a:off x="950324" y="3124200"/>
-            <a:ext cx="7014751" cy="3581400"/>
+            <a:off x="685800" y="2362200"/>
+            <a:ext cx="6953250" cy="1990725"/>
           </a:xfrm>
           <a:prstGeom prst="rect">
             <a:avLst/>
@@ -3446,70 +4170,17 @@
           <a:ln>
             <a:solidFill>
               <a:schemeClr val="tx1">
-                <a:lumMod val="50000"/>
-                <a:lumOff val="50000"/>
+                <a:lumMod val="75000"/>
+                <a:lumOff val="25000"/>
               </a:schemeClr>
             </a:solidFill>
           </a:ln>
         </p:spPr>
       </p:pic>
-      <p:sp>
-        <p:nvSpPr>
-          <p:cNvPr id="5" name="Rectangle 4"/>
-          <p:cNvSpPr/>
-          <p:nvPr/>
-        </p:nvSpPr>
-        <p:spPr>
-          <a:xfrm>
-            <a:off x="7391400" y="6019800"/>
-            <a:ext cx="1600200" cy="609600"/>
-          </a:xfrm>
-          <a:prstGeom prst="rect">
-            <a:avLst/>
-          </a:prstGeom>
-          <a:solidFill>
-            <a:schemeClr val="accent2">
-              <a:lumMod val="20000"/>
-              <a:lumOff val="80000"/>
-            </a:schemeClr>
-          </a:solidFill>
-        </p:spPr>
-        <p:style>
-          <a:lnRef idx="2">
-            <a:schemeClr val="accent1">
-              <a:shade val="50000"/>
-            </a:schemeClr>
-          </a:lnRef>
-          <a:fillRef idx="1">
-            <a:schemeClr val="accent1"/>
-          </a:fillRef>
-          <a:effectRef idx="0">
-            <a:schemeClr val="accent1"/>
-          </a:effectRef>
-          <a:fontRef idx="minor">
-            <a:schemeClr val="lt1"/>
-          </a:fontRef>
-        </p:style>
-        <p:txBody>
-          <a:bodyPr rtlCol="0" anchor="ctr"/>
-          <a:lstStyle/>
-          <a:p>
-            <a:pPr algn="ctr"/>
-            <a:r>
-              <a:rPr lang="en-US" sz="1200" dirty="0">
-                <a:solidFill>
-                  <a:schemeClr val="accent1"/>
-                </a:solidFill>
-              </a:rPr>
-              <a:t>In Preview as of August 2016</a:t>
-            </a:r>
-          </a:p>
-        </p:txBody>
-      </p:sp>
     </p:spTree>
     <p:extLst>
       <p:ext uri="{BB962C8B-B14F-4D97-AF65-F5344CB8AC3E}">
-        <p14:creationId xmlns:p14="http://schemas.microsoft.com/office/powerpoint/2010/main" val="4109153439"/>
+        <p14:creationId xmlns:p14="http://schemas.microsoft.com/office/powerpoint/2010/main" val="358653547"/>
       </p:ext>
     </p:extLst>
   </p:cSld>
@@ -3553,7 +4224,7 @@
           <a:p>
             <a:r>
               <a:rPr lang="en-US" dirty="0"/>
-              <a:t>Agenda</a:t>
+              <a:t>Arrow Function Syntax</a:t>
             </a:r>
           </a:p>
         </p:txBody>
@@ -3576,34 +4247,61 @@
           <a:lstStyle/>
           <a:p>
             <a:r>
-              <a:rPr lang="en-US" dirty="0"/>
-              <a:t>Power BI Visuals Overview</a:t>
-            </a:r>
-          </a:p>
-          <a:p>
-            <a:r>
-              <a:rPr lang="en-US" dirty="0"/>
-              <a:t>Importing Custom Visuals</a:t>
-            </a:r>
-          </a:p>
-          <a:p>
-            <a:r>
-              <a:rPr lang="en-US" dirty="0"/>
-              <a:t>Programming with D3 in Typescript</a:t>
-            </a:r>
-          </a:p>
-          <a:p>
-            <a:r>
-              <a:rPr lang="en-US" dirty="0"/>
-              <a:t>Developing Custom Visuals for Power BI</a:t>
+              <a:rPr lang="en-US" sz="2400" dirty="0"/>
+              <a:t>TypeScript supports arrow function syntax</a:t>
+            </a:r>
+          </a:p>
+          <a:p>
+            <a:pPr lvl="1"/>
+            <a:r>
+              <a:rPr lang="en-US" sz="2000" dirty="0"/>
+              <a:t>Concise syntax to define anonymous functions</a:t>
+            </a:r>
+          </a:p>
+          <a:p>
+            <a:pPr lvl="1"/>
+            <a:r>
+              <a:rPr lang="en-US" sz="2000" dirty="0"/>
+              <a:t>Can be used to retain this pointer in classes</a:t>
             </a:r>
           </a:p>
         </p:txBody>
       </p:sp>
+      <p:pic>
+        <p:nvPicPr>
+          <p:cNvPr id="4" name="Picture 3"/>
+          <p:cNvPicPr>
+            <a:picLocks noChangeAspect="1"/>
+          </p:cNvPicPr>
+          <p:nvPr/>
+        </p:nvPicPr>
+        <p:blipFill>
+          <a:blip r:embed="rId2"/>
+          <a:stretch>
+            <a:fillRect/>
+          </a:stretch>
+        </p:blipFill>
+        <p:spPr>
+          <a:xfrm>
+            <a:off x="1143000" y="2819400"/>
+            <a:ext cx="6477000" cy="3656850"/>
+          </a:xfrm>
+          <a:prstGeom prst="rect">
+            <a:avLst/>
+          </a:prstGeom>
+          <a:ln>
+            <a:solidFill>
+              <a:schemeClr val="bg1">
+                <a:lumMod val="50000"/>
+              </a:schemeClr>
+            </a:solidFill>
+          </a:ln>
+        </p:spPr>
+      </p:pic>
     </p:spTree>
     <p:extLst>
       <p:ext uri="{BB962C8B-B14F-4D97-AF65-F5344CB8AC3E}">
-        <p14:creationId xmlns:p14="http://schemas.microsoft.com/office/powerpoint/2010/main" val="4276399422"/>
+        <p14:creationId xmlns:p14="http://schemas.microsoft.com/office/powerpoint/2010/main" val="3841791668"/>
       </p:ext>
     </p:extLst>
   </p:cSld>
@@ -3646,10 +4344,9 @@
           <a:lstStyle/>
           <a:p>
             <a:r>
-              <a:rPr lang="en-US"/>
-              <a:t>Custom Visual Gallery</a:t>
-            </a:r>
-            <a:endParaRPr lang="en-US" dirty="0"/>
+              <a:rPr lang="en-US" dirty="0"/>
+              <a:t>Classes</a:t>
+            </a:r>
           </a:p>
         </p:txBody>
       </p:sp>
@@ -3670,42 +4367,36 @@
           <a:p>
             <a:r>
               <a:rPr lang="en-US" dirty="0"/>
-              <a:t>Power BI Framework for Visuals is Extensible</a:t>
+              <a:t>TypeScript supports defining classes</a:t>
             </a:r>
           </a:p>
           <a:p>
             <a:pPr lvl="1"/>
             <a:r>
               <a:rPr lang="en-US" dirty="0"/>
-              <a:t>Developers can extend Power BI with Custom Visuals</a:t>
+              <a:t>Class defines type for object</a:t>
             </a:r>
           </a:p>
           <a:p>
             <a:pPr lvl="1"/>
             <a:r>
               <a:rPr lang="en-US" dirty="0"/>
-              <a:t>Microsoft Hosts gallery of custom visuals</a:t>
+              <a:t>Export keyword makes class created across files</a:t>
             </a:r>
           </a:p>
           <a:p>
             <a:pPr lvl="1"/>
             <a:r>
               <a:rPr lang="en-US" dirty="0"/>
-              <a:t>Gallery located at </a:t>
-            </a:r>
-            <a:r>
-              <a:rPr lang="en-US" dirty="0">
-                <a:hlinkClick r:id="rId2"/>
-              </a:rPr>
-              <a:t>https://app.powerbi.com/visuals/</a:t>
-            </a:r>
-            <a:r>
-              <a:rPr lang="en-US" dirty="0"/>
-              <a:t> </a:t>
-            </a:r>
-          </a:p>
-          <a:p>
-            <a:endParaRPr lang="en-US" dirty="0"/>
+              <a:t>Class can be passed as factory function</a:t>
+            </a:r>
+          </a:p>
+          <a:p>
+            <a:pPr lvl="1"/>
+            <a:r>
+              <a:rPr lang="en-US" dirty="0"/>
+              <a:t>Default accessibility is public</a:t>
+            </a:r>
           </a:p>
         </p:txBody>
       </p:sp>
@@ -3717,16 +4408,46 @@
           </p:cNvPicPr>
           <p:nvPr/>
         </p:nvPicPr>
+        <p:blipFill rotWithShape="1">
+          <a:blip r:embed="rId3"/>
+          <a:srcRect l="5882" t="17250" b="17250"/>
+          <a:stretch/>
+        </p:blipFill>
+        <p:spPr>
+          <a:xfrm>
+            <a:off x="1096605" y="3886199"/>
+            <a:ext cx="2682240" cy="1676401"/>
+          </a:xfrm>
+          <a:prstGeom prst="rect">
+            <a:avLst/>
+          </a:prstGeom>
+          <a:ln>
+            <a:solidFill>
+              <a:schemeClr val="bg1">
+                <a:lumMod val="50000"/>
+              </a:schemeClr>
+            </a:solidFill>
+          </a:ln>
+        </p:spPr>
+      </p:pic>
+      <p:pic>
+        <p:nvPicPr>
+          <p:cNvPr id="6" name="Picture 5"/>
+          <p:cNvPicPr>
+            <a:picLocks noChangeAspect="1"/>
+          </p:cNvPicPr>
+          <p:nvPr/>
+        </p:nvPicPr>
         <p:blipFill>
-          <a:blip r:embed="rId3"/>
+          <a:blip r:embed="rId4"/>
           <a:stretch>
             <a:fillRect/>
           </a:stretch>
         </p:blipFill>
         <p:spPr>
           <a:xfrm>
-            <a:off x="1143000" y="3400816"/>
-            <a:ext cx="6124035" cy="3200400"/>
+            <a:off x="4165159" y="3886200"/>
+            <a:ext cx="4629497" cy="1676400"/>
           </a:xfrm>
           <a:prstGeom prst="rect">
             <a:avLst/>
@@ -3743,7 +4464,7 @@
     </p:spTree>
     <p:extLst>
       <p:ext uri="{BB962C8B-B14F-4D97-AF65-F5344CB8AC3E}">
-        <p14:creationId xmlns:p14="http://schemas.microsoft.com/office/powerpoint/2010/main" val="396744083"/>
+        <p14:creationId xmlns:p14="http://schemas.microsoft.com/office/powerpoint/2010/main" val="462497978"/>
       </p:ext>
     </p:extLst>
   </p:cSld>
@@ -3787,30 +4508,53 @@
           <a:p>
             <a:r>
               <a:rPr lang="en-US" dirty="0"/>
-              <a:t>Histogram</a:t>
-            </a:r>
-            <a:br>
-              <a:rPr lang="en-US" dirty="0"/>
-            </a:br>
-            <a:r>
-              <a:rPr lang="en-US" sz="1800" dirty="0">
-                <a:solidFill>
-                  <a:schemeClr val="accent2">
-                    <a:lumMod val="40000"/>
-                    <a:lumOff val="60000"/>
-                  </a:schemeClr>
-                </a:solidFill>
-              </a:rPr>
-              <a:t>Custom Visual Example 1</a:t>
-            </a:r>
-            <a:endParaRPr lang="en-US" dirty="0">
-              <a:solidFill>
-                <a:schemeClr val="accent2">
-                  <a:lumMod val="40000"/>
-                  <a:lumOff val="60000"/>
-                </a:schemeClr>
-              </a:solidFill>
-            </a:endParaRPr>
+              <a:t>Class Constructors</a:t>
+            </a:r>
+          </a:p>
+        </p:txBody>
+      </p:sp>
+      <p:sp>
+        <p:nvSpPr>
+          <p:cNvPr id="7" name="Content Placeholder 6"/>
+          <p:cNvSpPr>
+            <a:spLocks noGrp="1"/>
+          </p:cNvSpPr>
+          <p:nvPr>
+            <p:ph idx="1"/>
+          </p:nvPr>
+        </p:nvSpPr>
+        <p:spPr/>
+        <p:txBody>
+          <a:bodyPr>
+            <a:normAutofit/>
+          </a:bodyPr>
+          <a:lstStyle/>
+          <a:p>
+            <a:r>
+              <a:rPr lang="en-US" sz="2400" dirty="0"/>
+              <a:t>Constructor parameters become fields in class</a:t>
+            </a:r>
+          </a:p>
+          <a:p>
+            <a:endParaRPr lang="en-US" sz="2400" dirty="0"/>
+          </a:p>
+          <a:p>
+            <a:endParaRPr lang="en-US" sz="2400" dirty="0"/>
+          </a:p>
+          <a:p>
+            <a:endParaRPr lang="en-US" sz="2400" dirty="0"/>
+          </a:p>
+          <a:p>
+            <a:endParaRPr lang="en-US" sz="2400" dirty="0"/>
+          </a:p>
+          <a:p>
+            <a:endParaRPr lang="en-US" sz="2400" dirty="0"/>
+          </a:p>
+          <a:p>
+            <a:r>
+              <a:rPr lang="en-US" sz="2400" dirty="0"/>
+              <a:t>Client-side code calls constructor using new operator</a:t>
+            </a:r>
           </a:p>
         </p:txBody>
       </p:sp>
@@ -3830,18 +4574,61 @@
         </p:blipFill>
         <p:spPr>
           <a:xfrm>
-            <a:off x="244725" y="1447800"/>
-            <a:ext cx="8425950" cy="4900416"/>
+            <a:off x="869515" y="4761978"/>
+            <a:ext cx="6361928" cy="1600200"/>
           </a:xfrm>
           <a:prstGeom prst="rect">
             <a:avLst/>
           </a:prstGeom>
+          <a:ln>
+            <a:solidFill>
+              <a:schemeClr val="bg1">
+                <a:lumMod val="50000"/>
+              </a:schemeClr>
+            </a:solidFill>
+          </a:ln>
+        </p:spPr>
+      </p:pic>
+      <p:pic>
+        <p:nvPicPr>
+          <p:cNvPr id="5" name="Picture 4"/>
+          <p:cNvPicPr>
+            <a:picLocks noChangeAspect="1"/>
+          </p:cNvPicPr>
+          <p:nvPr/>
+        </p:nvPicPr>
+        <p:blipFill>
+          <a:blip r:embed="rId3"/>
+          <a:stretch>
+            <a:fillRect/>
+          </a:stretch>
+        </p:blipFill>
+        <p:spPr>
+          <a:xfrm>
+            <a:off x="869515" y="1981200"/>
+            <a:ext cx="7599120" cy="2209800"/>
+          </a:xfrm>
+          <a:prstGeom prst="rect">
+            <a:avLst/>
+          </a:prstGeom>
+          <a:solidFill>
+            <a:schemeClr val="bg1">
+              <a:lumMod val="50000"/>
+            </a:schemeClr>
+          </a:solidFill>
+          <a:ln>
+            <a:solidFill>
+              <a:schemeClr val="bg1">
+                <a:lumMod val="50000"/>
+              </a:schemeClr>
+            </a:solidFill>
+          </a:ln>
         </p:spPr>
       </p:pic>
     </p:spTree>
     <p:extLst>
       <p:ext uri="{BB962C8B-B14F-4D97-AF65-F5344CB8AC3E}">
-        <p14:creationId xmlns:p14="http://schemas.microsoft.com/office/powerpoint/2010/main" val="206235497"/>
+        <p14:creationId xmlns:p14="http://schemas.microsoft.com/office/powerpoint/2010/main" val="993907327"/>
       </p:ext>
     </p:extLst>
   </p:cSld>
@@ -3885,30 +4672,65 @@
           <a:p>
             <a:r>
               <a:rPr lang="en-US" dirty="0"/>
-              <a:t>Tornado Chart</a:t>
-            </a:r>
+              <a:t>Interfaces</a:t>
+            </a:r>
+          </a:p>
+        </p:txBody>
+      </p:sp>
+      <p:sp>
+        <p:nvSpPr>
+          <p:cNvPr id="9" name="Content Placeholder 8"/>
+          <p:cNvSpPr>
+            <a:spLocks noGrp="1"/>
+          </p:cNvSpPr>
+          <p:nvPr>
+            <p:ph idx="1"/>
+          </p:nvPr>
+        </p:nvSpPr>
+        <p:spPr/>
+        <p:txBody>
+          <a:bodyPr/>
+          <a:lstStyle/>
+          <a:p>
+            <a:r>
+              <a:rPr lang="en-US" dirty="0"/>
+              <a:t>Interface defines a programming contract</a:t>
+            </a:r>
+          </a:p>
+          <a:p>
+            <a:pPr lvl="1"/>
+            <a:r>
+              <a:rPr lang="en-US" dirty="0"/>
+              <a:t>Classes can implement interfaces</a:t>
+            </a:r>
+          </a:p>
+          <a:p>
+            <a:endParaRPr lang="en-US" dirty="0"/>
+          </a:p>
+          <a:p>
+            <a:endParaRPr lang="en-US" dirty="0"/>
+          </a:p>
+          <a:p>
+            <a:pPr marL="0" indent="0">
+              <a:buNone/>
+            </a:pPr>
+            <a:endParaRPr lang="en-US" dirty="0"/>
+          </a:p>
+          <a:p>
+            <a:pPr marL="334962" lvl="1" indent="0">
+              <a:buNone/>
+            </a:pPr>
             <a:br>
               <a:rPr lang="en-US" dirty="0"/>
             </a:br>
-            <a:r>
-              <a:rPr lang="en-US" sz="1800" dirty="0">
-                <a:solidFill>
-                  <a:schemeClr val="accent2">
-                    <a:lumMod val="40000"/>
-                    <a:lumOff val="60000"/>
-                  </a:schemeClr>
-                </a:solidFill>
-              </a:rPr>
-              <a:t>Custom Visual Example 2</a:t>
-            </a:r>
-            <a:endParaRPr lang="en-US" dirty="0">
-              <a:solidFill>
-                <a:schemeClr val="accent2">
-                  <a:lumMod val="40000"/>
-                  <a:lumOff val="60000"/>
-                </a:schemeClr>
-              </a:solidFill>
-            </a:endParaRPr>
+            <a:endParaRPr lang="en-US" dirty="0"/>
+          </a:p>
+          <a:p>
+            <a:pPr lvl="1"/>
+            <a:r>
+              <a:rPr lang="en-US" dirty="0"/>
+              <a:t>Client code can be decoupled from concrete classes</a:t>
+            </a:r>
           </a:p>
         </p:txBody>
       </p:sp>
@@ -3928,18 +4750,97 @@
         </p:blipFill>
         <p:spPr>
           <a:xfrm>
-            <a:off x="645356" y="1600200"/>
-            <a:ext cx="7624687" cy="4495800"/>
+            <a:off x="1156680" y="2489175"/>
+            <a:ext cx="3173400" cy="1319201"/>
           </a:xfrm>
           <a:prstGeom prst="rect">
             <a:avLst/>
           </a:prstGeom>
+          <a:solidFill>
+            <a:schemeClr val="bg1">
+              <a:lumMod val="50000"/>
+            </a:schemeClr>
+          </a:solidFill>
+          <a:ln>
+            <a:solidFill>
+              <a:schemeClr val="bg1">
+                <a:lumMod val="50000"/>
+              </a:schemeClr>
+            </a:solidFill>
+          </a:ln>
+        </p:spPr>
+      </p:pic>
+      <p:pic>
+        <p:nvPicPr>
+          <p:cNvPr id="5" name="Picture 4"/>
+          <p:cNvPicPr>
+            <a:picLocks noChangeAspect="1"/>
+          </p:cNvPicPr>
+          <p:nvPr/>
+        </p:nvPicPr>
+        <p:blipFill>
+          <a:blip r:embed="rId3"/>
+          <a:stretch>
+            <a:fillRect/>
+          </a:stretch>
+        </p:blipFill>
+        <p:spPr>
+          <a:xfrm>
+            <a:off x="4593960" y="2489175"/>
+            <a:ext cx="4257000" cy="2198667"/>
+          </a:xfrm>
+          <a:prstGeom prst="rect">
+            <a:avLst/>
+          </a:prstGeom>
+          <a:solidFill>
+            <a:schemeClr val="bg1">
+              <a:lumMod val="50000"/>
+            </a:schemeClr>
+          </a:solidFill>
+          <a:ln>
+            <a:solidFill>
+              <a:schemeClr val="bg1">
+                <a:lumMod val="50000"/>
+              </a:schemeClr>
+            </a:solidFill>
+          </a:ln>
+        </p:spPr>
+      </p:pic>
+      <p:pic>
+        <p:nvPicPr>
+          <p:cNvPr id="7" name="Picture 6"/>
+          <p:cNvPicPr>
+            <a:picLocks noChangeAspect="1"/>
+          </p:cNvPicPr>
+          <p:nvPr/>
+        </p:nvPicPr>
+        <p:blipFill>
+          <a:blip r:embed="rId4"/>
+          <a:stretch>
+            <a:fillRect/>
+          </a:stretch>
+        </p:blipFill>
+        <p:spPr>
+          <a:xfrm>
+            <a:off x="1156680" y="5252559"/>
+            <a:ext cx="6021721" cy="1218320"/>
+          </a:xfrm>
+          <a:prstGeom prst="rect">
+            <a:avLst/>
+          </a:prstGeom>
+          <a:ln>
+            <a:solidFill>
+              <a:schemeClr val="bg1">
+                <a:lumMod val="50000"/>
+              </a:schemeClr>
+            </a:solidFill>
+          </a:ln>
         </p:spPr>
       </p:pic>
     </p:spTree>
     <p:extLst>
       <p:ext uri="{BB962C8B-B14F-4D97-AF65-F5344CB8AC3E}">
-        <p14:creationId xmlns:p14="http://schemas.microsoft.com/office/powerpoint/2010/main" val="161750264"/>
+        <p14:creationId xmlns:p14="http://schemas.microsoft.com/office/powerpoint/2010/main" val="1582740499"/>
       </p:ext>
     </p:extLst>
   </p:cSld>
@@ -3983,30 +4884,81 @@
           <a:p>
             <a:r>
               <a:rPr lang="en-US" dirty="0"/>
-              <a:t>Spark Lines</a:t>
-            </a:r>
-            <a:br>
-              <a:rPr lang="en-US" dirty="0"/>
-            </a:br>
-            <a:r>
-              <a:rPr lang="en-US" sz="1800" dirty="0">
+              <a:t>TypeScript Definition Files (</a:t>
+            </a:r>
+            <a:r>
+              <a:rPr lang="en-US" dirty="0" err="1"/>
+              <a:t>d.ts</a:t>
+            </a:r>
+            <a:r>
+              <a:rPr lang="en-US" dirty="0"/>
+              <a:t>)</a:t>
+            </a:r>
+          </a:p>
+        </p:txBody>
+      </p:sp>
+      <p:sp>
+        <p:nvSpPr>
+          <p:cNvPr id="3" name="Content Placeholder 2"/>
+          <p:cNvSpPr>
+            <a:spLocks noGrp="1"/>
+          </p:cNvSpPr>
+          <p:nvPr>
+            <p:ph idx="1"/>
+          </p:nvPr>
+        </p:nvSpPr>
+        <p:spPr/>
+        <p:txBody>
+          <a:bodyPr>
+            <a:normAutofit/>
+          </a:bodyPr>
+          <a:lstStyle/>
+          <a:p>
+            <a:r>
+              <a:rPr lang="en-US" sz="2400" dirty="0"/>
+              <a:t>What are TypeScript definition files </a:t>
+            </a:r>
+          </a:p>
+          <a:p>
+            <a:pPr lvl="1"/>
+            <a:r>
+              <a:rPr lang="en-US" sz="2000" dirty="0"/>
+              <a:t>Typed definitions for 3rd party JavaScript libraries</a:t>
+            </a:r>
+          </a:p>
+          <a:p>
+            <a:pPr lvl="1"/>
+            <a:r>
+              <a:rPr lang="en-US" sz="2000" dirty="0" err="1"/>
+              <a:t>DefinitelyTyped</a:t>
+            </a:r>
+            <a:r>
+              <a:rPr lang="en-US" sz="2000" dirty="0"/>
+              <a:t> provides great community resource</a:t>
+            </a:r>
+          </a:p>
+          <a:p>
+            <a:pPr lvl="1"/>
+            <a:r>
+              <a:rPr lang="en-US" sz="2000" dirty="0"/>
+              <a:t>Typed definition files have a </a:t>
+            </a:r>
+            <a:r>
+              <a:rPr lang="en-US" sz="1800" b="1" dirty="0" err="1">
                 <a:solidFill>
-                  <a:schemeClr val="accent2">
-                    <a:lumMod val="40000"/>
-                    <a:lumOff val="60000"/>
+                  <a:schemeClr val="tx2">
+                    <a:lumMod val="90000"/>
+                    <a:lumOff val="10000"/>
                   </a:schemeClr>
                 </a:solidFill>
+                <a:latin typeface="Lucida Console" panose="020B0609040504020204" pitchFamily="49" charset="0"/>
               </a:rPr>
-              <a:t>Custom Visual Example 3</a:t>
-            </a:r>
-            <a:endParaRPr lang="en-US" dirty="0">
-              <a:solidFill>
-                <a:schemeClr val="accent2">
-                  <a:lumMod val="40000"/>
-                  <a:lumOff val="60000"/>
-                </a:schemeClr>
-              </a:solidFill>
-            </a:endParaRPr>
+              <a:t>d.ts</a:t>
+            </a:r>
+            <a:r>
+              <a:rPr lang="en-US" sz="2000" dirty="0"/>
+              <a:t> extension</a:t>
+            </a:r>
           </a:p>
         </p:txBody>
       </p:sp>
@@ -4026,21 +4978,91 @@
         </p:blipFill>
         <p:spPr>
           <a:xfrm>
-            <a:off x="776287" y="1371600"/>
-            <a:ext cx="7362825" cy="5034221"/>
+            <a:off x="6419127" y="3136389"/>
+            <a:ext cx="2307339" cy="1890066"/>
           </a:xfrm>
           <a:prstGeom prst="rect">
             <a:avLst/>
           </a:prstGeom>
           <a:ln>
-            <a:noFill/>
+            <a:solidFill>
+              <a:schemeClr val="bg1">
+                <a:lumMod val="50000"/>
+              </a:schemeClr>
+            </a:solidFill>
+          </a:ln>
+        </p:spPr>
+      </p:pic>
+      <p:pic>
+        <p:nvPicPr>
+          <p:cNvPr id="5" name="Picture 4"/>
+          <p:cNvPicPr>
+            <a:picLocks noChangeAspect="1"/>
+          </p:cNvPicPr>
+          <p:nvPr/>
+        </p:nvPicPr>
+        <p:blipFill>
+          <a:blip r:embed="rId3"/>
+          <a:stretch>
+            <a:fillRect/>
+          </a:stretch>
+        </p:blipFill>
+        <p:spPr>
+          <a:xfrm>
+            <a:off x="1158658" y="3105025"/>
+            <a:ext cx="4937145" cy="1898466"/>
+          </a:xfrm>
+          <a:prstGeom prst="rect">
+            <a:avLst/>
+          </a:prstGeom>
+          <a:solidFill>
+            <a:schemeClr val="bg1">
+              <a:lumMod val="50000"/>
+            </a:schemeClr>
+          </a:solidFill>
+          <a:ln>
+            <a:solidFill>
+              <a:schemeClr val="bg1">
+                <a:lumMod val="50000"/>
+              </a:schemeClr>
+            </a:solidFill>
+          </a:ln>
+        </p:spPr>
+      </p:pic>
+      <p:pic>
+        <p:nvPicPr>
+          <p:cNvPr id="6" name="Picture 5"/>
+          <p:cNvPicPr>
+            <a:picLocks noChangeAspect="1"/>
+          </p:cNvPicPr>
+          <p:nvPr/>
+        </p:nvPicPr>
+        <p:blipFill rotWithShape="1">
+          <a:blip r:embed="rId4"/>
+          <a:srcRect t="38865" b="17411"/>
+          <a:stretch/>
+        </p:blipFill>
+        <p:spPr>
+          <a:xfrm>
+            <a:off x="1169096" y="5334000"/>
+            <a:ext cx="4937145" cy="1184915"/>
+          </a:xfrm>
+          <a:prstGeom prst="rect">
+            <a:avLst/>
+          </a:prstGeom>
+          <a:ln>
+            <a:solidFill>
+              <a:schemeClr val="bg1">
+                <a:lumMod val="50000"/>
+              </a:schemeClr>
+            </a:solidFill>
           </a:ln>
         </p:spPr>
       </p:pic>
     </p:spTree>
     <p:extLst>
       <p:ext uri="{BB962C8B-B14F-4D97-AF65-F5344CB8AC3E}">
-        <p14:creationId xmlns:p14="http://schemas.microsoft.com/office/powerpoint/2010/main" val="99821111"/>
+        <p14:creationId xmlns:p14="http://schemas.microsoft.com/office/powerpoint/2010/main" val="1336824669"/>
       </p:ext>
     </p:extLst>
   </p:cSld>
@@ -4084,72 +5106,84 @@
           <a:p>
             <a:r>
               <a:rPr lang="en-US" dirty="0"/>
-              <a:t>Hierarchy Slicer</a:t>
-            </a:r>
-            <a:br>
-              <a:rPr lang="en-US" dirty="0"/>
-            </a:br>
-            <a:r>
-              <a:rPr lang="en-US" sz="1800" dirty="0">
-                <a:solidFill>
-                  <a:schemeClr val="accent2">
-                    <a:lumMod val="40000"/>
-                    <a:lumOff val="60000"/>
-                  </a:schemeClr>
-                </a:solidFill>
-              </a:rPr>
-              <a:t>Custom Visual Example 4</a:t>
-            </a:r>
-            <a:endParaRPr lang="en-US" dirty="0">
-              <a:solidFill>
-                <a:schemeClr val="accent2">
-                  <a:lumMod val="40000"/>
-                  <a:lumOff val="60000"/>
-                </a:schemeClr>
-              </a:solidFill>
-            </a:endParaRPr>
+              <a:t>Agenda</a:t>
+            </a:r>
           </a:p>
         </p:txBody>
       </p:sp>
-      <p:pic>
-        <p:nvPicPr>
-          <p:cNvPr id="3" name="Picture 2"/>
-          <p:cNvPicPr/>
-          <p:nvPr/>
-        </p:nvPicPr>
-        <p:blipFill>
-          <a:blip r:embed="rId2" cstate="print">
-            <a:extLst>
-              <a:ext uri="{28A0092B-C50C-407E-A947-70E740481C1C}">
-                <a14:useLocalDpi xmlns:a14="http://schemas.microsoft.com/office/drawing/2010/main" val="0"/>
-              </a:ext>
-            </a:extLst>
-          </a:blip>
-          <a:srcRect/>
-          <a:stretch>
-            <a:fillRect/>
-          </a:stretch>
-        </p:blipFill>
-        <p:spPr bwMode="auto">
-          <a:xfrm>
-            <a:off x="485644" y="1600200"/>
-            <a:ext cx="7944111" cy="4572000"/>
-          </a:xfrm>
-          <a:prstGeom prst="rect">
-            <a:avLst/>
-          </a:prstGeom>
-          <a:noFill/>
-          <a:ln>
-            <a:solidFill>
-              <a:schemeClr val="tx1"/>
-            </a:solidFill>
-          </a:ln>
-        </p:spPr>
-      </p:pic>
+      <p:sp>
+        <p:nvSpPr>
+          <p:cNvPr id="3" name="Content Placeholder 2"/>
+          <p:cNvSpPr>
+            <a:spLocks noGrp="1"/>
+          </p:cNvSpPr>
+          <p:nvPr>
+            <p:ph idx="1"/>
+          </p:nvPr>
+        </p:nvSpPr>
+        <p:spPr/>
+        <p:txBody>
+          <a:bodyPr>
+            <a:normAutofit/>
+          </a:bodyPr>
+          <a:lstStyle/>
+          <a:p>
+            <a:pPr>
+              <a:buFont typeface="Wingdings" panose="05000000000000000000" pitchFamily="2" charset="2"/>
+              <a:buChar char="ü"/>
+            </a:pPr>
+            <a:r>
+              <a:rPr lang="en-US" dirty="0"/>
+              <a:t>Introduction to Custom Visuals in Power BI</a:t>
+            </a:r>
+          </a:p>
+          <a:p>
+            <a:pPr>
+              <a:buFont typeface="Wingdings" panose="05000000000000000000" pitchFamily="2" charset="2"/>
+              <a:buChar char="ü"/>
+            </a:pPr>
+            <a:r>
+              <a:rPr lang="en-US" dirty="0"/>
+              <a:t>Programming in Typescript</a:t>
+            </a:r>
+          </a:p>
+          <a:p>
+            <a:pPr>
+              <a:buFont typeface="Wingdings" panose="05000000000000000000" pitchFamily="2" charset="2"/>
+              <a:buChar char="Ø"/>
+            </a:pPr>
+            <a:r>
+              <a:rPr lang="en-US" dirty="0"/>
+              <a:t>Programming with the D3 Library</a:t>
+            </a:r>
+          </a:p>
+          <a:p>
+            <a:r>
+              <a:rPr lang="en-US" dirty="0"/>
+              <a:t>Getting Started with the PBIVIZ Utility</a:t>
+            </a:r>
+          </a:p>
+          <a:p>
+            <a:r>
+              <a:rPr lang="en-US" dirty="0"/>
+              <a:t>Designing and Implementing Custom Visuals</a:t>
+            </a:r>
+          </a:p>
+          <a:p>
+            <a:r>
+              <a:rPr lang="en-US" dirty="0"/>
+              <a:t>Packaging and Distribution Custom Visuals</a:t>
+            </a:r>
+          </a:p>
+          <a:p>
+            <a:endParaRPr lang="en-US" dirty="0"/>
+          </a:p>
+        </p:txBody>
+      </p:sp>
     </p:spTree>
     <p:extLst>
       <p:ext uri="{BB962C8B-B14F-4D97-AF65-F5344CB8AC3E}">
-        <p14:creationId xmlns:p14="http://schemas.microsoft.com/office/powerpoint/2010/main" val="312502093"/>
+        <p14:creationId xmlns:p14="http://schemas.microsoft.com/office/powerpoint/2010/main" val="982290810"/>
       </p:ext>
     </p:extLst>
   </p:cSld>
@@ -4193,7 +5227,7 @@
           <a:p>
             <a:r>
               <a:rPr lang="en-US" dirty="0"/>
-              <a:t>Downloading &amp; Importing a Custom Visual</a:t>
+              <a:t>The D3 Library</a:t>
             </a:r>
           </a:p>
         </p:txBody>
@@ -4208,85 +5242,64 @@
             <p:ph idx="1"/>
           </p:nvPr>
         </p:nvSpPr>
-        <p:spPr>
-          <a:xfrm>
-            <a:off x="381000" y="1447800"/>
-            <a:ext cx="8534400" cy="5181600"/>
-          </a:xfrm>
-        </p:spPr>
+        <p:spPr/>
         <p:txBody>
-          <a:bodyPr>
-            <a:normAutofit/>
-          </a:bodyPr>
+          <a:bodyPr/>
           <a:lstStyle/>
           <a:p>
             <a:r>
-              <a:rPr lang="en-US" sz="2400" dirty="0"/>
-              <a:t>Visual must be downloaded from Visuals Gallery</a:t>
+              <a:rPr lang="en-US" dirty="0"/>
+              <a:t>What does the D3 library do?</a:t>
             </a:r>
           </a:p>
           <a:p>
             <a:pPr lvl="1"/>
             <a:r>
-              <a:rPr lang="en-US" sz="2000" dirty="0"/>
-              <a:t>Custom Visual files packaged in PBIVIZ File</a:t>
+              <a:rPr lang="en-US" dirty="0"/>
+              <a:t>Loading data into the browser’s memory</a:t>
             </a:r>
           </a:p>
           <a:p>
             <a:pPr lvl="1"/>
             <a:r>
-              <a:rPr lang="en-US" sz="2000" dirty="0"/>
-              <a:t>Custom Visual can be imported into Power BI Desktop project</a:t>
+              <a:rPr lang="en-US" dirty="0"/>
+              <a:t>Binding data to create new set of SVG elements</a:t>
             </a:r>
           </a:p>
           <a:p>
             <a:pPr lvl="1"/>
             <a:r>
-              <a:rPr lang="en-US" sz="2000" dirty="0"/>
-              <a:t>Custom Visual can be imported into workspace in Power BI service</a:t>
-            </a:r>
+              <a:rPr lang="en-US" dirty="0"/>
+              <a:t>Adding and removing SVG elements as needed</a:t>
+            </a:r>
+          </a:p>
+          <a:p>
+            <a:pPr lvl="1"/>
+            <a:r>
+              <a:rPr lang="en-US" dirty="0"/>
+              <a:t>Transforming SVG elements by setting properties</a:t>
+            </a:r>
+          </a:p>
+          <a:p>
+            <a:pPr lvl="1"/>
+            <a:r>
+              <a:rPr lang="en-US" dirty="0"/>
+              <a:t>Transitioning SVG elements in response to user actions</a:t>
+            </a:r>
+          </a:p>
+          <a:p>
+            <a:pPr lvl="1"/>
+            <a:endParaRPr lang="en-US" dirty="0"/>
+          </a:p>
+          <a:p>
+            <a:endParaRPr lang="en-US" dirty="0"/>
           </a:p>
         </p:txBody>
       </p:sp>
-      <p:pic>
-        <p:nvPicPr>
-          <p:cNvPr id="4" name="Picture 3"/>
-          <p:cNvPicPr/>
-          <p:nvPr/>
-        </p:nvPicPr>
-        <p:blipFill>
-          <a:blip r:embed="rId2" cstate="print">
-            <a:extLst>
-              <a:ext uri="{28A0092B-C50C-407E-A947-70E740481C1C}">
-                <a14:useLocalDpi xmlns:a14="http://schemas.microsoft.com/office/drawing/2010/main" val="0"/>
-              </a:ext>
-            </a:extLst>
-          </a:blip>
-          <a:srcRect/>
-          <a:stretch>
-            <a:fillRect/>
-          </a:stretch>
-        </p:blipFill>
-        <p:spPr bwMode="auto">
-          <a:xfrm>
-            <a:off x="1143000" y="3124200"/>
-            <a:ext cx="6400800" cy="3363928"/>
-          </a:xfrm>
-          <a:prstGeom prst="rect">
-            <a:avLst/>
-          </a:prstGeom>
-          <a:noFill/>
-          <a:ln>
-            <a:solidFill>
-              <a:schemeClr val="tx1"/>
-            </a:solidFill>
-          </a:ln>
-        </p:spPr>
-      </p:pic>
     </p:spTree>
     <p:extLst>
       <p:ext uri="{BB962C8B-B14F-4D97-AF65-F5344CB8AC3E}">
-        <p14:creationId xmlns:p14="http://schemas.microsoft.com/office/powerpoint/2010/main" val="3285400760"/>
+        <p14:creationId xmlns:p14="http://schemas.microsoft.com/office/powerpoint/2010/main" val="3642917144"/>
       </p:ext>
     </p:extLst>
   </p:cSld>
@@ -4330,7 +5343,7 @@
           <a:p>
             <a:r>
               <a:rPr lang="en-US" dirty="0"/>
-              <a:t>Agenda</a:t>
+              <a:t>Abstract</a:t>
             </a:r>
           </a:p>
         </p:txBody>
@@ -4352,27 +5365,28 @@
           </a:bodyPr>
           <a:lstStyle/>
           <a:p>
-            <a:r>
-              <a:rPr lang="en-US" dirty="0"/>
-              <a:t>Power BI Visuals Overview</a:t>
-            </a:r>
-          </a:p>
-          <a:p>
-            <a:r>
-              <a:rPr lang="en-US" dirty="0"/>
-              <a:t>Importing Custom Visuals</a:t>
-            </a:r>
-          </a:p>
-          <a:p>
-            <a:r>
-              <a:rPr lang="en-US" dirty="0"/>
-              <a:t>Programming with D3 in Typescript</a:t>
-            </a:r>
-          </a:p>
-          <a:p>
-            <a:r>
-              <a:rPr lang="en-US" dirty="0"/>
-              <a:t>Developing Custom Visuals for Power BI</a:t>
+            <a:pPr marL="0" indent="0">
+              <a:buNone/>
+            </a:pPr>
+            <a:r>
+              <a:rPr lang="en-US" sz="1600" dirty="0"/>
+              <a:t>This live interactive session will give you a jumpstart into the development of custom visuals for Power BI using TypeScript, the D3 library and Visual Studio Code. You will learn how to use the Power BI visual tool (PBIVIZ) to create and debug a custom visual project as well as how to package up a custom visual for distribution. Along the way, you will learn about visual capabilities, data mappings, D3 data binding, custom properties and programming with the Power BI visual API to leverage built-in services such as </a:t>
+            </a:r>
+            <a:r>
+              <a:rPr lang="en-US" sz="1600" dirty="0" err="1"/>
+              <a:t>TooltipServiceWrapper</a:t>
+            </a:r>
+            <a:r>
+              <a:rPr lang="en-US" sz="1600" dirty="0"/>
+              <a:t> and </a:t>
+            </a:r>
+            <a:r>
+              <a:rPr lang="en-US" sz="1600" dirty="0" err="1"/>
+              <a:t>SelectionManager</a:t>
+            </a:r>
+            <a:r>
+              <a:rPr lang="en-US" sz="1600" dirty="0"/>
+              <a:t>.</a:t>
             </a:r>
           </a:p>
         </p:txBody>
@@ -4380,7 +5394,7 @@
     </p:spTree>
     <p:extLst>
       <p:ext uri="{BB962C8B-B14F-4D97-AF65-F5344CB8AC3E}">
-        <p14:creationId xmlns:p14="http://schemas.microsoft.com/office/powerpoint/2010/main" val="1577676335"/>
+        <p14:creationId xmlns:p14="http://schemas.microsoft.com/office/powerpoint/2010/main" val="293093858"/>
       </p:ext>
     </p:extLst>
   </p:cSld>
@@ -4424,7 +5438,7 @@
           <a:p>
             <a:r>
               <a:rPr lang="en-US" dirty="0"/>
-              <a:t>Agenda</a:t>
+              <a:t>SVG Graphics</a:t>
             </a:r>
           </a:p>
         </p:txBody>
@@ -4441,40 +5455,98 @@
         </p:nvSpPr>
         <p:spPr/>
         <p:txBody>
-          <a:bodyPr>
-            <a:normAutofit/>
-          </a:bodyPr>
+          <a:bodyPr/>
           <a:lstStyle/>
           <a:p>
             <a:r>
               <a:rPr lang="en-US" dirty="0"/>
-              <a:t>Power BI Visuals Overview</a:t>
-            </a:r>
-          </a:p>
-          <a:p>
-            <a:r>
-              <a:rPr lang="en-US" dirty="0"/>
-              <a:t>Importing Custom Visuals</a:t>
-            </a:r>
-          </a:p>
-          <a:p>
-            <a:r>
-              <a:rPr lang="en-US" dirty="0"/>
-              <a:t>Programming with D3 in Typescript</a:t>
-            </a:r>
-          </a:p>
-          <a:p>
-            <a:r>
-              <a:rPr lang="en-US" dirty="0"/>
-              <a:t>Developing Custom Visuals for Power BI</a:t>
+              <a:t>SVG = Scalable Vector Graphics</a:t>
+            </a:r>
+          </a:p>
+          <a:p>
+            <a:pPr lvl="1"/>
+            <a:r>
+              <a:rPr lang="en-US" dirty="0"/>
+              <a:t>Specialized type of HTML element</a:t>
+            </a:r>
+          </a:p>
+          <a:p>
+            <a:pPr lvl="1"/>
+            <a:r>
+              <a:rPr lang="en-US" dirty="0"/>
+              <a:t>More reliable and consistent than other HTML elements</a:t>
             </a:r>
           </a:p>
         </p:txBody>
       </p:sp>
+      <p:pic>
+        <p:nvPicPr>
+          <p:cNvPr id="5" name="Picture 4"/>
+          <p:cNvPicPr>
+            <a:picLocks noChangeAspect="1"/>
+          </p:cNvPicPr>
+          <p:nvPr/>
+        </p:nvPicPr>
+        <p:blipFill>
+          <a:blip r:embed="rId2"/>
+          <a:stretch>
+            <a:fillRect/>
+          </a:stretch>
+        </p:blipFill>
+        <p:spPr>
+          <a:xfrm>
+            <a:off x="838200" y="3124200"/>
+            <a:ext cx="7467600" cy="2465133"/>
+          </a:xfrm>
+          <a:prstGeom prst="rect">
+            <a:avLst/>
+          </a:prstGeom>
+          <a:ln>
+            <a:solidFill>
+              <a:schemeClr val="tx1">
+                <a:lumMod val="75000"/>
+                <a:lumOff val="25000"/>
+              </a:schemeClr>
+            </a:solidFill>
+          </a:ln>
+        </p:spPr>
+      </p:pic>
+      <p:pic>
+        <p:nvPicPr>
+          <p:cNvPr id="6" name="Picture 5"/>
+          <p:cNvPicPr>
+            <a:picLocks noChangeAspect="1"/>
+          </p:cNvPicPr>
+          <p:nvPr/>
+        </p:nvPicPr>
+        <p:blipFill>
+          <a:blip r:embed="rId3"/>
+          <a:stretch>
+            <a:fillRect/>
+          </a:stretch>
+        </p:blipFill>
+        <p:spPr>
+          <a:xfrm>
+            <a:off x="5867400" y="5105400"/>
+            <a:ext cx="1828800" cy="1424516"/>
+          </a:xfrm>
+          <a:prstGeom prst="rect">
+            <a:avLst/>
+          </a:prstGeom>
+          <a:ln>
+            <a:solidFill>
+              <a:schemeClr val="tx1">
+                <a:lumMod val="75000"/>
+                <a:lumOff val="25000"/>
+              </a:schemeClr>
+            </a:solidFill>
+          </a:ln>
+        </p:spPr>
+      </p:pic>
     </p:spTree>
     <p:extLst>
       <p:ext uri="{BB962C8B-B14F-4D97-AF65-F5344CB8AC3E}">
-        <p14:creationId xmlns:p14="http://schemas.microsoft.com/office/powerpoint/2010/main" val="1620347482"/>
+        <p14:creationId xmlns:p14="http://schemas.microsoft.com/office/powerpoint/2010/main" val="1526211241"/>
       </p:ext>
     </p:extLst>
   </p:cSld>
@@ -4518,57 +5590,87 @@
           <a:p>
             <a:r>
               <a:rPr lang="en-US" dirty="0"/>
-              <a:t>Agenda</a:t>
+              <a:t>Adding d3 and d3 </a:t>
+            </a:r>
+            <a:r>
+              <a:rPr lang="en-US" dirty="0" err="1"/>
+              <a:t>typings</a:t>
+            </a:r>
+            <a:r>
+              <a:rPr lang="en-US" dirty="0"/>
+              <a:t> files</a:t>
             </a:r>
           </a:p>
         </p:txBody>
       </p:sp>
-      <p:sp>
-        <p:nvSpPr>
-          <p:cNvPr id="3" name="Content Placeholder 2"/>
-          <p:cNvSpPr>
-            <a:spLocks noGrp="1"/>
-          </p:cNvSpPr>
-          <p:nvPr>
-            <p:ph idx="1"/>
-          </p:nvPr>
-        </p:nvSpPr>
-        <p:spPr/>
-        <p:txBody>
-          <a:bodyPr>
-            <a:normAutofit/>
-          </a:bodyPr>
-          <a:lstStyle/>
-          <a:p>
-            <a:r>
-              <a:rPr lang="en-US" dirty="0"/>
-              <a:t>Power BI Visuals Overview</a:t>
-            </a:r>
-          </a:p>
-          <a:p>
-            <a:r>
-              <a:rPr lang="en-US" dirty="0"/>
-              <a:t>Importing Custom Visuals</a:t>
-            </a:r>
-          </a:p>
-          <a:p>
-            <a:r>
-              <a:rPr lang="en-US" dirty="0"/>
-              <a:t>Programming with D3 in Typescript</a:t>
-            </a:r>
-          </a:p>
-          <a:p>
-            <a:r>
-              <a:rPr lang="en-US" dirty="0"/>
-              <a:t>Developing Custom Visuals for Power BI</a:t>
-            </a:r>
-          </a:p>
-        </p:txBody>
-      </p:sp>
+      <p:pic>
+        <p:nvPicPr>
+          <p:cNvPr id="3" name="Picture 2"/>
+          <p:cNvPicPr>
+            <a:picLocks noChangeAspect="1"/>
+          </p:cNvPicPr>
+          <p:nvPr/>
+        </p:nvPicPr>
+        <p:blipFill>
+          <a:blip r:embed="rId2"/>
+          <a:stretch>
+            <a:fillRect/>
+          </a:stretch>
+        </p:blipFill>
+        <p:spPr>
+          <a:xfrm>
+            <a:off x="533400" y="1447800"/>
+            <a:ext cx="6276975" cy="2705100"/>
+          </a:xfrm>
+          <a:prstGeom prst="rect">
+            <a:avLst/>
+          </a:prstGeom>
+          <a:ln>
+            <a:solidFill>
+              <a:schemeClr val="tx1">
+                <a:lumMod val="75000"/>
+                <a:lumOff val="25000"/>
+              </a:schemeClr>
+            </a:solidFill>
+          </a:ln>
+        </p:spPr>
+      </p:pic>
+      <p:pic>
+        <p:nvPicPr>
+          <p:cNvPr id="5" name="Picture 4"/>
+          <p:cNvPicPr>
+            <a:picLocks noChangeAspect="1"/>
+          </p:cNvPicPr>
+          <p:nvPr/>
+        </p:nvPicPr>
+        <p:blipFill>
+          <a:blip r:embed="rId3"/>
+          <a:stretch>
+            <a:fillRect/>
+          </a:stretch>
+        </p:blipFill>
+        <p:spPr>
+          <a:xfrm>
+            <a:off x="4038600" y="4495800"/>
+            <a:ext cx="3786277" cy="2181225"/>
+          </a:xfrm>
+          <a:prstGeom prst="rect">
+            <a:avLst/>
+          </a:prstGeom>
+          <a:ln>
+            <a:solidFill>
+              <a:schemeClr val="tx1">
+                <a:lumMod val="75000"/>
+                <a:lumOff val="25000"/>
+              </a:schemeClr>
+            </a:solidFill>
+          </a:ln>
+        </p:spPr>
+      </p:pic>
     </p:spTree>
     <p:extLst>
       <p:ext uri="{BB962C8B-B14F-4D97-AF65-F5344CB8AC3E}">
-        <p14:creationId xmlns:p14="http://schemas.microsoft.com/office/powerpoint/2010/main" val="2606819508"/>
+        <p14:creationId xmlns:p14="http://schemas.microsoft.com/office/powerpoint/2010/main" val="2192974544"/>
       </p:ext>
     </p:extLst>
   </p:cSld>
@@ -4579,6 +5681,1026 @@
 </file>
 
 <file path=ppt/slides/slide22.xml><?xml version="1.0" encoding="utf-8"?>
+<p:sld xmlns:a="http://schemas.openxmlformats.org/drawingml/2006/main" xmlns:r="http://schemas.openxmlformats.org/officeDocument/2006/relationships" xmlns:p="http://schemas.openxmlformats.org/presentationml/2006/main">
+  <p:cSld>
+    <p:spTree>
+      <p:nvGrpSpPr>
+        <p:cNvPr id="1" name=""/>
+        <p:cNvGrpSpPr/>
+        <p:nvPr/>
+      </p:nvGrpSpPr>
+      <p:grpSpPr>
+        <a:xfrm>
+          <a:off x="0" y="0"/>
+          <a:ext cx="0" cy="0"/>
+          <a:chOff x="0" y="0"/>
+          <a:chExt cx="0" cy="0"/>
+        </a:xfrm>
+      </p:grpSpPr>
+      <p:sp>
+        <p:nvSpPr>
+          <p:cNvPr id="2" name="Title 1"/>
+          <p:cNvSpPr>
+            <a:spLocks noGrp="1"/>
+          </p:cNvSpPr>
+          <p:nvPr>
+            <p:ph type="title"/>
+          </p:nvPr>
+        </p:nvSpPr>
+        <p:spPr/>
+        <p:txBody>
+          <a:bodyPr/>
+          <a:lstStyle/>
+          <a:p>
+            <a:r>
+              <a:rPr lang="en-US" dirty="0"/>
+              <a:t>Designing a D3 Custom Visual</a:t>
+            </a:r>
+          </a:p>
+        </p:txBody>
+      </p:sp>
+      <p:pic>
+        <p:nvPicPr>
+          <p:cNvPr id="3" name="Picture 2"/>
+          <p:cNvPicPr>
+            <a:picLocks noChangeAspect="1"/>
+          </p:cNvPicPr>
+          <p:nvPr/>
+        </p:nvPicPr>
+        <p:blipFill>
+          <a:blip r:embed="rId2"/>
+          <a:stretch>
+            <a:fillRect/>
+          </a:stretch>
+        </p:blipFill>
+        <p:spPr>
+          <a:xfrm>
+            <a:off x="381000" y="1447800"/>
+            <a:ext cx="5915025" cy="2857500"/>
+          </a:xfrm>
+          <a:prstGeom prst="rect">
+            <a:avLst/>
+          </a:prstGeom>
+          <a:ln>
+            <a:solidFill>
+              <a:schemeClr val="tx1">
+                <a:lumMod val="75000"/>
+                <a:lumOff val="25000"/>
+              </a:schemeClr>
+            </a:solidFill>
+          </a:ln>
+        </p:spPr>
+      </p:pic>
+      <p:pic>
+        <p:nvPicPr>
+          <p:cNvPr id="5" name="Picture 4"/>
+          <p:cNvPicPr>
+            <a:picLocks noChangeAspect="1"/>
+          </p:cNvPicPr>
+          <p:nvPr/>
+        </p:nvPicPr>
+        <p:blipFill>
+          <a:blip r:embed="rId3"/>
+          <a:stretch>
+            <a:fillRect/>
+          </a:stretch>
+        </p:blipFill>
+        <p:spPr>
+          <a:xfrm>
+            <a:off x="4343400" y="3124200"/>
+            <a:ext cx="4262595" cy="2506799"/>
+          </a:xfrm>
+          <a:prstGeom prst="rect">
+            <a:avLst/>
+          </a:prstGeom>
+          <a:ln>
+            <a:solidFill>
+              <a:schemeClr val="tx1">
+                <a:lumMod val="75000"/>
+                <a:lumOff val="25000"/>
+              </a:schemeClr>
+            </a:solidFill>
+          </a:ln>
+        </p:spPr>
+      </p:pic>
+    </p:spTree>
+    <p:extLst>
+      <p:ext uri="{BB962C8B-B14F-4D97-AF65-F5344CB8AC3E}">
+        <p14:creationId xmlns:p14="http://schemas.microsoft.com/office/powerpoint/2010/main" val="6030236"/>
+      </p:ext>
+    </p:extLst>
+  </p:cSld>
+  <p:clrMapOvr>
+    <a:masterClrMapping/>
+  </p:clrMapOvr>
+</p:sld>
+</file>
+
+<file path=ppt/slides/slide23.xml><?xml version="1.0" encoding="utf-8"?>
+<p:sld xmlns:a="http://schemas.openxmlformats.org/drawingml/2006/main" xmlns:r="http://schemas.openxmlformats.org/officeDocument/2006/relationships" xmlns:p="http://schemas.openxmlformats.org/presentationml/2006/main">
+  <p:cSld>
+    <p:spTree>
+      <p:nvGrpSpPr>
+        <p:cNvPr id="1" name=""/>
+        <p:cNvGrpSpPr/>
+        <p:nvPr/>
+      </p:nvGrpSpPr>
+      <p:grpSpPr>
+        <a:xfrm>
+          <a:off x="0" y="0"/>
+          <a:ext cx="0" cy="0"/>
+          <a:chOff x="0" y="0"/>
+          <a:chExt cx="0" cy="0"/>
+        </a:xfrm>
+      </p:grpSpPr>
+      <p:sp>
+        <p:nvSpPr>
+          <p:cNvPr id="2" name="Title 1"/>
+          <p:cNvSpPr>
+            <a:spLocks noGrp="1"/>
+          </p:cNvSpPr>
+          <p:nvPr>
+            <p:ph type="title"/>
+          </p:nvPr>
+        </p:nvSpPr>
+        <p:spPr/>
+        <p:txBody>
+          <a:bodyPr/>
+          <a:lstStyle/>
+          <a:p>
+            <a:r>
+              <a:rPr lang="en-US" dirty="0"/>
+              <a:t>Agenda</a:t>
+            </a:r>
+          </a:p>
+        </p:txBody>
+      </p:sp>
+      <p:sp>
+        <p:nvSpPr>
+          <p:cNvPr id="3" name="Content Placeholder 2"/>
+          <p:cNvSpPr>
+            <a:spLocks noGrp="1"/>
+          </p:cNvSpPr>
+          <p:nvPr>
+            <p:ph idx="1"/>
+          </p:nvPr>
+        </p:nvSpPr>
+        <p:spPr/>
+        <p:txBody>
+          <a:bodyPr>
+            <a:normAutofit/>
+          </a:bodyPr>
+          <a:lstStyle/>
+          <a:p>
+            <a:pPr>
+              <a:buFont typeface="Wingdings" panose="05000000000000000000" pitchFamily="2" charset="2"/>
+              <a:buChar char="ü"/>
+            </a:pPr>
+            <a:r>
+              <a:rPr lang="en-US" dirty="0"/>
+              <a:t>Introduction to Custom Visuals in Power BI</a:t>
+            </a:r>
+          </a:p>
+          <a:p>
+            <a:pPr>
+              <a:buFont typeface="Wingdings" panose="05000000000000000000" pitchFamily="2" charset="2"/>
+              <a:buChar char="ü"/>
+            </a:pPr>
+            <a:r>
+              <a:rPr lang="en-US" dirty="0"/>
+              <a:t>Programming in Typescript</a:t>
+            </a:r>
+          </a:p>
+          <a:p>
+            <a:pPr>
+              <a:buFont typeface="Wingdings" panose="05000000000000000000" pitchFamily="2" charset="2"/>
+              <a:buChar char="ü"/>
+            </a:pPr>
+            <a:r>
+              <a:rPr lang="en-US" dirty="0"/>
+              <a:t>Programming with the D3 Library</a:t>
+            </a:r>
+          </a:p>
+          <a:p>
+            <a:pPr>
+              <a:buFont typeface="Wingdings" panose="05000000000000000000" pitchFamily="2" charset="2"/>
+              <a:buChar char="Ø"/>
+            </a:pPr>
+            <a:r>
+              <a:rPr lang="en-US" dirty="0"/>
+              <a:t>Getting Started with the PBIVIZ Utility</a:t>
+            </a:r>
+          </a:p>
+          <a:p>
+            <a:r>
+              <a:rPr lang="en-US" dirty="0"/>
+              <a:t>Designing and Implementing Custom Visuals</a:t>
+            </a:r>
+          </a:p>
+          <a:p>
+            <a:r>
+              <a:rPr lang="en-US" dirty="0"/>
+              <a:t>Packaging and Distribution Custom Visuals</a:t>
+            </a:r>
+          </a:p>
+          <a:p>
+            <a:endParaRPr lang="en-US" dirty="0"/>
+          </a:p>
+        </p:txBody>
+      </p:sp>
+    </p:spTree>
+    <p:extLst>
+      <p:ext uri="{BB962C8B-B14F-4D97-AF65-F5344CB8AC3E}">
+        <p14:creationId xmlns:p14="http://schemas.microsoft.com/office/powerpoint/2010/main" val="3470246278"/>
+      </p:ext>
+    </p:extLst>
+  </p:cSld>
+  <p:clrMapOvr>
+    <a:masterClrMapping/>
+  </p:clrMapOvr>
+</p:sld>
+</file>
+
+<file path=ppt/slides/slide24.xml><?xml version="1.0" encoding="utf-8"?>
+<p:sld xmlns:a="http://schemas.openxmlformats.org/drawingml/2006/main" xmlns:r="http://schemas.openxmlformats.org/officeDocument/2006/relationships" xmlns:p="http://schemas.openxmlformats.org/presentationml/2006/main">
+  <p:cSld>
+    <p:spTree>
+      <p:nvGrpSpPr>
+        <p:cNvPr id="1" name=""/>
+        <p:cNvGrpSpPr/>
+        <p:nvPr/>
+      </p:nvGrpSpPr>
+      <p:grpSpPr>
+        <a:xfrm>
+          <a:off x="0" y="0"/>
+          <a:ext cx="0" cy="0"/>
+          <a:chOff x="0" y="0"/>
+          <a:chExt cx="0" cy="0"/>
+        </a:xfrm>
+      </p:grpSpPr>
+      <p:sp>
+        <p:nvSpPr>
+          <p:cNvPr id="2" name="Title 1"/>
+          <p:cNvSpPr>
+            <a:spLocks noGrp="1"/>
+          </p:cNvSpPr>
+          <p:nvPr>
+            <p:ph type="title"/>
+          </p:nvPr>
+        </p:nvSpPr>
+        <p:spPr/>
+        <p:txBody>
+          <a:bodyPr/>
+          <a:lstStyle/>
+          <a:p>
+            <a:r>
+              <a:rPr lang="en-US" dirty="0"/>
+              <a:t>Developing Custom Visuals</a:t>
+            </a:r>
+          </a:p>
+        </p:txBody>
+      </p:sp>
+      <p:sp>
+        <p:nvSpPr>
+          <p:cNvPr id="3" name="Content Placeholder 2"/>
+          <p:cNvSpPr>
+            <a:spLocks noGrp="1"/>
+          </p:cNvSpPr>
+          <p:nvPr>
+            <p:ph idx="1"/>
+          </p:nvPr>
+        </p:nvSpPr>
+        <p:spPr/>
+        <p:txBody>
+          <a:bodyPr>
+            <a:normAutofit/>
+          </a:bodyPr>
+          <a:lstStyle/>
+          <a:p>
+            <a:r>
+              <a:rPr lang="en-US" sz="2400" dirty="0"/>
+              <a:t>There are two ways to develop a custom visual</a:t>
+            </a:r>
+          </a:p>
+          <a:p>
+            <a:pPr lvl="1"/>
+            <a:r>
+              <a:rPr lang="en-US" sz="2000" dirty="0"/>
+              <a:t>The original way which is now deprecated</a:t>
+            </a:r>
+          </a:p>
+          <a:p>
+            <a:pPr lvl="2"/>
+            <a:r>
+              <a:rPr lang="en-US" sz="1800" dirty="0"/>
+              <a:t>Still supported for backwards compatibility with older visuals</a:t>
+            </a:r>
+          </a:p>
+          <a:p>
+            <a:pPr lvl="1"/>
+            <a:r>
+              <a:rPr lang="en-US" sz="2000" dirty="0"/>
+              <a:t>The new and better way introduced in July of 2016</a:t>
+            </a:r>
+          </a:p>
+          <a:p>
+            <a:pPr lvl="2"/>
+            <a:r>
+              <a:rPr lang="en-US" sz="1800" dirty="0"/>
+              <a:t>Provides richer and significantly faster developer experience</a:t>
+            </a:r>
+          </a:p>
+          <a:p>
+            <a:pPr lvl="2"/>
+            <a:r>
+              <a:rPr lang="en-US" sz="1800" dirty="0"/>
+              <a:t>Tools and documentation maintained in a GITHUB repository</a:t>
+            </a:r>
+          </a:p>
+          <a:p>
+            <a:pPr lvl="1"/>
+            <a:endParaRPr lang="en-US" sz="2000" dirty="0"/>
+          </a:p>
+          <a:p>
+            <a:endParaRPr lang="en-US" sz="2400" dirty="0"/>
+          </a:p>
+        </p:txBody>
+      </p:sp>
+      <p:grpSp>
+        <p:nvGrpSpPr>
+          <p:cNvPr id="11" name="Group 10"/>
+          <p:cNvGrpSpPr/>
+          <p:nvPr/>
+        </p:nvGrpSpPr>
+        <p:grpSpPr>
+          <a:xfrm>
+            <a:off x="351692" y="3810000"/>
+            <a:ext cx="4038600" cy="2743200"/>
+            <a:chOff x="351692" y="3810000"/>
+            <a:chExt cx="4038600" cy="2743200"/>
+          </a:xfrm>
+        </p:grpSpPr>
+        <p:sp>
+          <p:nvSpPr>
+            <p:cNvPr id="7" name="Rectangle 6"/>
+            <p:cNvSpPr/>
+            <p:nvPr/>
+          </p:nvSpPr>
+          <p:spPr>
+            <a:xfrm>
+              <a:off x="351692" y="3810000"/>
+              <a:ext cx="4038600" cy="2743200"/>
+            </a:xfrm>
+            <a:prstGeom prst="rect">
+              <a:avLst/>
+            </a:prstGeom>
+            <a:solidFill>
+              <a:schemeClr val="accent2">
+                <a:lumMod val="20000"/>
+                <a:lumOff val="80000"/>
+              </a:schemeClr>
+            </a:solidFill>
+            <a:ln w="6350">
+              <a:solidFill>
+                <a:schemeClr val="tx1"/>
+              </a:solidFill>
+            </a:ln>
+          </p:spPr>
+          <p:style>
+            <a:lnRef idx="2">
+              <a:schemeClr val="accent1">
+                <a:shade val="50000"/>
+              </a:schemeClr>
+            </a:lnRef>
+            <a:fillRef idx="1">
+              <a:schemeClr val="accent1"/>
+            </a:fillRef>
+            <a:effectRef idx="0">
+              <a:schemeClr val="accent1"/>
+            </a:effectRef>
+            <a:fontRef idx="minor">
+              <a:schemeClr val="lt1"/>
+            </a:fontRef>
+          </p:style>
+          <p:txBody>
+            <a:bodyPr rtlCol="0" anchor="b"/>
+            <a:lstStyle/>
+            <a:p>
+              <a:pPr algn="ctr"/>
+              <a:r>
+                <a:rPr lang="en-US" sz="1600" dirty="0">
+                  <a:solidFill>
+                    <a:schemeClr val="tx1"/>
+                  </a:solidFill>
+                </a:rPr>
+                <a:t>Visual created using older style</a:t>
+              </a:r>
+            </a:p>
+          </p:txBody>
+        </p:sp>
+        <p:pic>
+          <p:nvPicPr>
+            <p:cNvPr id="5" name="Picture 4"/>
+            <p:cNvPicPr>
+              <a:picLocks noChangeAspect="1"/>
+            </p:cNvPicPr>
+            <p:nvPr/>
+          </p:nvPicPr>
+          <p:blipFill>
+            <a:blip r:embed="rId2"/>
+            <a:stretch>
+              <a:fillRect/>
+            </a:stretch>
+          </p:blipFill>
+          <p:spPr>
+            <a:xfrm>
+              <a:off x="457200" y="3962400"/>
+              <a:ext cx="3806749" cy="2209800"/>
+            </a:xfrm>
+            <a:prstGeom prst="rect">
+              <a:avLst/>
+            </a:prstGeom>
+          </p:spPr>
+        </p:pic>
+        <p:sp>
+          <p:nvSpPr>
+            <p:cNvPr id="9" name="Arrow: Right 8"/>
+            <p:cNvSpPr/>
+            <p:nvPr/>
+          </p:nvSpPr>
+          <p:spPr>
+            <a:xfrm>
+              <a:off x="514004" y="4603866"/>
+              <a:ext cx="492369" cy="254976"/>
+            </a:xfrm>
+            <a:prstGeom prst="rightArrow">
+              <a:avLst>
+                <a:gd name="adj1" fmla="val 66533"/>
+                <a:gd name="adj2" fmla="val 89122"/>
+              </a:avLst>
+            </a:prstGeom>
+            <a:solidFill>
+              <a:srgbClr val="FFFF00"/>
+            </a:solidFill>
+            <a:ln>
+              <a:solidFill>
+                <a:schemeClr val="accent1"/>
+              </a:solidFill>
+            </a:ln>
+          </p:spPr>
+          <p:style>
+            <a:lnRef idx="2">
+              <a:schemeClr val="accent1">
+                <a:shade val="50000"/>
+              </a:schemeClr>
+            </a:lnRef>
+            <a:fillRef idx="1">
+              <a:schemeClr val="accent1"/>
+            </a:fillRef>
+            <a:effectRef idx="0">
+              <a:schemeClr val="accent1"/>
+            </a:effectRef>
+            <a:fontRef idx="minor">
+              <a:schemeClr val="lt1"/>
+            </a:fontRef>
+          </p:style>
+          <p:txBody>
+            <a:bodyPr rtlCol="0" anchor="ctr"/>
+            <a:lstStyle/>
+            <a:p>
+              <a:pPr algn="ctr"/>
+              <a:endParaRPr lang="en-US"/>
+            </a:p>
+          </p:txBody>
+        </p:sp>
+      </p:grpSp>
+      <p:grpSp>
+        <p:nvGrpSpPr>
+          <p:cNvPr id="12" name="Group 11"/>
+          <p:cNvGrpSpPr/>
+          <p:nvPr/>
+        </p:nvGrpSpPr>
+        <p:grpSpPr>
+          <a:xfrm>
+            <a:off x="4610100" y="3804138"/>
+            <a:ext cx="4191000" cy="2743200"/>
+            <a:chOff x="4610100" y="3804138"/>
+            <a:chExt cx="4191000" cy="2743200"/>
+          </a:xfrm>
+        </p:grpSpPr>
+        <p:sp>
+          <p:nvSpPr>
+            <p:cNvPr id="8" name="Rectangle 7"/>
+            <p:cNvSpPr/>
+            <p:nvPr/>
+          </p:nvSpPr>
+          <p:spPr>
+            <a:xfrm>
+              <a:off x="4610100" y="3804138"/>
+              <a:ext cx="4191000" cy="2743200"/>
+            </a:xfrm>
+            <a:prstGeom prst="rect">
+              <a:avLst/>
+            </a:prstGeom>
+            <a:solidFill>
+              <a:schemeClr val="accent2">
+                <a:lumMod val="20000"/>
+                <a:lumOff val="80000"/>
+              </a:schemeClr>
+            </a:solidFill>
+            <a:ln w="6350">
+              <a:solidFill>
+                <a:schemeClr val="tx1"/>
+              </a:solidFill>
+            </a:ln>
+          </p:spPr>
+          <p:style>
+            <a:lnRef idx="2">
+              <a:schemeClr val="accent1">
+                <a:shade val="50000"/>
+              </a:schemeClr>
+            </a:lnRef>
+            <a:fillRef idx="1">
+              <a:schemeClr val="accent1"/>
+            </a:fillRef>
+            <a:effectRef idx="0">
+              <a:schemeClr val="accent1"/>
+            </a:effectRef>
+            <a:fontRef idx="minor">
+              <a:schemeClr val="lt1"/>
+            </a:fontRef>
+          </p:style>
+          <p:txBody>
+            <a:bodyPr rtlCol="0" anchor="b"/>
+            <a:lstStyle/>
+            <a:p>
+              <a:pPr algn="ctr"/>
+              <a:r>
+                <a:rPr lang="en-US" sz="1600" dirty="0">
+                  <a:solidFill>
+                    <a:schemeClr val="tx1"/>
+                  </a:solidFill>
+                </a:rPr>
+                <a:t>Visual created using newer style</a:t>
+              </a:r>
+            </a:p>
+          </p:txBody>
+        </p:sp>
+        <p:pic>
+          <p:nvPicPr>
+            <p:cNvPr id="6" name="Picture 5"/>
+            <p:cNvPicPr>
+              <a:picLocks noChangeAspect="1"/>
+            </p:cNvPicPr>
+            <p:nvPr/>
+          </p:nvPicPr>
+          <p:blipFill>
+            <a:blip r:embed="rId3"/>
+            <a:stretch>
+              <a:fillRect/>
+            </a:stretch>
+          </p:blipFill>
+          <p:spPr>
+            <a:xfrm>
+              <a:off x="4762500" y="3961344"/>
+              <a:ext cx="3886200" cy="2200187"/>
+            </a:xfrm>
+            <a:prstGeom prst="rect">
+              <a:avLst/>
+            </a:prstGeom>
+          </p:spPr>
+        </p:pic>
+        <p:sp>
+          <p:nvSpPr>
+            <p:cNvPr id="10" name="Arrow: Right 9"/>
+            <p:cNvSpPr/>
+            <p:nvPr/>
+          </p:nvSpPr>
+          <p:spPr>
+            <a:xfrm>
+              <a:off x="4800600" y="4603866"/>
+              <a:ext cx="492369" cy="254976"/>
+            </a:xfrm>
+            <a:prstGeom prst="rightArrow">
+              <a:avLst>
+                <a:gd name="adj1" fmla="val 66533"/>
+                <a:gd name="adj2" fmla="val 89122"/>
+              </a:avLst>
+            </a:prstGeom>
+            <a:solidFill>
+              <a:srgbClr val="FFFF00"/>
+            </a:solidFill>
+            <a:ln>
+              <a:solidFill>
+                <a:schemeClr val="accent1"/>
+              </a:solidFill>
+            </a:ln>
+          </p:spPr>
+          <p:style>
+            <a:lnRef idx="2">
+              <a:schemeClr val="accent1">
+                <a:shade val="50000"/>
+              </a:schemeClr>
+            </a:lnRef>
+            <a:fillRef idx="1">
+              <a:schemeClr val="accent1"/>
+            </a:fillRef>
+            <a:effectRef idx="0">
+              <a:schemeClr val="accent1"/>
+            </a:effectRef>
+            <a:fontRef idx="minor">
+              <a:schemeClr val="lt1"/>
+            </a:fontRef>
+          </p:style>
+          <p:txBody>
+            <a:bodyPr rtlCol="0" anchor="ctr"/>
+            <a:lstStyle/>
+            <a:p>
+              <a:pPr algn="ctr"/>
+              <a:endParaRPr lang="en-US"/>
+            </a:p>
+          </p:txBody>
+        </p:sp>
+      </p:grpSp>
+    </p:spTree>
+    <p:extLst>
+      <p:ext uri="{BB962C8B-B14F-4D97-AF65-F5344CB8AC3E}">
+        <p14:creationId xmlns:p14="http://schemas.microsoft.com/office/powerpoint/2010/main" val="1400258637"/>
+      </p:ext>
+    </p:extLst>
+  </p:cSld>
+  <p:clrMapOvr>
+    <a:masterClrMapping/>
+  </p:clrMapOvr>
+  <p:timing>
+    <p:tnLst>
+      <p:par>
+        <p:cTn id="1" dur="indefinite" restart="never" nodeType="tmRoot">
+          <p:childTnLst>
+            <p:seq concurrent="1" nextAc="seek">
+              <p:cTn id="2" dur="indefinite" nodeType="mainSeq">
+                <p:childTnLst>
+                  <p:par>
+                    <p:cTn id="3" fill="hold">
+                      <p:stCondLst>
+                        <p:cond delay="indefinite"/>
+                      </p:stCondLst>
+                      <p:childTnLst>
+                        <p:par>
+                          <p:cTn id="4" fill="hold">
+                            <p:stCondLst>
+                              <p:cond delay="0"/>
+                            </p:stCondLst>
+                            <p:childTnLst>
+                              <p:par>
+                                <p:cTn id="5" presetID="1" presetClass="entr" presetSubtype="0" fill="hold" nodeType="clickEffect">
+                                  <p:stCondLst>
+                                    <p:cond delay="0"/>
+                                  </p:stCondLst>
+                                  <p:childTnLst>
+                                    <p:set>
+                                      <p:cBhvr>
+                                        <p:cTn id="6" dur="1" fill="hold">
+                                          <p:stCondLst>
+                                            <p:cond delay="0"/>
+                                          </p:stCondLst>
+                                        </p:cTn>
+                                        <p:tgtEl>
+                                          <p:spTgt spid="3">
+                                            <p:txEl>
+                                              <p:pRg st="1" end="1"/>
+                                            </p:txEl>
+                                          </p:spTgt>
+                                        </p:tgtEl>
+                                        <p:attrNameLst>
+                                          <p:attrName>style.visibility</p:attrName>
+                                        </p:attrNameLst>
+                                      </p:cBhvr>
+                                      <p:to>
+                                        <p:strVal val="visible"/>
+                                      </p:to>
+                                    </p:set>
+                                  </p:childTnLst>
+                                </p:cTn>
+                              </p:par>
+                            </p:childTnLst>
+                          </p:cTn>
+                        </p:par>
+                      </p:childTnLst>
+                    </p:cTn>
+                  </p:par>
+                  <p:par>
+                    <p:cTn id="7" fill="hold">
+                      <p:stCondLst>
+                        <p:cond delay="indefinite"/>
+                      </p:stCondLst>
+                      <p:childTnLst>
+                        <p:par>
+                          <p:cTn id="8" fill="hold">
+                            <p:stCondLst>
+                              <p:cond delay="0"/>
+                            </p:stCondLst>
+                            <p:childTnLst>
+                              <p:par>
+                                <p:cTn id="9" presetID="1" presetClass="entr" presetSubtype="0" fill="hold" nodeType="clickEffect">
+                                  <p:stCondLst>
+                                    <p:cond delay="0"/>
+                                  </p:stCondLst>
+                                  <p:childTnLst>
+                                    <p:set>
+                                      <p:cBhvr>
+                                        <p:cTn id="10" dur="1" fill="hold">
+                                          <p:stCondLst>
+                                            <p:cond delay="0"/>
+                                          </p:stCondLst>
+                                        </p:cTn>
+                                        <p:tgtEl>
+                                          <p:spTgt spid="3">
+                                            <p:txEl>
+                                              <p:pRg st="2" end="2"/>
+                                            </p:txEl>
+                                          </p:spTgt>
+                                        </p:tgtEl>
+                                        <p:attrNameLst>
+                                          <p:attrName>style.visibility</p:attrName>
+                                        </p:attrNameLst>
+                                      </p:cBhvr>
+                                      <p:to>
+                                        <p:strVal val="visible"/>
+                                      </p:to>
+                                    </p:set>
+                                  </p:childTnLst>
+                                </p:cTn>
+                              </p:par>
+                            </p:childTnLst>
+                          </p:cTn>
+                        </p:par>
+                      </p:childTnLst>
+                    </p:cTn>
+                  </p:par>
+                  <p:par>
+                    <p:cTn id="11" fill="hold">
+                      <p:stCondLst>
+                        <p:cond delay="indefinite"/>
+                      </p:stCondLst>
+                      <p:childTnLst>
+                        <p:par>
+                          <p:cTn id="12" fill="hold">
+                            <p:stCondLst>
+                              <p:cond delay="0"/>
+                            </p:stCondLst>
+                            <p:childTnLst>
+                              <p:par>
+                                <p:cTn id="13" presetID="1" presetClass="entr" presetSubtype="0" fill="hold" nodeType="clickEffect">
+                                  <p:stCondLst>
+                                    <p:cond delay="0"/>
+                                  </p:stCondLst>
+                                  <p:childTnLst>
+                                    <p:set>
+                                      <p:cBhvr>
+                                        <p:cTn id="14" dur="1" fill="hold">
+                                          <p:stCondLst>
+                                            <p:cond delay="0"/>
+                                          </p:stCondLst>
+                                        </p:cTn>
+                                        <p:tgtEl>
+                                          <p:spTgt spid="11"/>
+                                        </p:tgtEl>
+                                        <p:attrNameLst>
+                                          <p:attrName>style.visibility</p:attrName>
+                                        </p:attrNameLst>
+                                      </p:cBhvr>
+                                      <p:to>
+                                        <p:strVal val="visible"/>
+                                      </p:to>
+                                    </p:set>
+                                  </p:childTnLst>
+                                </p:cTn>
+                              </p:par>
+                            </p:childTnLst>
+                          </p:cTn>
+                        </p:par>
+                      </p:childTnLst>
+                    </p:cTn>
+                  </p:par>
+                  <p:par>
+                    <p:cTn id="15" fill="hold">
+                      <p:stCondLst>
+                        <p:cond delay="indefinite"/>
+                      </p:stCondLst>
+                      <p:childTnLst>
+                        <p:par>
+                          <p:cTn id="16" fill="hold">
+                            <p:stCondLst>
+                              <p:cond delay="0"/>
+                            </p:stCondLst>
+                            <p:childTnLst>
+                              <p:par>
+                                <p:cTn id="17" presetID="1" presetClass="entr" presetSubtype="0" fill="hold" nodeType="clickEffect">
+                                  <p:stCondLst>
+                                    <p:cond delay="0"/>
+                                  </p:stCondLst>
+                                  <p:childTnLst>
+                                    <p:set>
+                                      <p:cBhvr>
+                                        <p:cTn id="18" dur="1" fill="hold">
+                                          <p:stCondLst>
+                                            <p:cond delay="0"/>
+                                          </p:stCondLst>
+                                        </p:cTn>
+                                        <p:tgtEl>
+                                          <p:spTgt spid="3">
+                                            <p:txEl>
+                                              <p:pRg st="3" end="3"/>
+                                            </p:txEl>
+                                          </p:spTgt>
+                                        </p:tgtEl>
+                                        <p:attrNameLst>
+                                          <p:attrName>style.visibility</p:attrName>
+                                        </p:attrNameLst>
+                                      </p:cBhvr>
+                                      <p:to>
+                                        <p:strVal val="visible"/>
+                                      </p:to>
+                                    </p:set>
+                                  </p:childTnLst>
+                                </p:cTn>
+                              </p:par>
+                            </p:childTnLst>
+                          </p:cTn>
+                        </p:par>
+                      </p:childTnLst>
+                    </p:cTn>
+                  </p:par>
+                  <p:par>
+                    <p:cTn id="19" fill="hold">
+                      <p:stCondLst>
+                        <p:cond delay="indefinite"/>
+                      </p:stCondLst>
+                      <p:childTnLst>
+                        <p:par>
+                          <p:cTn id="20" fill="hold">
+                            <p:stCondLst>
+                              <p:cond delay="0"/>
+                            </p:stCondLst>
+                            <p:childTnLst>
+                              <p:par>
+                                <p:cTn id="21" presetID="1" presetClass="entr" presetSubtype="0" fill="hold" nodeType="clickEffect">
+                                  <p:stCondLst>
+                                    <p:cond delay="0"/>
+                                  </p:stCondLst>
+                                  <p:childTnLst>
+                                    <p:set>
+                                      <p:cBhvr>
+                                        <p:cTn id="22" dur="1" fill="hold">
+                                          <p:stCondLst>
+                                            <p:cond delay="0"/>
+                                          </p:stCondLst>
+                                        </p:cTn>
+                                        <p:tgtEl>
+                                          <p:spTgt spid="12"/>
+                                        </p:tgtEl>
+                                        <p:attrNameLst>
+                                          <p:attrName>style.visibility</p:attrName>
+                                        </p:attrNameLst>
+                                      </p:cBhvr>
+                                      <p:to>
+                                        <p:strVal val="visible"/>
+                                      </p:to>
+                                    </p:set>
+                                  </p:childTnLst>
+                                </p:cTn>
+                              </p:par>
+                            </p:childTnLst>
+                          </p:cTn>
+                        </p:par>
+                      </p:childTnLst>
+                    </p:cTn>
+                  </p:par>
+                  <p:par>
+                    <p:cTn id="23" fill="hold">
+                      <p:stCondLst>
+                        <p:cond delay="indefinite"/>
+                      </p:stCondLst>
+                      <p:childTnLst>
+                        <p:par>
+                          <p:cTn id="24" fill="hold">
+                            <p:stCondLst>
+                              <p:cond delay="0"/>
+                            </p:stCondLst>
+                            <p:childTnLst>
+                              <p:par>
+                                <p:cTn id="25" presetID="1" presetClass="entr" presetSubtype="0" fill="hold" nodeType="clickEffect">
+                                  <p:stCondLst>
+                                    <p:cond delay="0"/>
+                                  </p:stCondLst>
+                                  <p:childTnLst>
+                                    <p:set>
+                                      <p:cBhvr>
+                                        <p:cTn id="26" dur="1" fill="hold">
+                                          <p:stCondLst>
+                                            <p:cond delay="0"/>
+                                          </p:stCondLst>
+                                        </p:cTn>
+                                        <p:tgtEl>
+                                          <p:spTgt spid="3">
+                                            <p:txEl>
+                                              <p:pRg st="4" end="4"/>
+                                            </p:txEl>
+                                          </p:spTgt>
+                                        </p:tgtEl>
+                                        <p:attrNameLst>
+                                          <p:attrName>style.visibility</p:attrName>
+                                        </p:attrNameLst>
+                                      </p:cBhvr>
+                                      <p:to>
+                                        <p:strVal val="visible"/>
+                                      </p:to>
+                                    </p:set>
+                                  </p:childTnLst>
+                                </p:cTn>
+                              </p:par>
+                            </p:childTnLst>
+                          </p:cTn>
+                        </p:par>
+                      </p:childTnLst>
+                    </p:cTn>
+                  </p:par>
+                  <p:par>
+                    <p:cTn id="27" fill="hold">
+                      <p:stCondLst>
+                        <p:cond delay="indefinite"/>
+                      </p:stCondLst>
+                      <p:childTnLst>
+                        <p:par>
+                          <p:cTn id="28" fill="hold">
+                            <p:stCondLst>
+                              <p:cond delay="0"/>
+                            </p:stCondLst>
+                            <p:childTnLst>
+                              <p:par>
+                                <p:cTn id="29" presetID="1" presetClass="entr" presetSubtype="0" fill="hold" nodeType="clickEffect">
+                                  <p:stCondLst>
+                                    <p:cond delay="0"/>
+                                  </p:stCondLst>
+                                  <p:childTnLst>
+                                    <p:set>
+                                      <p:cBhvr>
+                                        <p:cTn id="30" dur="1" fill="hold">
+                                          <p:stCondLst>
+                                            <p:cond delay="0"/>
+                                          </p:stCondLst>
+                                        </p:cTn>
+                                        <p:tgtEl>
+                                          <p:spTgt spid="3">
+                                            <p:txEl>
+                                              <p:pRg st="5" end="5"/>
+                                            </p:txEl>
+                                          </p:spTgt>
+                                        </p:tgtEl>
+                                        <p:attrNameLst>
+                                          <p:attrName>style.visibility</p:attrName>
+                                        </p:attrNameLst>
+                                      </p:cBhvr>
+                                      <p:to>
+                                        <p:strVal val="visible"/>
+                                      </p:to>
+                                    </p:set>
+                                  </p:childTnLst>
+                                </p:cTn>
+                              </p:par>
+                            </p:childTnLst>
+                          </p:cTn>
+                        </p:par>
+                      </p:childTnLst>
+                    </p:cTn>
+                  </p:par>
+                </p:childTnLst>
+              </p:cTn>
+              <p:prevCondLst>
+                <p:cond evt="onPrev" delay="0">
+                  <p:tgtEl>
+                    <p:sldTgt/>
+                  </p:tgtEl>
+                </p:cond>
+              </p:prevCondLst>
+              <p:nextCondLst>
+                <p:cond evt="onNext" delay="0">
+                  <p:tgtEl>
+                    <p:sldTgt/>
+                  </p:tgtEl>
+                </p:cond>
+              </p:nextCondLst>
+            </p:seq>
+          </p:childTnLst>
+        </p:cTn>
+      </p:par>
+    </p:tnLst>
+  </p:timing>
+</p:sld>
+</file>
+
+<file path=ppt/slides/slide25.xml><?xml version="1.0" encoding="utf-8"?>
 <p:sld xmlns:a="http://schemas.openxmlformats.org/drawingml/2006/main" xmlns:r="http://schemas.openxmlformats.org/officeDocument/2006/relationships" xmlns:p="http://schemas.openxmlformats.org/presentationml/2006/main">
   <p:cSld>
     <p:spTree>
@@ -4677,7 +6799,7 @@
     </p:spTree>
     <p:extLst>
       <p:ext uri="{BB962C8B-B14F-4D97-AF65-F5344CB8AC3E}">
-        <p14:creationId xmlns:p14="http://schemas.microsoft.com/office/powerpoint/2010/main" val="2150991198"/>
+        <p14:creationId xmlns:p14="http://schemas.microsoft.com/office/powerpoint/2010/main" val="1428059576"/>
       </p:ext>
     </p:extLst>
   </p:cSld>
@@ -4687,7 +6809,7 @@
 </p:sld>
 </file>
 
-<file path=ppt/slides/slide23.xml><?xml version="1.0" encoding="utf-8"?>
+<file path=ppt/slides/slide26.xml><?xml version="1.0" encoding="utf-8"?>
 <p:sld xmlns:a="http://schemas.openxmlformats.org/drawingml/2006/main" xmlns:r="http://schemas.openxmlformats.org/officeDocument/2006/relationships" xmlns:p="http://schemas.openxmlformats.org/presentationml/2006/main">
   <p:cSld>
     <p:spTree>
@@ -4752,6 +6874,3942 @@
             <a:pPr lvl="1"/>
             <a:r>
               <a:rPr lang="en-US" sz="2000" dirty="0"/>
+              <a:t>Installs Node Package Manage (</a:t>
+            </a:r>
+            <a:r>
+              <a:rPr lang="en-US" sz="2000" dirty="0" err="1"/>
+              <a:t>npm</a:t>
+            </a:r>
+            <a:r>
+              <a:rPr lang="en-US" sz="2000" dirty="0"/>
+              <a:t>) </a:t>
+            </a:r>
+          </a:p>
+          <a:p>
+            <a:r>
+              <a:rPr lang="en-US" sz="2400" dirty="0"/>
+              <a:t>Install Power BI visuals CLI tool (</a:t>
+            </a:r>
+            <a:r>
+              <a:rPr lang="en-US" sz="2400" dirty="0" err="1"/>
+              <a:t>pbiviz</a:t>
+            </a:r>
+            <a:r>
+              <a:rPr lang="en-US" sz="2400" dirty="0"/>
+              <a:t>)</a:t>
+            </a:r>
+          </a:p>
+          <a:p>
+            <a:pPr lvl="1"/>
+            <a:r>
+              <a:rPr lang="en-US" sz="2000" dirty="0"/>
+              <a:t>Install using Node Package Manager (</a:t>
+            </a:r>
+            <a:r>
+              <a:rPr lang="en-US" sz="2000" dirty="0" err="1"/>
+              <a:t>npm</a:t>
+            </a:r>
+            <a:r>
+              <a:rPr lang="en-US" sz="2000" dirty="0"/>
+              <a:t>)</a:t>
+            </a:r>
+          </a:p>
+          <a:p>
+            <a:r>
+              <a:rPr lang="en-US" sz="2400" dirty="0"/>
+              <a:t>Install Local self-signed certificate</a:t>
+            </a:r>
+          </a:p>
+          <a:p>
+            <a:pPr lvl="1"/>
+            <a:r>
+              <a:rPr lang="en-US" sz="2000" dirty="0"/>
+              <a:t>Install using Power BI visuals CLI tool (</a:t>
+            </a:r>
+            <a:r>
+              <a:rPr lang="en-US" sz="2000" dirty="0" err="1"/>
+              <a:t>pbiviz</a:t>
+            </a:r>
+            <a:r>
+              <a:rPr lang="en-US" sz="2000" dirty="0"/>
+              <a:t>)</a:t>
+            </a:r>
+          </a:p>
+          <a:p>
+            <a:r>
+              <a:rPr lang="en-US" sz="2400" dirty="0"/>
+              <a:t>Install Visual Studio Code</a:t>
+            </a:r>
+          </a:p>
+          <a:p>
+            <a:pPr lvl="1"/>
+            <a:r>
+              <a:rPr lang="en-US" sz="2000" dirty="0"/>
+              <a:t>Lightweight Alternative to Visual Studio for Node.js Development</a:t>
+            </a:r>
+          </a:p>
+          <a:p>
+            <a:pPr lvl="1"/>
+            <a:endParaRPr lang="en-US" sz="2000" dirty="0"/>
+          </a:p>
+        </p:txBody>
+      </p:sp>
+    </p:spTree>
+    <p:extLst>
+      <p:ext uri="{BB962C8B-B14F-4D97-AF65-F5344CB8AC3E}">
+        <p14:creationId xmlns:p14="http://schemas.microsoft.com/office/powerpoint/2010/main" val="1625447595"/>
+      </p:ext>
+    </p:extLst>
+  </p:cSld>
+  <p:clrMapOvr>
+    <a:masterClrMapping/>
+  </p:clrMapOvr>
+</p:sld>
+</file>
+
+<file path=ppt/slides/slide27.xml><?xml version="1.0" encoding="utf-8"?>
+<p:sld xmlns:a="http://schemas.openxmlformats.org/drawingml/2006/main" xmlns:r="http://schemas.openxmlformats.org/officeDocument/2006/relationships" xmlns:p="http://schemas.openxmlformats.org/presentationml/2006/main">
+  <p:cSld>
+    <p:spTree>
+      <p:nvGrpSpPr>
+        <p:cNvPr id="1" name=""/>
+        <p:cNvGrpSpPr/>
+        <p:nvPr/>
+      </p:nvGrpSpPr>
+      <p:grpSpPr>
+        <a:xfrm>
+          <a:off x="0" y="0"/>
+          <a:ext cx="0" cy="0"/>
+          <a:chOff x="0" y="0"/>
+          <a:chExt cx="0" cy="0"/>
+        </a:xfrm>
+      </p:grpSpPr>
+      <p:sp>
+        <p:nvSpPr>
+          <p:cNvPr id="2" name="Title 1"/>
+          <p:cNvSpPr>
+            <a:spLocks noGrp="1"/>
+          </p:cNvSpPr>
+          <p:nvPr>
+            <p:ph type="title"/>
+          </p:nvPr>
+        </p:nvSpPr>
+        <p:spPr/>
+        <p:txBody>
+          <a:bodyPr/>
+          <a:lstStyle/>
+          <a:p>
+            <a:r>
+              <a:rPr lang="en-US" dirty="0"/>
+              <a:t>Installing node.js</a:t>
+            </a:r>
+          </a:p>
+        </p:txBody>
+      </p:sp>
+      <p:sp>
+        <p:nvSpPr>
+          <p:cNvPr id="3" name="Content Placeholder 2"/>
+          <p:cNvSpPr>
+            <a:spLocks noGrp="1"/>
+          </p:cNvSpPr>
+          <p:nvPr>
+            <p:ph idx="1"/>
+          </p:nvPr>
+        </p:nvSpPr>
+        <p:spPr/>
+        <p:txBody>
+          <a:bodyPr/>
+          <a:lstStyle/>
+          <a:p>
+            <a:r>
+              <a:rPr lang="en-US" dirty="0">
+                <a:hlinkClick r:id="rId2"/>
+              </a:rPr>
+              <a:t>https://nodejs.org/en/download/</a:t>
+            </a:r>
+            <a:endParaRPr lang="en-US" dirty="0"/>
+          </a:p>
+          <a:p>
+            <a:endParaRPr lang="en-US" dirty="0"/>
+          </a:p>
+        </p:txBody>
+      </p:sp>
+      <p:pic>
+        <p:nvPicPr>
+          <p:cNvPr id="4" name="Picture 3"/>
+          <p:cNvPicPr>
+            <a:picLocks noChangeAspect="1"/>
+          </p:cNvPicPr>
+          <p:nvPr/>
+        </p:nvPicPr>
+        <p:blipFill>
+          <a:blip r:embed="rId3"/>
+          <a:stretch>
+            <a:fillRect/>
+          </a:stretch>
+        </p:blipFill>
+        <p:spPr>
+          <a:xfrm>
+            <a:off x="810903" y="2105944"/>
+            <a:ext cx="6522771" cy="4371056"/>
+          </a:xfrm>
+          <a:prstGeom prst="rect">
+            <a:avLst/>
+          </a:prstGeom>
+          <a:ln>
+            <a:solidFill>
+              <a:schemeClr val="tx1"/>
+            </a:solidFill>
+          </a:ln>
+        </p:spPr>
+      </p:pic>
+      <p:pic>
+        <p:nvPicPr>
+          <p:cNvPr id="5" name="Picture 4"/>
+          <p:cNvPicPr>
+            <a:picLocks noChangeAspect="1"/>
+          </p:cNvPicPr>
+          <p:nvPr/>
+        </p:nvPicPr>
+        <p:blipFill>
+          <a:blip r:embed="rId4"/>
+          <a:stretch>
+            <a:fillRect/>
+          </a:stretch>
+        </p:blipFill>
+        <p:spPr>
+          <a:xfrm>
+            <a:off x="3997065" y="2896138"/>
+            <a:ext cx="3538790" cy="2766690"/>
+          </a:xfrm>
+          <a:prstGeom prst="rect">
+            <a:avLst/>
+          </a:prstGeom>
+        </p:spPr>
+      </p:pic>
+      <p:pic>
+        <p:nvPicPr>
+          <p:cNvPr id="6" name="Picture 5"/>
+          <p:cNvPicPr>
+            <a:picLocks noChangeAspect="1"/>
+          </p:cNvPicPr>
+          <p:nvPr/>
+        </p:nvPicPr>
+        <p:blipFill>
+          <a:blip r:embed="rId5"/>
+          <a:stretch>
+            <a:fillRect/>
+          </a:stretch>
+        </p:blipFill>
+        <p:spPr>
+          <a:xfrm>
+            <a:off x="4521700" y="3380456"/>
+            <a:ext cx="3538790" cy="2766690"/>
+          </a:xfrm>
+          <a:prstGeom prst="rect">
+            <a:avLst/>
+          </a:prstGeom>
+        </p:spPr>
+      </p:pic>
+      <p:pic>
+        <p:nvPicPr>
+          <p:cNvPr id="8" name="Picture 7"/>
+          <p:cNvPicPr>
+            <a:picLocks noChangeAspect="1"/>
+          </p:cNvPicPr>
+          <p:nvPr/>
+        </p:nvPicPr>
+        <p:blipFill>
+          <a:blip r:embed="rId6"/>
+          <a:stretch>
+            <a:fillRect/>
+          </a:stretch>
+        </p:blipFill>
+        <p:spPr>
+          <a:xfrm>
+            <a:off x="5114729" y="3885855"/>
+            <a:ext cx="3538790" cy="2766690"/>
+          </a:xfrm>
+          <a:prstGeom prst="rect">
+            <a:avLst/>
+          </a:prstGeom>
+        </p:spPr>
+      </p:pic>
+    </p:spTree>
+    <p:extLst>
+      <p:ext uri="{BB962C8B-B14F-4D97-AF65-F5344CB8AC3E}">
+        <p14:creationId xmlns:p14="http://schemas.microsoft.com/office/powerpoint/2010/main" val="424427947"/>
+      </p:ext>
+    </p:extLst>
+  </p:cSld>
+  <p:clrMapOvr>
+    <a:masterClrMapping/>
+  </p:clrMapOvr>
+  <p:timing>
+    <p:tnLst>
+      <p:par>
+        <p:cTn id="1" dur="indefinite" restart="never" nodeType="tmRoot">
+          <p:childTnLst>
+            <p:seq concurrent="1" nextAc="seek">
+              <p:cTn id="2" dur="indefinite" nodeType="mainSeq">
+                <p:childTnLst>
+                  <p:par>
+                    <p:cTn id="3" fill="hold">
+                      <p:stCondLst>
+                        <p:cond delay="indefinite"/>
+                      </p:stCondLst>
+                      <p:childTnLst>
+                        <p:par>
+                          <p:cTn id="4" fill="hold">
+                            <p:stCondLst>
+                              <p:cond delay="0"/>
+                            </p:stCondLst>
+                            <p:childTnLst>
+                              <p:par>
+                                <p:cTn id="5" presetID="1" presetClass="entr" presetSubtype="0" fill="hold" nodeType="clickEffect">
+                                  <p:stCondLst>
+                                    <p:cond delay="0"/>
+                                  </p:stCondLst>
+                                  <p:childTnLst>
+                                    <p:set>
+                                      <p:cBhvr>
+                                        <p:cTn id="6" dur="1" fill="hold">
+                                          <p:stCondLst>
+                                            <p:cond delay="0"/>
+                                          </p:stCondLst>
+                                        </p:cTn>
+                                        <p:tgtEl>
+                                          <p:spTgt spid="5"/>
+                                        </p:tgtEl>
+                                        <p:attrNameLst>
+                                          <p:attrName>style.visibility</p:attrName>
+                                        </p:attrNameLst>
+                                      </p:cBhvr>
+                                      <p:to>
+                                        <p:strVal val="visible"/>
+                                      </p:to>
+                                    </p:set>
+                                  </p:childTnLst>
+                                </p:cTn>
+                              </p:par>
+                            </p:childTnLst>
+                          </p:cTn>
+                        </p:par>
+                      </p:childTnLst>
+                    </p:cTn>
+                  </p:par>
+                  <p:par>
+                    <p:cTn id="7" fill="hold">
+                      <p:stCondLst>
+                        <p:cond delay="indefinite"/>
+                      </p:stCondLst>
+                      <p:childTnLst>
+                        <p:par>
+                          <p:cTn id="8" fill="hold">
+                            <p:stCondLst>
+                              <p:cond delay="0"/>
+                            </p:stCondLst>
+                            <p:childTnLst>
+                              <p:par>
+                                <p:cTn id="9" presetID="1" presetClass="entr" presetSubtype="0" fill="hold" nodeType="clickEffect">
+                                  <p:stCondLst>
+                                    <p:cond delay="0"/>
+                                  </p:stCondLst>
+                                  <p:childTnLst>
+                                    <p:set>
+                                      <p:cBhvr>
+                                        <p:cTn id="10" dur="1" fill="hold">
+                                          <p:stCondLst>
+                                            <p:cond delay="0"/>
+                                          </p:stCondLst>
+                                        </p:cTn>
+                                        <p:tgtEl>
+                                          <p:spTgt spid="6"/>
+                                        </p:tgtEl>
+                                        <p:attrNameLst>
+                                          <p:attrName>style.visibility</p:attrName>
+                                        </p:attrNameLst>
+                                      </p:cBhvr>
+                                      <p:to>
+                                        <p:strVal val="visible"/>
+                                      </p:to>
+                                    </p:set>
+                                  </p:childTnLst>
+                                </p:cTn>
+                              </p:par>
+                            </p:childTnLst>
+                          </p:cTn>
+                        </p:par>
+                      </p:childTnLst>
+                    </p:cTn>
+                  </p:par>
+                  <p:par>
+                    <p:cTn id="11" fill="hold">
+                      <p:stCondLst>
+                        <p:cond delay="indefinite"/>
+                      </p:stCondLst>
+                      <p:childTnLst>
+                        <p:par>
+                          <p:cTn id="12" fill="hold">
+                            <p:stCondLst>
+                              <p:cond delay="0"/>
+                            </p:stCondLst>
+                            <p:childTnLst>
+                              <p:par>
+                                <p:cTn id="13" presetID="1" presetClass="entr" presetSubtype="0" fill="hold" nodeType="clickEffect">
+                                  <p:stCondLst>
+                                    <p:cond delay="0"/>
+                                  </p:stCondLst>
+                                  <p:childTnLst>
+                                    <p:set>
+                                      <p:cBhvr>
+                                        <p:cTn id="14" dur="1" fill="hold">
+                                          <p:stCondLst>
+                                            <p:cond delay="0"/>
+                                          </p:stCondLst>
+                                        </p:cTn>
+                                        <p:tgtEl>
+                                          <p:spTgt spid="8"/>
+                                        </p:tgtEl>
+                                        <p:attrNameLst>
+                                          <p:attrName>style.visibility</p:attrName>
+                                        </p:attrNameLst>
+                                      </p:cBhvr>
+                                      <p:to>
+                                        <p:strVal val="visible"/>
+                                      </p:to>
+                                    </p:set>
+                                  </p:childTnLst>
+                                </p:cTn>
+                              </p:par>
+                            </p:childTnLst>
+                          </p:cTn>
+                        </p:par>
+                      </p:childTnLst>
+                    </p:cTn>
+                  </p:par>
+                </p:childTnLst>
+              </p:cTn>
+              <p:prevCondLst>
+                <p:cond evt="onPrev" delay="0">
+                  <p:tgtEl>
+                    <p:sldTgt/>
+                  </p:tgtEl>
+                </p:cond>
+              </p:prevCondLst>
+              <p:nextCondLst>
+                <p:cond evt="onNext" delay="0">
+                  <p:tgtEl>
+                    <p:sldTgt/>
+                  </p:tgtEl>
+                </p:cond>
+              </p:nextCondLst>
+            </p:seq>
+          </p:childTnLst>
+        </p:cTn>
+      </p:par>
+    </p:tnLst>
+  </p:timing>
+</p:sld>
+</file>
+
+<file path=ppt/slides/slide28.xml><?xml version="1.0" encoding="utf-8"?>
+<p:sld xmlns:a="http://schemas.openxmlformats.org/drawingml/2006/main" xmlns:r="http://schemas.openxmlformats.org/officeDocument/2006/relationships" xmlns:p="http://schemas.openxmlformats.org/presentationml/2006/main">
+  <p:cSld>
+    <p:spTree>
+      <p:nvGrpSpPr>
+        <p:cNvPr id="1" name=""/>
+        <p:cNvGrpSpPr/>
+        <p:nvPr/>
+      </p:nvGrpSpPr>
+      <p:grpSpPr>
+        <a:xfrm>
+          <a:off x="0" y="0"/>
+          <a:ext cx="0" cy="0"/>
+          <a:chOff x="0" y="0"/>
+          <a:chExt cx="0" cy="0"/>
+        </a:xfrm>
+      </p:grpSpPr>
+      <p:sp>
+        <p:nvSpPr>
+          <p:cNvPr id="46082" name="Title 1"/>
+          <p:cNvSpPr>
+            <a:spLocks noGrp="1"/>
+          </p:cNvSpPr>
+          <p:nvPr>
+            <p:ph type="title"/>
+          </p:nvPr>
+        </p:nvSpPr>
+        <p:spPr/>
+        <p:txBody>
+          <a:bodyPr/>
+          <a:lstStyle/>
+          <a:p>
+            <a:r>
+              <a:rPr lang="en-US" altLang="en-US" dirty="0"/>
+              <a:t>Power BI Visual CLI Tool (PBIVIZ)</a:t>
+            </a:r>
+          </a:p>
+        </p:txBody>
+      </p:sp>
+      <p:sp>
+        <p:nvSpPr>
+          <p:cNvPr id="2" name="Content Placeholder 1"/>
+          <p:cNvSpPr>
+            <a:spLocks noGrp="1"/>
+          </p:cNvSpPr>
+          <p:nvPr>
+            <p:ph idx="1"/>
+          </p:nvPr>
+        </p:nvSpPr>
+        <p:spPr/>
+        <p:txBody>
+          <a:bodyPr>
+            <a:normAutofit/>
+          </a:bodyPr>
+          <a:lstStyle/>
+          <a:p>
+            <a:r>
+              <a:rPr lang="en-US" sz="2400" dirty="0"/>
+              <a:t>What is the Power BI Custom Visual Tool?</a:t>
+            </a:r>
+          </a:p>
+          <a:p>
+            <a:pPr lvl="1"/>
+            <a:r>
+              <a:rPr lang="en-US" sz="2000" dirty="0"/>
+              <a:t>Command-line utility for cross-platform dev</a:t>
+            </a:r>
+          </a:p>
+          <a:p>
+            <a:pPr lvl="1"/>
+            <a:r>
+              <a:rPr lang="en-US" sz="2000" dirty="0"/>
+              <a:t>Use it with Visual Studio or Visual Studio Code</a:t>
+            </a:r>
+          </a:p>
+          <a:p>
+            <a:pPr lvl="1"/>
+            <a:r>
+              <a:rPr lang="en-US" sz="2000" dirty="0"/>
+              <a:t>Requires that you first install node.js</a:t>
+            </a:r>
+          </a:p>
+          <a:p>
+            <a:pPr lvl="1"/>
+            <a:r>
+              <a:rPr lang="en-US" sz="2000" dirty="0"/>
+              <a:t>Install by running command from node.js command prompt</a:t>
+            </a:r>
+          </a:p>
+          <a:p>
+            <a:pPr marL="679450" lvl="2" indent="0">
+              <a:buNone/>
+            </a:pPr>
+            <a:r>
+              <a:rPr lang="en-US" sz="1600" b="1" dirty="0" err="1">
+                <a:solidFill>
+                  <a:schemeClr val="accent1">
+                    <a:lumMod val="50000"/>
+                  </a:schemeClr>
+                </a:solidFill>
+                <a:latin typeface="Lucida Console" panose="020B0609040504020204" pitchFamily="49" charset="0"/>
+              </a:rPr>
+              <a:t>npm</a:t>
+            </a:r>
+            <a:r>
+              <a:rPr lang="en-US" sz="1600" b="1" dirty="0">
+                <a:solidFill>
+                  <a:schemeClr val="accent1">
+                    <a:lumMod val="50000"/>
+                  </a:schemeClr>
+                </a:solidFill>
+                <a:latin typeface="Lucida Console" panose="020B0609040504020204" pitchFamily="49" charset="0"/>
+              </a:rPr>
+              <a:t> install -g </a:t>
+            </a:r>
+            <a:r>
+              <a:rPr lang="en-US" sz="1600" b="1" dirty="0" err="1">
+                <a:solidFill>
+                  <a:schemeClr val="accent1">
+                    <a:lumMod val="50000"/>
+                  </a:schemeClr>
+                </a:solidFill>
+                <a:latin typeface="Lucida Console" panose="020B0609040504020204" pitchFamily="49" charset="0"/>
+              </a:rPr>
+              <a:t>powerbi</a:t>
+            </a:r>
+            <a:r>
+              <a:rPr lang="en-US" sz="1600" b="1" dirty="0">
+                <a:solidFill>
+                  <a:schemeClr val="accent1">
+                    <a:lumMod val="50000"/>
+                  </a:schemeClr>
+                </a:solidFill>
+                <a:latin typeface="Lucida Console" panose="020B0609040504020204" pitchFamily="49" charset="0"/>
+              </a:rPr>
+              <a:t>-visuals-tools</a:t>
+            </a:r>
+            <a:endParaRPr lang="en-US" sz="1800" b="1" dirty="0">
+              <a:solidFill>
+                <a:schemeClr val="accent1">
+                  <a:lumMod val="50000"/>
+                </a:schemeClr>
+              </a:solidFill>
+              <a:latin typeface="Lucida Console" panose="020B0609040504020204" pitchFamily="49" charset="0"/>
+            </a:endParaRPr>
+          </a:p>
+        </p:txBody>
+      </p:sp>
+      <p:pic>
+        <p:nvPicPr>
+          <p:cNvPr id="3" name="Picture 2"/>
+          <p:cNvPicPr>
+            <a:picLocks noChangeAspect="1"/>
+          </p:cNvPicPr>
+          <p:nvPr/>
+        </p:nvPicPr>
+        <p:blipFill rotWithShape="1">
+          <a:blip r:embed="rId2"/>
+          <a:srcRect r="31205" b="56250"/>
+          <a:stretch/>
+        </p:blipFill>
+        <p:spPr>
+          <a:xfrm>
+            <a:off x="1104900" y="3886200"/>
+            <a:ext cx="6934200" cy="2306252"/>
+          </a:xfrm>
+          <a:prstGeom prst="rect">
+            <a:avLst/>
+          </a:prstGeom>
+        </p:spPr>
+      </p:pic>
+    </p:spTree>
+    <p:extLst>
+      <p:ext uri="{BB962C8B-B14F-4D97-AF65-F5344CB8AC3E}">
+        <p14:creationId xmlns:p14="http://schemas.microsoft.com/office/powerpoint/2010/main" val="720742041"/>
+      </p:ext>
+    </p:extLst>
+  </p:cSld>
+  <p:clrMapOvr>
+    <a:masterClrMapping/>
+  </p:clrMapOvr>
+</p:sld>
+</file>
+
+<file path=ppt/slides/slide29.xml><?xml version="1.0" encoding="utf-8"?>
+<p:sld xmlns:a="http://schemas.openxmlformats.org/drawingml/2006/main" xmlns:r="http://schemas.openxmlformats.org/officeDocument/2006/relationships" xmlns:p="http://schemas.openxmlformats.org/presentationml/2006/main">
+  <p:cSld>
+    <p:spTree>
+      <p:nvGrpSpPr>
+        <p:cNvPr id="1" name=""/>
+        <p:cNvGrpSpPr/>
+        <p:nvPr/>
+      </p:nvGrpSpPr>
+      <p:grpSpPr>
+        <a:xfrm>
+          <a:off x="0" y="0"/>
+          <a:ext cx="0" cy="0"/>
+          <a:chOff x="0" y="0"/>
+          <a:chExt cx="0" cy="0"/>
+        </a:xfrm>
+      </p:grpSpPr>
+      <p:sp>
+        <p:nvSpPr>
+          <p:cNvPr id="47106" name="Title 1"/>
+          <p:cNvSpPr>
+            <a:spLocks noGrp="1"/>
+          </p:cNvSpPr>
+          <p:nvPr>
+            <p:ph type="title"/>
+          </p:nvPr>
+        </p:nvSpPr>
+        <p:spPr/>
+        <p:txBody>
+          <a:bodyPr/>
+          <a:lstStyle/>
+          <a:p>
+            <a:r>
+              <a:rPr lang="en-US" altLang="en-US"/>
+              <a:t>Getting Started with PBIVIZ</a:t>
+            </a:r>
+          </a:p>
+        </p:txBody>
+      </p:sp>
+      <p:pic>
+        <p:nvPicPr>
+          <p:cNvPr id="47108" name="Picture 2"/>
+          <p:cNvPicPr>
+            <a:picLocks noChangeAspect="1"/>
+          </p:cNvPicPr>
+          <p:nvPr/>
+        </p:nvPicPr>
+        <p:blipFill>
+          <a:blip r:embed="rId2">
+            <a:extLst>
+              <a:ext uri="{28A0092B-C50C-407E-A947-70E740481C1C}">
+                <a14:useLocalDpi xmlns:a14="http://schemas.microsoft.com/office/drawing/2010/main" val="0"/>
+              </a:ext>
+            </a:extLst>
+          </a:blip>
+          <a:srcRect/>
+          <a:stretch>
+            <a:fillRect/>
+          </a:stretch>
+        </p:blipFill>
+        <p:spPr bwMode="auto">
+          <a:xfrm>
+            <a:off x="228600" y="1371600"/>
+            <a:ext cx="8783638" cy="3509963"/>
+          </a:xfrm>
+          <a:prstGeom prst="rect">
+            <a:avLst/>
+          </a:prstGeom>
+          <a:noFill/>
+          <a:ln>
+            <a:noFill/>
+          </a:ln>
+          <a:extLst>
+            <a:ext uri="{909E8E84-426E-40DD-AFC4-6F175D3DCCD1}">
+              <a14:hiddenFill xmlns:a14="http://schemas.microsoft.com/office/drawing/2010/main">
+                <a:solidFill>
+                  <a:srgbClr val="FFFFFF"/>
+                </a:solidFill>
+              </a14:hiddenFill>
+            </a:ext>
+            <a:ext uri="{91240B29-F687-4F45-9708-019B960494DF}">
+              <a14:hiddenLine xmlns:a14="http://schemas.microsoft.com/office/drawing/2010/main" w="9525">
+                <a:solidFill>
+                  <a:srgbClr val="000000"/>
+                </a:solidFill>
+                <a:miter lim="800000"/>
+                <a:headEnd/>
+                <a:tailEnd/>
+              </a14:hiddenLine>
+            </a:ext>
+          </a:extLst>
+        </p:spPr>
+      </p:pic>
+    </p:spTree>
+    <p:extLst>
+      <p:ext uri="{BB962C8B-B14F-4D97-AF65-F5344CB8AC3E}">
+        <p14:creationId xmlns:p14="http://schemas.microsoft.com/office/powerpoint/2010/main" val="3540277610"/>
+      </p:ext>
+    </p:extLst>
+  </p:cSld>
+  <p:clrMapOvr>
+    <a:masterClrMapping/>
+  </p:clrMapOvr>
+</p:sld>
+</file>
+
+<file path=ppt/slides/slide3.xml><?xml version="1.0" encoding="utf-8"?>
+<p:sld xmlns:a="http://schemas.openxmlformats.org/drawingml/2006/main" xmlns:r="http://schemas.openxmlformats.org/officeDocument/2006/relationships" xmlns:p="http://schemas.openxmlformats.org/presentationml/2006/main">
+  <p:cSld>
+    <p:spTree>
+      <p:nvGrpSpPr>
+        <p:cNvPr id="1" name=""/>
+        <p:cNvGrpSpPr/>
+        <p:nvPr/>
+      </p:nvGrpSpPr>
+      <p:grpSpPr>
+        <a:xfrm>
+          <a:off x="0" y="0"/>
+          <a:ext cx="0" cy="0"/>
+          <a:chOff x="0" y="0"/>
+          <a:chExt cx="0" cy="0"/>
+        </a:xfrm>
+      </p:grpSpPr>
+      <p:sp>
+        <p:nvSpPr>
+          <p:cNvPr id="2" name="Title 1"/>
+          <p:cNvSpPr>
+            <a:spLocks noGrp="1"/>
+          </p:cNvSpPr>
+          <p:nvPr>
+            <p:ph type="title"/>
+          </p:nvPr>
+        </p:nvSpPr>
+        <p:spPr/>
+        <p:txBody>
+          <a:bodyPr/>
+          <a:lstStyle/>
+          <a:p>
+            <a:r>
+              <a:rPr lang="en-US" dirty="0"/>
+              <a:t>Agenda</a:t>
+            </a:r>
+          </a:p>
+        </p:txBody>
+      </p:sp>
+      <p:sp>
+        <p:nvSpPr>
+          <p:cNvPr id="3" name="Content Placeholder 2"/>
+          <p:cNvSpPr>
+            <a:spLocks noGrp="1"/>
+          </p:cNvSpPr>
+          <p:nvPr>
+            <p:ph idx="1"/>
+          </p:nvPr>
+        </p:nvSpPr>
+        <p:spPr/>
+        <p:txBody>
+          <a:bodyPr>
+            <a:normAutofit/>
+          </a:bodyPr>
+          <a:lstStyle/>
+          <a:p>
+            <a:r>
+              <a:rPr lang="en-US" dirty="0"/>
+              <a:t>Introduction to Custom Visuals in Power BI</a:t>
+            </a:r>
+          </a:p>
+          <a:p>
+            <a:r>
+              <a:rPr lang="en-US" dirty="0"/>
+              <a:t>Programming in Typescript</a:t>
+            </a:r>
+          </a:p>
+          <a:p>
+            <a:r>
+              <a:rPr lang="en-US" dirty="0"/>
+              <a:t>Programming with the D3 Library</a:t>
+            </a:r>
+          </a:p>
+          <a:p>
+            <a:r>
+              <a:rPr lang="en-US" dirty="0"/>
+              <a:t>Getting Started with the PBIVIZ Utility</a:t>
+            </a:r>
+          </a:p>
+          <a:p>
+            <a:r>
+              <a:rPr lang="en-US" dirty="0"/>
+              <a:t>Designing and Implementing Custom Visuals</a:t>
+            </a:r>
+          </a:p>
+          <a:p>
+            <a:r>
+              <a:rPr lang="en-US" dirty="0"/>
+              <a:t>Packaging and Distribution Custom Visuals</a:t>
+            </a:r>
+          </a:p>
+          <a:p>
+            <a:endParaRPr lang="en-US" dirty="0"/>
+          </a:p>
+        </p:txBody>
+      </p:sp>
+    </p:spTree>
+    <p:extLst>
+      <p:ext uri="{BB962C8B-B14F-4D97-AF65-F5344CB8AC3E}">
+        <p14:creationId xmlns:p14="http://schemas.microsoft.com/office/powerpoint/2010/main" val="1577676335"/>
+      </p:ext>
+    </p:extLst>
+  </p:cSld>
+  <p:clrMapOvr>
+    <a:masterClrMapping/>
+  </p:clrMapOvr>
+</p:sld>
+</file>
+
+<file path=ppt/slides/slide30.xml><?xml version="1.0" encoding="utf-8"?>
+<p:sld xmlns:a="http://schemas.openxmlformats.org/drawingml/2006/main" xmlns:r="http://schemas.openxmlformats.org/officeDocument/2006/relationships" xmlns:p="http://schemas.openxmlformats.org/presentationml/2006/main">
+  <p:cSld>
+    <p:spTree>
+      <p:nvGrpSpPr>
+        <p:cNvPr id="1" name=""/>
+        <p:cNvGrpSpPr/>
+        <p:nvPr/>
+      </p:nvGrpSpPr>
+      <p:grpSpPr>
+        <a:xfrm>
+          <a:off x="0" y="0"/>
+          <a:ext cx="0" cy="0"/>
+          <a:chOff x="0" y="0"/>
+          <a:chExt cx="0" cy="0"/>
+        </a:xfrm>
+      </p:grpSpPr>
+      <p:sp>
+        <p:nvSpPr>
+          <p:cNvPr id="2" name="Title 1"/>
+          <p:cNvSpPr>
+            <a:spLocks noGrp="1"/>
+          </p:cNvSpPr>
+          <p:nvPr>
+            <p:ph type="title"/>
+          </p:nvPr>
+        </p:nvSpPr>
+        <p:spPr/>
+        <p:txBody>
+          <a:bodyPr/>
+          <a:lstStyle/>
+          <a:p>
+            <a:r>
+              <a:rPr lang="en-US" dirty="0"/>
+              <a:t>Installing the Developer Certificate</a:t>
+            </a:r>
+          </a:p>
+        </p:txBody>
+      </p:sp>
+      <p:sp>
+        <p:nvSpPr>
+          <p:cNvPr id="3" name="Content Placeholder 2"/>
+          <p:cNvSpPr>
+            <a:spLocks noGrp="1"/>
+          </p:cNvSpPr>
+          <p:nvPr>
+            <p:ph idx="1"/>
+          </p:nvPr>
+        </p:nvSpPr>
+        <p:spPr/>
+        <p:txBody>
+          <a:bodyPr>
+            <a:normAutofit/>
+          </a:bodyPr>
+          <a:lstStyle/>
+          <a:p>
+            <a:r>
+              <a:rPr lang="en-US" sz="2400" dirty="0"/>
+              <a:t>Debugging visuals inside PowerBI.com requires SSL</a:t>
+            </a:r>
+          </a:p>
+          <a:p>
+            <a:pPr lvl="1"/>
+            <a:r>
+              <a:rPr lang="en-US" sz="2000" dirty="0"/>
+              <a:t>PBIVIZ leverages Node.js to provide debugging experience</a:t>
+            </a:r>
+          </a:p>
+          <a:p>
+            <a:pPr lvl="1"/>
+            <a:r>
+              <a:rPr lang="en-US" sz="2000" dirty="0"/>
+              <a:t>Node.js acts as web service to serve project files through HTTP</a:t>
+            </a:r>
+          </a:p>
+          <a:p>
+            <a:pPr lvl="1"/>
+            <a:r>
+              <a:rPr lang="en-US" sz="2000" dirty="0"/>
+              <a:t>Node.js debugging session uses </a:t>
+            </a:r>
+            <a:r>
+              <a:rPr lang="en-US" sz="2000" dirty="0">
+                <a:hlinkClick r:id="rId2"/>
+              </a:rPr>
+              <a:t>http://localhost</a:t>
+            </a:r>
+            <a:r>
+              <a:rPr lang="en-US" sz="2000" dirty="0"/>
+              <a:t> address</a:t>
+            </a:r>
+          </a:p>
+          <a:p>
+            <a:pPr lvl="1"/>
+            <a:r>
+              <a:rPr lang="en-US" sz="2000" dirty="0"/>
+              <a:t>Installing certificate enables SSL through </a:t>
+            </a:r>
+            <a:r>
+              <a:rPr lang="en-US" sz="2000" dirty="0">
+                <a:hlinkClick r:id="rId3"/>
+              </a:rPr>
+              <a:t>https://localhost</a:t>
+            </a:r>
+            <a:endParaRPr lang="en-US" sz="2000" dirty="0"/>
+          </a:p>
+          <a:p>
+            <a:pPr lvl="1"/>
+            <a:r>
+              <a:rPr lang="en-US" sz="2000" dirty="0"/>
+              <a:t>Installing certificate is a one time operation – not once per project</a:t>
+            </a:r>
+          </a:p>
+          <a:p>
+            <a:pPr lvl="1"/>
+            <a:endParaRPr lang="en-US" sz="2000" dirty="0"/>
+          </a:p>
+        </p:txBody>
+      </p:sp>
+      <p:pic>
+        <p:nvPicPr>
+          <p:cNvPr id="4" name="Picture 3"/>
+          <p:cNvPicPr/>
+          <p:nvPr/>
+        </p:nvPicPr>
+        <p:blipFill>
+          <a:blip r:embed="rId4">
+            <a:extLst>
+              <a:ext uri="{28A0092B-C50C-407E-A947-70E740481C1C}">
+                <a14:useLocalDpi xmlns:a14="http://schemas.microsoft.com/office/drawing/2010/main" val="0"/>
+              </a:ext>
+            </a:extLst>
+          </a:blip>
+          <a:srcRect/>
+          <a:stretch>
+            <a:fillRect/>
+          </a:stretch>
+        </p:blipFill>
+        <p:spPr bwMode="auto">
+          <a:xfrm>
+            <a:off x="394855" y="4437619"/>
+            <a:ext cx="4302125" cy="750570"/>
+          </a:xfrm>
+          <a:prstGeom prst="rect">
+            <a:avLst/>
+          </a:prstGeom>
+          <a:noFill/>
+          <a:ln>
+            <a:solidFill>
+              <a:schemeClr val="tx1">
+                <a:lumMod val="50000"/>
+                <a:lumOff val="50000"/>
+              </a:schemeClr>
+            </a:solidFill>
+          </a:ln>
+        </p:spPr>
+      </p:pic>
+      <p:pic>
+        <p:nvPicPr>
+          <p:cNvPr id="5" name="Picture 4"/>
+          <p:cNvPicPr/>
+          <p:nvPr/>
+        </p:nvPicPr>
+        <p:blipFill>
+          <a:blip r:embed="rId5" cstate="print">
+            <a:extLst>
+              <a:ext uri="{28A0092B-C50C-407E-A947-70E740481C1C}">
+                <a14:useLocalDpi xmlns:a14="http://schemas.microsoft.com/office/drawing/2010/main" val="0"/>
+              </a:ext>
+            </a:extLst>
+          </a:blip>
+          <a:srcRect/>
+          <a:stretch>
+            <a:fillRect/>
+          </a:stretch>
+        </p:blipFill>
+        <p:spPr bwMode="auto">
+          <a:xfrm>
+            <a:off x="3301128" y="3864306"/>
+            <a:ext cx="1956800" cy="2489454"/>
+          </a:xfrm>
+          <a:prstGeom prst="rect">
+            <a:avLst/>
+          </a:prstGeom>
+          <a:noFill/>
+          <a:ln>
+            <a:noFill/>
+          </a:ln>
+        </p:spPr>
+      </p:pic>
+      <p:pic>
+        <p:nvPicPr>
+          <p:cNvPr id="6" name="Picture 5"/>
+          <p:cNvPicPr/>
+          <p:nvPr/>
+        </p:nvPicPr>
+        <p:blipFill>
+          <a:blip r:embed="rId6"/>
+          <a:stretch>
+            <a:fillRect/>
+          </a:stretch>
+        </p:blipFill>
+        <p:spPr>
+          <a:xfrm>
+            <a:off x="5427591" y="4098136"/>
+            <a:ext cx="2043850" cy="1916141"/>
+          </a:xfrm>
+          <a:prstGeom prst="rect">
+            <a:avLst/>
+          </a:prstGeom>
+        </p:spPr>
+      </p:pic>
+      <p:pic>
+        <p:nvPicPr>
+          <p:cNvPr id="7" name="Picture 6"/>
+          <p:cNvPicPr/>
+          <p:nvPr/>
+        </p:nvPicPr>
+        <p:blipFill>
+          <a:blip r:embed="rId7"/>
+          <a:stretch>
+            <a:fillRect/>
+          </a:stretch>
+        </p:blipFill>
+        <p:spPr>
+          <a:xfrm>
+            <a:off x="7543800" y="4495800"/>
+            <a:ext cx="1450193" cy="959654"/>
+          </a:xfrm>
+          <a:prstGeom prst="rect">
+            <a:avLst/>
+          </a:prstGeom>
+        </p:spPr>
+      </p:pic>
+    </p:spTree>
+    <p:extLst>
+      <p:ext uri="{BB962C8B-B14F-4D97-AF65-F5344CB8AC3E}">
+        <p14:creationId xmlns:p14="http://schemas.microsoft.com/office/powerpoint/2010/main" val="3247880603"/>
+      </p:ext>
+    </p:extLst>
+  </p:cSld>
+  <p:clrMapOvr>
+    <a:masterClrMapping/>
+  </p:clrMapOvr>
+  <p:timing>
+    <p:tnLst>
+      <p:par>
+        <p:cTn id="1" dur="indefinite" restart="never" nodeType="tmRoot">
+          <p:childTnLst>
+            <p:seq concurrent="1" nextAc="seek">
+              <p:cTn id="2" dur="indefinite" nodeType="mainSeq">
+                <p:childTnLst>
+                  <p:par>
+                    <p:cTn id="3" fill="hold">
+                      <p:stCondLst>
+                        <p:cond delay="indefinite"/>
+                      </p:stCondLst>
+                      <p:childTnLst>
+                        <p:par>
+                          <p:cTn id="4" fill="hold">
+                            <p:stCondLst>
+                              <p:cond delay="0"/>
+                            </p:stCondLst>
+                            <p:childTnLst>
+                              <p:par>
+                                <p:cTn id="5" presetID="1" presetClass="entr" presetSubtype="0" fill="hold" nodeType="clickEffect">
+                                  <p:stCondLst>
+                                    <p:cond delay="0"/>
+                                  </p:stCondLst>
+                                  <p:childTnLst>
+                                    <p:set>
+                                      <p:cBhvr>
+                                        <p:cTn id="6" dur="1" fill="hold">
+                                          <p:stCondLst>
+                                            <p:cond delay="0"/>
+                                          </p:stCondLst>
+                                        </p:cTn>
+                                        <p:tgtEl>
+                                          <p:spTgt spid="4"/>
+                                        </p:tgtEl>
+                                        <p:attrNameLst>
+                                          <p:attrName>style.visibility</p:attrName>
+                                        </p:attrNameLst>
+                                      </p:cBhvr>
+                                      <p:to>
+                                        <p:strVal val="visible"/>
+                                      </p:to>
+                                    </p:set>
+                                  </p:childTnLst>
+                                </p:cTn>
+                              </p:par>
+                            </p:childTnLst>
+                          </p:cTn>
+                        </p:par>
+                      </p:childTnLst>
+                    </p:cTn>
+                  </p:par>
+                  <p:par>
+                    <p:cTn id="7" fill="hold">
+                      <p:stCondLst>
+                        <p:cond delay="indefinite"/>
+                      </p:stCondLst>
+                      <p:childTnLst>
+                        <p:par>
+                          <p:cTn id="8" fill="hold">
+                            <p:stCondLst>
+                              <p:cond delay="0"/>
+                            </p:stCondLst>
+                            <p:childTnLst>
+                              <p:par>
+                                <p:cTn id="9" presetID="1" presetClass="entr" presetSubtype="0" fill="hold" nodeType="clickEffect">
+                                  <p:stCondLst>
+                                    <p:cond delay="0"/>
+                                  </p:stCondLst>
+                                  <p:childTnLst>
+                                    <p:set>
+                                      <p:cBhvr>
+                                        <p:cTn id="10" dur="1" fill="hold">
+                                          <p:stCondLst>
+                                            <p:cond delay="0"/>
+                                          </p:stCondLst>
+                                        </p:cTn>
+                                        <p:tgtEl>
+                                          <p:spTgt spid="5"/>
+                                        </p:tgtEl>
+                                        <p:attrNameLst>
+                                          <p:attrName>style.visibility</p:attrName>
+                                        </p:attrNameLst>
+                                      </p:cBhvr>
+                                      <p:to>
+                                        <p:strVal val="visible"/>
+                                      </p:to>
+                                    </p:set>
+                                  </p:childTnLst>
+                                </p:cTn>
+                              </p:par>
+                            </p:childTnLst>
+                          </p:cTn>
+                        </p:par>
+                      </p:childTnLst>
+                    </p:cTn>
+                  </p:par>
+                  <p:par>
+                    <p:cTn id="11" fill="hold">
+                      <p:stCondLst>
+                        <p:cond delay="indefinite"/>
+                      </p:stCondLst>
+                      <p:childTnLst>
+                        <p:par>
+                          <p:cTn id="12" fill="hold">
+                            <p:stCondLst>
+                              <p:cond delay="0"/>
+                            </p:stCondLst>
+                            <p:childTnLst>
+                              <p:par>
+                                <p:cTn id="13" presetID="1" presetClass="entr" presetSubtype="0" fill="hold" nodeType="clickEffect">
+                                  <p:stCondLst>
+                                    <p:cond delay="0"/>
+                                  </p:stCondLst>
+                                  <p:childTnLst>
+                                    <p:set>
+                                      <p:cBhvr>
+                                        <p:cTn id="14" dur="1" fill="hold">
+                                          <p:stCondLst>
+                                            <p:cond delay="0"/>
+                                          </p:stCondLst>
+                                        </p:cTn>
+                                        <p:tgtEl>
+                                          <p:spTgt spid="6"/>
+                                        </p:tgtEl>
+                                        <p:attrNameLst>
+                                          <p:attrName>style.visibility</p:attrName>
+                                        </p:attrNameLst>
+                                      </p:cBhvr>
+                                      <p:to>
+                                        <p:strVal val="visible"/>
+                                      </p:to>
+                                    </p:set>
+                                  </p:childTnLst>
+                                </p:cTn>
+                              </p:par>
+                            </p:childTnLst>
+                          </p:cTn>
+                        </p:par>
+                      </p:childTnLst>
+                    </p:cTn>
+                  </p:par>
+                  <p:par>
+                    <p:cTn id="15" fill="hold">
+                      <p:stCondLst>
+                        <p:cond delay="indefinite"/>
+                      </p:stCondLst>
+                      <p:childTnLst>
+                        <p:par>
+                          <p:cTn id="16" fill="hold">
+                            <p:stCondLst>
+                              <p:cond delay="0"/>
+                            </p:stCondLst>
+                            <p:childTnLst>
+                              <p:par>
+                                <p:cTn id="17" presetID="1" presetClass="entr" presetSubtype="0" fill="hold" nodeType="clickEffect">
+                                  <p:stCondLst>
+                                    <p:cond delay="0"/>
+                                  </p:stCondLst>
+                                  <p:childTnLst>
+                                    <p:set>
+                                      <p:cBhvr>
+                                        <p:cTn id="18" dur="1" fill="hold">
+                                          <p:stCondLst>
+                                            <p:cond delay="0"/>
+                                          </p:stCondLst>
+                                        </p:cTn>
+                                        <p:tgtEl>
+                                          <p:spTgt spid="7"/>
+                                        </p:tgtEl>
+                                        <p:attrNameLst>
+                                          <p:attrName>style.visibility</p:attrName>
+                                        </p:attrNameLst>
+                                      </p:cBhvr>
+                                      <p:to>
+                                        <p:strVal val="visible"/>
+                                      </p:to>
+                                    </p:set>
+                                  </p:childTnLst>
+                                </p:cTn>
+                              </p:par>
+                            </p:childTnLst>
+                          </p:cTn>
+                        </p:par>
+                      </p:childTnLst>
+                    </p:cTn>
+                  </p:par>
+                </p:childTnLst>
+              </p:cTn>
+              <p:prevCondLst>
+                <p:cond evt="onPrev" delay="0">
+                  <p:tgtEl>
+                    <p:sldTgt/>
+                  </p:tgtEl>
+                </p:cond>
+              </p:prevCondLst>
+              <p:nextCondLst>
+                <p:cond evt="onNext" delay="0">
+                  <p:tgtEl>
+                    <p:sldTgt/>
+                  </p:tgtEl>
+                </p:cond>
+              </p:nextCondLst>
+            </p:seq>
+          </p:childTnLst>
+        </p:cTn>
+      </p:par>
+    </p:tnLst>
+  </p:timing>
+</p:sld>
+</file>
+
+<file path=ppt/slides/slide31.xml><?xml version="1.0" encoding="utf-8"?>
+<p:sld xmlns:a="http://schemas.openxmlformats.org/drawingml/2006/main" xmlns:r="http://schemas.openxmlformats.org/officeDocument/2006/relationships" xmlns:p="http://schemas.openxmlformats.org/presentationml/2006/main">
+  <p:cSld>
+    <p:spTree>
+      <p:nvGrpSpPr>
+        <p:cNvPr id="1" name=""/>
+        <p:cNvGrpSpPr/>
+        <p:nvPr/>
+      </p:nvGrpSpPr>
+      <p:grpSpPr>
+        <a:xfrm>
+          <a:off x="0" y="0"/>
+          <a:ext cx="0" cy="0"/>
+          <a:chOff x="0" y="0"/>
+          <a:chExt cx="0" cy="0"/>
+        </a:xfrm>
+      </p:grpSpPr>
+      <p:sp>
+        <p:nvSpPr>
+          <p:cNvPr id="2" name="Title 1"/>
+          <p:cNvSpPr>
+            <a:spLocks noGrp="1"/>
+          </p:cNvSpPr>
+          <p:nvPr>
+            <p:ph type="title"/>
+          </p:nvPr>
+        </p:nvSpPr>
+        <p:spPr/>
+        <p:txBody>
+          <a:bodyPr/>
+          <a:lstStyle/>
+          <a:p>
+            <a:r>
+              <a:rPr lang="en-US" dirty="0"/>
+              <a:t>Creating a New Custom Visual Project</a:t>
+            </a:r>
+          </a:p>
+        </p:txBody>
+      </p:sp>
+      <p:sp>
+        <p:nvSpPr>
+          <p:cNvPr id="4" name="Content Placeholder 3"/>
+          <p:cNvSpPr>
+            <a:spLocks noGrp="1"/>
+          </p:cNvSpPr>
+          <p:nvPr>
+            <p:ph idx="1"/>
+          </p:nvPr>
+        </p:nvSpPr>
+        <p:spPr/>
+        <p:txBody>
+          <a:bodyPr>
+            <a:normAutofit/>
+          </a:bodyPr>
+          <a:lstStyle/>
+          <a:p>
+            <a:r>
+              <a:rPr lang="en-US" sz="2400" dirty="0"/>
+              <a:t>Creating a new project</a:t>
+            </a:r>
+          </a:p>
+          <a:p>
+            <a:pPr marL="679450" lvl="2" indent="0">
+              <a:buNone/>
+            </a:pPr>
+            <a:r>
+              <a:rPr lang="en-US" sz="1800" b="1" dirty="0" err="1">
+                <a:solidFill>
+                  <a:schemeClr val="accent1">
+                    <a:lumMod val="50000"/>
+                  </a:schemeClr>
+                </a:solidFill>
+                <a:latin typeface="Lucida Console" panose="020B0609040504020204" pitchFamily="49" charset="0"/>
+              </a:rPr>
+              <a:t>pbiviz</a:t>
+            </a:r>
+            <a:r>
+              <a:rPr lang="en-US" sz="1800" b="1" dirty="0">
+                <a:solidFill>
+                  <a:schemeClr val="accent1">
+                    <a:lumMod val="50000"/>
+                  </a:schemeClr>
+                </a:solidFill>
+                <a:latin typeface="Lucida Console" panose="020B0609040504020204" pitchFamily="49" charset="0"/>
+              </a:rPr>
+              <a:t> new &lt;</a:t>
+            </a:r>
+            <a:r>
+              <a:rPr lang="en-US" sz="1800" b="1" dirty="0" err="1">
+                <a:solidFill>
+                  <a:schemeClr val="accent1">
+                    <a:lumMod val="50000"/>
+                  </a:schemeClr>
+                </a:solidFill>
+                <a:latin typeface="Lucida Console" panose="020B0609040504020204" pitchFamily="49" charset="0"/>
+              </a:rPr>
+              <a:t>ProjectName</a:t>
+            </a:r>
+            <a:r>
+              <a:rPr lang="en-US" sz="1800" b="1" dirty="0">
+                <a:solidFill>
+                  <a:schemeClr val="accent1">
+                    <a:lumMod val="50000"/>
+                  </a:schemeClr>
+                </a:solidFill>
+                <a:latin typeface="Lucida Console" panose="020B0609040504020204" pitchFamily="49" charset="0"/>
+              </a:rPr>
+              <a:t>&gt;</a:t>
+            </a:r>
+          </a:p>
+          <a:p>
+            <a:r>
+              <a:rPr lang="en-US" sz="2400" dirty="0"/>
+              <a:t>Open the Project with Visual Studio Code</a:t>
+            </a:r>
+          </a:p>
+          <a:p>
+            <a:pPr marL="679450" lvl="2" indent="0">
+              <a:buNone/>
+            </a:pPr>
+            <a:r>
+              <a:rPr lang="en-US" sz="1800" dirty="0">
+                <a:solidFill>
+                  <a:schemeClr val="accent1">
+                    <a:lumMod val="50000"/>
+                  </a:schemeClr>
+                </a:solidFill>
+                <a:latin typeface="Lucida Console" panose="020B0609040504020204" pitchFamily="49" charset="0"/>
+              </a:rPr>
+              <a:t>code .</a:t>
+            </a:r>
+          </a:p>
+        </p:txBody>
+      </p:sp>
+      <p:pic>
+        <p:nvPicPr>
+          <p:cNvPr id="3" name="Picture 2"/>
+          <p:cNvPicPr>
+            <a:picLocks noChangeAspect="1"/>
+          </p:cNvPicPr>
+          <p:nvPr/>
+        </p:nvPicPr>
+        <p:blipFill rotWithShape="1">
+          <a:blip r:embed="rId2"/>
+          <a:srcRect r="45159" b="50302"/>
+          <a:stretch/>
+        </p:blipFill>
+        <p:spPr>
+          <a:xfrm>
+            <a:off x="533400" y="3224212"/>
+            <a:ext cx="5715000" cy="3000375"/>
+          </a:xfrm>
+          <a:prstGeom prst="rect">
+            <a:avLst/>
+          </a:prstGeom>
+        </p:spPr>
+      </p:pic>
+      <p:grpSp>
+        <p:nvGrpSpPr>
+          <p:cNvPr id="7" name="Group 6"/>
+          <p:cNvGrpSpPr/>
+          <p:nvPr/>
+        </p:nvGrpSpPr>
+        <p:grpSpPr>
+          <a:xfrm>
+            <a:off x="2921726" y="3429000"/>
+            <a:ext cx="6069058" cy="3230880"/>
+            <a:chOff x="2921726" y="3429000"/>
+            <a:chExt cx="6069058" cy="3230880"/>
+          </a:xfrm>
+        </p:grpSpPr>
+        <p:pic>
+          <p:nvPicPr>
+            <p:cNvPr id="5" name="Picture 4"/>
+            <p:cNvPicPr>
+              <a:picLocks noChangeAspect="1"/>
+            </p:cNvPicPr>
+            <p:nvPr/>
+          </p:nvPicPr>
+          <p:blipFill>
+            <a:blip r:embed="rId3"/>
+            <a:stretch>
+              <a:fillRect/>
+            </a:stretch>
+          </p:blipFill>
+          <p:spPr>
+            <a:xfrm>
+              <a:off x="3976342" y="3429000"/>
+              <a:ext cx="5014442" cy="3230880"/>
+            </a:xfrm>
+            <a:prstGeom prst="rect">
+              <a:avLst/>
+            </a:prstGeom>
+          </p:spPr>
+        </p:pic>
+        <p:sp>
+          <p:nvSpPr>
+            <p:cNvPr id="6" name="Right Arrow 5"/>
+            <p:cNvSpPr/>
+            <p:nvPr/>
+          </p:nvSpPr>
+          <p:spPr>
+            <a:xfrm>
+              <a:off x="2921726" y="4846320"/>
+              <a:ext cx="762000" cy="320040"/>
+            </a:xfrm>
+            <a:prstGeom prst="rightArrow">
+              <a:avLst/>
+            </a:prstGeom>
+            <a:solidFill>
+              <a:schemeClr val="accent2"/>
+            </a:solidFill>
+            <a:ln>
+              <a:solidFill>
+                <a:schemeClr val="accent1">
+                  <a:lumMod val="50000"/>
+                </a:schemeClr>
+              </a:solidFill>
+            </a:ln>
+          </p:spPr>
+          <p:style>
+            <a:lnRef idx="2">
+              <a:schemeClr val="accent1">
+                <a:shade val="50000"/>
+              </a:schemeClr>
+            </a:lnRef>
+            <a:fillRef idx="1">
+              <a:schemeClr val="accent1"/>
+            </a:fillRef>
+            <a:effectRef idx="0">
+              <a:schemeClr val="accent1"/>
+            </a:effectRef>
+            <a:fontRef idx="minor">
+              <a:schemeClr val="lt1"/>
+            </a:fontRef>
+          </p:style>
+          <p:txBody>
+            <a:bodyPr rtlCol="0" anchor="ctr"/>
+            <a:lstStyle/>
+            <a:p>
+              <a:pPr algn="ctr"/>
+              <a:endParaRPr lang="en-US"/>
+            </a:p>
+          </p:txBody>
+        </p:sp>
+      </p:grpSp>
+    </p:spTree>
+    <p:extLst>
+      <p:ext uri="{BB962C8B-B14F-4D97-AF65-F5344CB8AC3E}">
+        <p14:creationId xmlns:p14="http://schemas.microsoft.com/office/powerpoint/2010/main" val="12435965"/>
+      </p:ext>
+    </p:extLst>
+  </p:cSld>
+  <p:clrMapOvr>
+    <a:masterClrMapping/>
+  </p:clrMapOvr>
+  <p:timing>
+    <p:tnLst>
+      <p:par>
+        <p:cTn id="1" dur="indefinite" restart="never" nodeType="tmRoot">
+          <p:childTnLst>
+            <p:seq concurrent="1" nextAc="seek">
+              <p:cTn id="2" dur="indefinite" nodeType="mainSeq">
+                <p:childTnLst>
+                  <p:par>
+                    <p:cTn id="3" fill="hold">
+                      <p:stCondLst>
+                        <p:cond delay="indefinite"/>
+                      </p:stCondLst>
+                      <p:childTnLst>
+                        <p:par>
+                          <p:cTn id="4" fill="hold">
+                            <p:stCondLst>
+                              <p:cond delay="0"/>
+                            </p:stCondLst>
+                            <p:childTnLst>
+                              <p:par>
+                                <p:cTn id="5" presetID="22" presetClass="entr" presetSubtype="8" fill="hold" nodeType="clickEffect">
+                                  <p:stCondLst>
+                                    <p:cond delay="0"/>
+                                  </p:stCondLst>
+                                  <p:childTnLst>
+                                    <p:set>
+                                      <p:cBhvr>
+                                        <p:cTn id="6" dur="1" fill="hold">
+                                          <p:stCondLst>
+                                            <p:cond delay="0"/>
+                                          </p:stCondLst>
+                                        </p:cTn>
+                                        <p:tgtEl>
+                                          <p:spTgt spid="7"/>
+                                        </p:tgtEl>
+                                        <p:attrNameLst>
+                                          <p:attrName>style.visibility</p:attrName>
+                                        </p:attrNameLst>
+                                      </p:cBhvr>
+                                      <p:to>
+                                        <p:strVal val="visible"/>
+                                      </p:to>
+                                    </p:set>
+                                    <p:animEffect transition="in" filter="wipe(left)">
+                                      <p:cBhvr>
+                                        <p:cTn id="7" dur="500"/>
+                                        <p:tgtEl>
+                                          <p:spTgt spid="7"/>
+                                        </p:tgtEl>
+                                      </p:cBhvr>
+                                    </p:animEffect>
+                                  </p:childTnLst>
+                                </p:cTn>
+                              </p:par>
+                            </p:childTnLst>
+                          </p:cTn>
+                        </p:par>
+                      </p:childTnLst>
+                    </p:cTn>
+                  </p:par>
+                </p:childTnLst>
+              </p:cTn>
+              <p:prevCondLst>
+                <p:cond evt="onPrev" delay="0">
+                  <p:tgtEl>
+                    <p:sldTgt/>
+                  </p:tgtEl>
+                </p:cond>
+              </p:prevCondLst>
+              <p:nextCondLst>
+                <p:cond evt="onNext" delay="0">
+                  <p:tgtEl>
+                    <p:sldTgt/>
+                  </p:tgtEl>
+                </p:cond>
+              </p:nextCondLst>
+            </p:seq>
+          </p:childTnLst>
+        </p:cTn>
+      </p:par>
+    </p:tnLst>
+  </p:timing>
+</p:sld>
+</file>
+
+<file path=ppt/slides/slide32.xml><?xml version="1.0" encoding="utf-8"?>
+<p:sld xmlns:a="http://schemas.openxmlformats.org/drawingml/2006/main" xmlns:r="http://schemas.openxmlformats.org/officeDocument/2006/relationships" xmlns:p="http://schemas.openxmlformats.org/presentationml/2006/main">
+  <p:cSld>
+    <p:spTree>
+      <p:nvGrpSpPr>
+        <p:cNvPr id="1" name=""/>
+        <p:cNvGrpSpPr/>
+        <p:nvPr/>
+      </p:nvGrpSpPr>
+      <p:grpSpPr>
+        <a:xfrm>
+          <a:off x="0" y="0"/>
+          <a:ext cx="0" cy="0"/>
+          <a:chOff x="0" y="0"/>
+          <a:chExt cx="0" cy="0"/>
+        </a:xfrm>
+      </p:grpSpPr>
+      <p:sp>
+        <p:nvSpPr>
+          <p:cNvPr id="2" name="Title 1"/>
+          <p:cNvSpPr>
+            <a:spLocks noGrp="1"/>
+          </p:cNvSpPr>
+          <p:nvPr>
+            <p:ph type="title"/>
+          </p:nvPr>
+        </p:nvSpPr>
+        <p:spPr/>
+        <p:txBody>
+          <a:bodyPr/>
+          <a:lstStyle/>
+          <a:p>
+            <a:r>
+              <a:rPr lang="en-US" dirty="0"/>
+              <a:t>The </a:t>
+            </a:r>
+            <a:r>
+              <a:rPr lang="en-US" dirty="0" err="1"/>
+              <a:t>pbiviz.json</a:t>
+            </a:r>
+            <a:r>
+              <a:rPr lang="en-US" dirty="0"/>
+              <a:t> File</a:t>
+            </a:r>
+          </a:p>
+        </p:txBody>
+      </p:sp>
+      <p:sp>
+        <p:nvSpPr>
+          <p:cNvPr id="4" name="Content Placeholder 3"/>
+          <p:cNvSpPr>
+            <a:spLocks noGrp="1"/>
+          </p:cNvSpPr>
+          <p:nvPr>
+            <p:ph idx="1"/>
+          </p:nvPr>
+        </p:nvSpPr>
+        <p:spPr/>
+        <p:txBody>
+          <a:bodyPr/>
+          <a:lstStyle/>
+          <a:p>
+            <a:r>
+              <a:rPr lang="en-US" dirty="0"/>
+              <a:t>PBIVIZ.JSON serves a manifest for custom visual</a:t>
+            </a:r>
+          </a:p>
+        </p:txBody>
+      </p:sp>
+      <p:pic>
+        <p:nvPicPr>
+          <p:cNvPr id="3" name="Picture 2"/>
+          <p:cNvPicPr>
+            <a:picLocks noChangeAspect="1"/>
+          </p:cNvPicPr>
+          <p:nvPr/>
+        </p:nvPicPr>
+        <p:blipFill>
+          <a:blip r:embed="rId2"/>
+          <a:stretch>
+            <a:fillRect/>
+          </a:stretch>
+        </p:blipFill>
+        <p:spPr>
+          <a:xfrm>
+            <a:off x="914400" y="2371177"/>
+            <a:ext cx="7472363" cy="4237708"/>
+          </a:xfrm>
+          <a:prstGeom prst="rect">
+            <a:avLst/>
+          </a:prstGeom>
+          <a:ln>
+            <a:solidFill>
+              <a:schemeClr val="tx1"/>
+            </a:solidFill>
+          </a:ln>
+        </p:spPr>
+      </p:pic>
+    </p:spTree>
+    <p:extLst>
+      <p:ext uri="{BB962C8B-B14F-4D97-AF65-F5344CB8AC3E}">
+        <p14:creationId xmlns:p14="http://schemas.microsoft.com/office/powerpoint/2010/main" val="3057569697"/>
+      </p:ext>
+    </p:extLst>
+  </p:cSld>
+  <p:clrMapOvr>
+    <a:masterClrMapping/>
+  </p:clrMapOvr>
+</p:sld>
+</file>
+
+<file path=ppt/slides/slide33.xml><?xml version="1.0" encoding="utf-8"?>
+<p:sld xmlns:a="http://schemas.openxmlformats.org/drawingml/2006/main" xmlns:r="http://schemas.openxmlformats.org/officeDocument/2006/relationships" xmlns:p="http://schemas.openxmlformats.org/presentationml/2006/main">
+  <p:cSld>
+    <p:spTree>
+      <p:nvGrpSpPr>
+        <p:cNvPr id="1" name=""/>
+        <p:cNvGrpSpPr/>
+        <p:nvPr/>
+      </p:nvGrpSpPr>
+      <p:grpSpPr>
+        <a:xfrm>
+          <a:off x="0" y="0"/>
+          <a:ext cx="0" cy="0"/>
+          <a:chOff x="0" y="0"/>
+          <a:chExt cx="0" cy="0"/>
+        </a:xfrm>
+      </p:grpSpPr>
+      <p:sp>
+        <p:nvSpPr>
+          <p:cNvPr id="2" name="Title 1"/>
+          <p:cNvSpPr>
+            <a:spLocks noGrp="1"/>
+          </p:cNvSpPr>
+          <p:nvPr>
+            <p:ph type="title"/>
+          </p:nvPr>
+        </p:nvSpPr>
+        <p:spPr/>
+        <p:txBody>
+          <a:bodyPr/>
+          <a:lstStyle/>
+          <a:p>
+            <a:r>
+              <a:rPr lang="en-US" dirty="0"/>
+              <a:t>The </a:t>
+            </a:r>
+            <a:r>
+              <a:rPr lang="en-US" dirty="0" err="1"/>
+              <a:t>tsconfig.json</a:t>
+            </a:r>
+            <a:r>
+              <a:rPr lang="en-US" dirty="0"/>
+              <a:t> File </a:t>
+            </a:r>
+          </a:p>
+        </p:txBody>
+      </p:sp>
+      <p:sp>
+        <p:nvSpPr>
+          <p:cNvPr id="6" name="Content Placeholder 5"/>
+          <p:cNvSpPr>
+            <a:spLocks noGrp="1"/>
+          </p:cNvSpPr>
+          <p:nvPr>
+            <p:ph idx="1"/>
+          </p:nvPr>
+        </p:nvSpPr>
+        <p:spPr/>
+        <p:txBody>
+          <a:bodyPr>
+            <a:normAutofit/>
+          </a:bodyPr>
+          <a:lstStyle/>
+          <a:p>
+            <a:r>
+              <a:rPr lang="en-US" sz="2400" dirty="0"/>
+              <a:t>Used to add references to </a:t>
+            </a:r>
+            <a:r>
+              <a:rPr lang="en-US" sz="2400" dirty="0" err="1"/>
+              <a:t>typings</a:t>
+            </a:r>
+            <a:r>
+              <a:rPr lang="en-US" sz="2400" dirty="0"/>
+              <a:t> files</a:t>
+            </a:r>
+          </a:p>
+          <a:p>
+            <a:pPr lvl="1"/>
+            <a:r>
+              <a:rPr lang="en-US" sz="2000" dirty="0"/>
+              <a:t>This is what enables </a:t>
+            </a:r>
+            <a:r>
+              <a:rPr lang="en-US" sz="2000" dirty="0" err="1"/>
+              <a:t>Intellisense</a:t>
+            </a:r>
+            <a:endParaRPr lang="en-US" sz="2000" dirty="0"/>
+          </a:p>
+        </p:txBody>
+      </p:sp>
+      <p:pic>
+        <p:nvPicPr>
+          <p:cNvPr id="5" name="Picture 4"/>
+          <p:cNvPicPr>
+            <a:picLocks noChangeAspect="1"/>
+          </p:cNvPicPr>
+          <p:nvPr/>
+        </p:nvPicPr>
+        <p:blipFill rotWithShape="1">
+          <a:blip r:embed="rId2"/>
+          <a:srcRect r="32614" b="8136"/>
+          <a:stretch/>
+        </p:blipFill>
+        <p:spPr>
+          <a:xfrm>
+            <a:off x="990600" y="2364861"/>
+            <a:ext cx="4953001" cy="4264539"/>
+          </a:xfrm>
+          <a:prstGeom prst="rect">
+            <a:avLst/>
+          </a:prstGeom>
+        </p:spPr>
+      </p:pic>
+      <p:sp>
+        <p:nvSpPr>
+          <p:cNvPr id="4" name="Left Arrow 3"/>
+          <p:cNvSpPr/>
+          <p:nvPr/>
+        </p:nvSpPr>
+        <p:spPr>
+          <a:xfrm>
+            <a:off x="5301343" y="4297680"/>
+            <a:ext cx="2286000" cy="304800"/>
+          </a:xfrm>
+          <a:prstGeom prst="leftArrow">
+            <a:avLst>
+              <a:gd name="adj1" fmla="val 100000"/>
+              <a:gd name="adj2" fmla="val 50000"/>
+            </a:avLst>
+          </a:prstGeom>
+          <a:solidFill>
+            <a:schemeClr val="accent2"/>
+          </a:solidFill>
+          <a:ln>
+            <a:solidFill>
+              <a:schemeClr val="tx1"/>
+            </a:solidFill>
+          </a:ln>
+        </p:spPr>
+        <p:style>
+          <a:lnRef idx="2">
+            <a:schemeClr val="accent1">
+              <a:shade val="50000"/>
+            </a:schemeClr>
+          </a:lnRef>
+          <a:fillRef idx="1">
+            <a:schemeClr val="accent1"/>
+          </a:fillRef>
+          <a:effectRef idx="0">
+            <a:schemeClr val="accent1"/>
+          </a:effectRef>
+          <a:fontRef idx="minor">
+            <a:schemeClr val="lt1"/>
+          </a:fontRef>
+        </p:style>
+        <p:txBody>
+          <a:bodyPr rtlCol="0" anchor="ctr"/>
+          <a:lstStyle/>
+          <a:p>
+            <a:pPr algn="ctr"/>
+            <a:r>
+              <a:rPr lang="en-US" sz="1400" dirty="0">
+                <a:solidFill>
+                  <a:schemeClr val="accent1">
+                    <a:lumMod val="50000"/>
+                  </a:schemeClr>
+                </a:solidFill>
+              </a:rPr>
+              <a:t>Typings file reference</a:t>
+            </a:r>
+          </a:p>
+        </p:txBody>
+      </p:sp>
+    </p:spTree>
+    <p:extLst>
+      <p:ext uri="{BB962C8B-B14F-4D97-AF65-F5344CB8AC3E}">
+        <p14:creationId xmlns:p14="http://schemas.microsoft.com/office/powerpoint/2010/main" val="3115320704"/>
+      </p:ext>
+    </p:extLst>
+  </p:cSld>
+  <p:clrMapOvr>
+    <a:masterClrMapping/>
+  </p:clrMapOvr>
+</p:sld>
+</file>
+
+<file path=ppt/slides/slide34.xml><?xml version="1.0" encoding="utf-8"?>
+<p:sld xmlns:a="http://schemas.openxmlformats.org/drawingml/2006/main" xmlns:r="http://schemas.openxmlformats.org/officeDocument/2006/relationships" xmlns:p="http://schemas.openxmlformats.org/presentationml/2006/main">
+  <p:cSld>
+    <p:spTree>
+      <p:nvGrpSpPr>
+        <p:cNvPr id="1" name=""/>
+        <p:cNvGrpSpPr/>
+        <p:nvPr/>
+      </p:nvGrpSpPr>
+      <p:grpSpPr>
+        <a:xfrm>
+          <a:off x="0" y="0"/>
+          <a:ext cx="0" cy="0"/>
+          <a:chOff x="0" y="0"/>
+          <a:chExt cx="0" cy="0"/>
+        </a:xfrm>
+      </p:grpSpPr>
+      <p:sp>
+        <p:nvSpPr>
+          <p:cNvPr id="2" name="Title 1"/>
+          <p:cNvSpPr>
+            <a:spLocks noGrp="1"/>
+          </p:cNvSpPr>
+          <p:nvPr>
+            <p:ph type="title"/>
+          </p:nvPr>
+        </p:nvSpPr>
+        <p:spPr/>
+        <p:txBody>
+          <a:bodyPr/>
+          <a:lstStyle/>
+          <a:p>
+            <a:r>
+              <a:rPr lang="en-US" dirty="0"/>
+              <a:t>Developing a Custom Visual?</a:t>
+            </a:r>
+          </a:p>
+        </p:txBody>
+      </p:sp>
+      <p:sp>
+        <p:nvSpPr>
+          <p:cNvPr id="3" name="Content Placeholder 2"/>
+          <p:cNvSpPr>
+            <a:spLocks noGrp="1"/>
+          </p:cNvSpPr>
+          <p:nvPr>
+            <p:ph idx="1"/>
+          </p:nvPr>
+        </p:nvSpPr>
+        <p:spPr/>
+        <p:txBody>
+          <a:bodyPr/>
+          <a:lstStyle/>
+          <a:p>
+            <a:r>
+              <a:rPr lang="en-US" dirty="0"/>
+              <a:t>Create a class that implements </a:t>
+            </a:r>
+            <a:r>
+              <a:rPr lang="en-US" dirty="0" err="1"/>
+              <a:t>IVisual</a:t>
+            </a:r>
+            <a:endParaRPr lang="en-US" dirty="0"/>
+          </a:p>
+          <a:p>
+            <a:pPr lvl="1"/>
+            <a:r>
+              <a:rPr lang="en-US" dirty="0"/>
+              <a:t>Class wrapped in module with namespace to APIs</a:t>
+            </a:r>
+          </a:p>
+          <a:p>
+            <a:pPr lvl="1"/>
+            <a:r>
+              <a:rPr lang="en-US" dirty="0"/>
+              <a:t>You code can program again PBI APIs types</a:t>
+            </a:r>
+          </a:p>
+          <a:p>
+            <a:endParaRPr lang="en-US" dirty="0"/>
+          </a:p>
+        </p:txBody>
+      </p:sp>
+      <p:pic>
+        <p:nvPicPr>
+          <p:cNvPr id="6" name="Picture 5"/>
+          <p:cNvPicPr>
+            <a:picLocks noChangeAspect="1"/>
+          </p:cNvPicPr>
+          <p:nvPr/>
+        </p:nvPicPr>
+        <p:blipFill>
+          <a:blip r:embed="rId2"/>
+          <a:stretch>
+            <a:fillRect/>
+          </a:stretch>
+        </p:blipFill>
+        <p:spPr>
+          <a:xfrm>
+            <a:off x="1295400" y="3200400"/>
+            <a:ext cx="3707674" cy="2724516"/>
+          </a:xfrm>
+          <a:prstGeom prst="rect">
+            <a:avLst/>
+          </a:prstGeom>
+        </p:spPr>
+      </p:pic>
+    </p:spTree>
+    <p:extLst>
+      <p:ext uri="{BB962C8B-B14F-4D97-AF65-F5344CB8AC3E}">
+        <p14:creationId xmlns:p14="http://schemas.microsoft.com/office/powerpoint/2010/main" val="2789939021"/>
+      </p:ext>
+    </p:extLst>
+  </p:cSld>
+  <p:clrMapOvr>
+    <a:masterClrMapping/>
+  </p:clrMapOvr>
+</p:sld>
+</file>
+
+<file path=ppt/slides/slide35.xml><?xml version="1.0" encoding="utf-8"?>
+<p:sld xmlns:a="http://schemas.openxmlformats.org/drawingml/2006/main" xmlns:r="http://schemas.openxmlformats.org/officeDocument/2006/relationships" xmlns:p="http://schemas.openxmlformats.org/presentationml/2006/main">
+  <p:cSld>
+    <p:spTree>
+      <p:nvGrpSpPr>
+        <p:cNvPr id="1" name=""/>
+        <p:cNvGrpSpPr/>
+        <p:nvPr/>
+      </p:nvGrpSpPr>
+      <p:grpSpPr>
+        <a:xfrm>
+          <a:off x="0" y="0"/>
+          <a:ext cx="0" cy="0"/>
+          <a:chOff x="0" y="0"/>
+          <a:chExt cx="0" cy="0"/>
+        </a:xfrm>
+      </p:grpSpPr>
+      <p:sp>
+        <p:nvSpPr>
+          <p:cNvPr id="48130" name="Title 1"/>
+          <p:cNvSpPr>
+            <a:spLocks noGrp="1"/>
+          </p:cNvSpPr>
+          <p:nvPr>
+            <p:ph type="title"/>
+          </p:nvPr>
+        </p:nvSpPr>
+        <p:spPr/>
+        <p:txBody>
+          <a:bodyPr/>
+          <a:lstStyle/>
+          <a:p>
+            <a:r>
+              <a:rPr lang="en-US" altLang="en-US" dirty="0"/>
+              <a:t>Running a Custom Visual Project</a:t>
+            </a:r>
+          </a:p>
+        </p:txBody>
+      </p:sp>
+      <p:pic>
+        <p:nvPicPr>
+          <p:cNvPr id="48132" name="Picture 3"/>
+          <p:cNvPicPr>
+            <a:picLocks noChangeAspect="1"/>
+          </p:cNvPicPr>
+          <p:nvPr/>
+        </p:nvPicPr>
+        <p:blipFill>
+          <a:blip r:embed="rId2">
+            <a:extLst>
+              <a:ext uri="{28A0092B-C50C-407E-A947-70E740481C1C}">
+                <a14:useLocalDpi xmlns:a14="http://schemas.microsoft.com/office/drawing/2010/main" val="0"/>
+              </a:ext>
+            </a:extLst>
+          </a:blip>
+          <a:srcRect/>
+          <a:stretch>
+            <a:fillRect/>
+          </a:stretch>
+        </p:blipFill>
+        <p:spPr bwMode="auto">
+          <a:xfrm>
+            <a:off x="685800" y="1447800"/>
+            <a:ext cx="5365750" cy="3055937"/>
+          </a:xfrm>
+          <a:prstGeom prst="rect">
+            <a:avLst/>
+          </a:prstGeom>
+          <a:noFill/>
+          <a:ln>
+            <a:noFill/>
+          </a:ln>
+          <a:extLst>
+            <a:ext uri="{909E8E84-426E-40DD-AFC4-6F175D3DCCD1}">
+              <a14:hiddenFill xmlns:a14="http://schemas.microsoft.com/office/drawing/2010/main">
+                <a:solidFill>
+                  <a:srgbClr val="FFFFFF"/>
+                </a:solidFill>
+              </a14:hiddenFill>
+            </a:ext>
+            <a:ext uri="{91240B29-F687-4F45-9708-019B960494DF}">
+              <a14:hiddenLine xmlns:a14="http://schemas.microsoft.com/office/drawing/2010/main" w="9525">
+                <a:solidFill>
+                  <a:srgbClr val="000000"/>
+                </a:solidFill>
+                <a:miter lim="800000"/>
+                <a:headEnd/>
+                <a:tailEnd/>
+              </a14:hiddenLine>
+            </a:ext>
+          </a:extLst>
+        </p:spPr>
+      </p:pic>
+    </p:spTree>
+    <p:extLst>
+      <p:ext uri="{BB962C8B-B14F-4D97-AF65-F5344CB8AC3E}">
+        <p14:creationId xmlns:p14="http://schemas.microsoft.com/office/powerpoint/2010/main" val="3903581826"/>
+      </p:ext>
+    </p:extLst>
+  </p:cSld>
+  <p:clrMapOvr>
+    <a:masterClrMapping/>
+  </p:clrMapOvr>
+</p:sld>
+</file>
+
+<file path=ppt/slides/slide36.xml><?xml version="1.0" encoding="utf-8"?>
+<p:sld xmlns:a="http://schemas.openxmlformats.org/drawingml/2006/main" xmlns:r="http://schemas.openxmlformats.org/officeDocument/2006/relationships" xmlns:p="http://schemas.openxmlformats.org/presentationml/2006/main">
+  <p:cSld>
+    <p:spTree>
+      <p:nvGrpSpPr>
+        <p:cNvPr id="1" name=""/>
+        <p:cNvGrpSpPr/>
+        <p:nvPr/>
+      </p:nvGrpSpPr>
+      <p:grpSpPr>
+        <a:xfrm>
+          <a:off x="0" y="0"/>
+          <a:ext cx="0" cy="0"/>
+          <a:chOff x="0" y="0"/>
+          <a:chExt cx="0" cy="0"/>
+        </a:xfrm>
+      </p:grpSpPr>
+      <p:sp>
+        <p:nvSpPr>
+          <p:cNvPr id="2" name="Title 1"/>
+          <p:cNvSpPr>
+            <a:spLocks noGrp="1"/>
+          </p:cNvSpPr>
+          <p:nvPr>
+            <p:ph type="title"/>
+          </p:nvPr>
+        </p:nvSpPr>
+        <p:spPr/>
+        <p:txBody>
+          <a:bodyPr/>
+          <a:lstStyle/>
+          <a:p>
+            <a:r>
+              <a:rPr lang="en-US" dirty="0"/>
+              <a:t>Agenda</a:t>
+            </a:r>
+          </a:p>
+        </p:txBody>
+      </p:sp>
+      <p:sp>
+        <p:nvSpPr>
+          <p:cNvPr id="3" name="Content Placeholder 2"/>
+          <p:cNvSpPr>
+            <a:spLocks noGrp="1"/>
+          </p:cNvSpPr>
+          <p:nvPr>
+            <p:ph idx="1"/>
+          </p:nvPr>
+        </p:nvSpPr>
+        <p:spPr/>
+        <p:txBody>
+          <a:bodyPr>
+            <a:normAutofit/>
+          </a:bodyPr>
+          <a:lstStyle/>
+          <a:p>
+            <a:pPr>
+              <a:buFont typeface="Wingdings" panose="05000000000000000000" pitchFamily="2" charset="2"/>
+              <a:buChar char="ü"/>
+            </a:pPr>
+            <a:r>
+              <a:rPr lang="en-US" dirty="0"/>
+              <a:t>Introduction to Custom Visuals in Power BI</a:t>
+            </a:r>
+          </a:p>
+          <a:p>
+            <a:pPr>
+              <a:buFont typeface="Wingdings" panose="05000000000000000000" pitchFamily="2" charset="2"/>
+              <a:buChar char="ü"/>
+            </a:pPr>
+            <a:r>
+              <a:rPr lang="en-US" dirty="0"/>
+              <a:t>Programming in Typescript</a:t>
+            </a:r>
+          </a:p>
+          <a:p>
+            <a:pPr>
+              <a:buFont typeface="Wingdings" panose="05000000000000000000" pitchFamily="2" charset="2"/>
+              <a:buChar char="ü"/>
+            </a:pPr>
+            <a:r>
+              <a:rPr lang="en-US" dirty="0"/>
+              <a:t>Programming with the D3 Library</a:t>
+            </a:r>
+          </a:p>
+          <a:p>
+            <a:pPr>
+              <a:buFont typeface="Wingdings" panose="05000000000000000000" pitchFamily="2" charset="2"/>
+              <a:buChar char="ü"/>
+            </a:pPr>
+            <a:r>
+              <a:rPr lang="en-US" dirty="0"/>
+              <a:t>Getting Started with the PBIVIZ Utility</a:t>
+            </a:r>
+          </a:p>
+          <a:p>
+            <a:pPr>
+              <a:buFont typeface="Wingdings" panose="05000000000000000000" pitchFamily="2" charset="2"/>
+              <a:buChar char="Ø"/>
+            </a:pPr>
+            <a:r>
+              <a:rPr lang="en-US" dirty="0"/>
+              <a:t>Designing and Implementing Custom Visuals</a:t>
+            </a:r>
+          </a:p>
+          <a:p>
+            <a:r>
+              <a:rPr lang="en-US" dirty="0"/>
+              <a:t>Packaging and Distribution Custom Visuals</a:t>
+            </a:r>
+          </a:p>
+          <a:p>
+            <a:endParaRPr lang="en-US" dirty="0"/>
+          </a:p>
+        </p:txBody>
+      </p:sp>
+    </p:spTree>
+    <p:extLst>
+      <p:ext uri="{BB962C8B-B14F-4D97-AF65-F5344CB8AC3E}">
+        <p14:creationId xmlns:p14="http://schemas.microsoft.com/office/powerpoint/2010/main" val="1306963468"/>
+      </p:ext>
+    </p:extLst>
+  </p:cSld>
+  <p:clrMapOvr>
+    <a:masterClrMapping/>
+  </p:clrMapOvr>
+</p:sld>
+</file>
+
+<file path=ppt/slides/slide37.xml><?xml version="1.0" encoding="utf-8"?>
+<p:sld xmlns:a="http://schemas.openxmlformats.org/drawingml/2006/main" xmlns:r="http://schemas.openxmlformats.org/officeDocument/2006/relationships" xmlns:p="http://schemas.openxmlformats.org/presentationml/2006/main">
+  <p:cSld>
+    <p:spTree>
+      <p:nvGrpSpPr>
+        <p:cNvPr id="1" name=""/>
+        <p:cNvGrpSpPr/>
+        <p:nvPr/>
+      </p:nvGrpSpPr>
+      <p:grpSpPr>
+        <a:xfrm>
+          <a:off x="0" y="0"/>
+          <a:ext cx="0" cy="0"/>
+          <a:chOff x="0" y="0"/>
+          <a:chExt cx="0" cy="0"/>
+        </a:xfrm>
+      </p:grpSpPr>
+      <p:sp>
+        <p:nvSpPr>
+          <p:cNvPr id="2" name="Title 1"/>
+          <p:cNvSpPr>
+            <a:spLocks noGrp="1"/>
+          </p:cNvSpPr>
+          <p:nvPr>
+            <p:ph type="title"/>
+          </p:nvPr>
+        </p:nvSpPr>
+        <p:spPr/>
+        <p:txBody>
+          <a:bodyPr/>
+          <a:lstStyle/>
+          <a:p>
+            <a:r>
+              <a:rPr lang="en-US" dirty="0"/>
+              <a:t>Visual Capabilities</a:t>
+            </a:r>
+          </a:p>
+        </p:txBody>
+      </p:sp>
+      <p:sp>
+        <p:nvSpPr>
+          <p:cNvPr id="3" name="Content Placeholder 2"/>
+          <p:cNvSpPr>
+            <a:spLocks noGrp="1"/>
+          </p:cNvSpPr>
+          <p:nvPr>
+            <p:ph idx="1"/>
+          </p:nvPr>
+        </p:nvSpPr>
+        <p:spPr/>
+        <p:txBody>
+          <a:bodyPr/>
+          <a:lstStyle/>
+          <a:p>
+            <a:r>
+              <a:rPr lang="en-US" dirty="0"/>
+              <a:t>Visual capabilities define in </a:t>
+            </a:r>
+            <a:r>
+              <a:rPr lang="en-US" dirty="0" err="1"/>
+              <a:t>capabilities.json</a:t>
+            </a:r>
+            <a:endParaRPr lang="en-US" dirty="0"/>
+          </a:p>
+          <a:p>
+            <a:pPr lvl="1"/>
+            <a:r>
+              <a:rPr lang="en-US" dirty="0"/>
+              <a:t>Used to provide information to host</a:t>
+            </a:r>
+          </a:p>
+          <a:p>
+            <a:pPr lvl="1"/>
+            <a:r>
+              <a:rPr lang="en-US" dirty="0"/>
+              <a:t>All capabilities are optional</a:t>
+            </a:r>
+          </a:p>
+          <a:p>
+            <a:pPr lvl="1"/>
+            <a:endParaRPr lang="en-US" dirty="0"/>
+          </a:p>
+        </p:txBody>
+      </p:sp>
+      <p:pic>
+        <p:nvPicPr>
+          <p:cNvPr id="5" name="Picture 4"/>
+          <p:cNvPicPr>
+            <a:picLocks noChangeAspect="1"/>
+          </p:cNvPicPr>
+          <p:nvPr/>
+        </p:nvPicPr>
+        <p:blipFill>
+          <a:blip r:embed="rId2"/>
+          <a:stretch>
+            <a:fillRect/>
+          </a:stretch>
+        </p:blipFill>
+        <p:spPr>
+          <a:xfrm>
+            <a:off x="891268" y="3964033"/>
+            <a:ext cx="3533775" cy="1571625"/>
+          </a:xfrm>
+          <a:prstGeom prst="rect">
+            <a:avLst/>
+          </a:prstGeom>
+          <a:ln>
+            <a:solidFill>
+              <a:schemeClr val="tx1">
+                <a:lumMod val="75000"/>
+                <a:lumOff val="25000"/>
+              </a:schemeClr>
+            </a:solidFill>
+          </a:ln>
+        </p:spPr>
+      </p:pic>
+    </p:spTree>
+    <p:extLst>
+      <p:ext uri="{BB962C8B-B14F-4D97-AF65-F5344CB8AC3E}">
+        <p14:creationId xmlns:p14="http://schemas.microsoft.com/office/powerpoint/2010/main" val="3068109003"/>
+      </p:ext>
+    </p:extLst>
+  </p:cSld>
+  <p:clrMapOvr>
+    <a:masterClrMapping/>
+  </p:clrMapOvr>
+</p:sld>
+</file>
+
+<file path=ppt/slides/slide38.xml><?xml version="1.0" encoding="utf-8"?>
+<p:sld xmlns:a="http://schemas.openxmlformats.org/drawingml/2006/main" xmlns:r="http://schemas.openxmlformats.org/officeDocument/2006/relationships" xmlns:p="http://schemas.openxmlformats.org/presentationml/2006/main">
+  <p:cSld>
+    <p:spTree>
+      <p:nvGrpSpPr>
+        <p:cNvPr id="1" name=""/>
+        <p:cNvGrpSpPr/>
+        <p:nvPr/>
+      </p:nvGrpSpPr>
+      <p:grpSpPr>
+        <a:xfrm>
+          <a:off x="0" y="0"/>
+          <a:ext cx="0" cy="0"/>
+          <a:chOff x="0" y="0"/>
+          <a:chExt cx="0" cy="0"/>
+        </a:xfrm>
+      </p:grpSpPr>
+      <p:sp>
+        <p:nvSpPr>
+          <p:cNvPr id="2" name="Title 1"/>
+          <p:cNvSpPr>
+            <a:spLocks noGrp="1"/>
+          </p:cNvSpPr>
+          <p:nvPr>
+            <p:ph type="title"/>
+          </p:nvPr>
+        </p:nvSpPr>
+        <p:spPr/>
+        <p:txBody>
+          <a:bodyPr/>
+          <a:lstStyle/>
+          <a:p>
+            <a:r>
+              <a:rPr lang="en-US" dirty="0"/>
+              <a:t>Data Roles</a:t>
+            </a:r>
+          </a:p>
+        </p:txBody>
+      </p:sp>
+      <p:sp>
+        <p:nvSpPr>
+          <p:cNvPr id="3" name="Content Placeholder 2"/>
+          <p:cNvSpPr>
+            <a:spLocks noGrp="1"/>
+          </p:cNvSpPr>
+          <p:nvPr>
+            <p:ph idx="1"/>
+          </p:nvPr>
+        </p:nvSpPr>
+        <p:spPr/>
+        <p:txBody>
+          <a:bodyPr/>
+          <a:lstStyle/>
+          <a:p>
+            <a:r>
+              <a:rPr lang="en-US" dirty="0" err="1"/>
+              <a:t>ssss</a:t>
+            </a:r>
+            <a:endParaRPr lang="en-US" dirty="0"/>
+          </a:p>
+        </p:txBody>
+      </p:sp>
+      <p:pic>
+        <p:nvPicPr>
+          <p:cNvPr id="4" name="Picture 3"/>
+          <p:cNvPicPr>
+            <a:picLocks noChangeAspect="1"/>
+          </p:cNvPicPr>
+          <p:nvPr/>
+        </p:nvPicPr>
+        <p:blipFill>
+          <a:blip r:embed="rId2"/>
+          <a:stretch>
+            <a:fillRect/>
+          </a:stretch>
+        </p:blipFill>
+        <p:spPr>
+          <a:xfrm>
+            <a:off x="6307212" y="3394437"/>
+            <a:ext cx="2396829" cy="2162992"/>
+          </a:xfrm>
+          <a:prstGeom prst="rect">
+            <a:avLst/>
+          </a:prstGeom>
+        </p:spPr>
+      </p:pic>
+      <p:pic>
+        <p:nvPicPr>
+          <p:cNvPr id="5" name="Picture 4"/>
+          <p:cNvPicPr>
+            <a:picLocks noChangeAspect="1"/>
+          </p:cNvPicPr>
+          <p:nvPr/>
+        </p:nvPicPr>
+        <p:blipFill>
+          <a:blip r:embed="rId3"/>
+          <a:stretch>
+            <a:fillRect/>
+          </a:stretch>
+        </p:blipFill>
+        <p:spPr>
+          <a:xfrm>
+            <a:off x="1520749" y="2810691"/>
+            <a:ext cx="3581400" cy="2455817"/>
+          </a:xfrm>
+          <a:prstGeom prst="rect">
+            <a:avLst/>
+          </a:prstGeom>
+          <a:ln>
+            <a:solidFill>
+              <a:schemeClr val="tx1">
+                <a:lumMod val="75000"/>
+                <a:lumOff val="25000"/>
+              </a:schemeClr>
+            </a:solidFill>
+          </a:ln>
+        </p:spPr>
+      </p:pic>
+    </p:spTree>
+    <p:extLst>
+      <p:ext uri="{BB962C8B-B14F-4D97-AF65-F5344CB8AC3E}">
+        <p14:creationId xmlns:p14="http://schemas.microsoft.com/office/powerpoint/2010/main" val="4084185812"/>
+      </p:ext>
+    </p:extLst>
+  </p:cSld>
+  <p:clrMapOvr>
+    <a:masterClrMapping/>
+  </p:clrMapOvr>
+</p:sld>
+</file>
+
+<file path=ppt/slides/slide39.xml><?xml version="1.0" encoding="utf-8"?>
+<p:sld xmlns:a="http://schemas.openxmlformats.org/drawingml/2006/main" xmlns:r="http://schemas.openxmlformats.org/officeDocument/2006/relationships" xmlns:p="http://schemas.openxmlformats.org/presentationml/2006/main">
+  <p:cSld>
+    <p:spTree>
+      <p:nvGrpSpPr>
+        <p:cNvPr id="1" name=""/>
+        <p:cNvGrpSpPr/>
+        <p:nvPr/>
+      </p:nvGrpSpPr>
+      <p:grpSpPr>
+        <a:xfrm>
+          <a:off x="0" y="0"/>
+          <a:ext cx="0" cy="0"/>
+          <a:chOff x="0" y="0"/>
+          <a:chExt cx="0" cy="0"/>
+        </a:xfrm>
+      </p:grpSpPr>
+      <p:sp>
+        <p:nvSpPr>
+          <p:cNvPr id="2" name="Title 1"/>
+          <p:cNvSpPr>
+            <a:spLocks noGrp="1"/>
+          </p:cNvSpPr>
+          <p:nvPr>
+            <p:ph type="title"/>
+          </p:nvPr>
+        </p:nvSpPr>
+        <p:spPr/>
+        <p:txBody>
+          <a:bodyPr/>
+          <a:lstStyle/>
+          <a:p>
+            <a:r>
+              <a:rPr lang="en-US" dirty="0"/>
+              <a:t>Data View Mappings</a:t>
+            </a:r>
+          </a:p>
+        </p:txBody>
+      </p:sp>
+      <p:sp>
+        <p:nvSpPr>
+          <p:cNvPr id="3" name="Content Placeholder 2"/>
+          <p:cNvSpPr>
+            <a:spLocks noGrp="1"/>
+          </p:cNvSpPr>
+          <p:nvPr>
+            <p:ph idx="1"/>
+          </p:nvPr>
+        </p:nvSpPr>
+        <p:spPr/>
+        <p:txBody>
+          <a:bodyPr>
+            <a:normAutofit/>
+          </a:bodyPr>
+          <a:lstStyle/>
+          <a:p>
+            <a:r>
+              <a:rPr lang="en-US" sz="2400" dirty="0"/>
+              <a:t>Data View mappings define requirements for data roles</a:t>
+            </a:r>
+          </a:p>
+          <a:p>
+            <a:pPr lvl="1"/>
+            <a:r>
+              <a:rPr lang="en-US" sz="2000" dirty="0"/>
+              <a:t>Conditions which determine when set of data fields is valid</a:t>
+            </a:r>
+          </a:p>
+          <a:p>
+            <a:pPr lvl="1"/>
+            <a:r>
+              <a:rPr lang="en-US" sz="2000" dirty="0"/>
+              <a:t> </a:t>
+            </a:r>
+          </a:p>
+        </p:txBody>
+      </p:sp>
+    </p:spTree>
+    <p:extLst>
+      <p:ext uri="{BB962C8B-B14F-4D97-AF65-F5344CB8AC3E}">
+        <p14:creationId xmlns:p14="http://schemas.microsoft.com/office/powerpoint/2010/main" val="1638436596"/>
+      </p:ext>
+    </p:extLst>
+  </p:cSld>
+  <p:clrMapOvr>
+    <a:masterClrMapping/>
+  </p:clrMapOvr>
+</p:sld>
+</file>
+
+<file path=ppt/slides/slide4.xml><?xml version="1.0" encoding="utf-8"?>
+<p:sld xmlns:a="http://schemas.openxmlformats.org/drawingml/2006/main" xmlns:r="http://schemas.openxmlformats.org/officeDocument/2006/relationships" xmlns:p="http://schemas.openxmlformats.org/presentationml/2006/main">
+  <p:cSld>
+    <p:spTree>
+      <p:nvGrpSpPr>
+        <p:cNvPr id="1" name=""/>
+        <p:cNvGrpSpPr/>
+        <p:nvPr/>
+      </p:nvGrpSpPr>
+      <p:grpSpPr>
+        <a:xfrm>
+          <a:off x="0" y="0"/>
+          <a:ext cx="0" cy="0"/>
+          <a:chOff x="0" y="0"/>
+          <a:chExt cx="0" cy="0"/>
+        </a:xfrm>
+      </p:grpSpPr>
+      <p:sp>
+        <p:nvSpPr>
+          <p:cNvPr id="2" name="Title 1"/>
+          <p:cNvSpPr>
+            <a:spLocks noGrp="1"/>
+          </p:cNvSpPr>
+          <p:nvPr>
+            <p:ph type="title"/>
+          </p:nvPr>
+        </p:nvSpPr>
+        <p:spPr/>
+        <p:txBody>
+          <a:bodyPr/>
+          <a:lstStyle/>
+          <a:p>
+            <a:r>
+              <a:rPr lang="en-US" dirty="0"/>
+              <a:t>Built-in Visualization Types</a:t>
+            </a:r>
+          </a:p>
+        </p:txBody>
+      </p:sp>
+      <p:sp>
+        <p:nvSpPr>
+          <p:cNvPr id="3" name="Content Placeholder 2"/>
+          <p:cNvSpPr>
+            <a:spLocks noGrp="1"/>
+          </p:cNvSpPr>
+          <p:nvPr>
+            <p:ph idx="1"/>
+          </p:nvPr>
+        </p:nvSpPr>
+        <p:spPr>
+          <a:xfrm>
+            <a:off x="533400" y="1295400"/>
+            <a:ext cx="4114800" cy="5257801"/>
+          </a:xfrm>
+        </p:spPr>
+        <p:txBody>
+          <a:bodyPr>
+            <a:noAutofit/>
+          </a:bodyPr>
+          <a:lstStyle/>
+          <a:p>
+            <a:pPr marL="182880">
+              <a:spcBef>
+                <a:spcPts val="200"/>
+              </a:spcBef>
+            </a:pPr>
+            <a:r>
+              <a:rPr lang="en-US" sz="2000" dirty="0"/>
+              <a:t>Table and Matrix</a:t>
+            </a:r>
+          </a:p>
+          <a:p>
+            <a:pPr marL="182880">
+              <a:spcBef>
+                <a:spcPts val="200"/>
+              </a:spcBef>
+            </a:pPr>
+            <a:r>
+              <a:rPr lang="en-US" sz="2000" dirty="0"/>
+              <a:t>Bar charts and Column charts</a:t>
+            </a:r>
+          </a:p>
+          <a:p>
+            <a:pPr marL="182880">
+              <a:spcBef>
+                <a:spcPts val="200"/>
+              </a:spcBef>
+            </a:pPr>
+            <a:r>
+              <a:rPr lang="en-US" sz="2000" dirty="0"/>
+              <a:t>Pie charts and Doughnut chart</a:t>
+            </a:r>
+          </a:p>
+          <a:p>
+            <a:pPr marL="182880">
+              <a:spcBef>
+                <a:spcPts val="200"/>
+              </a:spcBef>
+            </a:pPr>
+            <a:r>
+              <a:rPr lang="en-US" sz="2000" dirty="0"/>
+              <a:t>Line chart and Area chart</a:t>
+            </a:r>
+          </a:p>
+          <a:p>
+            <a:pPr marL="182880">
+              <a:spcBef>
+                <a:spcPts val="200"/>
+              </a:spcBef>
+            </a:pPr>
+            <a:r>
+              <a:rPr lang="en-US" sz="2000" dirty="0"/>
+              <a:t>Scatter chart and Combo charts</a:t>
+            </a:r>
+          </a:p>
+          <a:p>
+            <a:pPr marL="182880">
+              <a:spcBef>
+                <a:spcPts val="200"/>
+              </a:spcBef>
+            </a:pPr>
+            <a:r>
+              <a:rPr lang="en-US" sz="2000" dirty="0"/>
+              <a:t>Card and Multi-row Card</a:t>
+            </a:r>
+          </a:p>
+          <a:p>
+            <a:pPr marL="182880">
+              <a:spcBef>
+                <a:spcPts val="200"/>
+              </a:spcBef>
+            </a:pPr>
+            <a:r>
+              <a:rPr lang="en-US" sz="2000" dirty="0" err="1"/>
+              <a:t>Treemap</a:t>
+            </a:r>
+            <a:endParaRPr lang="en-US" sz="2000" dirty="0"/>
+          </a:p>
+          <a:p>
+            <a:pPr marL="182880">
+              <a:spcBef>
+                <a:spcPts val="200"/>
+              </a:spcBef>
+            </a:pPr>
+            <a:r>
+              <a:rPr lang="en-US" sz="2000" dirty="0"/>
+              <a:t>Waterfall charts</a:t>
+            </a:r>
+          </a:p>
+          <a:p>
+            <a:pPr marL="182880">
+              <a:spcBef>
+                <a:spcPts val="200"/>
+              </a:spcBef>
+            </a:pPr>
+            <a:r>
+              <a:rPr lang="en-US" sz="2000" dirty="0"/>
+              <a:t>Funnel charts</a:t>
+            </a:r>
+          </a:p>
+          <a:p>
+            <a:pPr marL="182880">
+              <a:spcBef>
+                <a:spcPts val="200"/>
+              </a:spcBef>
+            </a:pPr>
+            <a:r>
+              <a:rPr lang="en-US" sz="2000" dirty="0"/>
+              <a:t>Gauge charts</a:t>
+            </a:r>
+          </a:p>
+          <a:p>
+            <a:pPr marL="182880">
+              <a:spcBef>
+                <a:spcPts val="200"/>
+              </a:spcBef>
+            </a:pPr>
+            <a:r>
+              <a:rPr lang="en-US" sz="2000" dirty="0"/>
+              <a:t>Map and Filled Map</a:t>
+            </a:r>
+          </a:p>
+          <a:p>
+            <a:pPr marL="182880">
+              <a:spcBef>
+                <a:spcPts val="200"/>
+              </a:spcBef>
+            </a:pPr>
+            <a:r>
+              <a:rPr lang="en-US" sz="2000" dirty="0"/>
+              <a:t>Slicer</a:t>
+            </a:r>
+          </a:p>
+          <a:p>
+            <a:pPr marL="182880">
+              <a:spcBef>
+                <a:spcPts val="200"/>
+              </a:spcBef>
+            </a:pPr>
+            <a:r>
+              <a:rPr lang="en-US" sz="2000" dirty="0"/>
+              <a:t>R script visual</a:t>
+            </a:r>
+          </a:p>
+          <a:p>
+            <a:pPr marL="182880">
+              <a:spcBef>
+                <a:spcPts val="200"/>
+              </a:spcBef>
+            </a:pPr>
+            <a:r>
+              <a:rPr lang="en-US" sz="2000" dirty="0"/>
+              <a:t>Shape map (in preview)</a:t>
+            </a:r>
+          </a:p>
+        </p:txBody>
+      </p:sp>
+      <p:pic>
+        <p:nvPicPr>
+          <p:cNvPr id="4" name="Picture 3"/>
+          <p:cNvPicPr>
+            <a:picLocks noChangeAspect="1"/>
+          </p:cNvPicPr>
+          <p:nvPr/>
+        </p:nvPicPr>
+        <p:blipFill>
+          <a:blip r:embed="rId2"/>
+          <a:stretch>
+            <a:fillRect/>
+          </a:stretch>
+        </p:blipFill>
+        <p:spPr>
+          <a:xfrm>
+            <a:off x="5029200" y="1295400"/>
+            <a:ext cx="3581400" cy="3540235"/>
+          </a:xfrm>
+          <a:prstGeom prst="rect">
+            <a:avLst/>
+          </a:prstGeom>
+          <a:ln w="38100">
+            <a:solidFill>
+              <a:schemeClr val="tx1"/>
+            </a:solidFill>
+          </a:ln>
+        </p:spPr>
+      </p:pic>
+    </p:spTree>
+    <p:extLst>
+      <p:ext uri="{BB962C8B-B14F-4D97-AF65-F5344CB8AC3E}">
+        <p14:creationId xmlns:p14="http://schemas.microsoft.com/office/powerpoint/2010/main" val="3757621475"/>
+      </p:ext>
+    </p:extLst>
+  </p:cSld>
+  <p:clrMapOvr>
+    <a:masterClrMapping/>
+  </p:clrMapOvr>
+</p:sld>
+</file>
+
+<file path=ppt/slides/slide40.xml><?xml version="1.0" encoding="utf-8"?>
+<p:sld xmlns:a="http://schemas.openxmlformats.org/drawingml/2006/main" xmlns:r="http://schemas.openxmlformats.org/officeDocument/2006/relationships" xmlns:p="http://schemas.openxmlformats.org/presentationml/2006/main">
+  <p:cSld>
+    <p:spTree>
+      <p:nvGrpSpPr>
+        <p:cNvPr id="1" name=""/>
+        <p:cNvGrpSpPr/>
+        <p:nvPr/>
+      </p:nvGrpSpPr>
+      <p:grpSpPr>
+        <a:xfrm>
+          <a:off x="0" y="0"/>
+          <a:ext cx="0" cy="0"/>
+          <a:chOff x="0" y="0"/>
+          <a:chExt cx="0" cy="0"/>
+        </a:xfrm>
+      </p:grpSpPr>
+      <p:sp>
+        <p:nvSpPr>
+          <p:cNvPr id="2" name="Title 1"/>
+          <p:cNvSpPr>
+            <a:spLocks noGrp="1"/>
+          </p:cNvSpPr>
+          <p:nvPr>
+            <p:ph type="title"/>
+          </p:nvPr>
+        </p:nvSpPr>
+        <p:spPr/>
+        <p:txBody>
+          <a:bodyPr/>
+          <a:lstStyle/>
+          <a:p>
+            <a:r>
+              <a:rPr lang="en-US" dirty="0"/>
+              <a:t>Data Mappings</a:t>
+            </a:r>
+          </a:p>
+        </p:txBody>
+      </p:sp>
+      <p:pic>
+        <p:nvPicPr>
+          <p:cNvPr id="3" name="Picture 2"/>
+          <p:cNvPicPr>
+            <a:picLocks noChangeAspect="1"/>
+          </p:cNvPicPr>
+          <p:nvPr/>
+        </p:nvPicPr>
+        <p:blipFill>
+          <a:blip r:embed="rId2"/>
+          <a:stretch>
+            <a:fillRect/>
+          </a:stretch>
+        </p:blipFill>
+        <p:spPr>
+          <a:xfrm>
+            <a:off x="533400" y="1295400"/>
+            <a:ext cx="7324725" cy="5019675"/>
+          </a:xfrm>
+          <a:prstGeom prst="rect">
+            <a:avLst/>
+          </a:prstGeom>
+          <a:ln>
+            <a:solidFill>
+              <a:schemeClr val="tx1">
+                <a:lumMod val="75000"/>
+                <a:lumOff val="25000"/>
+              </a:schemeClr>
+            </a:solidFill>
+          </a:ln>
+        </p:spPr>
+      </p:pic>
+    </p:spTree>
+    <p:extLst>
+      <p:ext uri="{BB962C8B-B14F-4D97-AF65-F5344CB8AC3E}">
+        <p14:creationId xmlns:p14="http://schemas.microsoft.com/office/powerpoint/2010/main" val="2335678588"/>
+      </p:ext>
+    </p:extLst>
+  </p:cSld>
+  <p:clrMapOvr>
+    <a:masterClrMapping/>
+  </p:clrMapOvr>
+</p:sld>
+</file>
+
+<file path=ppt/slides/slide41.xml><?xml version="1.0" encoding="utf-8"?>
+<p:sld xmlns:a="http://schemas.openxmlformats.org/drawingml/2006/main" xmlns:r="http://schemas.openxmlformats.org/officeDocument/2006/relationships" xmlns:p="http://schemas.openxmlformats.org/presentationml/2006/main">
+  <p:cSld>
+    <p:spTree>
+      <p:nvGrpSpPr>
+        <p:cNvPr id="1" name=""/>
+        <p:cNvGrpSpPr/>
+        <p:nvPr/>
+      </p:nvGrpSpPr>
+      <p:grpSpPr>
+        <a:xfrm>
+          <a:off x="0" y="0"/>
+          <a:ext cx="0" cy="0"/>
+          <a:chOff x="0" y="0"/>
+          <a:chExt cx="0" cy="0"/>
+        </a:xfrm>
+      </p:grpSpPr>
+      <p:sp>
+        <p:nvSpPr>
+          <p:cNvPr id="2" name="Title 1"/>
+          <p:cNvSpPr>
+            <a:spLocks noGrp="1"/>
+          </p:cNvSpPr>
+          <p:nvPr>
+            <p:ph type="title"/>
+          </p:nvPr>
+        </p:nvSpPr>
+        <p:spPr/>
+        <p:txBody>
+          <a:bodyPr/>
+          <a:lstStyle/>
+          <a:p>
+            <a:r>
+              <a:rPr lang="en-US" dirty="0"/>
+              <a:t>Binding Visuals to Categorical Data</a:t>
+            </a:r>
+          </a:p>
+        </p:txBody>
+      </p:sp>
+      <p:pic>
+        <p:nvPicPr>
+          <p:cNvPr id="4" name="Picture 3"/>
+          <p:cNvPicPr>
+            <a:picLocks noChangeAspect="1"/>
+          </p:cNvPicPr>
+          <p:nvPr/>
+        </p:nvPicPr>
+        <p:blipFill>
+          <a:blip r:embed="rId2"/>
+          <a:stretch>
+            <a:fillRect/>
+          </a:stretch>
+        </p:blipFill>
+        <p:spPr>
+          <a:xfrm>
+            <a:off x="309563" y="1295400"/>
+            <a:ext cx="7158038" cy="2599788"/>
+          </a:xfrm>
+          <a:prstGeom prst="rect">
+            <a:avLst/>
+          </a:prstGeom>
+          <a:ln>
+            <a:solidFill>
+              <a:schemeClr val="tx1">
+                <a:lumMod val="75000"/>
+                <a:lumOff val="25000"/>
+              </a:schemeClr>
+            </a:solidFill>
+          </a:ln>
+        </p:spPr>
+      </p:pic>
+    </p:spTree>
+    <p:extLst>
+      <p:ext uri="{BB962C8B-B14F-4D97-AF65-F5344CB8AC3E}">
+        <p14:creationId xmlns:p14="http://schemas.microsoft.com/office/powerpoint/2010/main" val="3099669079"/>
+      </p:ext>
+    </p:extLst>
+  </p:cSld>
+  <p:clrMapOvr>
+    <a:masterClrMapping/>
+  </p:clrMapOvr>
+</p:sld>
+</file>
+
+<file path=ppt/slides/slide42.xml><?xml version="1.0" encoding="utf-8"?>
+<p:sld xmlns:a="http://schemas.openxmlformats.org/drawingml/2006/main" xmlns:r="http://schemas.openxmlformats.org/officeDocument/2006/relationships" xmlns:p="http://schemas.openxmlformats.org/presentationml/2006/main">
+  <p:cSld>
+    <p:spTree>
+      <p:nvGrpSpPr>
+        <p:cNvPr id="1" name=""/>
+        <p:cNvGrpSpPr/>
+        <p:nvPr/>
+      </p:nvGrpSpPr>
+      <p:grpSpPr>
+        <a:xfrm>
+          <a:off x="0" y="0"/>
+          <a:ext cx="0" cy="0"/>
+          <a:chOff x="0" y="0"/>
+          <a:chExt cx="0" cy="0"/>
+        </a:xfrm>
+      </p:grpSpPr>
+      <p:sp>
+        <p:nvSpPr>
+          <p:cNvPr id="2" name="Title 1"/>
+          <p:cNvSpPr>
+            <a:spLocks noGrp="1"/>
+          </p:cNvSpPr>
+          <p:nvPr>
+            <p:ph type="title"/>
+          </p:nvPr>
+        </p:nvSpPr>
+        <p:spPr/>
+        <p:txBody>
+          <a:bodyPr/>
+          <a:lstStyle/>
+          <a:p>
+            <a:r>
+              <a:rPr lang="en-US" dirty="0"/>
+              <a:t>Creating a Converter Function</a:t>
+            </a:r>
+          </a:p>
+        </p:txBody>
+      </p:sp>
+      <p:pic>
+        <p:nvPicPr>
+          <p:cNvPr id="3" name="Picture 2"/>
+          <p:cNvPicPr>
+            <a:picLocks noChangeAspect="1"/>
+          </p:cNvPicPr>
+          <p:nvPr/>
+        </p:nvPicPr>
+        <p:blipFill>
+          <a:blip r:embed="rId2"/>
+          <a:stretch>
+            <a:fillRect/>
+          </a:stretch>
+        </p:blipFill>
+        <p:spPr>
+          <a:xfrm>
+            <a:off x="304799" y="1447800"/>
+            <a:ext cx="8273741" cy="3962400"/>
+          </a:xfrm>
+          <a:prstGeom prst="rect">
+            <a:avLst/>
+          </a:prstGeom>
+          <a:ln>
+            <a:solidFill>
+              <a:schemeClr val="tx1">
+                <a:lumMod val="75000"/>
+                <a:lumOff val="25000"/>
+              </a:schemeClr>
+            </a:solidFill>
+          </a:ln>
+        </p:spPr>
+      </p:pic>
+    </p:spTree>
+    <p:extLst>
+      <p:ext uri="{BB962C8B-B14F-4D97-AF65-F5344CB8AC3E}">
+        <p14:creationId xmlns:p14="http://schemas.microsoft.com/office/powerpoint/2010/main" val="2095197932"/>
+      </p:ext>
+    </p:extLst>
+  </p:cSld>
+  <p:clrMapOvr>
+    <a:masterClrMapping/>
+  </p:clrMapOvr>
+</p:sld>
+</file>
+
+<file path=ppt/slides/slide43.xml><?xml version="1.0" encoding="utf-8"?>
+<p:sld xmlns:a="http://schemas.openxmlformats.org/drawingml/2006/main" xmlns:r="http://schemas.openxmlformats.org/officeDocument/2006/relationships" xmlns:p="http://schemas.openxmlformats.org/presentationml/2006/main">
+  <p:cSld>
+    <p:spTree>
+      <p:nvGrpSpPr>
+        <p:cNvPr id="1" name=""/>
+        <p:cNvGrpSpPr/>
+        <p:nvPr/>
+      </p:nvGrpSpPr>
+      <p:grpSpPr>
+        <a:xfrm>
+          <a:off x="0" y="0"/>
+          <a:ext cx="0" cy="0"/>
+          <a:chOff x="0" y="0"/>
+          <a:chExt cx="0" cy="0"/>
+        </a:xfrm>
+      </p:grpSpPr>
+      <p:sp>
+        <p:nvSpPr>
+          <p:cNvPr id="2" name="Title 1"/>
+          <p:cNvSpPr>
+            <a:spLocks noGrp="1"/>
+          </p:cNvSpPr>
+          <p:nvPr>
+            <p:ph type="title"/>
+          </p:nvPr>
+        </p:nvSpPr>
+        <p:spPr/>
+        <p:txBody>
+          <a:bodyPr/>
+          <a:lstStyle/>
+          <a:p>
+            <a:r>
+              <a:rPr lang="en-US" dirty="0"/>
+              <a:t>Extending Visuals with Custom Properties</a:t>
+            </a:r>
+          </a:p>
+        </p:txBody>
+      </p:sp>
+      <p:pic>
+        <p:nvPicPr>
+          <p:cNvPr id="4" name="Picture 3"/>
+          <p:cNvPicPr>
+            <a:picLocks noChangeAspect="1"/>
+          </p:cNvPicPr>
+          <p:nvPr/>
+        </p:nvPicPr>
+        <p:blipFill>
+          <a:blip r:embed="rId2"/>
+          <a:stretch>
+            <a:fillRect/>
+          </a:stretch>
+        </p:blipFill>
+        <p:spPr>
+          <a:xfrm>
+            <a:off x="671512" y="1295400"/>
+            <a:ext cx="7572375" cy="3714750"/>
+          </a:xfrm>
+          <a:prstGeom prst="rect">
+            <a:avLst/>
+          </a:prstGeom>
+          <a:ln>
+            <a:solidFill>
+              <a:schemeClr val="tx1">
+                <a:lumMod val="75000"/>
+                <a:lumOff val="25000"/>
+              </a:schemeClr>
+            </a:solidFill>
+          </a:ln>
+        </p:spPr>
+      </p:pic>
+    </p:spTree>
+    <p:extLst>
+      <p:ext uri="{BB962C8B-B14F-4D97-AF65-F5344CB8AC3E}">
+        <p14:creationId xmlns:p14="http://schemas.microsoft.com/office/powerpoint/2010/main" val="456412392"/>
+      </p:ext>
+    </p:extLst>
+  </p:cSld>
+  <p:clrMapOvr>
+    <a:masterClrMapping/>
+  </p:clrMapOvr>
+</p:sld>
+</file>
+
+<file path=ppt/slides/slide44.xml><?xml version="1.0" encoding="utf-8"?>
+<p:sld xmlns:a="http://schemas.openxmlformats.org/drawingml/2006/main" xmlns:r="http://schemas.openxmlformats.org/officeDocument/2006/relationships" xmlns:p="http://schemas.openxmlformats.org/presentationml/2006/main">
+  <p:cSld>
+    <p:spTree>
+      <p:nvGrpSpPr>
+        <p:cNvPr id="1" name=""/>
+        <p:cNvGrpSpPr/>
+        <p:nvPr/>
+      </p:nvGrpSpPr>
+      <p:grpSpPr>
+        <a:xfrm>
+          <a:off x="0" y="0"/>
+          <a:ext cx="0" cy="0"/>
+          <a:chOff x="0" y="0"/>
+          <a:chExt cx="0" cy="0"/>
+        </a:xfrm>
+      </p:grpSpPr>
+      <p:sp>
+        <p:nvSpPr>
+          <p:cNvPr id="2" name="Title 1"/>
+          <p:cNvSpPr>
+            <a:spLocks noGrp="1"/>
+          </p:cNvSpPr>
+          <p:nvPr>
+            <p:ph type="title"/>
+          </p:nvPr>
+        </p:nvSpPr>
+        <p:spPr/>
+        <p:txBody>
+          <a:bodyPr/>
+          <a:lstStyle/>
+          <a:p>
+            <a:r>
+              <a:rPr lang="en-US" dirty="0"/>
+              <a:t>Agenda</a:t>
+            </a:r>
+          </a:p>
+        </p:txBody>
+      </p:sp>
+      <p:sp>
+        <p:nvSpPr>
+          <p:cNvPr id="3" name="Content Placeholder 2"/>
+          <p:cNvSpPr>
+            <a:spLocks noGrp="1"/>
+          </p:cNvSpPr>
+          <p:nvPr>
+            <p:ph idx="1"/>
+          </p:nvPr>
+        </p:nvSpPr>
+        <p:spPr/>
+        <p:txBody>
+          <a:bodyPr>
+            <a:normAutofit/>
+          </a:bodyPr>
+          <a:lstStyle/>
+          <a:p>
+            <a:pPr>
+              <a:buFont typeface="Wingdings" panose="05000000000000000000" pitchFamily="2" charset="2"/>
+              <a:buChar char="ü"/>
+            </a:pPr>
+            <a:r>
+              <a:rPr lang="en-US" dirty="0"/>
+              <a:t>Introduction to Custom Visuals in Power BI</a:t>
+            </a:r>
+          </a:p>
+          <a:p>
+            <a:pPr>
+              <a:buFont typeface="Wingdings" panose="05000000000000000000" pitchFamily="2" charset="2"/>
+              <a:buChar char="ü"/>
+            </a:pPr>
+            <a:r>
+              <a:rPr lang="en-US" dirty="0"/>
+              <a:t>Programming in Typescript</a:t>
+            </a:r>
+          </a:p>
+          <a:p>
+            <a:pPr>
+              <a:buFont typeface="Wingdings" panose="05000000000000000000" pitchFamily="2" charset="2"/>
+              <a:buChar char="ü"/>
+            </a:pPr>
+            <a:r>
+              <a:rPr lang="en-US" dirty="0"/>
+              <a:t>Programming with the D3 Library</a:t>
+            </a:r>
+          </a:p>
+          <a:p>
+            <a:pPr>
+              <a:buFont typeface="Wingdings" panose="05000000000000000000" pitchFamily="2" charset="2"/>
+              <a:buChar char="ü"/>
+            </a:pPr>
+            <a:r>
+              <a:rPr lang="en-US" dirty="0"/>
+              <a:t>Getting Started with the PBIVIZ Utility</a:t>
+            </a:r>
+          </a:p>
+          <a:p>
+            <a:pPr>
+              <a:buFont typeface="Wingdings" panose="05000000000000000000" pitchFamily="2" charset="2"/>
+              <a:buChar char="ü"/>
+            </a:pPr>
+            <a:r>
+              <a:rPr lang="en-US" dirty="0"/>
+              <a:t>Designing and Implementing Custom Visuals</a:t>
+            </a:r>
+          </a:p>
+          <a:p>
+            <a:pPr>
+              <a:buFont typeface="Wingdings" panose="05000000000000000000" pitchFamily="2" charset="2"/>
+              <a:buChar char="Ø"/>
+            </a:pPr>
+            <a:r>
+              <a:rPr lang="en-US" dirty="0"/>
+              <a:t>Packaging and Distribution Custom Visuals</a:t>
+            </a:r>
+          </a:p>
+          <a:p>
+            <a:endParaRPr lang="en-US" dirty="0"/>
+          </a:p>
+        </p:txBody>
+      </p:sp>
+    </p:spTree>
+    <p:extLst>
+      <p:ext uri="{BB962C8B-B14F-4D97-AF65-F5344CB8AC3E}">
+        <p14:creationId xmlns:p14="http://schemas.microsoft.com/office/powerpoint/2010/main" val="339621629"/>
+      </p:ext>
+    </p:extLst>
+  </p:cSld>
+  <p:clrMapOvr>
+    <a:masterClrMapping/>
+  </p:clrMapOvr>
+</p:sld>
+</file>
+
+<file path=ppt/slides/slide45.xml><?xml version="1.0" encoding="utf-8"?>
+<p:sld xmlns:a="http://schemas.openxmlformats.org/drawingml/2006/main" xmlns:r="http://schemas.openxmlformats.org/officeDocument/2006/relationships" xmlns:p="http://schemas.openxmlformats.org/presentationml/2006/main">
+  <p:cSld>
+    <p:spTree>
+      <p:nvGrpSpPr>
+        <p:cNvPr id="1" name=""/>
+        <p:cNvGrpSpPr/>
+        <p:nvPr/>
+      </p:nvGrpSpPr>
+      <p:grpSpPr>
+        <a:xfrm>
+          <a:off x="0" y="0"/>
+          <a:ext cx="0" cy="0"/>
+          <a:chOff x="0" y="0"/>
+          <a:chExt cx="0" cy="0"/>
+        </a:xfrm>
+      </p:grpSpPr>
+      <p:sp>
+        <p:nvSpPr>
+          <p:cNvPr id="2" name="Title 1"/>
+          <p:cNvSpPr>
+            <a:spLocks noGrp="1"/>
+          </p:cNvSpPr>
+          <p:nvPr>
+            <p:ph type="title"/>
+          </p:nvPr>
+        </p:nvSpPr>
+        <p:spPr/>
+        <p:txBody>
+          <a:bodyPr/>
+          <a:lstStyle/>
+          <a:p>
+            <a:r>
+              <a:rPr lang="en-US" dirty="0"/>
+              <a:t>Packaging and Deploying Custom Visuals</a:t>
+            </a:r>
+          </a:p>
+        </p:txBody>
+      </p:sp>
+      <p:pic>
+        <p:nvPicPr>
+          <p:cNvPr id="4" name="Picture 3"/>
+          <p:cNvPicPr>
+            <a:picLocks noChangeAspect="1"/>
+          </p:cNvPicPr>
+          <p:nvPr/>
+        </p:nvPicPr>
+        <p:blipFill>
+          <a:blip r:embed="rId2"/>
+          <a:stretch>
+            <a:fillRect/>
+          </a:stretch>
+        </p:blipFill>
+        <p:spPr>
+          <a:xfrm>
+            <a:off x="609600" y="1447800"/>
+            <a:ext cx="4114800" cy="1885950"/>
+          </a:xfrm>
+          <a:prstGeom prst="rect">
+            <a:avLst/>
+          </a:prstGeom>
+          <a:ln>
+            <a:solidFill>
+              <a:schemeClr val="tx1">
+                <a:lumMod val="75000"/>
+                <a:lumOff val="25000"/>
+              </a:schemeClr>
+            </a:solidFill>
+          </a:ln>
+        </p:spPr>
+      </p:pic>
+      <p:pic>
+        <p:nvPicPr>
+          <p:cNvPr id="5" name="Picture 4"/>
+          <p:cNvPicPr>
+            <a:picLocks noChangeAspect="1"/>
+          </p:cNvPicPr>
+          <p:nvPr/>
+        </p:nvPicPr>
+        <p:blipFill>
+          <a:blip r:embed="rId3"/>
+          <a:stretch>
+            <a:fillRect/>
+          </a:stretch>
+        </p:blipFill>
+        <p:spPr>
+          <a:xfrm>
+            <a:off x="5410200" y="2286000"/>
+            <a:ext cx="2352675" cy="3114675"/>
+          </a:xfrm>
+          <a:prstGeom prst="rect">
+            <a:avLst/>
+          </a:prstGeom>
+          <a:ln>
+            <a:solidFill>
+              <a:schemeClr val="tx1">
+                <a:lumMod val="75000"/>
+                <a:lumOff val="25000"/>
+              </a:schemeClr>
+            </a:solidFill>
+          </a:ln>
+        </p:spPr>
+      </p:pic>
+    </p:spTree>
+    <p:extLst>
+      <p:ext uri="{BB962C8B-B14F-4D97-AF65-F5344CB8AC3E}">
+        <p14:creationId xmlns:p14="http://schemas.microsoft.com/office/powerpoint/2010/main" val="2214551276"/>
+      </p:ext>
+    </p:extLst>
+  </p:cSld>
+  <p:clrMapOvr>
+    <a:masterClrMapping/>
+  </p:clrMapOvr>
+</p:sld>
+</file>
+
+<file path=ppt/slides/slide46.xml><?xml version="1.0" encoding="utf-8"?>
+<p:sld xmlns:a="http://schemas.openxmlformats.org/drawingml/2006/main" xmlns:r="http://schemas.openxmlformats.org/officeDocument/2006/relationships" xmlns:p="http://schemas.openxmlformats.org/presentationml/2006/main">
+  <p:cSld>
+    <p:spTree>
+      <p:nvGrpSpPr>
+        <p:cNvPr id="1" name=""/>
+        <p:cNvGrpSpPr/>
+        <p:nvPr/>
+      </p:nvGrpSpPr>
+      <p:grpSpPr>
+        <a:xfrm>
+          <a:off x="0" y="0"/>
+          <a:ext cx="0" cy="0"/>
+          <a:chOff x="0" y="0"/>
+          <a:chExt cx="0" cy="0"/>
+        </a:xfrm>
+      </p:grpSpPr>
+      <p:sp>
+        <p:nvSpPr>
+          <p:cNvPr id="2" name="Title 1"/>
+          <p:cNvSpPr>
+            <a:spLocks noGrp="1"/>
+          </p:cNvSpPr>
+          <p:nvPr>
+            <p:ph type="title"/>
+          </p:nvPr>
+        </p:nvSpPr>
+        <p:spPr/>
+        <p:txBody>
+          <a:bodyPr/>
+          <a:lstStyle/>
+          <a:p>
+            <a:r>
+              <a:rPr lang="en-US" dirty="0"/>
+              <a:t>Agenda</a:t>
+            </a:r>
+          </a:p>
+        </p:txBody>
+      </p:sp>
+      <p:sp>
+        <p:nvSpPr>
+          <p:cNvPr id="3" name="Content Placeholder 2"/>
+          <p:cNvSpPr>
+            <a:spLocks noGrp="1"/>
+          </p:cNvSpPr>
+          <p:nvPr>
+            <p:ph idx="1"/>
+          </p:nvPr>
+        </p:nvSpPr>
+        <p:spPr/>
+        <p:txBody>
+          <a:bodyPr>
+            <a:normAutofit/>
+          </a:bodyPr>
+          <a:lstStyle/>
+          <a:p>
+            <a:pPr>
+              <a:buFont typeface="Wingdings" panose="05000000000000000000" pitchFamily="2" charset="2"/>
+              <a:buChar char="ü"/>
+            </a:pPr>
+            <a:r>
+              <a:rPr lang="en-US" dirty="0"/>
+              <a:t>Introduction to Custom Visuals in Power BI</a:t>
+            </a:r>
+          </a:p>
+          <a:p>
+            <a:pPr>
+              <a:buFont typeface="Wingdings" panose="05000000000000000000" pitchFamily="2" charset="2"/>
+              <a:buChar char="ü"/>
+            </a:pPr>
+            <a:r>
+              <a:rPr lang="en-US" dirty="0"/>
+              <a:t>Programming with Typescript and the D3 Library</a:t>
+            </a:r>
+          </a:p>
+          <a:p>
+            <a:pPr>
+              <a:buFont typeface="Wingdings" panose="05000000000000000000" pitchFamily="2" charset="2"/>
+              <a:buChar char="ü"/>
+            </a:pPr>
+            <a:r>
+              <a:rPr lang="en-US" dirty="0"/>
+              <a:t>Getting Started with the PBIVIZ Utility</a:t>
+            </a:r>
+          </a:p>
+          <a:p>
+            <a:pPr>
+              <a:buFont typeface="Wingdings" panose="05000000000000000000" pitchFamily="2" charset="2"/>
+              <a:buChar char="ü"/>
+            </a:pPr>
+            <a:r>
+              <a:rPr lang="en-US" dirty="0"/>
+              <a:t>Developing Custom Visuals for Power BI</a:t>
+            </a:r>
+          </a:p>
+          <a:p>
+            <a:pPr>
+              <a:buFont typeface="Wingdings" panose="05000000000000000000" pitchFamily="2" charset="2"/>
+              <a:buChar char="Ø"/>
+            </a:pPr>
+            <a:r>
+              <a:rPr lang="en-US" dirty="0"/>
+              <a:t>Packaging and Distribution Custom Visuals</a:t>
+            </a:r>
+          </a:p>
+          <a:p>
+            <a:endParaRPr lang="en-US" dirty="0"/>
+          </a:p>
+        </p:txBody>
+      </p:sp>
+    </p:spTree>
+    <p:extLst>
+      <p:ext uri="{BB962C8B-B14F-4D97-AF65-F5344CB8AC3E}">
+        <p14:creationId xmlns:p14="http://schemas.microsoft.com/office/powerpoint/2010/main" val="332126416"/>
+      </p:ext>
+    </p:extLst>
+  </p:cSld>
+  <p:clrMapOvr>
+    <a:masterClrMapping/>
+  </p:clrMapOvr>
+</p:sld>
+</file>
+
+<file path=ppt/slides/slide47.xml><?xml version="1.0" encoding="utf-8"?>
+<p:sld xmlns:a="http://schemas.openxmlformats.org/drawingml/2006/main" xmlns:r="http://schemas.openxmlformats.org/officeDocument/2006/relationships" xmlns:p="http://schemas.openxmlformats.org/presentationml/2006/main">
+  <p:cSld>
+    <p:spTree>
+      <p:nvGrpSpPr>
+        <p:cNvPr id="1" name=""/>
+        <p:cNvGrpSpPr/>
+        <p:nvPr/>
+      </p:nvGrpSpPr>
+      <p:grpSpPr>
+        <a:xfrm>
+          <a:off x="0" y="0"/>
+          <a:ext cx="0" cy="0"/>
+          <a:chOff x="0" y="0"/>
+          <a:chExt cx="0" cy="0"/>
+        </a:xfrm>
+      </p:grpSpPr>
+      <p:sp>
+        <p:nvSpPr>
+          <p:cNvPr id="2" name="Title 1"/>
+          <p:cNvSpPr>
+            <a:spLocks noGrp="1"/>
+          </p:cNvSpPr>
+          <p:nvPr>
+            <p:ph type="title"/>
+          </p:nvPr>
+        </p:nvSpPr>
+        <p:spPr/>
+        <p:txBody>
+          <a:bodyPr/>
+          <a:lstStyle/>
+          <a:p>
+            <a:r>
+              <a:rPr lang="en-US" dirty="0"/>
+              <a:t>Summary</a:t>
+            </a:r>
+          </a:p>
+        </p:txBody>
+      </p:sp>
+      <p:sp>
+        <p:nvSpPr>
+          <p:cNvPr id="3" name="Content Placeholder 2"/>
+          <p:cNvSpPr>
+            <a:spLocks noGrp="1"/>
+          </p:cNvSpPr>
+          <p:nvPr>
+            <p:ph idx="1"/>
+          </p:nvPr>
+        </p:nvSpPr>
+        <p:spPr/>
+        <p:txBody>
+          <a:bodyPr>
+            <a:normAutofit/>
+          </a:bodyPr>
+          <a:lstStyle/>
+          <a:p>
+            <a:pPr>
+              <a:buFont typeface="Wingdings" panose="05000000000000000000" pitchFamily="2" charset="2"/>
+              <a:buChar char="ü"/>
+            </a:pPr>
+            <a:r>
+              <a:rPr lang="en-US" dirty="0"/>
+              <a:t>Introduction to Custom Visuals in Power BI</a:t>
+            </a:r>
+          </a:p>
+          <a:p>
+            <a:pPr>
+              <a:buFont typeface="Wingdings" panose="05000000000000000000" pitchFamily="2" charset="2"/>
+              <a:buChar char="ü"/>
+            </a:pPr>
+            <a:r>
+              <a:rPr lang="en-US" dirty="0"/>
+              <a:t>Programming in Typescript</a:t>
+            </a:r>
+          </a:p>
+          <a:p>
+            <a:pPr>
+              <a:buFont typeface="Wingdings" panose="05000000000000000000" pitchFamily="2" charset="2"/>
+              <a:buChar char="ü"/>
+            </a:pPr>
+            <a:r>
+              <a:rPr lang="en-US" dirty="0"/>
+              <a:t>Programming with the D3 Library</a:t>
+            </a:r>
+          </a:p>
+          <a:p>
+            <a:pPr>
+              <a:buFont typeface="Wingdings" panose="05000000000000000000" pitchFamily="2" charset="2"/>
+              <a:buChar char="ü"/>
+            </a:pPr>
+            <a:r>
+              <a:rPr lang="en-US" dirty="0"/>
+              <a:t>Getting Started with the PBIVIZ Utility</a:t>
+            </a:r>
+          </a:p>
+          <a:p>
+            <a:pPr>
+              <a:buFont typeface="Wingdings" panose="05000000000000000000" pitchFamily="2" charset="2"/>
+              <a:buChar char="ü"/>
+            </a:pPr>
+            <a:r>
+              <a:rPr lang="en-US" dirty="0"/>
+              <a:t>Designing and Implementing Custom Visuals</a:t>
+            </a:r>
+          </a:p>
+          <a:p>
+            <a:pPr>
+              <a:buFont typeface="Wingdings" panose="05000000000000000000" pitchFamily="2" charset="2"/>
+              <a:buChar char="ü"/>
+            </a:pPr>
+            <a:r>
+              <a:rPr lang="en-US" dirty="0"/>
+              <a:t>Packaging and Distribution Custom Visuals</a:t>
+            </a:r>
+          </a:p>
+          <a:p>
+            <a:pPr>
+              <a:buFont typeface="Wingdings" panose="05000000000000000000" pitchFamily="2" charset="2"/>
+              <a:buChar char="ü"/>
+            </a:pPr>
+            <a:endParaRPr lang="en-US" dirty="0"/>
+          </a:p>
+        </p:txBody>
+      </p:sp>
+    </p:spTree>
+    <p:extLst>
+      <p:ext uri="{BB962C8B-B14F-4D97-AF65-F5344CB8AC3E}">
+        <p14:creationId xmlns:p14="http://schemas.microsoft.com/office/powerpoint/2010/main" val="879531013"/>
+      </p:ext>
+    </p:extLst>
+  </p:cSld>
+  <p:clrMapOvr>
+    <a:masterClrMapping/>
+  </p:clrMapOvr>
+</p:sld>
+</file>
+
+<file path=ppt/slides/slide48.xml><?xml version="1.0" encoding="utf-8"?>
+<p:sld xmlns:a="http://schemas.openxmlformats.org/drawingml/2006/main" xmlns:r="http://schemas.openxmlformats.org/officeDocument/2006/relationships" xmlns:p="http://schemas.openxmlformats.org/presentationml/2006/main">
+  <p:cSld>
+    <p:spTree>
+      <p:nvGrpSpPr>
+        <p:cNvPr id="1" name=""/>
+        <p:cNvGrpSpPr/>
+        <p:nvPr/>
+      </p:nvGrpSpPr>
+      <p:grpSpPr>
+        <a:xfrm>
+          <a:off x="0" y="0"/>
+          <a:ext cx="0" cy="0"/>
+          <a:chOff x="0" y="0"/>
+          <a:chExt cx="0" cy="0"/>
+        </a:xfrm>
+      </p:grpSpPr>
+      <p:sp>
+        <p:nvSpPr>
+          <p:cNvPr id="2" name="Title 1"/>
+          <p:cNvSpPr>
+            <a:spLocks noGrp="1"/>
+          </p:cNvSpPr>
+          <p:nvPr>
+            <p:ph type="title"/>
+          </p:nvPr>
+        </p:nvSpPr>
+        <p:spPr/>
+        <p:txBody>
+          <a:bodyPr/>
+          <a:lstStyle/>
+          <a:p>
+            <a:r>
+              <a:rPr lang="en-US" dirty="0"/>
+              <a:t>Summary</a:t>
+            </a:r>
+          </a:p>
+        </p:txBody>
+      </p:sp>
+      <p:sp>
+        <p:nvSpPr>
+          <p:cNvPr id="3" name="Content Placeholder 2"/>
+          <p:cNvSpPr>
+            <a:spLocks noGrp="1"/>
+          </p:cNvSpPr>
+          <p:nvPr>
+            <p:ph idx="1"/>
+          </p:nvPr>
+        </p:nvSpPr>
+        <p:spPr/>
+        <p:txBody>
+          <a:bodyPr>
+            <a:normAutofit/>
+          </a:bodyPr>
+          <a:lstStyle/>
+          <a:p>
+            <a:pPr>
+              <a:buFont typeface="Wingdings" panose="05000000000000000000" pitchFamily="2" charset="2"/>
+              <a:buChar char="ü"/>
+            </a:pPr>
+            <a:r>
+              <a:rPr lang="en-US" dirty="0"/>
+              <a:t>Introduction to Custom Visuals in Power BI</a:t>
+            </a:r>
+          </a:p>
+          <a:p>
+            <a:pPr>
+              <a:buFont typeface="Wingdings" panose="05000000000000000000" pitchFamily="2" charset="2"/>
+              <a:buChar char="ü"/>
+            </a:pPr>
+            <a:r>
+              <a:rPr lang="en-US" dirty="0"/>
+              <a:t>Programming with Typescript and the D3 Library</a:t>
+            </a:r>
+          </a:p>
+          <a:p>
+            <a:pPr>
+              <a:buFont typeface="Wingdings" panose="05000000000000000000" pitchFamily="2" charset="2"/>
+              <a:buChar char="ü"/>
+            </a:pPr>
+            <a:r>
+              <a:rPr lang="en-US" dirty="0"/>
+              <a:t>Getting Started with the PBIVIZ Utility</a:t>
+            </a:r>
+          </a:p>
+          <a:p>
+            <a:pPr>
+              <a:buFont typeface="Wingdings" panose="05000000000000000000" pitchFamily="2" charset="2"/>
+              <a:buChar char="ü"/>
+            </a:pPr>
+            <a:r>
+              <a:rPr lang="en-US" dirty="0"/>
+              <a:t>Developing Custom Visuals for Power BI</a:t>
+            </a:r>
+          </a:p>
+          <a:p>
+            <a:pPr>
+              <a:buFont typeface="Wingdings" panose="05000000000000000000" pitchFamily="2" charset="2"/>
+              <a:buChar char="ü"/>
+            </a:pPr>
+            <a:r>
+              <a:rPr lang="en-US" dirty="0"/>
+              <a:t>Packaging and Distribution Custom Visuals</a:t>
+            </a:r>
+          </a:p>
+          <a:p>
+            <a:pPr>
+              <a:buFont typeface="Wingdings" panose="05000000000000000000" pitchFamily="2" charset="2"/>
+              <a:buChar char="ü"/>
+            </a:pPr>
+            <a:endParaRPr lang="en-US" dirty="0"/>
+          </a:p>
+        </p:txBody>
+      </p:sp>
+    </p:spTree>
+    <p:extLst>
+      <p:ext uri="{BB962C8B-B14F-4D97-AF65-F5344CB8AC3E}">
+        <p14:creationId xmlns:p14="http://schemas.microsoft.com/office/powerpoint/2010/main" val="1534138259"/>
+      </p:ext>
+    </p:extLst>
+  </p:cSld>
+  <p:clrMapOvr>
+    <a:masterClrMapping/>
+  </p:clrMapOvr>
+</p:sld>
+</file>
+
+<file path=ppt/slides/slide49.xml><?xml version="1.0" encoding="utf-8"?>
+<p:sld xmlns:a="http://schemas.openxmlformats.org/drawingml/2006/main" xmlns:r="http://schemas.openxmlformats.org/officeDocument/2006/relationships" xmlns:p="http://schemas.openxmlformats.org/presentationml/2006/main">
+  <p:cSld>
+    <p:spTree>
+      <p:nvGrpSpPr>
+        <p:cNvPr id="1" name=""/>
+        <p:cNvGrpSpPr/>
+        <p:nvPr/>
+      </p:nvGrpSpPr>
+      <p:grpSpPr>
+        <a:xfrm>
+          <a:off x="0" y="0"/>
+          <a:ext cx="0" cy="0"/>
+          <a:chOff x="0" y="0"/>
+          <a:chExt cx="0" cy="0"/>
+        </a:xfrm>
+      </p:grpSpPr>
+      <p:sp>
+        <p:nvSpPr>
+          <p:cNvPr id="2" name="Title 1"/>
+          <p:cNvSpPr>
+            <a:spLocks noGrp="1"/>
+          </p:cNvSpPr>
+          <p:nvPr>
+            <p:ph type="title"/>
+          </p:nvPr>
+        </p:nvSpPr>
+        <p:spPr/>
+        <p:txBody>
+          <a:bodyPr/>
+          <a:lstStyle/>
+          <a:p>
+            <a:r>
+              <a:rPr lang="en-US" dirty="0"/>
+              <a:t>Install the Power BI Developer Toolchain</a:t>
+            </a:r>
+          </a:p>
+        </p:txBody>
+      </p:sp>
+      <p:sp>
+        <p:nvSpPr>
+          <p:cNvPr id="3" name="Content Placeholder 2"/>
+          <p:cNvSpPr>
+            <a:spLocks noGrp="1"/>
+          </p:cNvSpPr>
+          <p:nvPr>
+            <p:ph idx="1"/>
+          </p:nvPr>
+        </p:nvSpPr>
+        <p:spPr/>
+        <p:txBody>
+          <a:bodyPr>
+            <a:noAutofit/>
+          </a:bodyPr>
+          <a:lstStyle/>
+          <a:p>
+            <a:r>
+              <a:rPr lang="en-US" sz="2400" dirty="0"/>
+              <a:t>Install Node.JS</a:t>
+            </a:r>
+          </a:p>
+          <a:p>
+            <a:pPr lvl="1"/>
+            <a:r>
+              <a:rPr lang="en-US" sz="2000" dirty="0"/>
               <a:t>Version 5.0 recommended - 4.0+ minimum</a:t>
             </a:r>
           </a:p>
@@ -4844,7 +10902,149 @@
 </p:sld>
 </file>
 
-<file path=ppt/slides/slide24.xml><?xml version="1.0" encoding="utf-8"?>
+<file path=ppt/slides/slide5.xml><?xml version="1.0" encoding="utf-8"?>
+<p:sld xmlns:a="http://schemas.openxmlformats.org/drawingml/2006/main" xmlns:r="http://schemas.openxmlformats.org/officeDocument/2006/relationships" xmlns:p="http://schemas.openxmlformats.org/presentationml/2006/main">
+  <p:cSld>
+    <p:spTree>
+      <p:nvGrpSpPr>
+        <p:cNvPr id="1" name=""/>
+        <p:cNvGrpSpPr/>
+        <p:nvPr/>
+      </p:nvGrpSpPr>
+      <p:grpSpPr>
+        <a:xfrm>
+          <a:off x="0" y="0"/>
+          <a:ext cx="0" cy="0"/>
+          <a:chOff x="0" y="0"/>
+          <a:chExt cx="0" cy="0"/>
+        </a:xfrm>
+      </p:grpSpPr>
+      <p:sp>
+        <p:nvSpPr>
+          <p:cNvPr id="2" name="Title 1"/>
+          <p:cNvSpPr>
+            <a:spLocks noGrp="1"/>
+          </p:cNvSpPr>
+          <p:nvPr>
+            <p:ph type="title"/>
+          </p:nvPr>
+        </p:nvSpPr>
+        <p:spPr/>
+        <p:txBody>
+          <a:bodyPr/>
+          <a:lstStyle/>
+          <a:p>
+            <a:r>
+              <a:rPr lang="en-US"/>
+              <a:t>Custom Visual Gallery</a:t>
+            </a:r>
+            <a:endParaRPr lang="en-US" dirty="0"/>
+          </a:p>
+        </p:txBody>
+      </p:sp>
+      <p:sp>
+        <p:nvSpPr>
+          <p:cNvPr id="3" name="Content Placeholder 2"/>
+          <p:cNvSpPr>
+            <a:spLocks noGrp="1"/>
+          </p:cNvSpPr>
+          <p:nvPr>
+            <p:ph idx="1"/>
+          </p:nvPr>
+        </p:nvSpPr>
+        <p:spPr/>
+        <p:txBody>
+          <a:bodyPr>
+            <a:normAutofit/>
+          </a:bodyPr>
+          <a:lstStyle/>
+          <a:p>
+            <a:r>
+              <a:rPr lang="en-US" sz="2400" dirty="0"/>
+              <a:t>Power BI Framework for Visuals is Extensible</a:t>
+            </a:r>
+          </a:p>
+          <a:p>
+            <a:pPr lvl="1"/>
+            <a:r>
+              <a:rPr lang="en-US" sz="2000" dirty="0"/>
+              <a:t>Developers can extend Power BI with Custom Visuals</a:t>
+            </a:r>
+          </a:p>
+          <a:p>
+            <a:pPr lvl="1"/>
+            <a:r>
+              <a:rPr lang="en-US" sz="2000" dirty="0"/>
+              <a:t>Microsoft Hosts gallery of custom visuals</a:t>
+            </a:r>
+          </a:p>
+          <a:p>
+            <a:pPr lvl="1"/>
+            <a:r>
+              <a:rPr lang="en-US" sz="2000" dirty="0"/>
+              <a:t>Gallery located at </a:t>
+            </a:r>
+            <a:r>
+              <a:rPr lang="en-US" sz="2000" dirty="0">
+                <a:hlinkClick r:id="rId2"/>
+              </a:rPr>
+              <a:t>https://app.powerbi.com/visuals/</a:t>
+            </a:r>
+            <a:r>
+              <a:rPr lang="en-US" sz="2000" dirty="0"/>
+              <a:t> </a:t>
+            </a:r>
+          </a:p>
+          <a:p>
+            <a:endParaRPr lang="en-US" sz="2400" dirty="0"/>
+          </a:p>
+        </p:txBody>
+      </p:sp>
+      <p:pic>
+        <p:nvPicPr>
+          <p:cNvPr id="4" name="Picture 3"/>
+          <p:cNvPicPr>
+            <a:picLocks noChangeAspect="1"/>
+          </p:cNvPicPr>
+          <p:nvPr/>
+        </p:nvPicPr>
+        <p:blipFill>
+          <a:blip r:embed="rId3"/>
+          <a:stretch>
+            <a:fillRect/>
+          </a:stretch>
+        </p:blipFill>
+        <p:spPr>
+          <a:xfrm>
+            <a:off x="1143000" y="3200400"/>
+            <a:ext cx="6124035" cy="3200400"/>
+          </a:xfrm>
+          <a:prstGeom prst="rect">
+            <a:avLst/>
+          </a:prstGeom>
+          <a:ln>
+            <a:solidFill>
+              <a:schemeClr val="bg1">
+                <a:lumMod val="50000"/>
+              </a:schemeClr>
+            </a:solidFill>
+          </a:ln>
+        </p:spPr>
+      </p:pic>
+    </p:spTree>
+    <p:extLst>
+      <p:ext uri="{BB962C8B-B14F-4D97-AF65-F5344CB8AC3E}">
+        <p14:creationId xmlns:p14="http://schemas.microsoft.com/office/powerpoint/2010/main" val="29625347"/>
+      </p:ext>
+    </p:extLst>
+  </p:cSld>
+  <p:clrMapOvr>
+    <a:masterClrMapping/>
+  </p:clrMapOvr>
+</p:sld>
+</file>
+
+<file path=ppt/slides/slide50.xml><?xml version="1.0" encoding="utf-8"?>
 <p:sld xmlns:a="http://schemas.openxmlformats.org/drawingml/2006/main" xmlns:r="http://schemas.openxmlformats.org/officeDocument/2006/relationships" xmlns:p="http://schemas.openxmlformats.org/presentationml/2006/main">
   <p:cSld>
     <p:spTree>
@@ -5190,7 +11390,7 @@
 </p:sld>
 </file>
 
-<file path=ppt/slides/slide25.xml><?xml version="1.0" encoding="utf-8"?>
+<file path=ppt/slides/slide51.xml><?xml version="1.0" encoding="utf-8"?>
 <p:sld xmlns:a="http://schemas.openxmlformats.org/drawingml/2006/main" xmlns:r="http://schemas.openxmlformats.org/officeDocument/2006/relationships" xmlns:p="http://schemas.openxmlformats.org/presentationml/2006/main">
   <p:cSld>
     <p:spTree>
@@ -5462,7 +11662,7 @@
 </p:sld>
 </file>
 
-<file path=ppt/slides/slide26.xml><?xml version="1.0" encoding="utf-8"?>
+<file path=ppt/slides/slide52.xml><?xml version="1.0" encoding="utf-8"?>
 <p:sld xmlns:a="http://schemas.openxmlformats.org/drawingml/2006/main" xmlns:r="http://schemas.openxmlformats.org/officeDocument/2006/relationships" xmlns:p="http://schemas.openxmlformats.org/presentationml/2006/main">
   <p:cSld>
     <p:spTree>
@@ -5646,7 +11846,7 @@
 </p:sld>
 </file>
 
-<file path=ppt/slides/slide27.xml><?xml version="1.0" encoding="utf-8"?>
+<file path=ppt/slides/slide53.xml><?xml version="1.0" encoding="utf-8"?>
 <p:sld xmlns:a="http://schemas.openxmlformats.org/drawingml/2006/main" xmlns:r="http://schemas.openxmlformats.org/officeDocument/2006/relationships" xmlns:p="http://schemas.openxmlformats.org/presentationml/2006/main">
   <p:cSld>
     <p:spTree>
@@ -5752,7 +11952,7 @@
 </p:sld>
 </file>
 
-<file path=ppt/slides/slide28.xml><?xml version="1.0" encoding="utf-8"?>
+<file path=ppt/slides/slide54.xml><?xml version="1.0" encoding="utf-8"?>
 <p:sld xmlns:a="http://schemas.openxmlformats.org/drawingml/2006/main" xmlns:r="http://schemas.openxmlformats.org/officeDocument/2006/relationships" xmlns:p="http://schemas.openxmlformats.org/presentationml/2006/main">
   <p:cSld>
     <p:spTree>
@@ -6094,7 +12294,7 @@
 </p:sld>
 </file>
 
-<file path=ppt/slides/slide29.xml><?xml version="1.0" encoding="utf-8"?>
+<file path=ppt/slides/slide55.xml><?xml version="1.0" encoding="utf-8"?>
 <p:sld xmlns:a="http://schemas.openxmlformats.org/drawingml/2006/main" xmlns:r="http://schemas.openxmlformats.org/officeDocument/2006/relationships" xmlns:p="http://schemas.openxmlformats.org/presentationml/2006/main">
   <p:cSld>
     <p:spTree>
@@ -6260,266 +12460,7 @@
 </p:sld>
 </file>
 
-<file path=ppt/slides/slide3.xml><?xml version="1.0" encoding="utf-8"?>
-<p:sld xmlns:a="http://schemas.openxmlformats.org/drawingml/2006/main" xmlns:r="http://schemas.openxmlformats.org/officeDocument/2006/relationships" xmlns:p="http://schemas.openxmlformats.org/presentationml/2006/main">
-  <p:cSld>
-    <p:spTree>
-      <p:nvGrpSpPr>
-        <p:cNvPr id="1" name=""/>
-        <p:cNvGrpSpPr/>
-        <p:nvPr/>
-      </p:nvGrpSpPr>
-      <p:grpSpPr>
-        <a:xfrm>
-          <a:off x="0" y="0"/>
-          <a:ext cx="0" cy="0"/>
-          <a:chOff x="0" y="0"/>
-          <a:chExt cx="0" cy="0"/>
-        </a:xfrm>
-      </p:grpSpPr>
-      <p:sp>
-        <p:nvSpPr>
-          <p:cNvPr id="2" name="Title 1"/>
-          <p:cNvSpPr>
-            <a:spLocks noGrp="1"/>
-          </p:cNvSpPr>
-          <p:nvPr>
-            <p:ph type="title"/>
-          </p:nvPr>
-        </p:nvSpPr>
-        <p:spPr/>
-        <p:txBody>
-          <a:bodyPr/>
-          <a:lstStyle/>
-          <a:p>
-            <a:r>
-              <a:rPr lang="en-US" dirty="0"/>
-              <a:t>Built-in Visualization Types</a:t>
-            </a:r>
-          </a:p>
-        </p:txBody>
-      </p:sp>
-      <p:sp>
-        <p:nvSpPr>
-          <p:cNvPr id="3" name="Content Placeholder 2"/>
-          <p:cNvSpPr>
-            <a:spLocks noGrp="1"/>
-          </p:cNvSpPr>
-          <p:nvPr>
-            <p:ph idx="1"/>
-          </p:nvPr>
-        </p:nvSpPr>
-        <p:spPr>
-          <a:xfrm>
-            <a:off x="533400" y="1295400"/>
-            <a:ext cx="4114800" cy="5257801"/>
-          </a:xfrm>
-        </p:spPr>
-        <p:txBody>
-          <a:bodyPr>
-            <a:noAutofit/>
-          </a:bodyPr>
-          <a:lstStyle/>
-          <a:p>
-            <a:pPr marL="182880">
-              <a:spcBef>
-                <a:spcPts val="200"/>
-              </a:spcBef>
-            </a:pPr>
-            <a:r>
-              <a:rPr lang="en-US" sz="2000" dirty="0"/>
-              <a:t>Table and Matrix</a:t>
-            </a:r>
-          </a:p>
-          <a:p>
-            <a:pPr marL="182880">
-              <a:spcBef>
-                <a:spcPts val="200"/>
-              </a:spcBef>
-            </a:pPr>
-            <a:r>
-              <a:rPr lang="en-US" sz="2000" dirty="0"/>
-              <a:t>Bar charts and Column charts</a:t>
-            </a:r>
-          </a:p>
-          <a:p>
-            <a:pPr marL="182880">
-              <a:spcBef>
-                <a:spcPts val="200"/>
-              </a:spcBef>
-            </a:pPr>
-            <a:r>
-              <a:rPr lang="en-US" sz="2000" dirty="0"/>
-              <a:t>Pie charts and Doughnut chart</a:t>
-            </a:r>
-          </a:p>
-          <a:p>
-            <a:pPr marL="182880">
-              <a:spcBef>
-                <a:spcPts val="200"/>
-              </a:spcBef>
-            </a:pPr>
-            <a:r>
-              <a:rPr lang="en-US" sz="2000" dirty="0"/>
-              <a:t>Line chart and Area chart</a:t>
-            </a:r>
-          </a:p>
-          <a:p>
-            <a:pPr marL="182880">
-              <a:spcBef>
-                <a:spcPts val="200"/>
-              </a:spcBef>
-            </a:pPr>
-            <a:r>
-              <a:rPr lang="en-US" sz="2000" dirty="0"/>
-              <a:t>Scatter chart and Combo charts</a:t>
-            </a:r>
-          </a:p>
-          <a:p>
-            <a:pPr marL="182880">
-              <a:spcBef>
-                <a:spcPts val="200"/>
-              </a:spcBef>
-            </a:pPr>
-            <a:r>
-              <a:rPr lang="en-US" sz="2000" dirty="0"/>
-              <a:t>Card and Multi-row Card</a:t>
-            </a:r>
-          </a:p>
-          <a:p>
-            <a:pPr marL="182880">
-              <a:spcBef>
-                <a:spcPts val="200"/>
-              </a:spcBef>
-            </a:pPr>
-            <a:r>
-              <a:rPr lang="en-US" sz="2000" dirty="0" err="1"/>
-              <a:t>Treemap</a:t>
-            </a:r>
-            <a:endParaRPr lang="en-US" sz="2000" dirty="0"/>
-          </a:p>
-          <a:p>
-            <a:pPr marL="182880">
-              <a:spcBef>
-                <a:spcPts val="200"/>
-              </a:spcBef>
-            </a:pPr>
-            <a:r>
-              <a:rPr lang="en-US" sz="2000" dirty="0"/>
-              <a:t>Waterfall charts</a:t>
-            </a:r>
-          </a:p>
-          <a:p>
-            <a:pPr marL="182880">
-              <a:spcBef>
-                <a:spcPts val="200"/>
-              </a:spcBef>
-            </a:pPr>
-            <a:r>
-              <a:rPr lang="en-US" sz="2000" dirty="0"/>
-              <a:t>Funnel charts</a:t>
-            </a:r>
-          </a:p>
-          <a:p>
-            <a:pPr marL="182880">
-              <a:spcBef>
-                <a:spcPts val="200"/>
-              </a:spcBef>
-            </a:pPr>
-            <a:r>
-              <a:rPr lang="en-US" sz="2000" dirty="0"/>
-              <a:t>Gauge charts</a:t>
-            </a:r>
-          </a:p>
-          <a:p>
-            <a:pPr marL="182880">
-              <a:spcBef>
-                <a:spcPts val="200"/>
-              </a:spcBef>
-            </a:pPr>
-            <a:r>
-              <a:rPr lang="en-US" sz="2000" dirty="0"/>
-              <a:t>Map and Filled Map</a:t>
-            </a:r>
-          </a:p>
-          <a:p>
-            <a:pPr marL="182880">
-              <a:spcBef>
-                <a:spcPts val="200"/>
-              </a:spcBef>
-            </a:pPr>
-            <a:r>
-              <a:rPr lang="en-US" sz="2000" dirty="0"/>
-              <a:t>Slicer</a:t>
-            </a:r>
-          </a:p>
-          <a:p>
-            <a:pPr marL="182880">
-              <a:spcBef>
-                <a:spcPts val="200"/>
-              </a:spcBef>
-            </a:pPr>
-            <a:r>
-              <a:rPr lang="en-US" sz="2000" dirty="0"/>
-              <a:t>R script visual</a:t>
-            </a:r>
-          </a:p>
-          <a:p>
-            <a:pPr marL="182880">
-              <a:spcBef>
-                <a:spcPts val="200"/>
-              </a:spcBef>
-            </a:pPr>
-            <a:r>
-              <a:rPr lang="en-US" sz="2000" dirty="0"/>
-              <a:t>Shape map (in preview)</a:t>
-            </a:r>
-          </a:p>
-        </p:txBody>
-      </p:sp>
-      <p:pic>
-        <p:nvPicPr>
-          <p:cNvPr id="4" name="Picture 3"/>
-          <p:cNvPicPr>
-            <a:picLocks noChangeAspect="1"/>
-          </p:cNvPicPr>
-          <p:nvPr/>
-        </p:nvPicPr>
-        <p:blipFill>
-          <a:blip r:embed="rId2"/>
-          <a:stretch>
-            <a:fillRect/>
-          </a:stretch>
-        </p:blipFill>
-        <p:spPr>
-          <a:xfrm>
-            <a:off x="5029200" y="1295400"/>
-            <a:ext cx="3581400" cy="3540235"/>
-          </a:xfrm>
-          <a:prstGeom prst="rect">
-            <a:avLst/>
-          </a:prstGeom>
-          <a:ln w="38100">
-            <a:solidFill>
-              <a:schemeClr val="tx1"/>
-            </a:solidFill>
-          </a:ln>
-        </p:spPr>
-      </p:pic>
-    </p:spTree>
-    <p:extLst>
-      <p:ext uri="{BB962C8B-B14F-4D97-AF65-F5344CB8AC3E}">
-        <p14:creationId xmlns:p14="http://schemas.microsoft.com/office/powerpoint/2010/main" val="2865928254"/>
-      </p:ext>
-    </p:extLst>
-  </p:cSld>
-  <p:clrMapOvr>
-    <a:masterClrMapping/>
-  </p:clrMapOvr>
-</p:sld>
-</file>
-
-<file path=ppt/slides/slide30.xml><?xml version="1.0" encoding="utf-8"?>
+<file path=ppt/slides/slide56.xml><?xml version="1.0" encoding="utf-8"?>
 <p:sld xmlns:a="http://schemas.openxmlformats.org/drawingml/2006/main" xmlns:r="http://schemas.openxmlformats.org/officeDocument/2006/relationships" xmlns:p="http://schemas.openxmlformats.org/presentationml/2006/main">
   <p:cSld>
     <p:spTree>
@@ -6608,7 +12549,7 @@
 </p:sld>
 </file>
 
-<file path=ppt/slides/slide31.xml><?xml version="1.0" encoding="utf-8"?>
+<file path=ppt/slides/slide57.xml><?xml version="1.0" encoding="utf-8"?>
 <p:sld xmlns:a="http://schemas.openxmlformats.org/drawingml/2006/main" xmlns:r="http://schemas.openxmlformats.org/officeDocument/2006/relationships" xmlns:p="http://schemas.openxmlformats.org/presentationml/2006/main">
   <p:cSld>
     <p:spTree>
@@ -6762,7 +12703,7 @@
 </p:sld>
 </file>
 
-<file path=ppt/slides/slide32.xml><?xml version="1.0" encoding="utf-8"?>
+<file path=ppt/slides/slide58.xml><?xml version="1.0" encoding="utf-8"?>
 <p:sld xmlns:a="http://schemas.openxmlformats.org/drawingml/2006/main" xmlns:r="http://schemas.openxmlformats.org/officeDocument/2006/relationships" xmlns:p="http://schemas.openxmlformats.org/presentationml/2006/main">
   <p:cSld>
     <p:spTree>
@@ -6971,7 +12912,7 @@
 </p:sld>
 </file>
 
-<file path=ppt/slides/slide33.xml><?xml version="1.0" encoding="utf-8"?>
+<file path=ppt/slides/slide59.xml><?xml version="1.0" encoding="utf-8"?>
 <p:sld xmlns:a="http://schemas.openxmlformats.org/drawingml/2006/main" xmlns:r="http://schemas.openxmlformats.org/officeDocument/2006/relationships" xmlns:p="http://schemas.openxmlformats.org/presentationml/2006/main">
   <p:cSld>
     <p:spTree>
@@ -7158,7 +13099,339 @@
 </p:sld>
 </file>
 
-<file path=ppt/slides/slide34.xml><?xml version="1.0" encoding="utf-8"?>
+<file path=ppt/slides/slide6.xml><?xml version="1.0" encoding="utf-8"?>
+<p:sld xmlns:a="http://schemas.openxmlformats.org/drawingml/2006/main" xmlns:r="http://schemas.openxmlformats.org/officeDocument/2006/relationships" xmlns:p="http://schemas.openxmlformats.org/presentationml/2006/main">
+  <p:cSld>
+    <p:spTree>
+      <p:nvGrpSpPr>
+        <p:cNvPr id="1" name=""/>
+        <p:cNvGrpSpPr/>
+        <p:nvPr/>
+      </p:nvGrpSpPr>
+      <p:grpSpPr>
+        <a:xfrm>
+          <a:off x="0" y="0"/>
+          <a:ext cx="0" cy="0"/>
+          <a:chOff x="0" y="0"/>
+          <a:chExt cx="0" cy="0"/>
+        </a:xfrm>
+      </p:grpSpPr>
+      <p:sp>
+        <p:nvSpPr>
+          <p:cNvPr id="2" name="Title 1"/>
+          <p:cNvSpPr>
+            <a:spLocks noGrp="1"/>
+          </p:cNvSpPr>
+          <p:nvPr>
+            <p:ph type="title"/>
+          </p:nvPr>
+        </p:nvSpPr>
+        <p:spPr/>
+        <p:txBody>
+          <a:bodyPr/>
+          <a:lstStyle/>
+          <a:p>
+            <a:r>
+              <a:rPr lang="en-US" dirty="0"/>
+              <a:t>Downloading &amp; Importing a Custom Visual</a:t>
+            </a:r>
+          </a:p>
+        </p:txBody>
+      </p:sp>
+      <p:sp>
+        <p:nvSpPr>
+          <p:cNvPr id="3" name="Content Placeholder 2"/>
+          <p:cNvSpPr>
+            <a:spLocks noGrp="1"/>
+          </p:cNvSpPr>
+          <p:nvPr>
+            <p:ph idx="1"/>
+          </p:nvPr>
+        </p:nvSpPr>
+        <p:spPr>
+          <a:xfrm>
+            <a:off x="381000" y="1447800"/>
+            <a:ext cx="8534400" cy="5181600"/>
+          </a:xfrm>
+        </p:spPr>
+        <p:txBody>
+          <a:bodyPr>
+            <a:normAutofit/>
+          </a:bodyPr>
+          <a:lstStyle/>
+          <a:p>
+            <a:r>
+              <a:rPr lang="en-US" sz="2400" dirty="0"/>
+              <a:t>Visual must be downloaded from Visuals Gallery</a:t>
+            </a:r>
+          </a:p>
+          <a:p>
+            <a:pPr lvl="1"/>
+            <a:r>
+              <a:rPr lang="en-US" sz="2000" dirty="0"/>
+              <a:t>Custom Visual files packaged in PBIVIZ File</a:t>
+            </a:r>
+          </a:p>
+          <a:p>
+            <a:pPr lvl="1"/>
+            <a:r>
+              <a:rPr lang="en-US" sz="2000" dirty="0"/>
+              <a:t>Custom Visual can be imported into Power BI Desktop project</a:t>
+            </a:r>
+          </a:p>
+          <a:p>
+            <a:pPr lvl="1"/>
+            <a:r>
+              <a:rPr lang="en-US" sz="2000" dirty="0"/>
+              <a:t>Custom Visual can be imported into workspace in Power BI service</a:t>
+            </a:r>
+          </a:p>
+        </p:txBody>
+      </p:sp>
+      <p:pic>
+        <p:nvPicPr>
+          <p:cNvPr id="4" name="Picture 3"/>
+          <p:cNvPicPr/>
+          <p:nvPr/>
+        </p:nvPicPr>
+        <p:blipFill>
+          <a:blip r:embed="rId2" cstate="print">
+            <a:extLst>
+              <a:ext uri="{28A0092B-C50C-407E-A947-70E740481C1C}">
+                <a14:useLocalDpi xmlns:a14="http://schemas.microsoft.com/office/drawing/2010/main" val="0"/>
+              </a:ext>
+            </a:extLst>
+          </a:blip>
+          <a:srcRect/>
+          <a:stretch>
+            <a:fillRect/>
+          </a:stretch>
+        </p:blipFill>
+        <p:spPr bwMode="auto">
+          <a:xfrm>
+            <a:off x="685800" y="3657600"/>
+            <a:ext cx="3334804" cy="1752600"/>
+          </a:xfrm>
+          <a:prstGeom prst="rect">
+            <a:avLst/>
+          </a:prstGeom>
+          <a:noFill/>
+          <a:ln>
+            <a:solidFill>
+              <a:schemeClr val="tx1"/>
+            </a:solidFill>
+          </a:ln>
+        </p:spPr>
+      </p:pic>
+      <p:sp>
+        <p:nvSpPr>
+          <p:cNvPr id="5" name="Rectangle: Single Corner Snipped 4"/>
+          <p:cNvSpPr/>
+          <p:nvPr/>
+        </p:nvSpPr>
+        <p:spPr>
+          <a:xfrm>
+            <a:off x="4457700" y="4227286"/>
+            <a:ext cx="838200" cy="685800"/>
+          </a:xfrm>
+          <a:prstGeom prst="snip1Rect">
+            <a:avLst/>
+          </a:prstGeom>
+        </p:spPr>
+        <p:style>
+          <a:lnRef idx="2">
+            <a:schemeClr val="accent1">
+              <a:shade val="50000"/>
+            </a:schemeClr>
+          </a:lnRef>
+          <a:fillRef idx="1">
+            <a:schemeClr val="accent1"/>
+          </a:fillRef>
+          <a:effectRef idx="0">
+            <a:schemeClr val="accent1"/>
+          </a:effectRef>
+          <a:fontRef idx="minor">
+            <a:schemeClr val="lt1"/>
+          </a:fontRef>
+        </p:style>
+        <p:txBody>
+          <a:bodyPr rtlCol="0" anchor="ctr"/>
+          <a:lstStyle/>
+          <a:p>
+            <a:pPr algn="ctr"/>
+            <a:r>
+              <a:rPr lang="en-US" sz="1200" dirty="0"/>
+              <a:t>PBIVIZ</a:t>
+            </a:r>
+          </a:p>
+        </p:txBody>
+      </p:sp>
+      <p:sp>
+        <p:nvSpPr>
+          <p:cNvPr id="6" name="Rectangle 5"/>
+          <p:cNvSpPr/>
+          <p:nvPr/>
+        </p:nvSpPr>
+        <p:spPr>
+          <a:xfrm>
+            <a:off x="6400800" y="3276600"/>
+            <a:ext cx="1828800" cy="1143000"/>
+          </a:xfrm>
+          <a:prstGeom prst="rect">
+            <a:avLst/>
+          </a:prstGeom>
+        </p:spPr>
+        <p:style>
+          <a:lnRef idx="2">
+            <a:schemeClr val="accent1">
+              <a:shade val="50000"/>
+            </a:schemeClr>
+          </a:lnRef>
+          <a:fillRef idx="1">
+            <a:schemeClr val="accent1"/>
+          </a:fillRef>
+          <a:effectRef idx="0">
+            <a:schemeClr val="accent1"/>
+          </a:effectRef>
+          <a:fontRef idx="minor">
+            <a:schemeClr val="lt1"/>
+          </a:fontRef>
+        </p:style>
+        <p:txBody>
+          <a:bodyPr rtlCol="0" anchor="ctr"/>
+          <a:lstStyle/>
+          <a:p>
+            <a:pPr algn="ctr"/>
+            <a:r>
+              <a:rPr lang="en-US" dirty="0"/>
+              <a:t>Power BI Desktop Project</a:t>
+            </a:r>
+          </a:p>
+        </p:txBody>
+      </p:sp>
+      <p:sp>
+        <p:nvSpPr>
+          <p:cNvPr id="7" name="Rectangle 6"/>
+          <p:cNvSpPr/>
+          <p:nvPr/>
+        </p:nvSpPr>
+        <p:spPr>
+          <a:xfrm>
+            <a:off x="6400800" y="4570186"/>
+            <a:ext cx="1828800" cy="1143000"/>
+          </a:xfrm>
+          <a:prstGeom prst="rect">
+            <a:avLst/>
+          </a:prstGeom>
+        </p:spPr>
+        <p:style>
+          <a:lnRef idx="2">
+            <a:schemeClr val="accent1">
+              <a:shade val="50000"/>
+            </a:schemeClr>
+          </a:lnRef>
+          <a:fillRef idx="1">
+            <a:schemeClr val="accent1"/>
+          </a:fillRef>
+          <a:effectRef idx="0">
+            <a:schemeClr val="accent1"/>
+          </a:effectRef>
+          <a:fontRef idx="minor">
+            <a:schemeClr val="lt1"/>
+          </a:fontRef>
+        </p:style>
+        <p:txBody>
+          <a:bodyPr rtlCol="0" anchor="ctr"/>
+          <a:lstStyle/>
+          <a:p>
+            <a:pPr algn="ctr"/>
+            <a:r>
+              <a:rPr lang="en-US" dirty="0"/>
+              <a:t>Power BI Workspace</a:t>
+            </a:r>
+          </a:p>
+        </p:txBody>
+      </p:sp>
+      <p:cxnSp>
+        <p:nvCxnSpPr>
+          <p:cNvPr id="9" name="Straight Arrow Connector 8"/>
+          <p:cNvCxnSpPr/>
+          <p:nvPr/>
+        </p:nvCxnSpPr>
+        <p:spPr>
+          <a:xfrm flipV="1">
+            <a:off x="5562600" y="4038600"/>
+            <a:ext cx="685800" cy="381000"/>
+          </a:xfrm>
+          <a:prstGeom prst="straightConnector1">
+            <a:avLst/>
+          </a:prstGeom>
+          <a:ln>
+            <a:tailEnd type="triangle"/>
+          </a:ln>
+        </p:spPr>
+        <p:style>
+          <a:lnRef idx="1">
+            <a:schemeClr val="accent1"/>
+          </a:lnRef>
+          <a:fillRef idx="0">
+            <a:schemeClr val="accent1"/>
+          </a:fillRef>
+          <a:effectRef idx="0">
+            <a:schemeClr val="accent1"/>
+          </a:effectRef>
+          <a:fontRef idx="minor">
+            <a:schemeClr val="tx1"/>
+          </a:fontRef>
+        </p:style>
+      </p:cxnSp>
+      <p:cxnSp>
+        <p:nvCxnSpPr>
+          <p:cNvPr id="10" name="Straight Arrow Connector 9"/>
+          <p:cNvCxnSpPr/>
+          <p:nvPr/>
+        </p:nvCxnSpPr>
+        <p:spPr>
+          <a:xfrm>
+            <a:off x="5542643" y="4724400"/>
+            <a:ext cx="705757" cy="228600"/>
+          </a:xfrm>
+          <a:prstGeom prst="straightConnector1">
+            <a:avLst/>
+          </a:prstGeom>
+          <a:ln>
+            <a:tailEnd type="triangle"/>
+          </a:ln>
+        </p:spPr>
+        <p:style>
+          <a:lnRef idx="1">
+            <a:schemeClr val="accent1"/>
+          </a:lnRef>
+          <a:fillRef idx="0">
+            <a:schemeClr val="accent1"/>
+          </a:fillRef>
+          <a:effectRef idx="0">
+            <a:schemeClr val="accent1"/>
+          </a:effectRef>
+          <a:fontRef idx="minor">
+            <a:schemeClr val="tx1"/>
+          </a:fontRef>
+        </p:style>
+      </p:cxnSp>
+    </p:spTree>
+    <p:extLst>
+      <p:ext uri="{BB962C8B-B14F-4D97-AF65-F5344CB8AC3E}">
+        <p14:creationId xmlns:p14="http://schemas.microsoft.com/office/powerpoint/2010/main" val="1128630484"/>
+      </p:ext>
+    </p:extLst>
+  </p:cSld>
+  <p:clrMapOvr>
+    <a:masterClrMapping/>
+  </p:clrMapOvr>
+</p:sld>
+</file>
+
+<file path=ppt/slides/slide60.xml><?xml version="1.0" encoding="utf-8"?>
 <p:sld xmlns:a="http://schemas.openxmlformats.org/drawingml/2006/main" xmlns:r="http://schemas.openxmlformats.org/officeDocument/2006/relationships" xmlns:p="http://schemas.openxmlformats.org/presentationml/2006/main">
   <p:cSld>
     <p:spTree>
@@ -7278,7 +13551,7 @@
 </p:sld>
 </file>
 
-<file path=ppt/slides/slide35.xml><?xml version="1.0" encoding="utf-8"?>
+<file path=ppt/slides/slide61.xml><?xml version="1.0" encoding="utf-8"?>
 <p:sld xmlns:a="http://schemas.openxmlformats.org/drawingml/2006/main" xmlns:r="http://schemas.openxmlformats.org/officeDocument/2006/relationships" xmlns:p="http://schemas.openxmlformats.org/presentationml/2006/main">
   <p:cSld>
     <p:spTree>
@@ -7384,7 +13657,7 @@
 </p:sld>
 </file>
 
-<file path=ppt/slides/slide36.xml><?xml version="1.0" encoding="utf-8"?>
+<file path=ppt/slides/slide62.xml><?xml version="1.0" encoding="utf-8"?>
 <p:sld xmlns:a="http://schemas.openxmlformats.org/drawingml/2006/main" xmlns:r="http://schemas.openxmlformats.org/officeDocument/2006/relationships" xmlns:p="http://schemas.openxmlformats.org/presentationml/2006/main">
   <p:cSld>
     <p:spTree>
@@ -7490,7 +13763,7 @@
 </p:sld>
 </file>
 
-<file path=ppt/slides/slide37.xml><?xml version="1.0" encoding="utf-8"?>
+<file path=ppt/slides/slide63.xml><?xml version="1.0" encoding="utf-8"?>
 <p:sld xmlns:a="http://schemas.openxmlformats.org/drawingml/2006/main" xmlns:r="http://schemas.openxmlformats.org/officeDocument/2006/relationships" xmlns:p="http://schemas.openxmlformats.org/presentationml/2006/main">
   <p:cSld>
     <p:spTree>
@@ -7786,7 +14059,7 @@
 </p:sld>
 </file>
 
-<file path=ppt/slides/slide38.xml><?xml version="1.0" encoding="utf-8"?>
+<file path=ppt/slides/slide64.xml><?xml version="1.0" encoding="utf-8"?>
 <p:sld xmlns:a="http://schemas.openxmlformats.org/drawingml/2006/main" xmlns:r="http://schemas.openxmlformats.org/officeDocument/2006/relationships" xmlns:p="http://schemas.openxmlformats.org/presentationml/2006/main">
   <p:cSld>
     <p:spTree>
@@ -7871,531 +14144,6 @@
     <p:extLst>
       <p:ext uri="{BB962C8B-B14F-4D97-AF65-F5344CB8AC3E}">
         <p14:creationId xmlns:p14="http://schemas.microsoft.com/office/powerpoint/2010/main" val="2617078640"/>
-      </p:ext>
-    </p:extLst>
-  </p:cSld>
-  <p:clrMapOvr>
-    <a:masterClrMapping/>
-  </p:clrMapOvr>
-</p:sld>
-</file>
-
-<file path=ppt/slides/slide4.xml><?xml version="1.0" encoding="utf-8"?>
-<p:sld xmlns:a="http://schemas.openxmlformats.org/drawingml/2006/main" xmlns:r="http://schemas.openxmlformats.org/officeDocument/2006/relationships" xmlns:p="http://schemas.openxmlformats.org/presentationml/2006/main">
-  <p:cSld>
-    <p:spTree>
-      <p:nvGrpSpPr>
-        <p:cNvPr id="1" name=""/>
-        <p:cNvGrpSpPr/>
-        <p:nvPr/>
-      </p:nvGrpSpPr>
-      <p:grpSpPr>
-        <a:xfrm>
-          <a:off x="0" y="0"/>
-          <a:ext cx="0" cy="0"/>
-          <a:chOff x="0" y="0"/>
-          <a:chExt cx="0" cy="0"/>
-        </a:xfrm>
-      </p:grpSpPr>
-      <p:sp>
-        <p:nvSpPr>
-          <p:cNvPr id="2" name="Title 1"/>
-          <p:cNvSpPr>
-            <a:spLocks noGrp="1"/>
-          </p:cNvSpPr>
-          <p:nvPr>
-            <p:ph type="title"/>
-          </p:nvPr>
-        </p:nvSpPr>
-        <p:spPr/>
-        <p:txBody>
-          <a:bodyPr/>
-          <a:lstStyle/>
-          <a:p>
-            <a:r>
-              <a:rPr lang="en-US" dirty="0"/>
-              <a:t>Column Chart and Bar Chart Variations</a:t>
-            </a:r>
-          </a:p>
-        </p:txBody>
-      </p:sp>
-      <p:sp>
-        <p:nvSpPr>
-          <p:cNvPr id="3" name="Content Placeholder 2"/>
-          <p:cNvSpPr>
-            <a:spLocks noGrp="1"/>
-          </p:cNvSpPr>
-          <p:nvPr>
-            <p:ph idx="1"/>
-          </p:nvPr>
-        </p:nvSpPr>
-        <p:spPr>
-          <a:xfrm>
-            <a:off x="367662" y="1143000"/>
-            <a:ext cx="8623938" cy="5181600"/>
-          </a:xfrm>
-        </p:spPr>
-        <p:txBody>
-          <a:bodyPr>
-            <a:normAutofit/>
-          </a:bodyPr>
-          <a:lstStyle/>
-          <a:p>
-            <a:r>
-              <a:rPr lang="en-US" sz="2000" dirty="0"/>
-              <a:t>Stacked Column Chart </a:t>
-            </a:r>
-            <a:r>
-              <a:rPr lang="en-US" sz="2000" dirty="0">
-                <a:solidFill>
-                  <a:schemeClr val="bg1">
-                    <a:lumMod val="65000"/>
-                  </a:schemeClr>
-                </a:solidFill>
-              </a:rPr>
-              <a:t>and</a:t>
-            </a:r>
-            <a:r>
-              <a:rPr lang="en-US" sz="2000" dirty="0"/>
-              <a:t> Clustered Column Chart</a:t>
-            </a:r>
-            <a:r>
-              <a:rPr lang="en-US" sz="1800" dirty="0"/>
-              <a:t>ed</a:t>
-            </a:r>
-          </a:p>
-          <a:p>
-            <a:pPr lvl="1"/>
-            <a:endParaRPr lang="en-US" sz="1800" dirty="0"/>
-          </a:p>
-          <a:p>
-            <a:pPr lvl="1"/>
-            <a:endParaRPr lang="en-US" sz="1800" dirty="0"/>
-          </a:p>
-          <a:p>
-            <a:pPr lvl="1"/>
-            <a:endParaRPr lang="en-US" sz="1800" dirty="0"/>
-          </a:p>
-          <a:p>
-            <a:pPr lvl="1"/>
-            <a:endParaRPr lang="en-US" sz="1800" dirty="0"/>
-          </a:p>
-          <a:p>
-            <a:pPr marL="0" indent="0">
-              <a:buNone/>
-            </a:pPr>
-            <a:endParaRPr lang="en-US" sz="2000" dirty="0"/>
-          </a:p>
-          <a:p>
-            <a:pPr marL="0" indent="0">
-              <a:buNone/>
-            </a:pPr>
-            <a:endParaRPr lang="en-US" sz="2000" dirty="0"/>
-          </a:p>
-          <a:p>
-            <a:r>
-              <a:rPr lang="en-US" sz="2000" dirty="0"/>
-              <a:t>Stacked Bar Chart </a:t>
-            </a:r>
-            <a:r>
-              <a:rPr lang="en-US" sz="2000" dirty="0">
-                <a:solidFill>
-                  <a:schemeClr val="bg1">
-                    <a:lumMod val="65000"/>
-                  </a:schemeClr>
-                </a:solidFill>
-              </a:rPr>
-              <a:t>and</a:t>
-            </a:r>
-            <a:r>
-              <a:rPr lang="en-US" sz="2000" dirty="0"/>
-              <a:t> Clustered Bar Chart</a:t>
-            </a:r>
-          </a:p>
-        </p:txBody>
-      </p:sp>
-      <p:pic>
-        <p:nvPicPr>
-          <p:cNvPr id="8" name="Picture 7"/>
-          <p:cNvPicPr>
-            <a:picLocks noChangeAspect="1"/>
-          </p:cNvPicPr>
-          <p:nvPr/>
-        </p:nvPicPr>
-        <p:blipFill>
-          <a:blip r:embed="rId2"/>
-          <a:stretch>
-            <a:fillRect/>
-          </a:stretch>
-        </p:blipFill>
-        <p:spPr>
-          <a:xfrm>
-            <a:off x="837360" y="1523999"/>
-            <a:ext cx="3903917" cy="2193989"/>
-          </a:xfrm>
-          <a:prstGeom prst="rect">
-            <a:avLst/>
-          </a:prstGeom>
-        </p:spPr>
-      </p:pic>
-      <p:pic>
-        <p:nvPicPr>
-          <p:cNvPr id="9" name="Picture 8"/>
-          <p:cNvPicPr>
-            <a:picLocks noChangeAspect="1"/>
-          </p:cNvPicPr>
-          <p:nvPr/>
-        </p:nvPicPr>
-        <p:blipFill>
-          <a:blip r:embed="rId3"/>
-          <a:stretch>
-            <a:fillRect/>
-          </a:stretch>
-        </p:blipFill>
-        <p:spPr>
-          <a:xfrm>
-            <a:off x="4888762" y="1532571"/>
-            <a:ext cx="3960495" cy="2175129"/>
-          </a:xfrm>
-          <a:prstGeom prst="rect">
-            <a:avLst/>
-          </a:prstGeom>
-        </p:spPr>
-      </p:pic>
-      <p:pic>
-        <p:nvPicPr>
-          <p:cNvPr id="10" name="Picture 9"/>
-          <p:cNvPicPr>
-            <a:picLocks noChangeAspect="1"/>
-          </p:cNvPicPr>
-          <p:nvPr/>
-        </p:nvPicPr>
-        <p:blipFill>
-          <a:blip r:embed="rId4"/>
-          <a:stretch>
-            <a:fillRect/>
-          </a:stretch>
-        </p:blipFill>
-        <p:spPr>
-          <a:xfrm>
-            <a:off x="849932" y="4175246"/>
-            <a:ext cx="3878771" cy="2225421"/>
-          </a:xfrm>
-          <a:prstGeom prst="rect">
-            <a:avLst/>
-          </a:prstGeom>
-        </p:spPr>
-      </p:pic>
-      <p:pic>
-        <p:nvPicPr>
-          <p:cNvPr id="11" name="Picture 10"/>
-          <p:cNvPicPr>
-            <a:picLocks noChangeAspect="1"/>
-          </p:cNvPicPr>
-          <p:nvPr/>
-        </p:nvPicPr>
-        <p:blipFill>
-          <a:blip r:embed="rId5"/>
-          <a:stretch>
-            <a:fillRect/>
-          </a:stretch>
-        </p:blipFill>
-        <p:spPr>
-          <a:xfrm>
-            <a:off x="4888762" y="4197237"/>
-            <a:ext cx="3910203" cy="2206562"/>
-          </a:xfrm>
-          <a:prstGeom prst="rect">
-            <a:avLst/>
-          </a:prstGeom>
-        </p:spPr>
-      </p:pic>
-    </p:spTree>
-    <p:extLst>
-      <p:ext uri="{BB962C8B-B14F-4D97-AF65-F5344CB8AC3E}">
-        <p14:creationId xmlns:p14="http://schemas.microsoft.com/office/powerpoint/2010/main" val="2521195789"/>
-      </p:ext>
-    </p:extLst>
-  </p:cSld>
-  <p:clrMapOvr>
-    <a:masterClrMapping/>
-  </p:clrMapOvr>
-</p:sld>
-</file>
-
-<file path=ppt/slides/slide5.xml><?xml version="1.0" encoding="utf-8"?>
-<p:sld xmlns:a="http://schemas.openxmlformats.org/drawingml/2006/main" xmlns:r="http://schemas.openxmlformats.org/officeDocument/2006/relationships" xmlns:p="http://schemas.openxmlformats.org/presentationml/2006/main">
-  <p:cSld>
-    <p:spTree>
-      <p:nvGrpSpPr>
-        <p:cNvPr id="1" name=""/>
-        <p:cNvGrpSpPr/>
-        <p:nvPr/>
-      </p:nvGrpSpPr>
-      <p:grpSpPr>
-        <a:xfrm>
-          <a:off x="0" y="0"/>
-          <a:ext cx="0" cy="0"/>
-          <a:chOff x="0" y="0"/>
-          <a:chExt cx="0" cy="0"/>
-        </a:xfrm>
-      </p:grpSpPr>
-      <p:sp>
-        <p:nvSpPr>
-          <p:cNvPr id="2" name="Title 1"/>
-          <p:cNvSpPr>
-            <a:spLocks noGrp="1"/>
-          </p:cNvSpPr>
-          <p:nvPr>
-            <p:ph type="title"/>
-          </p:nvPr>
-        </p:nvSpPr>
-        <p:spPr/>
-        <p:txBody>
-          <a:bodyPr/>
-          <a:lstStyle/>
-          <a:p>
-            <a:r>
-              <a:rPr lang="en-US" dirty="0"/>
-              <a:t>100% Stacked Column Chart</a:t>
-            </a:r>
-          </a:p>
-        </p:txBody>
-      </p:sp>
-      <p:sp>
-        <p:nvSpPr>
-          <p:cNvPr id="4" name="Content Placeholder 3"/>
-          <p:cNvSpPr>
-            <a:spLocks noGrp="1"/>
-          </p:cNvSpPr>
-          <p:nvPr>
-            <p:ph idx="1"/>
-          </p:nvPr>
-        </p:nvSpPr>
-        <p:spPr>
-          <a:xfrm>
-            <a:off x="266700" y="1170540"/>
-            <a:ext cx="8382000" cy="5181600"/>
-          </a:xfrm>
-        </p:spPr>
-        <p:txBody>
-          <a:bodyPr>
-            <a:normAutofit/>
-          </a:bodyPr>
-          <a:lstStyle/>
-          <a:p>
-            <a:r>
-              <a:rPr lang="en-US" sz="2400" dirty="0"/>
-              <a:t>Used to visual distribution over time across categories </a:t>
-            </a:r>
-          </a:p>
-        </p:txBody>
-      </p:sp>
-      <p:pic>
-        <p:nvPicPr>
-          <p:cNvPr id="3" name="Picture 2"/>
-          <p:cNvPicPr/>
-          <p:nvPr/>
-        </p:nvPicPr>
-        <p:blipFill rotWithShape="1">
-          <a:blip r:embed="rId2" cstate="print">
-            <a:extLst>
-              <a:ext uri="{28A0092B-C50C-407E-A947-70E740481C1C}">
-                <a14:useLocalDpi xmlns:a14="http://schemas.microsoft.com/office/drawing/2010/main" val="0"/>
-              </a:ext>
-            </a:extLst>
-          </a:blip>
-          <a:srcRect l="4273" t="3421" r="972" b="8995"/>
-          <a:stretch/>
-        </p:blipFill>
-        <p:spPr bwMode="auto">
-          <a:xfrm>
-            <a:off x="762000" y="1676400"/>
-            <a:ext cx="7620000" cy="5053568"/>
-          </a:xfrm>
-          <a:prstGeom prst="rect">
-            <a:avLst/>
-          </a:prstGeom>
-          <a:noFill/>
-          <a:ln>
-            <a:solidFill>
-              <a:schemeClr val="bg1">
-                <a:lumMod val="50000"/>
-              </a:schemeClr>
-            </a:solidFill>
-          </a:ln>
-        </p:spPr>
-      </p:pic>
-    </p:spTree>
-    <p:extLst>
-      <p:ext uri="{BB962C8B-B14F-4D97-AF65-F5344CB8AC3E}">
-        <p14:creationId xmlns:p14="http://schemas.microsoft.com/office/powerpoint/2010/main" val="2814659555"/>
-      </p:ext>
-    </p:extLst>
-  </p:cSld>
-  <p:clrMapOvr>
-    <a:masterClrMapping/>
-  </p:clrMapOvr>
-</p:sld>
-</file>
-
-<file path=ppt/slides/slide6.xml><?xml version="1.0" encoding="utf-8"?>
-<p:sld xmlns:a="http://schemas.openxmlformats.org/drawingml/2006/main" xmlns:r="http://schemas.openxmlformats.org/officeDocument/2006/relationships" xmlns:p="http://schemas.openxmlformats.org/presentationml/2006/main">
-  <p:cSld>
-    <p:spTree>
-      <p:nvGrpSpPr>
-        <p:cNvPr id="1" name=""/>
-        <p:cNvGrpSpPr/>
-        <p:nvPr/>
-      </p:nvGrpSpPr>
-      <p:grpSpPr>
-        <a:xfrm>
-          <a:off x="0" y="0"/>
-          <a:ext cx="0" cy="0"/>
-          <a:chOff x="0" y="0"/>
-          <a:chExt cx="0" cy="0"/>
-        </a:xfrm>
-      </p:grpSpPr>
-      <p:sp>
-        <p:nvSpPr>
-          <p:cNvPr id="2" name="Title 1"/>
-          <p:cNvSpPr>
-            <a:spLocks noGrp="1"/>
-          </p:cNvSpPr>
-          <p:nvPr>
-            <p:ph type="title"/>
-          </p:nvPr>
-        </p:nvSpPr>
-        <p:spPr/>
-        <p:txBody>
-          <a:bodyPr/>
-          <a:lstStyle/>
-          <a:p>
-            <a:r>
-              <a:rPr lang="en-US" dirty="0"/>
-              <a:t>Line Charts</a:t>
-            </a:r>
-          </a:p>
-        </p:txBody>
-      </p:sp>
-      <p:sp>
-        <p:nvSpPr>
-          <p:cNvPr id="6" name="Content Placeholder 5"/>
-          <p:cNvSpPr>
-            <a:spLocks noGrp="1"/>
-          </p:cNvSpPr>
-          <p:nvPr>
-            <p:ph idx="1"/>
-          </p:nvPr>
-        </p:nvSpPr>
-        <p:spPr>
-          <a:xfrm>
-            <a:off x="195196" y="1219200"/>
-            <a:ext cx="8567803" cy="5181600"/>
-          </a:xfrm>
-        </p:spPr>
-        <p:txBody>
-          <a:bodyPr>
-            <a:normAutofit/>
-          </a:bodyPr>
-          <a:lstStyle/>
-          <a:p>
-            <a:r>
-              <a:rPr lang="en-US" sz="2400" dirty="0"/>
-              <a:t>Visualizes a series of data points across X and Y axis</a:t>
-            </a:r>
-          </a:p>
-          <a:p>
-            <a:pPr lvl="1"/>
-            <a:r>
-              <a:rPr lang="en-US" sz="2000" dirty="0"/>
-              <a:t>Commonly used for time-based analysis</a:t>
-            </a:r>
-          </a:p>
-          <a:p>
-            <a:pPr lvl="1"/>
-            <a:endParaRPr lang="en-US" sz="2000" dirty="0"/>
-          </a:p>
-          <a:p>
-            <a:endParaRPr lang="en-US" sz="2400" dirty="0"/>
-          </a:p>
-          <a:p>
-            <a:pPr lvl="1"/>
-            <a:endParaRPr lang="en-US" sz="2000" dirty="0"/>
-          </a:p>
-          <a:p>
-            <a:pPr lvl="1"/>
-            <a:endParaRPr lang="en-US" sz="2000" dirty="0"/>
-          </a:p>
-          <a:p>
-            <a:pPr lvl="1"/>
-            <a:r>
-              <a:rPr lang="en-US" sz="2000" dirty="0"/>
-              <a:t>Add field to Legend to create multiple lines for comparative analysis</a:t>
-            </a:r>
-          </a:p>
-        </p:txBody>
-      </p:sp>
-      <p:pic>
-        <p:nvPicPr>
-          <p:cNvPr id="4" name="Picture 3"/>
-          <p:cNvPicPr>
-            <a:picLocks noChangeAspect="1"/>
-          </p:cNvPicPr>
-          <p:nvPr/>
-        </p:nvPicPr>
-        <p:blipFill>
-          <a:blip r:embed="rId2"/>
-          <a:stretch>
-            <a:fillRect/>
-          </a:stretch>
-        </p:blipFill>
-        <p:spPr>
-          <a:xfrm>
-            <a:off x="990600" y="2070420"/>
-            <a:ext cx="7086600" cy="1403179"/>
-          </a:xfrm>
-          <a:prstGeom prst="rect">
-            <a:avLst/>
-          </a:prstGeom>
-          <a:ln>
-            <a:solidFill>
-              <a:schemeClr val="tx1">
-                <a:lumMod val="50000"/>
-                <a:lumOff val="50000"/>
-              </a:schemeClr>
-            </a:solidFill>
-          </a:ln>
-        </p:spPr>
-      </p:pic>
-      <p:pic>
-        <p:nvPicPr>
-          <p:cNvPr id="8" name="Picture 7"/>
-          <p:cNvPicPr>
-            <a:picLocks noChangeAspect="1"/>
-          </p:cNvPicPr>
-          <p:nvPr/>
-        </p:nvPicPr>
-        <p:blipFill>
-          <a:blip r:embed="rId3"/>
-          <a:stretch>
-            <a:fillRect/>
-          </a:stretch>
-        </p:blipFill>
-        <p:spPr>
-          <a:xfrm>
-            <a:off x="850106" y="4057069"/>
-            <a:ext cx="7367588" cy="2714787"/>
-          </a:xfrm>
-          <a:prstGeom prst="rect">
-            <a:avLst/>
-          </a:prstGeom>
-        </p:spPr>
-      </p:pic>
-    </p:spTree>
-    <p:extLst>
-      <p:ext uri="{BB962C8B-B14F-4D97-AF65-F5344CB8AC3E}">
-        <p14:creationId xmlns:p14="http://schemas.microsoft.com/office/powerpoint/2010/main" val="1193229820"/>
       </p:ext>
     </p:extLst>
   </p:cSld>
@@ -8439,74 +14187,64 @@
           <a:p>
             <a:r>
               <a:rPr lang="en-US" dirty="0"/>
-              <a:t>Trend Lines</a:t>
-            </a:r>
-          </a:p>
-        </p:txBody>
-      </p:sp>
-      <p:sp>
-        <p:nvSpPr>
-          <p:cNvPr id="6" name="Content Placeholder 5"/>
-          <p:cNvSpPr>
-            <a:spLocks noGrp="1"/>
-          </p:cNvSpPr>
-          <p:nvPr>
-            <p:ph idx="1"/>
-          </p:nvPr>
-        </p:nvSpPr>
-        <p:spPr/>
-        <p:txBody>
-          <a:bodyPr/>
-          <a:lstStyle/>
-          <a:p>
-            <a:r>
-              <a:rPr lang="en-US" dirty="0"/>
-              <a:t>Used to visualize trends in series-based data</a:t>
-            </a:r>
-          </a:p>
-          <a:p>
-            <a:pPr lvl="1"/>
-            <a:r>
-              <a:rPr lang="en-US" dirty="0"/>
-              <a:t>Flattens out the ups and downs</a:t>
-            </a:r>
-          </a:p>
-          <a:p>
-            <a:pPr lvl="1"/>
-            <a:r>
-              <a:rPr lang="en-US" dirty="0"/>
-              <a:t>Used to determine if values are trending up or down</a:t>
-            </a:r>
+              <a:t>Hierarchy Slicer</a:t>
+            </a:r>
+            <a:br>
+              <a:rPr lang="en-US" dirty="0"/>
+            </a:br>
+            <a:r>
+              <a:rPr lang="en-US" sz="1800" dirty="0">
+                <a:solidFill>
+                  <a:schemeClr val="accent2">
+                    <a:lumMod val="40000"/>
+                    <a:lumOff val="60000"/>
+                  </a:schemeClr>
+                </a:solidFill>
+              </a:rPr>
+              <a:t>Visually Gratuitous Demo 1</a:t>
+            </a:r>
+            <a:endParaRPr lang="en-US" dirty="0">
+              <a:solidFill>
+                <a:schemeClr val="accent2">
+                  <a:lumMod val="40000"/>
+                  <a:lumOff val="60000"/>
+                </a:schemeClr>
+              </a:solidFill>
+            </a:endParaRPr>
           </a:p>
         </p:txBody>
       </p:sp>
       <p:pic>
         <p:nvPicPr>
-          <p:cNvPr id="5" name="Picture 4"/>
-          <p:cNvPicPr>
-            <a:picLocks noChangeAspect="1"/>
-          </p:cNvPicPr>
+          <p:cNvPr id="3" name="Picture 2"/>
+          <p:cNvPicPr/>
           <p:nvPr/>
         </p:nvPicPr>
         <p:blipFill>
-          <a:blip r:embed="rId3"/>
+          <a:blip r:embed="rId2" cstate="print">
+            <a:extLst>
+              <a:ext uri="{28A0092B-C50C-407E-A947-70E740481C1C}">
+                <a14:useLocalDpi xmlns:a14="http://schemas.microsoft.com/office/drawing/2010/main" val="0"/>
+              </a:ext>
+            </a:extLst>
+          </a:blip>
+          <a:srcRect/>
           <a:stretch>
             <a:fillRect/>
           </a:stretch>
         </p:blipFill>
-        <p:spPr>
+        <p:spPr bwMode="auto">
           <a:xfrm>
-            <a:off x="1143000" y="2971800"/>
-            <a:ext cx="7254980" cy="3561707"/>
+            <a:off x="485644" y="1600200"/>
+            <a:ext cx="7944111" cy="4572000"/>
           </a:xfrm>
           <a:prstGeom prst="rect">
             <a:avLst/>
           </a:prstGeom>
+          <a:noFill/>
           <a:ln>
             <a:solidFill>
-              <a:schemeClr val="bg1">
-                <a:lumMod val="50000"/>
-              </a:schemeClr>
+              <a:schemeClr val="tx1"/>
             </a:solidFill>
           </a:ln>
         </p:spPr>
@@ -8514,7 +14252,7 @@
     </p:spTree>
     <p:extLst>
       <p:ext uri="{BB962C8B-B14F-4D97-AF65-F5344CB8AC3E}">
-        <p14:creationId xmlns:p14="http://schemas.microsoft.com/office/powerpoint/2010/main" val="1943511939"/>
+        <p14:creationId xmlns:p14="http://schemas.microsoft.com/office/powerpoint/2010/main" val="262189658"/>
       </p:ext>
     </p:extLst>
   </p:cSld>
@@ -8558,14 +14296,14 @@
           <a:p>
             <a:r>
               <a:rPr lang="en-US" dirty="0"/>
-              <a:t>Waterfall</a:t>
+              <a:t>Developing Your Own Custom Visuals</a:t>
             </a:r>
           </a:p>
         </p:txBody>
       </p:sp>
       <p:sp>
         <p:nvSpPr>
-          <p:cNvPr id="5" name="Content Placeholder 4"/>
+          <p:cNvPr id="3" name="Content Placeholder 2"/>
           <p:cNvSpPr>
             <a:spLocks noGrp="1"/>
           </p:cNvSpPr>
@@ -8573,59 +14311,363 @@
             <p:ph idx="1"/>
           </p:nvPr>
         </p:nvSpPr>
-        <p:spPr>
-          <a:xfrm>
-            <a:off x="304800" y="1447800"/>
-            <a:ext cx="8686800" cy="5181600"/>
-          </a:xfrm>
-        </p:spPr>
+        <p:spPr/>
         <p:txBody>
-          <a:bodyPr>
-            <a:normAutofit/>
-          </a:bodyPr>
+          <a:bodyPr/>
           <a:lstStyle/>
           <a:p>
-            <a:r>
-              <a:rPr lang="en-US" sz="2000" dirty="0"/>
-              <a:t>Visualizes series-based data with positive and negative values</a:t>
+            <a:pPr>
+              <a:lnSpc>
+                <a:spcPct val="150000"/>
+              </a:lnSpc>
+            </a:pPr>
+            <a:r>
+              <a:rPr lang="en-US" dirty="0"/>
+              <a:t>What are the learning curves?</a:t>
+            </a:r>
+          </a:p>
+          <a:p>
+            <a:pPr lvl="1">
+              <a:lnSpc>
+                <a:spcPct val="150000"/>
+              </a:lnSpc>
+            </a:pPr>
+            <a:r>
+              <a:rPr lang="en-US" dirty="0"/>
+              <a:t>Programming in TypeScript</a:t>
+            </a:r>
+          </a:p>
+          <a:p>
+            <a:pPr lvl="1">
+              <a:lnSpc>
+                <a:spcPct val="150000"/>
+              </a:lnSpc>
+            </a:pPr>
+            <a:r>
+              <a:rPr lang="en-US" dirty="0"/>
+              <a:t>Learning JavaScript libraries (e.g. D3.js)</a:t>
+            </a:r>
+          </a:p>
+          <a:p>
+            <a:pPr lvl="1">
+              <a:lnSpc>
+                <a:spcPct val="150000"/>
+              </a:lnSpc>
+            </a:pPr>
+            <a:r>
+              <a:rPr lang="en-US" dirty="0"/>
+              <a:t>Getting up to speed with the PBIVIZ utility</a:t>
+            </a:r>
+          </a:p>
+          <a:p>
+            <a:pPr lvl="1">
+              <a:lnSpc>
+                <a:spcPct val="150000"/>
+              </a:lnSpc>
+            </a:pPr>
+            <a:r>
+              <a:rPr lang="en-US" dirty="0"/>
+              <a:t>Learning to design and implement custom visuals</a:t>
+            </a:r>
+          </a:p>
+          <a:p>
+            <a:pPr lvl="1">
+              <a:lnSpc>
+                <a:spcPct val="150000"/>
+              </a:lnSpc>
+            </a:pPr>
+            <a:r>
+              <a:rPr lang="en-US" dirty="0"/>
+              <a:t>Learning to package and distribute custom visuals</a:t>
             </a:r>
           </a:p>
         </p:txBody>
       </p:sp>
-      <p:pic>
-        <p:nvPicPr>
-          <p:cNvPr id="4" name="Picture 3"/>
-          <p:cNvPicPr>
-            <a:picLocks noChangeAspect="1"/>
-          </p:cNvPicPr>
-          <p:nvPr/>
-        </p:nvPicPr>
-        <p:blipFill>
-          <a:blip r:embed="rId2"/>
-          <a:stretch>
-            <a:fillRect/>
-          </a:stretch>
-        </p:blipFill>
-        <p:spPr>
-          <a:xfrm>
-            <a:off x="762000" y="1828800"/>
-            <a:ext cx="7608481" cy="4724400"/>
-          </a:xfrm>
-          <a:prstGeom prst="rect">
-            <a:avLst/>
-          </a:prstGeom>
-        </p:spPr>
-      </p:pic>
     </p:spTree>
     <p:extLst>
       <p:ext uri="{BB962C8B-B14F-4D97-AF65-F5344CB8AC3E}">
-        <p14:creationId xmlns:p14="http://schemas.microsoft.com/office/powerpoint/2010/main" val="3425346242"/>
+        <p14:creationId xmlns:p14="http://schemas.microsoft.com/office/powerpoint/2010/main" val="2160015615"/>
       </p:ext>
     </p:extLst>
   </p:cSld>
   <p:clrMapOvr>
     <a:masterClrMapping/>
   </p:clrMapOvr>
+  <p:timing>
+    <p:tnLst>
+      <p:par>
+        <p:cTn id="1" dur="indefinite" restart="never" nodeType="tmRoot">
+          <p:childTnLst>
+            <p:seq concurrent="1" nextAc="seek">
+              <p:cTn id="2" dur="indefinite" nodeType="mainSeq">
+                <p:childTnLst>
+                  <p:par>
+                    <p:cTn id="3" fill="hold">
+                      <p:stCondLst>
+                        <p:cond delay="indefinite"/>
+                      </p:stCondLst>
+                      <p:childTnLst>
+                        <p:par>
+                          <p:cTn id="4" fill="hold">
+                            <p:stCondLst>
+                              <p:cond delay="0"/>
+                            </p:stCondLst>
+                            <p:childTnLst>
+                              <p:par>
+                                <p:cTn id="5" presetID="1" presetClass="entr" presetSubtype="0" fill="hold" nodeType="clickEffect">
+                                  <p:stCondLst>
+                                    <p:cond delay="0"/>
+                                  </p:stCondLst>
+                                  <p:childTnLst>
+                                    <p:set>
+                                      <p:cBhvr>
+                                        <p:cTn id="6" dur="1" fill="hold">
+                                          <p:stCondLst>
+                                            <p:cond delay="0"/>
+                                          </p:stCondLst>
+                                        </p:cTn>
+                                        <p:tgtEl>
+                                          <p:spTgt spid="3">
+                                            <p:txEl>
+                                              <p:pRg st="1" end="1"/>
+                                            </p:txEl>
+                                          </p:spTgt>
+                                        </p:tgtEl>
+                                        <p:attrNameLst>
+                                          <p:attrName>style.visibility</p:attrName>
+                                        </p:attrNameLst>
+                                      </p:cBhvr>
+                                      <p:to>
+                                        <p:strVal val="visible"/>
+                                      </p:to>
+                                    </p:set>
+                                  </p:childTnLst>
+                                </p:cTn>
+                              </p:par>
+                            </p:childTnLst>
+                          </p:cTn>
+                        </p:par>
+                      </p:childTnLst>
+                    </p:cTn>
+                  </p:par>
+                  <p:par>
+                    <p:cTn id="7" fill="hold">
+                      <p:stCondLst>
+                        <p:cond delay="indefinite"/>
+                      </p:stCondLst>
+                      <p:childTnLst>
+                        <p:par>
+                          <p:cTn id="8" fill="hold">
+                            <p:stCondLst>
+                              <p:cond delay="0"/>
+                            </p:stCondLst>
+                            <p:childTnLst>
+                              <p:par>
+                                <p:cTn id="9" presetID="1" presetClass="entr" presetSubtype="0" fill="hold" nodeType="clickEffect">
+                                  <p:stCondLst>
+                                    <p:cond delay="0"/>
+                                  </p:stCondLst>
+                                  <p:childTnLst>
+                                    <p:set>
+                                      <p:cBhvr>
+                                        <p:cTn id="10" dur="1" fill="hold">
+                                          <p:stCondLst>
+                                            <p:cond delay="0"/>
+                                          </p:stCondLst>
+                                        </p:cTn>
+                                        <p:tgtEl>
+                                          <p:spTgt spid="3">
+                                            <p:txEl>
+                                              <p:pRg st="2" end="2"/>
+                                            </p:txEl>
+                                          </p:spTgt>
+                                        </p:tgtEl>
+                                        <p:attrNameLst>
+                                          <p:attrName>style.visibility</p:attrName>
+                                        </p:attrNameLst>
+                                      </p:cBhvr>
+                                      <p:to>
+                                        <p:strVal val="visible"/>
+                                      </p:to>
+                                    </p:set>
+                                  </p:childTnLst>
+                                </p:cTn>
+                              </p:par>
+                            </p:childTnLst>
+                          </p:cTn>
+                        </p:par>
+                      </p:childTnLst>
+                    </p:cTn>
+                  </p:par>
+                  <p:par>
+                    <p:cTn id="11" fill="hold">
+                      <p:stCondLst>
+                        <p:cond delay="indefinite"/>
+                      </p:stCondLst>
+                      <p:childTnLst>
+                        <p:par>
+                          <p:cTn id="12" fill="hold">
+                            <p:stCondLst>
+                              <p:cond delay="0"/>
+                            </p:stCondLst>
+                            <p:childTnLst>
+                              <p:par>
+                                <p:cTn id="13" presetID="1" presetClass="entr" presetSubtype="0" fill="hold" nodeType="clickEffect">
+                                  <p:stCondLst>
+                                    <p:cond delay="0"/>
+                                  </p:stCondLst>
+                                  <p:childTnLst>
+                                    <p:set>
+                                      <p:cBhvr>
+                                        <p:cTn id="14" dur="1" fill="hold">
+                                          <p:stCondLst>
+                                            <p:cond delay="0"/>
+                                          </p:stCondLst>
+                                        </p:cTn>
+                                        <p:tgtEl>
+                                          <p:spTgt spid="3">
+                                            <p:txEl>
+                                              <p:pRg st="3" end="3"/>
+                                            </p:txEl>
+                                          </p:spTgt>
+                                        </p:tgtEl>
+                                        <p:attrNameLst>
+                                          <p:attrName>style.visibility</p:attrName>
+                                        </p:attrNameLst>
+                                      </p:cBhvr>
+                                      <p:to>
+                                        <p:strVal val="visible"/>
+                                      </p:to>
+                                    </p:set>
+                                  </p:childTnLst>
+                                </p:cTn>
+                              </p:par>
+                            </p:childTnLst>
+                          </p:cTn>
+                        </p:par>
+                      </p:childTnLst>
+                    </p:cTn>
+                  </p:par>
+                  <p:par>
+                    <p:cTn id="15" fill="hold">
+                      <p:stCondLst>
+                        <p:cond delay="indefinite"/>
+                      </p:stCondLst>
+                      <p:childTnLst>
+                        <p:par>
+                          <p:cTn id="16" fill="hold">
+                            <p:stCondLst>
+                              <p:cond delay="0"/>
+                            </p:stCondLst>
+                            <p:childTnLst>
+                              <p:par>
+                                <p:cTn id="17" presetID="1" presetClass="entr" presetSubtype="0" fill="hold" nodeType="clickEffect">
+                                  <p:stCondLst>
+                                    <p:cond delay="0"/>
+                                  </p:stCondLst>
+                                  <p:childTnLst>
+                                    <p:set>
+                                      <p:cBhvr>
+                                        <p:cTn id="18" dur="1" fill="hold">
+                                          <p:stCondLst>
+                                            <p:cond delay="0"/>
+                                          </p:stCondLst>
+                                        </p:cTn>
+                                        <p:tgtEl>
+                                          <p:spTgt spid="3">
+                                            <p:txEl>
+                                              <p:pRg st="4" end="4"/>
+                                            </p:txEl>
+                                          </p:spTgt>
+                                        </p:tgtEl>
+                                        <p:attrNameLst>
+                                          <p:attrName>style.visibility</p:attrName>
+                                        </p:attrNameLst>
+                                      </p:cBhvr>
+                                      <p:to>
+                                        <p:strVal val="visible"/>
+                                      </p:to>
+                                    </p:set>
+                                  </p:childTnLst>
+                                </p:cTn>
+                              </p:par>
+                            </p:childTnLst>
+                          </p:cTn>
+                        </p:par>
+                      </p:childTnLst>
+                    </p:cTn>
+                  </p:par>
+                  <p:par>
+                    <p:cTn id="19" fill="hold">
+                      <p:stCondLst>
+                        <p:cond delay="indefinite"/>
+                      </p:stCondLst>
+                      <p:childTnLst>
+                        <p:par>
+                          <p:cTn id="20" fill="hold">
+                            <p:stCondLst>
+                              <p:cond delay="0"/>
+                            </p:stCondLst>
+                            <p:childTnLst>
+                              <p:par>
+                                <p:cTn id="21" presetID="1" presetClass="entr" presetSubtype="0" fill="hold" nodeType="clickEffect">
+                                  <p:stCondLst>
+                                    <p:cond delay="0"/>
+                                  </p:stCondLst>
+                                  <p:childTnLst>
+                                    <p:set>
+                                      <p:cBhvr>
+                                        <p:cTn id="22" dur="1" fill="hold">
+                                          <p:stCondLst>
+                                            <p:cond delay="0"/>
+                                          </p:stCondLst>
+                                        </p:cTn>
+                                        <p:tgtEl>
+                                          <p:spTgt spid="3">
+                                            <p:txEl>
+                                              <p:pRg st="5" end="5"/>
+                                            </p:txEl>
+                                          </p:spTgt>
+                                        </p:tgtEl>
+                                        <p:attrNameLst>
+                                          <p:attrName>style.visibility</p:attrName>
+                                        </p:attrNameLst>
+                                      </p:cBhvr>
+                                      <p:to>
+                                        <p:strVal val="visible"/>
+                                      </p:to>
+                                    </p:set>
+                                  </p:childTnLst>
+                                </p:cTn>
+                              </p:par>
+                            </p:childTnLst>
+                          </p:cTn>
+                        </p:par>
+                      </p:childTnLst>
+                    </p:cTn>
+                  </p:par>
+                </p:childTnLst>
+              </p:cTn>
+              <p:prevCondLst>
+                <p:cond evt="onPrev" delay="0">
+                  <p:tgtEl>
+                    <p:sldTgt/>
+                  </p:tgtEl>
+                </p:cond>
+              </p:prevCondLst>
+              <p:nextCondLst>
+                <p:cond evt="onNext" delay="0">
+                  <p:tgtEl>
+                    <p:sldTgt/>
+                  </p:tgtEl>
+                </p:cond>
+              </p:nextCondLst>
+            </p:seq>
+          </p:childTnLst>
+        </p:cTn>
+      </p:par>
+    </p:tnLst>
+  </p:timing>
 </p:sld>
 </file>
 
@@ -8663,14 +14705,14 @@
           <a:p>
             <a:r>
               <a:rPr lang="en-US" dirty="0"/>
-              <a:t>Scatter Chart</a:t>
+              <a:t>Agenda</a:t>
             </a:r>
           </a:p>
         </p:txBody>
       </p:sp>
       <p:sp>
         <p:nvSpPr>
-          <p:cNvPr id="4" name="Content Placeholder 3"/>
+          <p:cNvPr id="3" name="Content Placeholder 2"/>
           <p:cNvSpPr>
             <a:spLocks noGrp="1"/>
           </p:cNvSpPr>
@@ -8678,124 +14720,65 @@
             <p:ph idx="1"/>
           </p:nvPr>
         </p:nvSpPr>
-        <p:spPr>
-          <a:xfrm>
-            <a:off x="367430" y="1314274"/>
-            <a:ext cx="8547970" cy="5181600"/>
-          </a:xfrm>
-        </p:spPr>
+        <p:spPr/>
         <p:txBody>
           <a:bodyPr>
-            <a:normAutofit lnSpcReduction="10000"/>
+            <a:normAutofit/>
           </a:bodyPr>
           <a:lstStyle/>
           <a:p>
-            <a:r>
-              <a:rPr lang="en-US" sz="2400" dirty="0"/>
-              <a:t>Visualizes set of data points when looking for correlation</a:t>
-            </a:r>
-          </a:p>
-          <a:p>
-            <a:pPr lvl="1"/>
-            <a:r>
-              <a:rPr lang="en-US" sz="2000" dirty="0"/>
-              <a:t>Scatter chart used to discover correlation between two variables</a:t>
-            </a:r>
-          </a:p>
-          <a:p>
-            <a:pPr lvl="1"/>
-            <a:r>
-              <a:rPr lang="en-US" sz="2000" dirty="0"/>
-              <a:t>Each data point has two values which are mapped to X and Y axis</a:t>
-            </a:r>
-          </a:p>
-          <a:p>
-            <a:pPr lvl="1"/>
-            <a:endParaRPr lang="en-US" sz="2000" dirty="0"/>
-          </a:p>
-          <a:p>
-            <a:pPr lvl="1"/>
-            <a:endParaRPr lang="en-US" sz="2000" dirty="0"/>
-          </a:p>
-          <a:p>
-            <a:pPr lvl="1"/>
-            <a:endParaRPr lang="en-US" sz="2000" dirty="0"/>
-          </a:p>
-          <a:p>
-            <a:pPr lvl="1"/>
-            <a:endParaRPr lang="en-US" sz="2000" dirty="0"/>
-          </a:p>
-          <a:p>
-            <a:pPr lvl="1"/>
-            <a:endParaRPr lang="en-US" sz="2000" dirty="0"/>
-          </a:p>
-          <a:p>
-            <a:pPr lvl="1"/>
-            <a:endParaRPr lang="en-US" sz="2000" dirty="0"/>
-          </a:p>
-          <a:p>
-            <a:pPr lvl="1"/>
-            <a:endParaRPr lang="en-US" sz="2000" dirty="0"/>
-          </a:p>
-          <a:p>
-            <a:pPr lvl="1"/>
-            <a:endParaRPr lang="en-US" sz="2000" dirty="0"/>
-          </a:p>
-          <a:p>
-            <a:pPr lvl="1"/>
-            <a:endParaRPr lang="en-US" sz="2000" dirty="0"/>
-          </a:p>
-          <a:p>
-            <a:pPr lvl="1"/>
-            <a:endParaRPr lang="en-US" sz="2000" dirty="0"/>
-          </a:p>
-          <a:p>
-            <a:pPr marL="347662" lvl="1" indent="0">
-              <a:buNone/>
+            <a:pPr>
+              <a:buFont typeface="Wingdings" panose="05000000000000000000" pitchFamily="2" charset="2"/>
+              <a:buChar char="ü"/>
             </a:pPr>
             <a:r>
-              <a:rPr lang="en-US" sz="1600" i="1" dirty="0"/>
-              <a:t>      </a:t>
-            </a:r>
-            <a:r>
-              <a:rPr lang="en-US" sz="1600" i="1" dirty="0">
-                <a:solidFill>
-                  <a:schemeClr val="accent1"/>
-                </a:solidFill>
-              </a:rPr>
-              <a:t>How does number of items purchase per customer affect average purchase price?</a:t>
-            </a:r>
+              <a:rPr lang="en-US" dirty="0"/>
+              <a:t>Introduction to Custom Visuals in Power BI</a:t>
+            </a:r>
+          </a:p>
+          <a:p>
+            <a:pPr>
+              <a:buFont typeface="Wingdings" panose="05000000000000000000" pitchFamily="2" charset="2"/>
+              <a:buChar char="Ø"/>
+            </a:pPr>
+            <a:r>
+              <a:rPr lang="en-US" dirty="0"/>
+              <a:t>Programming in Typescript</a:t>
+            </a:r>
+          </a:p>
+          <a:p>
+            <a:r>
+              <a:rPr lang="en-US" dirty="0"/>
+              <a:t>Programming with the D3 Library</a:t>
+            </a:r>
+          </a:p>
+          <a:p>
+            <a:r>
+              <a:rPr lang="en-US" dirty="0"/>
+              <a:t>Getting Started with the PBIVIZ Utility</a:t>
+            </a:r>
+          </a:p>
+          <a:p>
+            <a:r>
+              <a:rPr lang="en-US" dirty="0"/>
+              <a:t>Designing and Implementing Custom Visuals</a:t>
+            </a:r>
+          </a:p>
+          <a:p>
+            <a:r>
+              <a:rPr lang="en-US" dirty="0"/>
+              <a:t>Packaging and Distribution Custom Visuals</a:t>
+            </a:r>
+          </a:p>
+          <a:p>
+            <a:endParaRPr lang="en-US" dirty="0"/>
           </a:p>
         </p:txBody>
       </p:sp>
-      <p:pic>
-        <p:nvPicPr>
-          <p:cNvPr id="3" name="Picture 2"/>
-          <p:cNvPicPr>
-            <a:picLocks noChangeAspect="1"/>
-          </p:cNvPicPr>
-          <p:nvPr/>
-        </p:nvPicPr>
-        <p:blipFill>
-          <a:blip r:embed="rId2"/>
-          <a:stretch>
-            <a:fillRect/>
-          </a:stretch>
-        </p:blipFill>
-        <p:spPr>
-          <a:xfrm>
-            <a:off x="1147516" y="2590800"/>
-            <a:ext cx="6620368" cy="3657600"/>
-          </a:xfrm>
-          <a:prstGeom prst="rect">
-            <a:avLst/>
-          </a:prstGeom>
-        </p:spPr>
-      </p:pic>
     </p:spTree>
     <p:extLst>
       <p:ext uri="{BB962C8B-B14F-4D97-AF65-F5344CB8AC3E}">
-        <p14:creationId xmlns:p14="http://schemas.microsoft.com/office/powerpoint/2010/main" val="2656137170"/>
+        <p14:creationId xmlns:p14="http://schemas.microsoft.com/office/powerpoint/2010/main" val="1401580105"/>
       </p:ext>
     </p:extLst>
   </p:cSld>
@@ -9940,14 +15923,14 @@
 <file path=customXml/itemProps3.xml><?xml version="1.0" encoding="utf-8"?>
 <ds:datastoreItem xmlns:ds="http://schemas.openxmlformats.org/officeDocument/2006/customXml" ds:itemID="{A5547237-B119-45CA-BEFC-A2DA2BDB03E7}">
   <ds:schemaRefs>
+    <ds:schemaRef ds:uri="http://schemas.microsoft.com/office/2006/documentManagement/types"/>
+    <ds:schemaRef ds:uri="http://purl.org/dc/terms/"/>
+    <ds:schemaRef ds:uri="http://schemas.microsoft.com/office/infopath/2007/PartnerControls"/>
+    <ds:schemaRef ds:uri="http://purl.org/dc/elements/1.1/"/>
+    <ds:schemaRef ds:uri="http://schemas.microsoft.com/office/2006/metadata/properties"/>
+    <ds:schemaRef ds:uri="http://www.w3.org/XML/1998/namespace"/>
     <ds:schemaRef ds:uri="http://schemas.openxmlformats.org/package/2006/metadata/core-properties"/>
     <ds:schemaRef ds:uri="http://purl.org/dc/dcmitype/"/>
-    <ds:schemaRef ds:uri="http://schemas.microsoft.com/office/2006/documentManagement/types"/>
-    <ds:schemaRef ds:uri="http://purl.org/dc/elements/1.1/"/>
-    <ds:schemaRef ds:uri="http://purl.org/dc/terms/"/>
-    <ds:schemaRef ds:uri="http://schemas.microsoft.com/office/infopath/2007/PartnerControls"/>
-    <ds:schemaRef ds:uri="http://schemas.microsoft.com/office/2006/metadata/properties"/>
-    <ds:schemaRef ds:uri="http://www.w3.org/XML/1998/namespace"/>
   </ds:schemaRefs>
 </ds:datastoreItem>
 </file>

--- a/CustomVisualsForPowerBI.pptx
+++ b/CustomVisualsForPowerBI.pptx
@@ -16039,6 +16039,21 @@
 </file>
 
 <file path=customXml/item1.xml><?xml version="1.0" encoding="utf-8"?>
+<?mso-contentType ?>
+<FormTemplates xmlns="http://schemas.microsoft.com/sharepoint/v3/contenttype/forms">
+  <Display>DocumentLibraryForm</Display>
+  <Edit>DocumentLibraryForm</Edit>
+  <New>DocumentLibraryForm</New>
+</FormTemplates>
+</file>
+
+<file path=customXml/item2.xml><?xml version="1.0" encoding="utf-8"?>
+<p:properties xmlns:p="http://schemas.microsoft.com/office/2006/metadata/properties" xmlns:xsi="http://www.w3.org/2001/XMLSchema-instance">
+  <documentManagement/>
+</p:properties>
+</file>
+
+<file path=customXml/item3.xml><?xml version="1.0" encoding="utf-8"?>
 <ct:contentTypeSchema xmlns:ct="http://schemas.microsoft.com/office/2006/metadata/contentType" xmlns:ma="http://schemas.microsoft.com/office/2006/metadata/properties/metaAttributes" ct:_="" ma:_="" ma:contentTypeName="Document" ma:contentTypeID="0x01010043F7775CCE86F349BB7C51FB3CE6B150" ma:contentTypeVersion="0" ma:contentTypeDescription="Create a new document." ma:contentTypeScope="" ma:versionID="bb563817a2861b6b5994bd26a2ba9e40">
   <xsd:schema xmlns:xsd="http://www.w3.org/2001/XMLSchema" xmlns:xs="http://www.w3.org/2001/XMLSchema" xmlns:p="http://schemas.microsoft.com/office/2006/metadata/properties" targetNamespace="http://schemas.microsoft.com/office/2006/metadata/properties" ma:root="true" ma:fieldsID="c64490b4aec6201516c3a874156f37b2">
     <xsd:element name="properties">
@@ -16150,21 +16165,6 @@
     <xs:element name="TermId" type="xs:string"/>
   </xs:schema>
 </ct:contentTypeSchema>
-</file>
-
-<file path=customXml/item2.xml><?xml version="1.0" encoding="utf-8"?>
-<?mso-contentType ?>
-<FormTemplates xmlns="http://schemas.microsoft.com/sharepoint/v3/contenttype/forms">
-  <Display>DocumentLibraryForm</Display>
-  <Edit>DocumentLibraryForm</Edit>
-  <New>DocumentLibraryForm</New>
-</FormTemplates>
-</file>
-
-<file path=customXml/item3.xml><?xml version="1.0" encoding="utf-8"?>
-<p:properties xmlns:p="http://schemas.microsoft.com/office/2006/metadata/properties" xmlns:xsi="http://www.w3.org/2001/XMLSchema-instance">
-  <documentManagement/>
-</p:properties>
 </file>
 
 <file path=customXml/item4.xml><?xml version="1.0" encoding="utf-8"?>
@@ -16318,6 +16318,29 @@
 </file>
 
 <file path=customXml/itemProps1.xml><?xml version="1.0" encoding="utf-8"?>
+<ds:datastoreItem xmlns:ds="http://schemas.openxmlformats.org/officeDocument/2006/customXml" ds:itemID="{6034B84F-8F8E-48B7-9EFF-C7DE1A66BD73}">
+  <ds:schemaRefs>
+    <ds:schemaRef ds:uri="http://schemas.microsoft.com/sharepoint/v3/contenttype/forms"/>
+  </ds:schemaRefs>
+</ds:datastoreItem>
+</file>
+
+<file path=customXml/itemProps2.xml><?xml version="1.0" encoding="utf-8"?>
+<ds:datastoreItem xmlns:ds="http://schemas.openxmlformats.org/officeDocument/2006/customXml" ds:itemID="{A5547237-B119-45CA-BEFC-A2DA2BDB03E7}">
+  <ds:schemaRefs>
+    <ds:schemaRef ds:uri="http://schemas.microsoft.com/office/2006/documentManagement/types"/>
+    <ds:schemaRef ds:uri="http://schemas.microsoft.com/office/infopath/2007/PartnerControls"/>
+    <ds:schemaRef ds:uri="http://schemas.microsoft.com/office/2006/metadata/properties"/>
+    <ds:schemaRef ds:uri="http://purl.org/dc/terms/"/>
+    <ds:schemaRef ds:uri="http://purl.org/dc/elements/1.1/"/>
+    <ds:schemaRef ds:uri="http://schemas.openxmlformats.org/package/2006/metadata/core-properties"/>
+    <ds:schemaRef ds:uri="http://www.w3.org/XML/1998/namespace"/>
+    <ds:schemaRef ds:uri="http://purl.org/dc/dcmitype/"/>
+  </ds:schemaRefs>
+</ds:datastoreItem>
+</file>
+
+<file path=customXml/itemProps3.xml><?xml version="1.0" encoding="utf-8"?>
 <ds:datastoreItem xmlns:ds="http://schemas.openxmlformats.org/officeDocument/2006/customXml" ds:itemID="{63F8C001-70B3-4AE4-BEC2-202AE4E30C7A}">
   <ds:schemaRefs>
     <ds:schemaRef ds:uri="http://schemas.microsoft.com/office/2006/metadata/contentType"/>
@@ -16333,29 +16356,6 @@
 </ds:datastoreItem>
 </file>
 
-<file path=customXml/itemProps2.xml><?xml version="1.0" encoding="utf-8"?>
-<ds:datastoreItem xmlns:ds="http://schemas.openxmlformats.org/officeDocument/2006/customXml" ds:itemID="{6034B84F-8F8E-48B7-9EFF-C7DE1A66BD73}">
-  <ds:schemaRefs>
-    <ds:schemaRef ds:uri="http://schemas.microsoft.com/sharepoint/v3/contenttype/forms"/>
-  </ds:schemaRefs>
-</ds:datastoreItem>
-</file>
-
-<file path=customXml/itemProps3.xml><?xml version="1.0" encoding="utf-8"?>
-<ds:datastoreItem xmlns:ds="http://schemas.openxmlformats.org/officeDocument/2006/customXml" ds:itemID="{A5547237-B119-45CA-BEFC-A2DA2BDB03E7}">
-  <ds:schemaRefs>
-    <ds:schemaRef ds:uri="http://schemas.microsoft.com/office/2006/documentManagement/types"/>
-    <ds:schemaRef ds:uri="http://schemas.microsoft.com/office/infopath/2007/PartnerControls"/>
-    <ds:schemaRef ds:uri="http://schemas.microsoft.com/office/2006/metadata/properties"/>
-    <ds:schemaRef ds:uri="http://purl.org/dc/terms/"/>
-    <ds:schemaRef ds:uri="http://purl.org/dc/elements/1.1/"/>
-    <ds:schemaRef ds:uri="http://schemas.openxmlformats.org/package/2006/metadata/core-properties"/>
-    <ds:schemaRef ds:uri="http://www.w3.org/XML/1998/namespace"/>
-    <ds:schemaRef ds:uri="http://purl.org/dc/dcmitype/"/>
-  </ds:schemaRefs>
-</ds:datastoreItem>
-</file>
-
 <file path=customXml/itemProps4.xml><?xml version="1.0" encoding="utf-8"?>
 <ds:datastoreItem xmlns:ds="http://schemas.openxmlformats.org/officeDocument/2006/customXml" ds:itemID="{8865FC99-B6BD-4E98-8312-F4F432C217EA}">
   <ds:schemaRefs>
